--- a/01_Projektmanagement/Assignment 5 - Project Managements Methods.pptx
+++ b/01_Projektmanagement/Assignment 5 - Project Managements Methods.pptx
@@ -5,20 +5,24 @@
     <p:sldMasterId id="2147483648" r:id="rId1"/>
   </p:sldMasterIdLst>
   <p:notesMasterIdLst>
-    <p:notesMasterId r:id="rId10"/>
+    <p:notesMasterId r:id="rId14"/>
   </p:notesMasterIdLst>
   <p:handoutMasterIdLst>
-    <p:handoutMasterId r:id="rId11"/>
+    <p:handoutMasterId r:id="rId15"/>
   </p:handoutMasterIdLst>
   <p:sldIdLst>
     <p:sldId id="256" r:id="rId2"/>
     <p:sldId id="1735" r:id="rId3"/>
-    <p:sldId id="1414" r:id="rId4"/>
-    <p:sldId id="1736" r:id="rId5"/>
-    <p:sldId id="1737" r:id="rId6"/>
-    <p:sldId id="1738" r:id="rId7"/>
-    <p:sldId id="1739" r:id="rId8"/>
-    <p:sldId id="1740" r:id="rId9"/>
+    <p:sldId id="1743" r:id="rId4"/>
+    <p:sldId id="1744" r:id="rId5"/>
+    <p:sldId id="1745" r:id="rId6"/>
+    <p:sldId id="1746" r:id="rId7"/>
+    <p:sldId id="1747" r:id="rId8"/>
+    <p:sldId id="1748" r:id="rId9"/>
+    <p:sldId id="1740" r:id="rId10"/>
+    <p:sldId id="1741" r:id="rId11"/>
+    <p:sldId id="1742" r:id="rId12"/>
+    <p:sldId id="1749" r:id="rId13"/>
   </p:sldIdLst>
   <p:sldSz cx="9906000" cy="6858000" type="A4"/>
   <p:notesSz cx="6797675" cy="9926638"/>
@@ -179,103 +183,6 @@
       <pc:docMkLst>
         <pc:docMk/>
       </pc:docMkLst>
-      <pc:sldChg chg="del">
-        <pc:chgData name="Chris G" userId="ec6dd0bf820af39d" providerId="LiveId" clId="{77B084DB-34BD-4714-AFF6-B98C98F6D19D}" dt="2018-01-19T18:38:14.499" v="372" actId="2696"/>
-        <pc:sldMkLst>
-          <pc:docMk/>
-          <pc:sldMk cId="813301454" sldId="1346"/>
-        </pc:sldMkLst>
-      </pc:sldChg>
-      <pc:sldChg chg="addSp delSp modSp">
-        <pc:chgData name="Chris G" userId="ec6dd0bf820af39d" providerId="LiveId" clId="{77B084DB-34BD-4714-AFF6-B98C98F6D19D}" dt="2018-01-19T18:33:34.209" v="369" actId="20577"/>
-        <pc:sldMkLst>
-          <pc:docMk/>
-          <pc:sldMk cId="3783011249" sldId="1414"/>
-        </pc:sldMkLst>
-        <pc:spChg chg="del">
-          <ac:chgData name="Chris G" userId="ec6dd0bf820af39d" providerId="LiveId" clId="{77B084DB-34BD-4714-AFF6-B98C98F6D19D}" dt="2018-01-19T18:17:50.519" v="7" actId="478"/>
-          <ac:spMkLst>
-            <pc:docMk/>
-            <pc:sldMk cId="3783011249" sldId="1414"/>
-            <ac:spMk id="5" creationId="{00000000-0000-0000-0000-000000000000}"/>
-          </ac:spMkLst>
-        </pc:spChg>
-        <pc:spChg chg="add mod">
-          <ac:chgData name="Chris G" userId="ec6dd0bf820af39d" providerId="LiveId" clId="{77B084DB-34BD-4714-AFF6-B98C98F6D19D}" dt="2018-01-19T18:33:34.209" v="369" actId="20577"/>
-          <ac:spMkLst>
-            <pc:docMk/>
-            <pc:sldMk cId="3783011249" sldId="1414"/>
-            <ac:spMk id="6" creationId="{D7444C00-D4A1-4F53-801B-FF32780B7C6D}"/>
-          </ac:spMkLst>
-        </pc:spChg>
-        <pc:spChg chg="mod">
-          <ac:chgData name="Chris G" userId="ec6dd0bf820af39d" providerId="LiveId" clId="{77B084DB-34BD-4714-AFF6-B98C98F6D19D}" dt="2018-01-19T18:15:26.676" v="5" actId="20577"/>
-          <ac:spMkLst>
-            <pc:docMk/>
-            <pc:sldMk cId="3783011249" sldId="1414"/>
-            <ac:spMk id="7" creationId="{00000000-0000-0000-0000-000000000000}"/>
-          </ac:spMkLst>
-        </pc:spChg>
-        <pc:spChg chg="del">
-          <ac:chgData name="Chris G" userId="ec6dd0bf820af39d" providerId="LiveId" clId="{77B084DB-34BD-4714-AFF6-B98C98F6D19D}" dt="2018-01-19T18:17:49.420" v="6" actId="478"/>
-          <ac:spMkLst>
-            <pc:docMk/>
-            <pc:sldMk cId="3783011249" sldId="1414"/>
-            <ac:spMk id="12" creationId="{00000000-0000-0000-0000-000000000000}"/>
-          </ac:spMkLst>
-        </pc:spChg>
-        <pc:cxnChg chg="del">
-          <ac:chgData name="Chris G" userId="ec6dd0bf820af39d" providerId="LiveId" clId="{77B084DB-34BD-4714-AFF6-B98C98F6D19D}" dt="2018-01-19T18:17:51.303" v="8" actId="478"/>
-          <ac:cxnSpMkLst>
-            <pc:docMk/>
-            <pc:sldMk cId="3783011249" sldId="1414"/>
-            <ac:cxnSpMk id="14" creationId="{00000000-0000-0000-0000-000000000000}"/>
-          </ac:cxnSpMkLst>
-        </pc:cxnChg>
-        <pc:cxnChg chg="del">
-          <ac:chgData name="Chris G" userId="ec6dd0bf820af39d" providerId="LiveId" clId="{77B084DB-34BD-4714-AFF6-B98C98F6D19D}" dt="2018-01-19T18:17:52.146" v="9" actId="478"/>
-          <ac:cxnSpMkLst>
-            <pc:docMk/>
-            <pc:sldMk cId="3783011249" sldId="1414"/>
-            <ac:cxnSpMk id="16" creationId="{00000000-0000-0000-0000-000000000000}"/>
-          </ac:cxnSpMkLst>
-        </pc:cxnChg>
-      </pc:sldChg>
-      <pc:sldChg chg="del">
-        <pc:chgData name="Chris G" userId="ec6dd0bf820af39d" providerId="LiveId" clId="{77B084DB-34BD-4714-AFF6-B98C98F6D19D}" dt="2018-01-19T18:38:14.594" v="377" actId="2696"/>
-        <pc:sldMkLst>
-          <pc:docMk/>
-          <pc:sldMk cId="2971754845" sldId="1475"/>
-        </pc:sldMkLst>
-      </pc:sldChg>
-      <pc:sldChg chg="del">
-        <pc:chgData name="Chris G" userId="ec6dd0bf820af39d" providerId="LiveId" clId="{77B084DB-34BD-4714-AFF6-B98C98F6D19D}" dt="2018-01-19T18:38:14.686" v="382" actId="2696"/>
-        <pc:sldMkLst>
-          <pc:docMk/>
-          <pc:sldMk cId="1986613221" sldId="1731"/>
-        </pc:sldMkLst>
-      </pc:sldChg>
-      <pc:sldChg chg="del">
-        <pc:chgData name="Chris G" userId="ec6dd0bf820af39d" providerId="LiveId" clId="{77B084DB-34BD-4714-AFF6-B98C98F6D19D}" dt="2018-01-19T18:38:14.579" v="376" actId="2696"/>
-        <pc:sldMkLst>
-          <pc:docMk/>
-          <pc:sldMk cId="990820549" sldId="1732"/>
-        </pc:sldMkLst>
-      </pc:sldChg>
-      <pc:sldChg chg="del">
-        <pc:chgData name="Chris G" userId="ec6dd0bf820af39d" providerId="LiveId" clId="{77B084DB-34BD-4714-AFF6-B98C98F6D19D}" dt="2018-01-19T18:38:14.563" v="375" actId="2696"/>
-        <pc:sldMkLst>
-          <pc:docMk/>
-          <pc:sldMk cId="3177867338" sldId="1733"/>
-        </pc:sldMkLst>
-      </pc:sldChg>
-      <pc:sldChg chg="del">
-        <pc:chgData name="Chris G" userId="ec6dd0bf820af39d" providerId="LiveId" clId="{77B084DB-34BD-4714-AFF6-B98C98F6D19D}" dt="2018-01-19T18:38:14.540" v="374" actId="2696"/>
-        <pc:sldMkLst>
-          <pc:docMk/>
-          <pc:sldMk cId="2183191849" sldId="1734"/>
-        </pc:sldMkLst>
-      </pc:sldChg>
       <pc:sldChg chg="modSp">
         <pc:chgData name="Chris G" userId="ec6dd0bf820af39d" providerId="LiveId" clId="{77B084DB-34BD-4714-AFF6-B98C98F6D19D}" dt="2018-01-19T18:41:39.476" v="445" actId="20577"/>
         <pc:sldMkLst>
@@ -288,125 +195,6 @@
             <pc:docMk/>
             <pc:sldMk cId="1175140175" sldId="1735"/>
             <ac:spMk id="2" creationId="{00000000-0000-0000-0000-000000000000}"/>
-          </ac:spMkLst>
-        </pc:spChg>
-      </pc:sldChg>
-      <pc:sldChg chg="del">
-        <pc:chgData name="Chris G" userId="ec6dd0bf820af39d" providerId="LiveId" clId="{77B084DB-34BD-4714-AFF6-B98C98F6D19D}" dt="2018-01-19T18:38:14.645" v="380" actId="2696"/>
-        <pc:sldMkLst>
-          <pc:docMk/>
-          <pc:sldMk cId="2897334679" sldId="1736"/>
-        </pc:sldMkLst>
-      </pc:sldChg>
-      <pc:sldChg chg="addSp delSp modSp add">
-        <pc:chgData name="Chris G" userId="ec6dd0bf820af39d" providerId="LiveId" clId="{77B084DB-34BD-4714-AFF6-B98C98F6D19D}" dt="2018-01-19T18:39:48.825" v="401" actId="27636"/>
-        <pc:sldMkLst>
-          <pc:docMk/>
-          <pc:sldMk cId="3994524694" sldId="1736"/>
-        </pc:sldMkLst>
-        <pc:spChg chg="del">
-          <ac:chgData name="Chris G" userId="ec6dd0bf820af39d" providerId="LiveId" clId="{77B084DB-34BD-4714-AFF6-B98C98F6D19D}" dt="2018-01-19T18:38:28.392" v="387"/>
-          <ac:spMkLst>
-            <pc:docMk/>
-            <pc:sldMk cId="3994524694" sldId="1736"/>
-            <ac:spMk id="2" creationId="{A0105FEC-B04B-4AE6-A624-FAFDD2BB3013}"/>
-          </ac:spMkLst>
-        </pc:spChg>
-        <pc:spChg chg="del">
-          <ac:chgData name="Chris G" userId="ec6dd0bf820af39d" providerId="LiveId" clId="{77B084DB-34BD-4714-AFF6-B98C98F6D19D}" dt="2018-01-19T18:38:28.392" v="387"/>
-          <ac:spMkLst>
-            <pc:docMk/>
-            <pc:sldMk cId="3994524694" sldId="1736"/>
-            <ac:spMk id="3" creationId="{9DCFF1CF-81C0-49C3-BD13-4C94D0155A59}"/>
-          </ac:spMkLst>
-        </pc:spChg>
-        <pc:spChg chg="add mod">
-          <ac:chgData name="Chris G" userId="ec6dd0bf820af39d" providerId="LiveId" clId="{77B084DB-34BD-4714-AFF6-B98C98F6D19D}" dt="2018-01-19T18:38:28.392" v="387"/>
-          <ac:spMkLst>
-            <pc:docMk/>
-            <pc:sldMk cId="3994524694" sldId="1736"/>
-            <ac:spMk id="7" creationId="{049D6DC9-D507-4204-8ADD-50173F44B456}"/>
-          </ac:spMkLst>
-        </pc:spChg>
-        <pc:spChg chg="add mod">
-          <ac:chgData name="Chris G" userId="ec6dd0bf820af39d" providerId="LiveId" clId="{77B084DB-34BD-4714-AFF6-B98C98F6D19D}" dt="2018-01-19T18:39:48.825" v="401" actId="27636"/>
-          <ac:spMkLst>
-            <pc:docMk/>
-            <pc:sldMk cId="3994524694" sldId="1736"/>
-            <ac:spMk id="8" creationId="{B4C15081-4C46-4C61-946B-BAC305253743}"/>
-          </ac:spMkLst>
-        </pc:spChg>
-      </pc:sldChg>
-      <pc:sldChg chg="del">
-        <pc:chgData name="Chris G" userId="ec6dd0bf820af39d" providerId="LiveId" clId="{77B084DB-34BD-4714-AFF6-B98C98F6D19D}" dt="2018-01-19T18:38:14.746" v="384" actId="2696"/>
-        <pc:sldMkLst>
-          <pc:docMk/>
-          <pc:sldMk cId="320333893" sldId="1737"/>
-        </pc:sldMkLst>
-      </pc:sldChg>
-      <pc:sldChg chg="modSp add">
-        <pc:chgData name="Chris G" userId="ec6dd0bf820af39d" providerId="LiveId" clId="{77B084DB-34BD-4714-AFF6-B98C98F6D19D}" dt="2018-01-19T18:40:00.791" v="405" actId="27636"/>
-        <pc:sldMkLst>
-          <pc:docMk/>
-          <pc:sldMk cId="621859182" sldId="1737"/>
-        </pc:sldMkLst>
-        <pc:spChg chg="mod">
-          <ac:chgData name="Chris G" userId="ec6dd0bf820af39d" providerId="LiveId" clId="{77B084DB-34BD-4714-AFF6-B98C98F6D19D}" dt="2018-01-19T18:40:00.791" v="405" actId="27636"/>
-          <ac:spMkLst>
-            <pc:docMk/>
-            <pc:sldMk cId="621859182" sldId="1737"/>
-            <ac:spMk id="3" creationId="{0BDC4429-6727-4B06-A9CC-011BD6D60372}"/>
-          </ac:spMkLst>
-        </pc:spChg>
-      </pc:sldChg>
-      <pc:sldChg chg="modSp add">
-        <pc:chgData name="Chris G" userId="ec6dd0bf820af39d" providerId="LiveId" clId="{77B084DB-34BD-4714-AFF6-B98C98F6D19D}" dt="2018-01-19T18:40:28.138" v="412" actId="27636"/>
-        <pc:sldMkLst>
-          <pc:docMk/>
-          <pc:sldMk cId="1555639443" sldId="1738"/>
-        </pc:sldMkLst>
-        <pc:spChg chg="mod">
-          <ac:chgData name="Chris G" userId="ec6dd0bf820af39d" providerId="LiveId" clId="{77B084DB-34BD-4714-AFF6-B98C98F6D19D}" dt="2018-01-19T18:40:28.138" v="412" actId="27636"/>
-          <ac:spMkLst>
-            <pc:docMk/>
-            <pc:sldMk cId="1555639443" sldId="1738"/>
-            <ac:spMk id="3" creationId="{25E25124-33FF-4053-A098-1E5A77DAF276}"/>
-          </ac:spMkLst>
-        </pc:spChg>
-      </pc:sldChg>
-      <pc:sldChg chg="del">
-        <pc:chgData name="Chris G" userId="ec6dd0bf820af39d" providerId="LiveId" clId="{77B084DB-34BD-4714-AFF6-B98C98F6D19D}" dt="2018-01-19T18:38:14.455" v="370" actId="2696"/>
-        <pc:sldMkLst>
-          <pc:docMk/>
-          <pc:sldMk cId="2834264583" sldId="1738"/>
-        </pc:sldMkLst>
-      </pc:sldChg>
-      <pc:sldChg chg="add del">
-        <pc:chgData name="Chris G" userId="ec6dd0bf820af39d" providerId="LiveId" clId="{77B084DB-34BD-4714-AFF6-B98C98F6D19D}" dt="2018-01-19T18:40:10.836" v="407" actId="2696"/>
-        <pc:sldMkLst>
-          <pc:docMk/>
-          <pc:sldMk cId="4220109359" sldId="1738"/>
-        </pc:sldMkLst>
-      </pc:sldChg>
-      <pc:sldChg chg="del">
-        <pc:chgData name="Chris G" userId="ec6dd0bf820af39d" providerId="LiveId" clId="{77B084DB-34BD-4714-AFF6-B98C98F6D19D}" dt="2018-01-19T18:38:14.620" v="379" actId="2696"/>
-        <pc:sldMkLst>
-          <pc:docMk/>
-          <pc:sldMk cId="3261605306" sldId="1739"/>
-        </pc:sldMkLst>
-      </pc:sldChg>
-      <pc:sldChg chg="modSp add">
-        <pc:chgData name="Chris G" userId="ec6dd0bf820af39d" providerId="LiveId" clId="{77B084DB-34BD-4714-AFF6-B98C98F6D19D}" dt="2018-01-19T18:40:48.362" v="417" actId="27636"/>
-        <pc:sldMkLst>
-          <pc:docMk/>
-          <pc:sldMk cId="3343622710" sldId="1739"/>
-        </pc:sldMkLst>
-        <pc:spChg chg="mod">
-          <ac:chgData name="Chris G" userId="ec6dd0bf820af39d" providerId="LiveId" clId="{77B084DB-34BD-4714-AFF6-B98C98F6D19D}" dt="2018-01-19T18:40:48.362" v="417" actId="27636"/>
-          <ac:spMkLst>
-            <pc:docMk/>
-            <pc:sldMk cId="3343622710" sldId="1739"/>
-            <ac:spMk id="3" creationId="{DD86BFA9-6611-498A-8A73-D28317943EF2}"/>
           </ac:spMkLst>
         </pc:spChg>
       </pc:sldChg>
@@ -425,49 +213,14 @@
           </ac:spMkLst>
         </pc:spChg>
       </pc:sldChg>
-      <pc:sldChg chg="del">
-        <pc:chgData name="Chris G" userId="ec6dd0bf820af39d" providerId="LiveId" clId="{77B084DB-34BD-4714-AFF6-B98C98F6D19D}" dt="2018-01-19T18:38:14.478" v="371" actId="2696"/>
-        <pc:sldMkLst>
-          <pc:docMk/>
-          <pc:sldMk cId="2904896374" sldId="1740"/>
-        </pc:sldMkLst>
-      </pc:sldChg>
-      <pc:sldChg chg="del">
-        <pc:chgData name="Chris G" userId="ec6dd0bf820af39d" providerId="LiveId" clId="{77B084DB-34BD-4714-AFF6-B98C98F6D19D}" dt="2018-01-19T18:38:14.520" v="373" actId="2696"/>
-        <pc:sldMkLst>
-          <pc:docMk/>
-          <pc:sldMk cId="2980696993" sldId="1741"/>
-        </pc:sldMkLst>
-      </pc:sldChg>
-      <pc:sldChg chg="del">
-        <pc:chgData name="Chris G" userId="ec6dd0bf820af39d" providerId="LiveId" clId="{77B084DB-34BD-4714-AFF6-B98C98F6D19D}" dt="2018-01-19T18:38:14.735" v="383" actId="2696"/>
-        <pc:sldMkLst>
-          <pc:docMk/>
-          <pc:sldMk cId="1950542766" sldId="1742"/>
-        </pc:sldMkLst>
-      </pc:sldChg>
-      <pc:sldChg chg="del">
-        <pc:chgData name="Chris G" userId="ec6dd0bf820af39d" providerId="LiveId" clId="{77B084DB-34BD-4714-AFF6-B98C98F6D19D}" dt="2018-01-19T18:38:14.662" v="381" actId="2696"/>
-        <pc:sldMkLst>
-          <pc:docMk/>
-          <pc:sldMk cId="4273920080" sldId="1743"/>
-        </pc:sldMkLst>
-      </pc:sldChg>
-      <pc:sldChg chg="del">
-        <pc:chgData name="Chris G" userId="ec6dd0bf820af39d" providerId="LiveId" clId="{77B084DB-34BD-4714-AFF6-B98C98F6D19D}" dt="2018-01-19T18:38:14.607" v="378" actId="2696"/>
-        <pc:sldMkLst>
-          <pc:docMk/>
-          <pc:sldMk cId="264365220" sldId="1744"/>
-        </pc:sldMkLst>
-      </pc:sldChg>
       <pc:sldMasterChg chg="modSldLayout">
-        <pc:chgData name="Chris G" userId="ec6dd0bf820af39d" providerId="LiveId" clId="{77B084DB-34BD-4714-AFF6-B98C98F6D19D}" dt="2018-01-19T18:39:27.761" v="397"/>
+        <pc:chgData name="Chris G" userId="ec6dd0bf820af39d" providerId="LiveId" clId="{77B084DB-34BD-4714-AFF6-B98C98F6D19D}" dt="2018-01-19T18:39:27.761" v="397" actId="20577"/>
         <pc:sldMasterMkLst>
           <pc:docMk/>
           <pc:sldMasterMk cId="1056324580" sldId="2147483648"/>
         </pc:sldMasterMkLst>
         <pc:sldLayoutChg chg="modSp">
-          <pc:chgData name="Chris G" userId="ec6dd0bf820af39d" providerId="LiveId" clId="{77B084DB-34BD-4714-AFF6-B98C98F6D19D}" dt="2018-01-19T18:39:27.761" v="397"/>
+          <pc:chgData name="Chris G" userId="ec6dd0bf820af39d" providerId="LiveId" clId="{77B084DB-34BD-4714-AFF6-B98C98F6D19D}" dt="2018-01-19T18:39:27.761" v="397" actId="20577"/>
           <pc:sldLayoutMkLst>
             <pc:docMk/>
             <pc:sldMasterMk cId="1056324580" sldId="2147483648"/>
@@ -483,7 +236,7 @@
             </ac:spMkLst>
           </pc:spChg>
           <pc:spChg chg="mod">
-            <ac:chgData name="Chris G" userId="ec6dd0bf820af39d" providerId="LiveId" clId="{77B084DB-34BD-4714-AFF6-B98C98F6D19D}" dt="2018-01-19T18:39:27.761" v="397"/>
+            <ac:chgData name="Chris G" userId="ec6dd0bf820af39d" providerId="LiveId" clId="{77B084DB-34BD-4714-AFF6-B98C98F6D19D}" dt="2018-01-19T18:39:27.761" v="397" actId="20577"/>
             <ac:spMkLst>
               <pc:docMk/>
               <pc:sldMasterMk cId="1056324580" sldId="2147483648"/>
@@ -521,6 +274,934 @@
       </pc:sldMasterChg>
     </pc:docChg>
   </pc:docChgLst>
+  <pc:docChgLst>
+    <pc:chgData name="Chris G" userId="ec6dd0bf820af39d" providerId="LiveId" clId="{A6C1FA34-9980-42BD-90CE-52D17F13C601}"/>
+    <pc:docChg chg="undo redo custSel addSld delSld modSld">
+      <pc:chgData name="Chris G" userId="ec6dd0bf820af39d" providerId="LiveId" clId="{A6C1FA34-9980-42BD-90CE-52D17F13C601}" dt="2018-01-21T19:40:09.843" v="1833"/>
+      <pc:docMkLst>
+        <pc:docMk/>
+      </pc:docMkLst>
+      <pc:sldChg chg="del">
+        <pc:chgData name="Chris G" userId="ec6dd0bf820af39d" providerId="LiveId" clId="{A6C1FA34-9980-42BD-90CE-52D17F13C601}" dt="2018-01-21T18:51:23.261" v="885" actId="2696"/>
+        <pc:sldMkLst>
+          <pc:docMk/>
+          <pc:sldMk cId="3783011249" sldId="1414"/>
+        </pc:sldMkLst>
+      </pc:sldChg>
+      <pc:sldChg chg="modSp">
+        <pc:chgData name="Chris G" userId="ec6dd0bf820af39d" providerId="LiveId" clId="{A6C1FA34-9980-42BD-90CE-52D17F13C601}" dt="2018-01-21T18:51:32.939" v="891"/>
+        <pc:sldMkLst>
+          <pc:docMk/>
+          <pc:sldMk cId="1175140175" sldId="1735"/>
+        </pc:sldMkLst>
+        <pc:spChg chg="mod">
+          <ac:chgData name="Chris G" userId="ec6dd0bf820af39d" providerId="LiveId" clId="{A6C1FA34-9980-42BD-90CE-52D17F13C601}" dt="2018-01-21T18:51:32.939" v="891"/>
+          <ac:spMkLst>
+            <pc:docMk/>
+            <pc:sldMk cId="1175140175" sldId="1735"/>
+            <ac:spMk id="2" creationId="{00000000-0000-0000-0000-000000000000}"/>
+          </ac:spMkLst>
+        </pc:spChg>
+      </pc:sldChg>
+      <pc:sldChg chg="del">
+        <pc:chgData name="Chris G" userId="ec6dd0bf820af39d" providerId="LiveId" clId="{A6C1FA34-9980-42BD-90CE-52D17F13C601}" dt="2018-01-21T18:51:23.270" v="886" actId="2696"/>
+        <pc:sldMkLst>
+          <pc:docMk/>
+          <pc:sldMk cId="3994524694" sldId="1736"/>
+        </pc:sldMkLst>
+      </pc:sldChg>
+      <pc:sldChg chg="del">
+        <pc:chgData name="Chris G" userId="ec6dd0bf820af39d" providerId="LiveId" clId="{A6C1FA34-9980-42BD-90CE-52D17F13C601}" dt="2018-01-21T18:51:23.278" v="887" actId="2696"/>
+        <pc:sldMkLst>
+          <pc:docMk/>
+          <pc:sldMk cId="621859182" sldId="1737"/>
+        </pc:sldMkLst>
+      </pc:sldChg>
+      <pc:sldChg chg="del">
+        <pc:chgData name="Chris G" userId="ec6dd0bf820af39d" providerId="LiveId" clId="{A6C1FA34-9980-42BD-90CE-52D17F13C601}" dt="2018-01-21T18:51:23.285" v="888" actId="2696"/>
+        <pc:sldMkLst>
+          <pc:docMk/>
+          <pc:sldMk cId="1555639443" sldId="1738"/>
+        </pc:sldMkLst>
+      </pc:sldChg>
+      <pc:sldChg chg="del">
+        <pc:chgData name="Chris G" userId="ec6dd0bf820af39d" providerId="LiveId" clId="{A6C1FA34-9980-42BD-90CE-52D17F13C601}" dt="2018-01-21T18:51:23.310" v="889" actId="2696"/>
+        <pc:sldMkLst>
+          <pc:docMk/>
+          <pc:sldMk cId="3343622710" sldId="1739"/>
+        </pc:sldMkLst>
+      </pc:sldChg>
+      <pc:sldChg chg="addSp delSp modSp modAnim modNotesTx">
+        <pc:chgData name="Chris G" userId="ec6dd0bf820af39d" providerId="LiveId" clId="{A6C1FA34-9980-42BD-90CE-52D17F13C601}" dt="2018-01-21T19:39:59.500" v="1830"/>
+        <pc:sldMkLst>
+          <pc:docMk/>
+          <pc:sldMk cId="2335807216" sldId="1740"/>
+        </pc:sldMkLst>
+        <pc:spChg chg="mod">
+          <ac:chgData name="Chris G" userId="ec6dd0bf820af39d" providerId="LiveId" clId="{A6C1FA34-9980-42BD-90CE-52D17F13C601}" dt="2018-01-21T18:48:34.884" v="856" actId="20577"/>
+          <ac:spMkLst>
+            <pc:docMk/>
+            <pc:sldMk cId="2335807216" sldId="1740"/>
+            <ac:spMk id="2" creationId="{F57FEBA4-5A1E-49B0-AECB-2D6562CD291D}"/>
+          </ac:spMkLst>
+        </pc:spChg>
+        <pc:spChg chg="mod">
+          <ac:chgData name="Chris G" userId="ec6dd0bf820af39d" providerId="LiveId" clId="{A6C1FA34-9980-42BD-90CE-52D17F13C601}" dt="2018-01-21T19:39:59.500" v="1830"/>
+          <ac:spMkLst>
+            <pc:docMk/>
+            <pc:sldMk cId="2335807216" sldId="1740"/>
+            <ac:spMk id="3" creationId="{EEB99570-74B8-496E-9BF0-78D33340D20E}"/>
+          </ac:spMkLst>
+        </pc:spChg>
+        <pc:spChg chg="add mod">
+          <ac:chgData name="Chris G" userId="ec6dd0bf820af39d" providerId="LiveId" clId="{A6C1FA34-9980-42BD-90CE-52D17F13C601}" dt="2018-01-21T19:20:15.416" v="1204" actId="1076"/>
+          <ac:spMkLst>
+            <pc:docMk/>
+            <pc:sldMk cId="2335807216" sldId="1740"/>
+            <ac:spMk id="9" creationId="{D3003D5E-1AC2-4D14-87D9-FD20A4512ECB}"/>
+          </ac:spMkLst>
+        </pc:spChg>
+        <pc:spChg chg="add mod">
+          <ac:chgData name="Chris G" userId="ec6dd0bf820af39d" providerId="LiveId" clId="{A6C1FA34-9980-42BD-90CE-52D17F13C601}" dt="2018-01-21T19:20:15.416" v="1204" actId="1076"/>
+          <ac:spMkLst>
+            <pc:docMk/>
+            <pc:sldMk cId="2335807216" sldId="1740"/>
+            <ac:spMk id="10" creationId="{33C7C6CC-69EB-4603-9775-D818636D6B47}"/>
+          </ac:spMkLst>
+        </pc:spChg>
+        <pc:spChg chg="add mod">
+          <ac:chgData name="Chris G" userId="ec6dd0bf820af39d" providerId="LiveId" clId="{A6C1FA34-9980-42BD-90CE-52D17F13C601}" dt="2018-01-21T19:20:15.416" v="1204" actId="1076"/>
+          <ac:spMkLst>
+            <pc:docMk/>
+            <pc:sldMk cId="2335807216" sldId="1740"/>
+            <ac:spMk id="11" creationId="{A99F9C95-96E2-47A0-AAA9-D551DDD8ECF4}"/>
+          </ac:spMkLst>
+        </pc:spChg>
+        <pc:spChg chg="add mod">
+          <ac:chgData name="Chris G" userId="ec6dd0bf820af39d" providerId="LiveId" clId="{A6C1FA34-9980-42BD-90CE-52D17F13C601}" dt="2018-01-21T19:20:15.416" v="1204" actId="1076"/>
+          <ac:spMkLst>
+            <pc:docMk/>
+            <pc:sldMk cId="2335807216" sldId="1740"/>
+            <ac:spMk id="12" creationId="{1F663668-5CDB-41B1-A7D0-2BFCA59A0B6F}"/>
+          </ac:spMkLst>
+        </pc:spChg>
+        <pc:spChg chg="add mod">
+          <ac:chgData name="Chris G" userId="ec6dd0bf820af39d" providerId="LiveId" clId="{A6C1FA34-9980-42BD-90CE-52D17F13C601}" dt="2018-01-21T19:20:15.416" v="1204" actId="1076"/>
+          <ac:spMkLst>
+            <pc:docMk/>
+            <pc:sldMk cId="2335807216" sldId="1740"/>
+            <ac:spMk id="13" creationId="{8CDEED1E-2D06-43A5-91A2-6B1C4D18869B}"/>
+          </ac:spMkLst>
+        </pc:spChg>
+        <pc:spChg chg="add mod">
+          <ac:chgData name="Chris G" userId="ec6dd0bf820af39d" providerId="LiveId" clId="{A6C1FA34-9980-42BD-90CE-52D17F13C601}" dt="2018-01-21T19:20:15.416" v="1204" actId="1076"/>
+          <ac:spMkLst>
+            <pc:docMk/>
+            <pc:sldMk cId="2335807216" sldId="1740"/>
+            <ac:spMk id="47" creationId="{87AC8D1A-6041-4B85-B353-A0D5244E7C98}"/>
+          </ac:spMkLst>
+        </pc:spChg>
+        <pc:spChg chg="add mod">
+          <ac:chgData name="Chris G" userId="ec6dd0bf820af39d" providerId="LiveId" clId="{A6C1FA34-9980-42BD-90CE-52D17F13C601}" dt="2018-01-21T19:20:20.260" v="1205" actId="1076"/>
+          <ac:spMkLst>
+            <pc:docMk/>
+            <pc:sldMk cId="2335807216" sldId="1740"/>
+            <ac:spMk id="49" creationId="{C3045E01-521F-4512-B52A-B92F429F27E7}"/>
+          </ac:spMkLst>
+        </pc:spChg>
+        <pc:spChg chg="add mod">
+          <ac:chgData name="Chris G" userId="ec6dd0bf820af39d" providerId="LiveId" clId="{A6C1FA34-9980-42BD-90CE-52D17F13C601}" dt="2018-01-21T19:20:15.416" v="1204" actId="1076"/>
+          <ac:spMkLst>
+            <pc:docMk/>
+            <pc:sldMk cId="2335807216" sldId="1740"/>
+            <ac:spMk id="50" creationId="{2BF3B0B5-1B30-441C-8407-3D2BD831FCA7}"/>
+          </ac:spMkLst>
+        </pc:spChg>
+        <pc:spChg chg="add mod">
+          <ac:chgData name="Chris G" userId="ec6dd0bf820af39d" providerId="LiveId" clId="{A6C1FA34-9980-42BD-90CE-52D17F13C601}" dt="2018-01-21T19:20:23.724" v="1206" actId="1076"/>
+          <ac:spMkLst>
+            <pc:docMk/>
+            <pc:sldMk cId="2335807216" sldId="1740"/>
+            <ac:spMk id="51" creationId="{B89CEF1C-C908-4330-A56D-CE2CF3E921C5}"/>
+          </ac:spMkLst>
+        </pc:spChg>
+        <pc:spChg chg="add mod">
+          <ac:chgData name="Chris G" userId="ec6dd0bf820af39d" providerId="LiveId" clId="{A6C1FA34-9980-42BD-90CE-52D17F13C601}" dt="2018-01-21T19:20:15.416" v="1204" actId="1076"/>
+          <ac:spMkLst>
+            <pc:docMk/>
+            <pc:sldMk cId="2335807216" sldId="1740"/>
+            <ac:spMk id="52" creationId="{FB82C12E-C75C-4FF2-B36C-48B02A66702B}"/>
+          </ac:spMkLst>
+        </pc:spChg>
+        <pc:picChg chg="add del mod">
+          <ac:chgData name="Chris G" userId="ec6dd0bf820af39d" providerId="LiveId" clId="{A6C1FA34-9980-42BD-90CE-52D17F13C601}" dt="2018-01-21T18:13:08.243" v="508" actId="478"/>
+          <ac:picMkLst>
+            <pc:docMk/>
+            <pc:sldMk cId="2335807216" sldId="1740"/>
+            <ac:picMk id="8" creationId="{1E47AACE-2335-43C5-A8C5-A3E487A27461}"/>
+          </ac:picMkLst>
+        </pc:picChg>
+        <pc:cxnChg chg="add mod">
+          <ac:chgData name="Chris G" userId="ec6dd0bf820af39d" providerId="LiveId" clId="{A6C1FA34-9980-42BD-90CE-52D17F13C601}" dt="2018-01-21T19:20:15.416" v="1204" actId="1076"/>
+          <ac:cxnSpMkLst>
+            <pc:docMk/>
+            <pc:sldMk cId="2335807216" sldId="1740"/>
+            <ac:cxnSpMk id="15" creationId="{2E9E732A-5E45-4F84-A8D3-6F5562E05F88}"/>
+          </ac:cxnSpMkLst>
+        </pc:cxnChg>
+        <pc:cxnChg chg="add mod">
+          <ac:chgData name="Chris G" userId="ec6dd0bf820af39d" providerId="LiveId" clId="{A6C1FA34-9980-42BD-90CE-52D17F13C601}" dt="2018-01-21T19:20:15.416" v="1204" actId="1076"/>
+          <ac:cxnSpMkLst>
+            <pc:docMk/>
+            <pc:sldMk cId="2335807216" sldId="1740"/>
+            <ac:cxnSpMk id="17" creationId="{88CA56B8-781A-4490-A49D-3609361E99F1}"/>
+          </ac:cxnSpMkLst>
+        </pc:cxnChg>
+        <pc:cxnChg chg="add mod">
+          <ac:chgData name="Chris G" userId="ec6dd0bf820af39d" providerId="LiveId" clId="{A6C1FA34-9980-42BD-90CE-52D17F13C601}" dt="2018-01-21T19:20:15.416" v="1204" actId="1076"/>
+          <ac:cxnSpMkLst>
+            <pc:docMk/>
+            <pc:sldMk cId="2335807216" sldId="1740"/>
+            <ac:cxnSpMk id="20" creationId="{396A4BD3-DBD9-48A4-B04C-78A49E38285B}"/>
+          </ac:cxnSpMkLst>
+        </pc:cxnChg>
+        <pc:cxnChg chg="add mod">
+          <ac:chgData name="Chris G" userId="ec6dd0bf820af39d" providerId="LiveId" clId="{A6C1FA34-9980-42BD-90CE-52D17F13C601}" dt="2018-01-21T19:20:15.416" v="1204" actId="1076"/>
+          <ac:cxnSpMkLst>
+            <pc:docMk/>
+            <pc:sldMk cId="2335807216" sldId="1740"/>
+            <ac:cxnSpMk id="23" creationId="{7D61E9C1-D04A-43F4-9907-F1D88342CB01}"/>
+          </ac:cxnSpMkLst>
+        </pc:cxnChg>
+      </pc:sldChg>
+      <pc:sldChg chg="addSp delSp modSp add modAnim modNotesTx">
+        <pc:chgData name="Chris G" userId="ec6dd0bf820af39d" providerId="LiveId" clId="{A6C1FA34-9980-42BD-90CE-52D17F13C601}" dt="2018-01-21T19:40:03.061" v="1831"/>
+        <pc:sldMkLst>
+          <pc:docMk/>
+          <pc:sldMk cId="3866618705" sldId="1741"/>
+        </pc:sldMkLst>
+        <pc:spChg chg="mod">
+          <ac:chgData name="Chris G" userId="ec6dd0bf820af39d" providerId="LiveId" clId="{A6C1FA34-9980-42BD-90CE-52D17F13C601}" dt="2018-01-21T19:21:19.638" v="1218" actId="1076"/>
+          <ac:spMkLst>
+            <pc:docMk/>
+            <pc:sldMk cId="3866618705" sldId="1741"/>
+            <ac:spMk id="2" creationId="{F57FEBA4-5A1E-49B0-AECB-2D6562CD291D}"/>
+          </ac:spMkLst>
+        </pc:spChg>
+        <pc:spChg chg="mod">
+          <ac:chgData name="Chris G" userId="ec6dd0bf820af39d" providerId="LiveId" clId="{A6C1FA34-9980-42BD-90CE-52D17F13C601}" dt="2018-01-21T19:40:03.061" v="1831"/>
+          <ac:spMkLst>
+            <pc:docMk/>
+            <pc:sldMk cId="3866618705" sldId="1741"/>
+            <ac:spMk id="3" creationId="{EEB99570-74B8-496E-9BF0-78D33340D20E}"/>
+          </ac:spMkLst>
+        </pc:spChg>
+        <pc:spChg chg="add mod">
+          <ac:chgData name="Chris G" userId="ec6dd0bf820af39d" providerId="LiveId" clId="{A6C1FA34-9980-42BD-90CE-52D17F13C601}" dt="2018-01-21T18:35:20.763" v="780" actId="1076"/>
+          <ac:spMkLst>
+            <pc:docMk/>
+            <pc:sldMk cId="3866618705" sldId="1741"/>
+            <ac:spMk id="7" creationId="{2820B231-736E-4E12-A77B-43DB9C56F245}"/>
+          </ac:spMkLst>
+        </pc:spChg>
+        <pc:spChg chg="add mod">
+          <ac:chgData name="Chris G" userId="ec6dd0bf820af39d" providerId="LiveId" clId="{A6C1FA34-9980-42BD-90CE-52D17F13C601}" dt="2018-01-21T18:35:20.763" v="780" actId="1076"/>
+          <ac:spMkLst>
+            <pc:docMk/>
+            <pc:sldMk cId="3866618705" sldId="1741"/>
+            <ac:spMk id="8" creationId="{09050615-6067-4A02-84EA-1E53D5AD8F4E}"/>
+          </ac:spMkLst>
+        </pc:spChg>
+        <pc:spChg chg="del">
+          <ac:chgData name="Chris G" userId="ec6dd0bf820af39d" providerId="LiveId" clId="{A6C1FA34-9980-42BD-90CE-52D17F13C601}" dt="2018-01-21T18:13:58.321" v="511" actId="478"/>
+          <ac:spMkLst>
+            <pc:docMk/>
+            <pc:sldMk cId="3866618705" sldId="1741"/>
+            <ac:spMk id="9" creationId="{D3003D5E-1AC2-4D14-87D9-FD20A4512ECB}"/>
+          </ac:spMkLst>
+        </pc:spChg>
+        <pc:spChg chg="del">
+          <ac:chgData name="Chris G" userId="ec6dd0bf820af39d" providerId="LiveId" clId="{A6C1FA34-9980-42BD-90CE-52D17F13C601}" dt="2018-01-21T18:13:58.953" v="512" actId="478"/>
+          <ac:spMkLst>
+            <pc:docMk/>
+            <pc:sldMk cId="3866618705" sldId="1741"/>
+            <ac:spMk id="10" creationId="{33C7C6CC-69EB-4603-9775-D818636D6B47}"/>
+          </ac:spMkLst>
+        </pc:spChg>
+        <pc:spChg chg="del">
+          <ac:chgData name="Chris G" userId="ec6dd0bf820af39d" providerId="LiveId" clId="{A6C1FA34-9980-42BD-90CE-52D17F13C601}" dt="2018-01-21T18:14:07.255" v="519" actId="478"/>
+          <ac:spMkLst>
+            <pc:docMk/>
+            <pc:sldMk cId="3866618705" sldId="1741"/>
+            <ac:spMk id="11" creationId="{A99F9C95-96E2-47A0-AAA9-D551DDD8ECF4}"/>
+          </ac:spMkLst>
+        </pc:spChg>
+        <pc:spChg chg="del">
+          <ac:chgData name="Chris G" userId="ec6dd0bf820af39d" providerId="LiveId" clId="{A6C1FA34-9980-42BD-90CE-52D17F13C601}" dt="2018-01-21T18:14:14.617" v="526" actId="478"/>
+          <ac:spMkLst>
+            <pc:docMk/>
+            <pc:sldMk cId="3866618705" sldId="1741"/>
+            <ac:spMk id="12" creationId="{1F663668-5CDB-41B1-A7D0-2BFCA59A0B6F}"/>
+          </ac:spMkLst>
+        </pc:spChg>
+        <pc:spChg chg="del">
+          <ac:chgData name="Chris G" userId="ec6dd0bf820af39d" providerId="LiveId" clId="{A6C1FA34-9980-42BD-90CE-52D17F13C601}" dt="2018-01-21T18:14:12.087" v="523" actId="478"/>
+          <ac:spMkLst>
+            <pc:docMk/>
+            <pc:sldMk cId="3866618705" sldId="1741"/>
+            <ac:spMk id="13" creationId="{8CDEED1E-2D06-43A5-91A2-6B1C4D18869B}"/>
+          </ac:spMkLst>
+        </pc:spChg>
+        <pc:spChg chg="add mod">
+          <ac:chgData name="Chris G" userId="ec6dd0bf820af39d" providerId="LiveId" clId="{A6C1FA34-9980-42BD-90CE-52D17F13C601}" dt="2018-01-21T18:35:20.763" v="780" actId="1076"/>
+          <ac:spMkLst>
+            <pc:docMk/>
+            <pc:sldMk cId="3866618705" sldId="1741"/>
+            <ac:spMk id="24" creationId="{320EA7E7-867D-450E-A1CE-46B6FEA4D4B9}"/>
+          </ac:spMkLst>
+        </pc:spChg>
+        <pc:spChg chg="add mod">
+          <ac:chgData name="Chris G" userId="ec6dd0bf820af39d" providerId="LiveId" clId="{A6C1FA34-9980-42BD-90CE-52D17F13C601}" dt="2018-01-21T18:35:20.763" v="780" actId="1076"/>
+          <ac:spMkLst>
+            <pc:docMk/>
+            <pc:sldMk cId="3866618705" sldId="1741"/>
+            <ac:spMk id="25" creationId="{D2915383-982D-4A14-8EF1-0D553571B8C3}"/>
+          </ac:spMkLst>
+        </pc:spChg>
+        <pc:spChg chg="add mod">
+          <ac:chgData name="Chris G" userId="ec6dd0bf820af39d" providerId="LiveId" clId="{A6C1FA34-9980-42BD-90CE-52D17F13C601}" dt="2018-01-21T18:35:20.763" v="780" actId="1076"/>
+          <ac:spMkLst>
+            <pc:docMk/>
+            <pc:sldMk cId="3866618705" sldId="1741"/>
+            <ac:spMk id="26" creationId="{CC4ABB38-B57E-44EA-AF90-012781A0FE28}"/>
+          </ac:spMkLst>
+        </pc:spChg>
+        <pc:spChg chg="add mod">
+          <ac:chgData name="Chris G" userId="ec6dd0bf820af39d" providerId="LiveId" clId="{A6C1FA34-9980-42BD-90CE-52D17F13C601}" dt="2018-01-21T18:35:32.322" v="783" actId="1076"/>
+          <ac:spMkLst>
+            <pc:docMk/>
+            <pc:sldMk cId="3866618705" sldId="1741"/>
+            <ac:spMk id="35" creationId="{A7D27B05-2007-4F11-9EB1-0957D684864C}"/>
+          </ac:spMkLst>
+        </pc:spChg>
+        <pc:spChg chg="add mod">
+          <ac:chgData name="Chris G" userId="ec6dd0bf820af39d" providerId="LiveId" clId="{A6C1FA34-9980-42BD-90CE-52D17F13C601}" dt="2018-01-21T18:35:32.322" v="783" actId="1076"/>
+          <ac:spMkLst>
+            <pc:docMk/>
+            <pc:sldMk cId="3866618705" sldId="1741"/>
+            <ac:spMk id="36" creationId="{AB00AD7E-E2CD-43D3-B5FE-B3E7F4FFF36B}"/>
+          </ac:spMkLst>
+        </pc:spChg>
+        <pc:spChg chg="add mod">
+          <ac:chgData name="Chris G" userId="ec6dd0bf820af39d" providerId="LiveId" clId="{A6C1FA34-9980-42BD-90CE-52D17F13C601}" dt="2018-01-21T18:35:32.322" v="783" actId="1076"/>
+          <ac:spMkLst>
+            <pc:docMk/>
+            <pc:sldMk cId="3866618705" sldId="1741"/>
+            <ac:spMk id="37" creationId="{8AA41E0F-559B-469C-BA79-4FA26C6C3047}"/>
+          </ac:spMkLst>
+        </pc:spChg>
+        <pc:spChg chg="add mod">
+          <ac:chgData name="Chris G" userId="ec6dd0bf820af39d" providerId="LiveId" clId="{A6C1FA34-9980-42BD-90CE-52D17F13C601}" dt="2018-01-21T18:35:32.322" v="783" actId="1076"/>
+          <ac:spMkLst>
+            <pc:docMk/>
+            <pc:sldMk cId="3866618705" sldId="1741"/>
+            <ac:spMk id="38" creationId="{2D420DAE-DA5E-4283-A148-38759FA6A261}"/>
+          </ac:spMkLst>
+        </pc:spChg>
+        <pc:spChg chg="add mod">
+          <ac:chgData name="Chris G" userId="ec6dd0bf820af39d" providerId="LiveId" clId="{A6C1FA34-9980-42BD-90CE-52D17F13C601}" dt="2018-01-21T18:35:32.322" v="783" actId="1076"/>
+          <ac:spMkLst>
+            <pc:docMk/>
+            <pc:sldMk cId="3866618705" sldId="1741"/>
+            <ac:spMk id="39" creationId="{0A93C33A-F48E-40A6-8889-4F0E36AC1B4D}"/>
+          </ac:spMkLst>
+        </pc:spChg>
+        <pc:spChg chg="del">
+          <ac:chgData name="Chris G" userId="ec6dd0bf820af39d" providerId="LiveId" clId="{A6C1FA34-9980-42BD-90CE-52D17F13C601}" dt="2018-01-21T18:13:57.530" v="510" actId="478"/>
+          <ac:spMkLst>
+            <pc:docMk/>
+            <pc:sldMk cId="3866618705" sldId="1741"/>
+            <ac:spMk id="47" creationId="{87AC8D1A-6041-4B85-B353-A0D5244E7C98}"/>
+          </ac:spMkLst>
+        </pc:spChg>
+        <pc:spChg chg="add mod">
+          <ac:chgData name="Chris G" userId="ec6dd0bf820af39d" providerId="LiveId" clId="{A6C1FA34-9980-42BD-90CE-52D17F13C601}" dt="2018-01-21T18:36:34.836" v="804" actId="1076"/>
+          <ac:spMkLst>
+            <pc:docMk/>
+            <pc:sldMk cId="3866618705" sldId="1741"/>
+            <ac:spMk id="48" creationId="{4A9EE40B-F70D-433A-9478-28D5D8CFA7A1}"/>
+          </ac:spMkLst>
+        </pc:spChg>
+        <pc:spChg chg="del mod">
+          <ac:chgData name="Chris G" userId="ec6dd0bf820af39d" providerId="LiveId" clId="{A6C1FA34-9980-42BD-90CE-52D17F13C601}" dt="2018-01-21T18:14:05.735" v="517" actId="478"/>
+          <ac:spMkLst>
+            <pc:docMk/>
+            <pc:sldMk cId="3866618705" sldId="1741"/>
+            <ac:spMk id="49" creationId="{C3045E01-521F-4512-B52A-B92F429F27E7}"/>
+          </ac:spMkLst>
+        </pc:spChg>
+        <pc:spChg chg="del">
+          <ac:chgData name="Chris G" userId="ec6dd0bf820af39d" providerId="LiveId" clId="{A6C1FA34-9980-42BD-90CE-52D17F13C601}" dt="2018-01-21T18:14:06.555" v="518" actId="478"/>
+          <ac:spMkLst>
+            <pc:docMk/>
+            <pc:sldMk cId="3866618705" sldId="1741"/>
+            <ac:spMk id="50" creationId="{2BF3B0B5-1B30-441C-8407-3D2BD831FCA7}"/>
+          </ac:spMkLst>
+        </pc:spChg>
+        <pc:spChg chg="del">
+          <ac:chgData name="Chris G" userId="ec6dd0bf820af39d" providerId="LiveId" clId="{A6C1FA34-9980-42BD-90CE-52D17F13C601}" dt="2018-01-21T18:14:13.083" v="524" actId="478"/>
+          <ac:spMkLst>
+            <pc:docMk/>
+            <pc:sldMk cId="3866618705" sldId="1741"/>
+            <ac:spMk id="51" creationId="{B89CEF1C-C908-4330-A56D-CE2CF3E921C5}"/>
+          </ac:spMkLst>
+        </pc:spChg>
+        <pc:spChg chg="del">
+          <ac:chgData name="Chris G" userId="ec6dd0bf820af39d" providerId="LiveId" clId="{A6C1FA34-9980-42BD-90CE-52D17F13C601}" dt="2018-01-21T18:14:11.303" v="522" actId="478"/>
+          <ac:spMkLst>
+            <pc:docMk/>
+            <pc:sldMk cId="3866618705" sldId="1741"/>
+            <ac:spMk id="52" creationId="{FB82C12E-C75C-4FF2-B36C-48B02A66702B}"/>
+          </ac:spMkLst>
+        </pc:spChg>
+        <pc:cxnChg chg="del mod">
+          <ac:chgData name="Chris G" userId="ec6dd0bf820af39d" providerId="LiveId" clId="{A6C1FA34-9980-42BD-90CE-52D17F13C601}" dt="2018-01-21T18:13:59.419" v="513" actId="478"/>
+          <ac:cxnSpMkLst>
+            <pc:docMk/>
+            <pc:sldMk cId="3866618705" sldId="1741"/>
+            <ac:cxnSpMk id="15" creationId="{2E9E732A-5E45-4F84-A8D3-6F5562E05F88}"/>
+          </ac:cxnSpMkLst>
+        </pc:cxnChg>
+        <pc:cxnChg chg="add mod">
+          <ac:chgData name="Chris G" userId="ec6dd0bf820af39d" providerId="LiveId" clId="{A6C1FA34-9980-42BD-90CE-52D17F13C601}" dt="2018-01-21T18:35:20.763" v="780" actId="1076"/>
+          <ac:cxnSpMkLst>
+            <pc:docMk/>
+            <pc:sldMk cId="3866618705" sldId="1741"/>
+            <ac:cxnSpMk id="16" creationId="{7EBC0D25-1379-4073-B701-4D0FEE9AAE9B}"/>
+          </ac:cxnSpMkLst>
+        </pc:cxnChg>
+        <pc:cxnChg chg="del mod">
+          <ac:chgData name="Chris G" userId="ec6dd0bf820af39d" providerId="LiveId" clId="{A6C1FA34-9980-42BD-90CE-52D17F13C601}" dt="2018-01-21T18:14:07.909" v="520" actId="478"/>
+          <ac:cxnSpMkLst>
+            <pc:docMk/>
+            <pc:sldMk cId="3866618705" sldId="1741"/>
+            <ac:cxnSpMk id="17" creationId="{88CA56B8-781A-4490-A49D-3609361E99F1}"/>
+          </ac:cxnSpMkLst>
+        </pc:cxnChg>
+        <pc:cxnChg chg="del mod">
+          <ac:chgData name="Chris G" userId="ec6dd0bf820af39d" providerId="LiveId" clId="{A6C1FA34-9980-42BD-90CE-52D17F13C601}" dt="2018-01-21T18:14:08.524" v="521" actId="478"/>
+          <ac:cxnSpMkLst>
+            <pc:docMk/>
+            <pc:sldMk cId="3866618705" sldId="1741"/>
+            <ac:cxnSpMk id="20" creationId="{396A4BD3-DBD9-48A4-B04C-78A49E38285B}"/>
+          </ac:cxnSpMkLst>
+        </pc:cxnChg>
+        <pc:cxnChg chg="del mod">
+          <ac:chgData name="Chris G" userId="ec6dd0bf820af39d" providerId="LiveId" clId="{A6C1FA34-9980-42BD-90CE-52D17F13C601}" dt="2018-01-21T18:14:14.033" v="525" actId="478"/>
+          <ac:cxnSpMkLst>
+            <pc:docMk/>
+            <pc:sldMk cId="3866618705" sldId="1741"/>
+            <ac:cxnSpMk id="23" creationId="{7D61E9C1-D04A-43F4-9907-F1D88342CB01}"/>
+          </ac:cxnSpMkLst>
+        </pc:cxnChg>
+        <pc:cxnChg chg="add mod">
+          <ac:chgData name="Chris G" userId="ec6dd0bf820af39d" providerId="LiveId" clId="{A6C1FA34-9980-42BD-90CE-52D17F13C601}" dt="2018-01-21T18:35:20.763" v="780" actId="1076"/>
+          <ac:cxnSpMkLst>
+            <pc:docMk/>
+            <pc:sldMk cId="3866618705" sldId="1741"/>
+            <ac:cxnSpMk id="28" creationId="{9FC0C37B-B5EA-4593-93D1-DB1B888C552E}"/>
+          </ac:cxnSpMkLst>
+        </pc:cxnChg>
+        <pc:cxnChg chg="add mod">
+          <ac:chgData name="Chris G" userId="ec6dd0bf820af39d" providerId="LiveId" clId="{A6C1FA34-9980-42BD-90CE-52D17F13C601}" dt="2018-01-21T18:35:55.762" v="788" actId="13822"/>
+          <ac:cxnSpMkLst>
+            <pc:docMk/>
+            <pc:sldMk cId="3866618705" sldId="1741"/>
+            <ac:cxnSpMk id="31" creationId="{44FE3862-C925-4E6F-8D12-8F89B15BE1D9}"/>
+          </ac:cxnSpMkLst>
+        </pc:cxnChg>
+        <pc:cxnChg chg="add mod">
+          <ac:chgData name="Chris G" userId="ec6dd0bf820af39d" providerId="LiveId" clId="{A6C1FA34-9980-42BD-90CE-52D17F13C601}" dt="2018-01-21T18:35:20.763" v="780" actId="1076"/>
+          <ac:cxnSpMkLst>
+            <pc:docMk/>
+            <pc:sldMk cId="3866618705" sldId="1741"/>
+            <ac:cxnSpMk id="32" creationId="{6E45F042-164F-4219-B857-100F3ED48B50}"/>
+          </ac:cxnSpMkLst>
+        </pc:cxnChg>
+        <pc:cxnChg chg="add del mod">
+          <ac:chgData name="Chris G" userId="ec6dd0bf820af39d" providerId="LiveId" clId="{A6C1FA34-9980-42BD-90CE-52D17F13C601}" dt="2018-01-21T18:34:10.956" v="742" actId="478"/>
+          <ac:cxnSpMkLst>
+            <pc:docMk/>
+            <pc:sldMk cId="3866618705" sldId="1741"/>
+            <ac:cxnSpMk id="40" creationId="{FF332404-5F50-453F-86E7-770114E57E9E}"/>
+          </ac:cxnSpMkLst>
+        </pc:cxnChg>
+        <pc:cxnChg chg="add del mod">
+          <ac:chgData name="Chris G" userId="ec6dd0bf820af39d" providerId="LiveId" clId="{A6C1FA34-9980-42BD-90CE-52D17F13C601}" dt="2018-01-21T18:34:10.445" v="741" actId="478"/>
+          <ac:cxnSpMkLst>
+            <pc:docMk/>
+            <pc:sldMk cId="3866618705" sldId="1741"/>
+            <ac:cxnSpMk id="41" creationId="{D716674A-70CE-4ED2-A8A7-1E81691A8506}"/>
+          </ac:cxnSpMkLst>
+        </pc:cxnChg>
+        <pc:cxnChg chg="add del mod">
+          <ac:chgData name="Chris G" userId="ec6dd0bf820af39d" providerId="LiveId" clId="{A6C1FA34-9980-42BD-90CE-52D17F13C601}" dt="2018-01-21T18:34:09.595" v="740" actId="478"/>
+          <ac:cxnSpMkLst>
+            <pc:docMk/>
+            <pc:sldMk cId="3866618705" sldId="1741"/>
+            <ac:cxnSpMk id="42" creationId="{1B2AF61B-0132-4DFC-B4FB-AFA5427669BE}"/>
+          </ac:cxnSpMkLst>
+        </pc:cxnChg>
+      </pc:sldChg>
+      <pc:sldChg chg="addSp delSp modSp add modAnim">
+        <pc:chgData name="Chris G" userId="ec6dd0bf820af39d" providerId="LiveId" clId="{A6C1FA34-9980-42BD-90CE-52D17F13C601}" dt="2018-01-21T19:40:05.584" v="1832"/>
+        <pc:sldMkLst>
+          <pc:docMk/>
+          <pc:sldMk cId="3319509260" sldId="1742"/>
+        </pc:sldMkLst>
+        <pc:spChg chg="mod">
+          <ac:chgData name="Chris G" userId="ec6dd0bf820af39d" providerId="LiveId" clId="{A6C1FA34-9980-42BD-90CE-52D17F13C601}" dt="2018-01-21T19:37:43.641" v="1789" actId="20577"/>
+          <ac:spMkLst>
+            <pc:docMk/>
+            <pc:sldMk cId="3319509260" sldId="1742"/>
+            <ac:spMk id="2" creationId="{F57FEBA4-5A1E-49B0-AECB-2D6562CD291D}"/>
+          </ac:spMkLst>
+        </pc:spChg>
+        <pc:spChg chg="mod">
+          <ac:chgData name="Chris G" userId="ec6dd0bf820af39d" providerId="LiveId" clId="{A6C1FA34-9980-42BD-90CE-52D17F13C601}" dt="2018-01-21T19:40:05.584" v="1832"/>
+          <ac:spMkLst>
+            <pc:docMk/>
+            <pc:sldMk cId="3319509260" sldId="1742"/>
+            <ac:spMk id="3" creationId="{EEB99570-74B8-496E-9BF0-78D33340D20E}"/>
+          </ac:spMkLst>
+        </pc:spChg>
+        <pc:spChg chg="del">
+          <ac:chgData name="Chris G" userId="ec6dd0bf820af39d" providerId="LiveId" clId="{A6C1FA34-9980-42BD-90CE-52D17F13C601}" dt="2018-01-21T18:37:20.042" v="832" actId="478"/>
+          <ac:spMkLst>
+            <pc:docMk/>
+            <pc:sldMk cId="3319509260" sldId="1742"/>
+            <ac:spMk id="7" creationId="{2820B231-736E-4E12-A77B-43DB9C56F245}"/>
+          </ac:spMkLst>
+        </pc:spChg>
+        <pc:spChg chg="del">
+          <ac:chgData name="Chris G" userId="ec6dd0bf820af39d" providerId="LiveId" clId="{A6C1FA34-9980-42BD-90CE-52D17F13C601}" dt="2018-01-21T18:37:22.482" v="833" actId="478"/>
+          <ac:spMkLst>
+            <pc:docMk/>
+            <pc:sldMk cId="3319509260" sldId="1742"/>
+            <ac:spMk id="8" creationId="{09050615-6067-4A02-84EA-1E53D5AD8F4E}"/>
+          </ac:spMkLst>
+        </pc:spChg>
+        <pc:spChg chg="add mod">
+          <ac:chgData name="Chris G" userId="ec6dd0bf820af39d" providerId="LiveId" clId="{A6C1FA34-9980-42BD-90CE-52D17F13C601}" dt="2018-01-21T19:25:50.137" v="1304" actId="1076"/>
+          <ac:spMkLst>
+            <pc:docMk/>
+            <pc:sldMk cId="3319509260" sldId="1742"/>
+            <ac:spMk id="11" creationId="{97BC8F8A-8127-4F03-BD10-F8CED1E89DFC}"/>
+          </ac:spMkLst>
+        </pc:spChg>
+        <pc:spChg chg="del">
+          <ac:chgData name="Chris G" userId="ec6dd0bf820af39d" providerId="LiveId" clId="{A6C1FA34-9980-42BD-90CE-52D17F13C601}" dt="2018-01-21T18:37:22.482" v="833" actId="478"/>
+          <ac:spMkLst>
+            <pc:docMk/>
+            <pc:sldMk cId="3319509260" sldId="1742"/>
+            <ac:spMk id="24" creationId="{320EA7E7-867D-450E-A1CE-46B6FEA4D4B9}"/>
+          </ac:spMkLst>
+        </pc:spChg>
+        <pc:spChg chg="del">
+          <ac:chgData name="Chris G" userId="ec6dd0bf820af39d" providerId="LiveId" clId="{A6C1FA34-9980-42BD-90CE-52D17F13C601}" dt="2018-01-21T18:37:23.810" v="834" actId="478"/>
+          <ac:spMkLst>
+            <pc:docMk/>
+            <pc:sldMk cId="3319509260" sldId="1742"/>
+            <ac:spMk id="25" creationId="{D2915383-982D-4A14-8EF1-0D553571B8C3}"/>
+          </ac:spMkLst>
+        </pc:spChg>
+        <pc:spChg chg="del">
+          <ac:chgData name="Chris G" userId="ec6dd0bf820af39d" providerId="LiveId" clId="{A6C1FA34-9980-42BD-90CE-52D17F13C601}" dt="2018-01-21T18:37:22.482" v="833" actId="478"/>
+          <ac:spMkLst>
+            <pc:docMk/>
+            <pc:sldMk cId="3319509260" sldId="1742"/>
+            <ac:spMk id="26" creationId="{CC4ABB38-B57E-44EA-AF90-012781A0FE28}"/>
+          </ac:spMkLst>
+        </pc:spChg>
+        <pc:spChg chg="add mod">
+          <ac:chgData name="Chris G" userId="ec6dd0bf820af39d" providerId="LiveId" clId="{A6C1FA34-9980-42BD-90CE-52D17F13C601}" dt="2018-01-21T19:25:07.971" v="1277" actId="1076"/>
+          <ac:spMkLst>
+            <pc:docMk/>
+            <pc:sldMk cId="3319509260" sldId="1742"/>
+            <ac:spMk id="27" creationId="{666D3E09-72FE-4F2E-B16E-3B4A76024249}"/>
+          </ac:spMkLst>
+        </pc:spChg>
+        <pc:spChg chg="add mod">
+          <ac:chgData name="Chris G" userId="ec6dd0bf820af39d" providerId="LiveId" clId="{A6C1FA34-9980-42BD-90CE-52D17F13C601}" dt="2018-01-21T19:25:07.971" v="1277" actId="1076"/>
+          <ac:spMkLst>
+            <pc:docMk/>
+            <pc:sldMk cId="3319509260" sldId="1742"/>
+            <ac:spMk id="29" creationId="{3D7BCAF7-8990-4A98-AE39-04092E3CACF5}"/>
+          </ac:spMkLst>
+        </pc:spChg>
+        <pc:spChg chg="add mod">
+          <ac:chgData name="Chris G" userId="ec6dd0bf820af39d" providerId="LiveId" clId="{A6C1FA34-9980-42BD-90CE-52D17F13C601}" dt="2018-01-21T19:38:41.993" v="1819" actId="1076"/>
+          <ac:spMkLst>
+            <pc:docMk/>
+            <pc:sldMk cId="3319509260" sldId="1742"/>
+            <ac:spMk id="30" creationId="{3FB7A699-5A61-461D-9920-B378FD3F9954}"/>
+          </ac:spMkLst>
+        </pc:spChg>
+        <pc:spChg chg="add mod">
+          <ac:chgData name="Chris G" userId="ec6dd0bf820af39d" providerId="LiveId" clId="{A6C1FA34-9980-42BD-90CE-52D17F13C601}" dt="2018-01-21T19:25:07.971" v="1277" actId="1076"/>
+          <ac:spMkLst>
+            <pc:docMk/>
+            <pc:sldMk cId="3319509260" sldId="1742"/>
+            <ac:spMk id="33" creationId="{E8E22A70-233B-4BD2-B9EC-2D880FC8A298}"/>
+          </ac:spMkLst>
+        </pc:spChg>
+        <pc:spChg chg="del">
+          <ac:chgData name="Chris G" userId="ec6dd0bf820af39d" providerId="LiveId" clId="{A6C1FA34-9980-42BD-90CE-52D17F13C601}" dt="2018-01-21T18:37:23.810" v="834" actId="478"/>
+          <ac:spMkLst>
+            <pc:docMk/>
+            <pc:sldMk cId="3319509260" sldId="1742"/>
+            <ac:spMk id="35" creationId="{A7D27B05-2007-4F11-9EB1-0957D684864C}"/>
+          </ac:spMkLst>
+        </pc:spChg>
+        <pc:spChg chg="del">
+          <ac:chgData name="Chris G" userId="ec6dd0bf820af39d" providerId="LiveId" clId="{A6C1FA34-9980-42BD-90CE-52D17F13C601}" dt="2018-01-21T18:37:22.482" v="833" actId="478"/>
+          <ac:spMkLst>
+            <pc:docMk/>
+            <pc:sldMk cId="3319509260" sldId="1742"/>
+            <ac:spMk id="36" creationId="{AB00AD7E-E2CD-43D3-B5FE-B3E7F4FFF36B}"/>
+          </ac:spMkLst>
+        </pc:spChg>
+        <pc:spChg chg="del">
+          <ac:chgData name="Chris G" userId="ec6dd0bf820af39d" providerId="LiveId" clId="{A6C1FA34-9980-42BD-90CE-52D17F13C601}" dt="2018-01-21T18:37:25.377" v="835" actId="478"/>
+          <ac:spMkLst>
+            <pc:docMk/>
+            <pc:sldMk cId="3319509260" sldId="1742"/>
+            <ac:spMk id="37" creationId="{8AA41E0F-559B-469C-BA79-4FA26C6C3047}"/>
+          </ac:spMkLst>
+        </pc:spChg>
+        <pc:spChg chg="del">
+          <ac:chgData name="Chris G" userId="ec6dd0bf820af39d" providerId="LiveId" clId="{A6C1FA34-9980-42BD-90CE-52D17F13C601}" dt="2018-01-21T18:37:23.810" v="834" actId="478"/>
+          <ac:spMkLst>
+            <pc:docMk/>
+            <pc:sldMk cId="3319509260" sldId="1742"/>
+            <ac:spMk id="38" creationId="{2D420DAE-DA5E-4283-A148-38759FA6A261}"/>
+          </ac:spMkLst>
+        </pc:spChg>
+        <pc:spChg chg="del">
+          <ac:chgData name="Chris G" userId="ec6dd0bf820af39d" providerId="LiveId" clId="{A6C1FA34-9980-42BD-90CE-52D17F13C601}" dt="2018-01-21T18:37:23.810" v="834" actId="478"/>
+          <ac:spMkLst>
+            <pc:docMk/>
+            <pc:sldMk cId="3319509260" sldId="1742"/>
+            <ac:spMk id="39" creationId="{0A93C33A-F48E-40A6-8889-4F0E36AC1B4D}"/>
+          </ac:spMkLst>
+        </pc:spChg>
+        <pc:spChg chg="del">
+          <ac:chgData name="Chris G" userId="ec6dd0bf820af39d" providerId="LiveId" clId="{A6C1FA34-9980-42BD-90CE-52D17F13C601}" dt="2018-01-21T18:37:22.482" v="833" actId="478"/>
+          <ac:spMkLst>
+            <pc:docMk/>
+            <pc:sldMk cId="3319509260" sldId="1742"/>
+            <ac:spMk id="48" creationId="{4A9EE40B-F70D-433A-9478-28D5D8CFA7A1}"/>
+          </ac:spMkLst>
+        </pc:spChg>
+        <pc:picChg chg="add mod">
+          <ac:chgData name="Chris G" userId="ec6dd0bf820af39d" providerId="LiveId" clId="{A6C1FA34-9980-42BD-90CE-52D17F13C601}" dt="2018-01-21T19:25:07.971" v="1277" actId="1076"/>
+          <ac:picMkLst>
+            <pc:docMk/>
+            <pc:sldMk cId="3319509260" sldId="1742"/>
+            <ac:picMk id="10" creationId="{F6BD22CA-C969-4B3D-AD97-E8B66D228410}"/>
+          </ac:picMkLst>
+        </pc:picChg>
+        <pc:cxnChg chg="del mod">
+          <ac:chgData name="Chris G" userId="ec6dd0bf820af39d" providerId="LiveId" clId="{A6C1FA34-9980-42BD-90CE-52D17F13C601}" dt="2018-01-21T18:37:22.482" v="833" actId="478"/>
+          <ac:cxnSpMkLst>
+            <pc:docMk/>
+            <pc:sldMk cId="3319509260" sldId="1742"/>
+            <ac:cxnSpMk id="16" creationId="{7EBC0D25-1379-4073-B701-4D0FEE9AAE9B}"/>
+          </ac:cxnSpMkLst>
+        </pc:cxnChg>
+        <pc:cxnChg chg="del">
+          <ac:chgData name="Chris G" userId="ec6dd0bf820af39d" providerId="LiveId" clId="{A6C1FA34-9980-42BD-90CE-52D17F13C601}" dt="2018-01-21T18:37:22.482" v="833" actId="478"/>
+          <ac:cxnSpMkLst>
+            <pc:docMk/>
+            <pc:sldMk cId="3319509260" sldId="1742"/>
+            <ac:cxnSpMk id="28" creationId="{9FC0C37B-B5EA-4593-93D1-DB1B888C552E}"/>
+          </ac:cxnSpMkLst>
+        </pc:cxnChg>
+        <pc:cxnChg chg="del">
+          <ac:chgData name="Chris G" userId="ec6dd0bf820af39d" providerId="LiveId" clId="{A6C1FA34-9980-42BD-90CE-52D17F13C601}" dt="2018-01-21T18:37:22.482" v="833" actId="478"/>
+          <ac:cxnSpMkLst>
+            <pc:docMk/>
+            <pc:sldMk cId="3319509260" sldId="1742"/>
+            <ac:cxnSpMk id="31" creationId="{44FE3862-C925-4E6F-8D12-8F89B15BE1D9}"/>
+          </ac:cxnSpMkLst>
+        </pc:cxnChg>
+        <pc:cxnChg chg="del mod">
+          <ac:chgData name="Chris G" userId="ec6dd0bf820af39d" providerId="LiveId" clId="{A6C1FA34-9980-42BD-90CE-52D17F13C601}" dt="2018-01-21T18:37:22.482" v="833" actId="478"/>
+          <ac:cxnSpMkLst>
+            <pc:docMk/>
+            <pc:sldMk cId="3319509260" sldId="1742"/>
+            <ac:cxnSpMk id="32" creationId="{6E45F042-164F-4219-B857-100F3ED48B50}"/>
+          </ac:cxnSpMkLst>
+        </pc:cxnChg>
+      </pc:sldChg>
+      <pc:sldChg chg="modSp add">
+        <pc:chgData name="Chris G" userId="ec6dd0bf820af39d" providerId="LiveId" clId="{A6C1FA34-9980-42BD-90CE-52D17F13C601}" dt="2018-01-21T19:39:08.486" v="1820"/>
+        <pc:sldMkLst>
+          <pc:docMk/>
+          <pc:sldMk cId="2739111897" sldId="1743"/>
+        </pc:sldMkLst>
+        <pc:spChg chg="mod">
+          <ac:chgData name="Chris G" userId="ec6dd0bf820af39d" providerId="LiveId" clId="{A6C1FA34-9980-42BD-90CE-52D17F13C601}" dt="2018-01-21T19:39:08.486" v="1820"/>
+          <ac:spMkLst>
+            <pc:docMk/>
+            <pc:sldMk cId="2739111897" sldId="1743"/>
+            <ac:spMk id="8" creationId="{B4C15081-4C46-4C61-946B-BAC305253743}"/>
+          </ac:spMkLst>
+        </pc:spChg>
+        <pc:picChg chg="mod">
+          <ac:chgData name="Chris G" userId="ec6dd0bf820af39d" providerId="LiveId" clId="{A6C1FA34-9980-42BD-90CE-52D17F13C601}" dt="2018-01-21T18:51:43.106" v="892" actId="1076"/>
+          <ac:picMkLst>
+            <pc:docMk/>
+            <pc:sldMk cId="2739111897" sldId="1743"/>
+            <ac:picMk id="9" creationId="{B2140789-E50F-4DF1-847E-D0E963506754}"/>
+          </ac:picMkLst>
+        </pc:picChg>
+      </pc:sldChg>
+      <pc:sldChg chg="modSp add">
+        <pc:chgData name="Chris G" userId="ec6dd0bf820af39d" providerId="LiveId" clId="{A6C1FA34-9980-42BD-90CE-52D17F13C601}" dt="2018-01-21T19:39:11.557" v="1821"/>
+        <pc:sldMkLst>
+          <pc:docMk/>
+          <pc:sldMk cId="2389749294" sldId="1744"/>
+        </pc:sldMkLst>
+        <pc:spChg chg="mod">
+          <ac:chgData name="Chris G" userId="ec6dd0bf820af39d" providerId="LiveId" clId="{A6C1FA34-9980-42BD-90CE-52D17F13C601}" dt="2018-01-21T18:52:59.048" v="899" actId="20577"/>
+          <ac:spMkLst>
+            <pc:docMk/>
+            <pc:sldMk cId="2389749294" sldId="1744"/>
+            <ac:spMk id="7" creationId="{7E34B61F-2172-4281-AC62-588A00022539}"/>
+          </ac:spMkLst>
+        </pc:spChg>
+        <pc:spChg chg="mod">
+          <ac:chgData name="Chris G" userId="ec6dd0bf820af39d" providerId="LiveId" clId="{A6C1FA34-9980-42BD-90CE-52D17F13C601}" dt="2018-01-21T19:39:11.557" v="1821"/>
+          <ac:spMkLst>
+            <pc:docMk/>
+            <pc:sldMk cId="2389749294" sldId="1744"/>
+            <ac:spMk id="8" creationId="{B4C15081-4C46-4C61-946B-BAC305253743}"/>
+          </ac:spMkLst>
+        </pc:spChg>
+      </pc:sldChg>
+      <pc:sldChg chg="addSp delSp modSp add">
+        <pc:chgData name="Chris G" userId="ec6dd0bf820af39d" providerId="LiveId" clId="{A6C1FA34-9980-42BD-90CE-52D17F13C601}" dt="2018-01-21T19:39:46.551" v="1826"/>
+        <pc:sldMkLst>
+          <pc:docMk/>
+          <pc:sldMk cId="3589922886" sldId="1745"/>
+        </pc:sldMkLst>
+        <pc:spChg chg="mod">
+          <ac:chgData name="Chris G" userId="ec6dd0bf820af39d" providerId="LiveId" clId="{A6C1FA34-9980-42BD-90CE-52D17F13C601}" dt="2018-01-21T18:53:25.004" v="911" actId="20577"/>
+          <ac:spMkLst>
+            <pc:docMk/>
+            <pc:sldMk cId="3589922886" sldId="1745"/>
+            <ac:spMk id="2" creationId="{A0F39916-673F-4D66-83B8-71558F6721DB}"/>
+          </ac:spMkLst>
+        </pc:spChg>
+        <pc:spChg chg="del">
+          <ac:chgData name="Chris G" userId="ec6dd0bf820af39d" providerId="LiveId" clId="{A6C1FA34-9980-42BD-90CE-52D17F13C601}" dt="2018-01-21T19:39:24.401" v="1822" actId="478"/>
+          <ac:spMkLst>
+            <pc:docMk/>
+            <pc:sldMk cId="3589922886" sldId="1745"/>
+            <ac:spMk id="3" creationId="{B918CDB5-839F-4765-81B8-5D9AB3526412}"/>
+          </ac:spMkLst>
+        </pc:spChg>
+        <pc:spChg chg="add del">
+          <ac:chgData name="Chris G" userId="ec6dd0bf820af39d" providerId="LiveId" clId="{A6C1FA34-9980-42BD-90CE-52D17F13C601}" dt="2018-01-21T19:39:27.619" v="1824"/>
+          <ac:spMkLst>
+            <pc:docMk/>
+            <pc:sldMk cId="3589922886" sldId="1745"/>
+            <ac:spMk id="8" creationId="{FBFD4D1F-6393-4F96-990B-7B10C8CA4A51}"/>
+          </ac:spMkLst>
+        </pc:spChg>
+        <pc:spChg chg="add mod">
+          <ac:chgData name="Chris G" userId="ec6dd0bf820af39d" providerId="LiveId" clId="{A6C1FA34-9980-42BD-90CE-52D17F13C601}" dt="2018-01-21T19:39:46.551" v="1826"/>
+          <ac:spMkLst>
+            <pc:docMk/>
+            <pc:sldMk cId="3589922886" sldId="1745"/>
+            <ac:spMk id="9" creationId="{72C1028D-5B19-4A9B-AB50-87EA7C289148}"/>
+          </ac:spMkLst>
+        </pc:spChg>
+      </pc:sldChg>
+      <pc:sldChg chg="modSp add">
+        <pc:chgData name="Chris G" userId="ec6dd0bf820af39d" providerId="LiveId" clId="{A6C1FA34-9980-42BD-90CE-52D17F13C601}" dt="2018-01-21T19:39:50.985" v="1827"/>
+        <pc:sldMkLst>
+          <pc:docMk/>
+          <pc:sldMk cId="621859182" sldId="1746"/>
+        </pc:sldMkLst>
+        <pc:spChg chg="mod">
+          <ac:chgData name="Chris G" userId="ec6dd0bf820af39d" providerId="LiveId" clId="{A6C1FA34-9980-42BD-90CE-52D17F13C601}" dt="2018-01-21T19:39:50.985" v="1827"/>
+          <ac:spMkLst>
+            <pc:docMk/>
+            <pc:sldMk cId="621859182" sldId="1746"/>
+            <ac:spMk id="3" creationId="{0BDC4429-6727-4B06-A9CC-011BD6D60372}"/>
+          </ac:spMkLst>
+        </pc:spChg>
+      </pc:sldChg>
+      <pc:sldChg chg="modSp add">
+        <pc:chgData name="Chris G" userId="ec6dd0bf820af39d" providerId="LiveId" clId="{A6C1FA34-9980-42BD-90CE-52D17F13C601}" dt="2018-01-21T19:39:53.799" v="1828"/>
+        <pc:sldMkLst>
+          <pc:docMk/>
+          <pc:sldMk cId="1555639443" sldId="1747"/>
+        </pc:sldMkLst>
+        <pc:spChg chg="mod">
+          <ac:chgData name="Chris G" userId="ec6dd0bf820af39d" providerId="LiveId" clId="{A6C1FA34-9980-42BD-90CE-52D17F13C601}" dt="2018-01-21T19:39:53.799" v="1828"/>
+          <ac:spMkLst>
+            <pc:docMk/>
+            <pc:sldMk cId="1555639443" sldId="1747"/>
+            <ac:spMk id="3" creationId="{25E25124-33FF-4053-A098-1E5A77DAF276}"/>
+          </ac:spMkLst>
+        </pc:spChg>
+      </pc:sldChg>
+      <pc:sldChg chg="modSp add">
+        <pc:chgData name="Chris G" userId="ec6dd0bf820af39d" providerId="LiveId" clId="{A6C1FA34-9980-42BD-90CE-52D17F13C601}" dt="2018-01-21T19:39:56.831" v="1829"/>
+        <pc:sldMkLst>
+          <pc:docMk/>
+          <pc:sldMk cId="3343622710" sldId="1748"/>
+        </pc:sldMkLst>
+        <pc:spChg chg="mod">
+          <ac:chgData name="Chris G" userId="ec6dd0bf820af39d" providerId="LiveId" clId="{A6C1FA34-9980-42BD-90CE-52D17F13C601}" dt="2018-01-21T19:39:56.831" v="1829"/>
+          <ac:spMkLst>
+            <pc:docMk/>
+            <pc:sldMk cId="3343622710" sldId="1748"/>
+            <ac:spMk id="3" creationId="{DD86BFA9-6611-498A-8A73-D28317943EF2}"/>
+          </ac:spMkLst>
+        </pc:spChg>
+      </pc:sldChg>
+      <pc:sldChg chg="add del">
+        <pc:chgData name="Chris G" userId="ec6dd0bf820af39d" providerId="LiveId" clId="{A6C1FA34-9980-42BD-90CE-52D17F13C601}" dt="2018-01-21T19:22:33.233" v="1225" actId="2696"/>
+        <pc:sldMkLst>
+          <pc:docMk/>
+          <pc:sldMk cId="1265335713" sldId="1749"/>
+        </pc:sldMkLst>
+      </pc:sldChg>
+      <pc:sldChg chg="addSp delSp modSp add delAnim modAnim">
+        <pc:chgData name="Chris G" userId="ec6dd0bf820af39d" providerId="LiveId" clId="{A6C1FA34-9980-42BD-90CE-52D17F13C601}" dt="2018-01-21T19:40:09.843" v="1833"/>
+        <pc:sldMkLst>
+          <pc:docMk/>
+          <pc:sldMk cId="3662040572" sldId="1749"/>
+        </pc:sldMkLst>
+        <pc:spChg chg="mod">
+          <ac:chgData name="Chris G" userId="ec6dd0bf820af39d" providerId="LiveId" clId="{A6C1FA34-9980-42BD-90CE-52D17F13C601}" dt="2018-01-21T19:23:23.447" v="1259" actId="27636"/>
+          <ac:spMkLst>
+            <pc:docMk/>
+            <pc:sldMk cId="3662040572" sldId="1749"/>
+            <ac:spMk id="2" creationId="{F57FEBA4-5A1E-49B0-AECB-2D6562CD291D}"/>
+          </ac:spMkLst>
+        </pc:spChg>
+        <pc:spChg chg="mod">
+          <ac:chgData name="Chris G" userId="ec6dd0bf820af39d" providerId="LiveId" clId="{A6C1FA34-9980-42BD-90CE-52D17F13C601}" dt="2018-01-21T19:40:09.843" v="1833"/>
+          <ac:spMkLst>
+            <pc:docMk/>
+            <pc:sldMk cId="3662040572" sldId="1749"/>
+            <ac:spMk id="3" creationId="{EEB99570-74B8-496E-9BF0-78D33340D20E}"/>
+          </ac:spMkLst>
+        </pc:spChg>
+        <pc:spChg chg="add mod">
+          <ac:chgData name="Chris G" userId="ec6dd0bf820af39d" providerId="LiveId" clId="{A6C1FA34-9980-42BD-90CE-52D17F13C601}" dt="2018-01-21T19:34:43.094" v="1722" actId="1076"/>
+          <ac:spMkLst>
+            <pc:docMk/>
+            <pc:sldMk cId="3662040572" sldId="1749"/>
+            <ac:spMk id="7" creationId="{C8EA8729-D2F7-4CC5-8A75-7072FE7D7F92}"/>
+          </ac:spMkLst>
+        </pc:spChg>
+        <pc:spChg chg="add mod">
+          <ac:chgData name="Chris G" userId="ec6dd0bf820af39d" providerId="LiveId" clId="{A6C1FA34-9980-42BD-90CE-52D17F13C601}" dt="2018-01-21T19:35:31.165" v="1760" actId="1076"/>
+          <ac:spMkLst>
+            <pc:docMk/>
+            <pc:sldMk cId="3662040572" sldId="1749"/>
+            <ac:spMk id="8" creationId="{9CFB456F-9074-49A3-A136-DCA831113E48}"/>
+          </ac:spMkLst>
+        </pc:spChg>
+        <pc:spChg chg="add mod">
+          <ac:chgData name="Chris G" userId="ec6dd0bf820af39d" providerId="LiveId" clId="{A6C1FA34-9980-42BD-90CE-52D17F13C601}" dt="2018-01-21T19:34:48.086" v="1724" actId="1076"/>
+          <ac:spMkLst>
+            <pc:docMk/>
+            <pc:sldMk cId="3662040572" sldId="1749"/>
+            <ac:spMk id="14" creationId="{BCD8977C-D4BF-4BA1-A3F3-493F6C4C04D5}"/>
+          </ac:spMkLst>
+        </pc:spChg>
+        <pc:spChg chg="add mod">
+          <ac:chgData name="Chris G" userId="ec6dd0bf820af39d" providerId="LiveId" clId="{A6C1FA34-9980-42BD-90CE-52D17F13C601}" dt="2018-01-21T19:35:24.742" v="1759" actId="1076"/>
+          <ac:spMkLst>
+            <pc:docMk/>
+            <pc:sldMk cId="3662040572" sldId="1749"/>
+            <ac:spMk id="16" creationId="{AE25C016-C601-4BA0-9152-A54BEB43C030}"/>
+          </ac:spMkLst>
+        </pc:spChg>
+        <pc:spChg chg="del">
+          <ac:chgData name="Chris G" userId="ec6dd0bf820af39d" providerId="LiveId" clId="{A6C1FA34-9980-42BD-90CE-52D17F13C601}" dt="2018-01-21T19:23:04.703" v="1238" actId="478"/>
+          <ac:spMkLst>
+            <pc:docMk/>
+            <pc:sldMk cId="3662040572" sldId="1749"/>
+            <ac:spMk id="27" creationId="{666D3E09-72FE-4F2E-B16E-3B4A76024249}"/>
+          </ac:spMkLst>
+        </pc:spChg>
+        <pc:spChg chg="del">
+          <ac:chgData name="Chris G" userId="ec6dd0bf820af39d" providerId="LiveId" clId="{A6C1FA34-9980-42BD-90CE-52D17F13C601}" dt="2018-01-21T19:23:11.516" v="1242" actId="478"/>
+          <ac:spMkLst>
+            <pc:docMk/>
+            <pc:sldMk cId="3662040572" sldId="1749"/>
+            <ac:spMk id="29" creationId="{3D7BCAF7-8990-4A98-AE39-04092E3CACF5}"/>
+          </ac:spMkLst>
+        </pc:spChg>
+        <pc:spChg chg="del mod">
+          <ac:chgData name="Chris G" userId="ec6dd0bf820af39d" providerId="LiveId" clId="{A6C1FA34-9980-42BD-90CE-52D17F13C601}" dt="2018-01-21T19:23:11.516" v="1242" actId="478"/>
+          <ac:spMkLst>
+            <pc:docMk/>
+            <pc:sldMk cId="3662040572" sldId="1749"/>
+            <ac:spMk id="30" creationId="{3FB7A699-5A61-461D-9920-B378FD3F9954}"/>
+          </ac:spMkLst>
+        </pc:spChg>
+        <pc:spChg chg="del">
+          <ac:chgData name="Chris G" userId="ec6dd0bf820af39d" providerId="LiveId" clId="{A6C1FA34-9980-42BD-90CE-52D17F13C601}" dt="2018-01-21T19:23:11.516" v="1242" actId="478"/>
+          <ac:spMkLst>
+            <pc:docMk/>
+            <pc:sldMk cId="3662040572" sldId="1749"/>
+            <ac:spMk id="33" creationId="{E8E22A70-233B-4BD2-B9EC-2D880FC8A298}"/>
+          </ac:spMkLst>
+        </pc:spChg>
+        <pc:graphicFrameChg chg="add mod modGraphic">
+          <ac:chgData name="Chris G" userId="ec6dd0bf820af39d" providerId="LiveId" clId="{A6C1FA34-9980-42BD-90CE-52D17F13C601}" dt="2018-01-21T19:34:25.478" v="1717" actId="20577"/>
+          <ac:graphicFrameMkLst>
+            <pc:docMk/>
+            <pc:sldMk cId="3662040572" sldId="1749"/>
+            <ac:graphicFrameMk id="12" creationId="{61292AA1-AE1D-4DAC-AC9B-94B2FC9C7D30}"/>
+          </ac:graphicFrameMkLst>
+        </pc:graphicFrameChg>
+        <pc:picChg chg="del mod">
+          <ac:chgData name="Chris G" userId="ec6dd0bf820af39d" providerId="LiveId" clId="{A6C1FA34-9980-42BD-90CE-52D17F13C601}" dt="2018-01-21T19:23:05.367" v="1240" actId="478"/>
+          <ac:picMkLst>
+            <pc:docMk/>
+            <pc:sldMk cId="3662040572" sldId="1749"/>
+            <ac:picMk id="10" creationId="{F6BD22CA-C969-4B3D-AD97-E8B66D228410}"/>
+          </ac:picMkLst>
+        </pc:picChg>
+        <pc:picChg chg="add mod">
+          <ac:chgData name="Chris G" userId="ec6dd0bf820af39d" providerId="LiveId" clId="{A6C1FA34-9980-42BD-90CE-52D17F13C601}" dt="2018-01-21T19:36:34.656" v="1766" actId="1076"/>
+          <ac:picMkLst>
+            <pc:docMk/>
+            <pc:sldMk cId="3662040572" sldId="1749"/>
+            <ac:picMk id="11" creationId="{1DA4BE89-9A65-4AB2-9A2C-FAA2953DDBBD}"/>
+          </ac:picMkLst>
+        </pc:picChg>
+        <pc:picChg chg="add mod">
+          <ac:chgData name="Chris G" userId="ec6dd0bf820af39d" providerId="LiveId" clId="{A6C1FA34-9980-42BD-90CE-52D17F13C601}" dt="2018-01-21T19:36:39.199" v="1768" actId="1076"/>
+          <ac:picMkLst>
+            <pc:docMk/>
+            <pc:sldMk cId="3662040572" sldId="1749"/>
+            <ac:picMk id="19" creationId="{B27033D7-2677-4BBD-974A-3490548A6E2D}"/>
+          </ac:picMkLst>
+        </pc:picChg>
+      </pc:sldChg>
+    </pc:docChg>
+  </pc:docChgLst>
 </pc:chgInfo>
 </file>
 
@@ -606,7 +1287,7 @@
           <a:p>
             <a:fld id="{D27E40BE-1D10-4C80-A8BF-F5AF39EFA189}" type="datetimeFigureOut">
               <a:rPr lang="de-DE" smtClean="0"/>
-              <a:t>19.01.2018</a:t>
+              <a:t>21.01.2018</a:t>
             </a:fld>
             <a:endParaRPr lang="de-DE"/>
           </a:p>
@@ -771,7 +1452,7 @@
           <a:p>
             <a:fld id="{E2C32285-C8C6-4668-B04E-FA4453CF6A76}" type="datetimeFigureOut">
               <a:rPr lang="de-AT" smtClean="0"/>
-              <a:t>19.01.2018</a:t>
+              <a:t>21.01.2018</a:t>
             </a:fld>
             <a:endParaRPr lang="de-AT"/>
           </a:p>
@@ -1039,6 +1720,342 @@
 </p:notesMaster>
 </file>
 
+<file path=ppt/notesSlides/notesSlide1.xml><?xml version="1.0" encoding="utf-8"?>
+<p:notes xmlns:a="http://schemas.openxmlformats.org/drawingml/2006/main" xmlns:r="http://schemas.openxmlformats.org/officeDocument/2006/relationships" xmlns:p="http://schemas.openxmlformats.org/presentationml/2006/main">
+  <p:cSld>
+    <p:spTree>
+      <p:nvGrpSpPr>
+        <p:cNvPr id="1" name=""/>
+        <p:cNvGrpSpPr/>
+        <p:nvPr/>
+      </p:nvGrpSpPr>
+      <p:grpSpPr>
+        <a:xfrm>
+          <a:off x="0" y="0"/>
+          <a:ext cx="0" cy="0"/>
+          <a:chOff x="0" y="0"/>
+          <a:chExt cx="0" cy="0"/>
+        </a:xfrm>
+      </p:grpSpPr>
+      <p:sp>
+        <p:nvSpPr>
+          <p:cNvPr id="2" name="Folienbildplatzhalter 1"/>
+          <p:cNvSpPr>
+            <a:spLocks noGrp="1" noRot="1" noChangeAspect="1"/>
+          </p:cNvSpPr>
+          <p:nvPr>
+            <p:ph type="sldImg"/>
+          </p:nvPr>
+        </p:nvSpPr>
+        <p:spPr/>
+      </p:sp>
+      <p:sp>
+        <p:nvSpPr>
+          <p:cNvPr id="3" name="Notizenplatzhalter 2"/>
+          <p:cNvSpPr>
+            <a:spLocks noGrp="1"/>
+          </p:cNvSpPr>
+          <p:nvPr>
+            <p:ph type="body" idx="1"/>
+          </p:nvPr>
+        </p:nvSpPr>
+        <p:spPr/>
+        <p:txBody>
+          <a:bodyPr/>
+          <a:lstStyle/>
+          <a:p>
+            <a:endParaRPr lang="de-DE" dirty="0"/>
+          </a:p>
+        </p:txBody>
+      </p:sp>
+      <p:sp>
+        <p:nvSpPr>
+          <p:cNvPr id="4" name="Foliennummernplatzhalter 3"/>
+          <p:cNvSpPr>
+            <a:spLocks noGrp="1"/>
+          </p:cNvSpPr>
+          <p:nvPr>
+            <p:ph type="sldNum" sz="quarter" idx="10"/>
+          </p:nvPr>
+        </p:nvSpPr>
+        <p:spPr/>
+        <p:txBody>
+          <a:bodyPr/>
+          <a:lstStyle/>
+          <a:p>
+            <a:fld id="{EABE0D26-08C0-41F2-9EB8-4EF69F79B2A4}" type="slidenum">
+              <a:rPr lang="de-AT" smtClean="0"/>
+              <a:t>9</a:t>
+            </a:fld>
+            <a:endParaRPr lang="de-AT"/>
+          </a:p>
+        </p:txBody>
+      </p:sp>
+    </p:spTree>
+    <p:extLst>
+      <p:ext uri="{BB962C8B-B14F-4D97-AF65-F5344CB8AC3E}">
+        <p14:creationId xmlns:p14="http://schemas.microsoft.com/office/powerpoint/2010/main" val="1908101786"/>
+      </p:ext>
+    </p:extLst>
+  </p:cSld>
+  <p:clrMapOvr>
+    <a:masterClrMapping/>
+  </p:clrMapOvr>
+</p:notes>
+</file>
+
+<file path=ppt/notesSlides/notesSlide2.xml><?xml version="1.0" encoding="utf-8"?>
+<p:notes xmlns:a="http://schemas.openxmlformats.org/drawingml/2006/main" xmlns:r="http://schemas.openxmlformats.org/officeDocument/2006/relationships" xmlns:p="http://schemas.openxmlformats.org/presentationml/2006/main">
+  <p:cSld>
+    <p:spTree>
+      <p:nvGrpSpPr>
+        <p:cNvPr id="1" name=""/>
+        <p:cNvGrpSpPr/>
+        <p:nvPr/>
+      </p:nvGrpSpPr>
+      <p:grpSpPr>
+        <a:xfrm>
+          <a:off x="0" y="0"/>
+          <a:ext cx="0" cy="0"/>
+          <a:chOff x="0" y="0"/>
+          <a:chExt cx="0" cy="0"/>
+        </a:xfrm>
+      </p:grpSpPr>
+      <p:sp>
+        <p:nvSpPr>
+          <p:cNvPr id="2" name="Folienbildplatzhalter 1"/>
+          <p:cNvSpPr>
+            <a:spLocks noGrp="1" noRot="1" noChangeAspect="1"/>
+          </p:cNvSpPr>
+          <p:nvPr>
+            <p:ph type="sldImg"/>
+          </p:nvPr>
+        </p:nvSpPr>
+        <p:spPr/>
+      </p:sp>
+      <p:sp>
+        <p:nvSpPr>
+          <p:cNvPr id="3" name="Notizenplatzhalter 2"/>
+          <p:cNvSpPr>
+            <a:spLocks noGrp="1"/>
+          </p:cNvSpPr>
+          <p:nvPr>
+            <p:ph type="body" idx="1"/>
+          </p:nvPr>
+        </p:nvSpPr>
+        <p:spPr/>
+        <p:txBody>
+          <a:bodyPr/>
+          <a:lstStyle/>
+          <a:p>
+            <a:endParaRPr lang="de-DE" dirty="0"/>
+          </a:p>
+        </p:txBody>
+      </p:sp>
+      <p:sp>
+        <p:nvSpPr>
+          <p:cNvPr id="4" name="Foliennummernplatzhalter 3"/>
+          <p:cNvSpPr>
+            <a:spLocks noGrp="1"/>
+          </p:cNvSpPr>
+          <p:nvPr>
+            <p:ph type="sldNum" sz="quarter" idx="10"/>
+          </p:nvPr>
+        </p:nvSpPr>
+        <p:spPr/>
+        <p:txBody>
+          <a:bodyPr/>
+          <a:lstStyle/>
+          <a:p>
+            <a:fld id="{EABE0D26-08C0-41F2-9EB8-4EF69F79B2A4}" type="slidenum">
+              <a:rPr lang="de-AT" smtClean="0"/>
+              <a:t>10</a:t>
+            </a:fld>
+            <a:endParaRPr lang="de-AT"/>
+          </a:p>
+        </p:txBody>
+      </p:sp>
+    </p:spTree>
+    <p:extLst>
+      <p:ext uri="{BB962C8B-B14F-4D97-AF65-F5344CB8AC3E}">
+        <p14:creationId xmlns:p14="http://schemas.microsoft.com/office/powerpoint/2010/main" val="1057318708"/>
+      </p:ext>
+    </p:extLst>
+  </p:cSld>
+  <p:clrMapOvr>
+    <a:masterClrMapping/>
+  </p:clrMapOvr>
+</p:notes>
+</file>
+
+<file path=ppt/notesSlides/notesSlide3.xml><?xml version="1.0" encoding="utf-8"?>
+<p:notes xmlns:a="http://schemas.openxmlformats.org/drawingml/2006/main" xmlns:r="http://schemas.openxmlformats.org/officeDocument/2006/relationships" xmlns:p="http://schemas.openxmlformats.org/presentationml/2006/main">
+  <p:cSld>
+    <p:spTree>
+      <p:nvGrpSpPr>
+        <p:cNvPr id="1" name=""/>
+        <p:cNvGrpSpPr/>
+        <p:nvPr/>
+      </p:nvGrpSpPr>
+      <p:grpSpPr>
+        <a:xfrm>
+          <a:off x="0" y="0"/>
+          <a:ext cx="0" cy="0"/>
+          <a:chOff x="0" y="0"/>
+          <a:chExt cx="0" cy="0"/>
+        </a:xfrm>
+      </p:grpSpPr>
+      <p:sp>
+        <p:nvSpPr>
+          <p:cNvPr id="2" name="Folienbildplatzhalter 1"/>
+          <p:cNvSpPr>
+            <a:spLocks noGrp="1" noRot="1" noChangeAspect="1"/>
+          </p:cNvSpPr>
+          <p:nvPr>
+            <p:ph type="sldImg"/>
+          </p:nvPr>
+        </p:nvSpPr>
+        <p:spPr/>
+      </p:sp>
+      <p:sp>
+        <p:nvSpPr>
+          <p:cNvPr id="3" name="Notizenplatzhalter 2"/>
+          <p:cNvSpPr>
+            <a:spLocks noGrp="1"/>
+          </p:cNvSpPr>
+          <p:nvPr>
+            <p:ph type="body" idx="1"/>
+          </p:nvPr>
+        </p:nvSpPr>
+        <p:spPr/>
+        <p:txBody>
+          <a:bodyPr/>
+          <a:lstStyle/>
+          <a:p>
+            <a:endParaRPr lang="de-DE" dirty="0"/>
+          </a:p>
+        </p:txBody>
+      </p:sp>
+      <p:sp>
+        <p:nvSpPr>
+          <p:cNvPr id="4" name="Foliennummernplatzhalter 3"/>
+          <p:cNvSpPr>
+            <a:spLocks noGrp="1"/>
+          </p:cNvSpPr>
+          <p:nvPr>
+            <p:ph type="sldNum" sz="quarter" idx="10"/>
+          </p:nvPr>
+        </p:nvSpPr>
+        <p:spPr/>
+        <p:txBody>
+          <a:bodyPr/>
+          <a:lstStyle/>
+          <a:p>
+            <a:fld id="{EABE0D26-08C0-41F2-9EB8-4EF69F79B2A4}" type="slidenum">
+              <a:rPr lang="de-AT" smtClean="0"/>
+              <a:t>11</a:t>
+            </a:fld>
+            <a:endParaRPr lang="de-AT"/>
+          </a:p>
+        </p:txBody>
+      </p:sp>
+    </p:spTree>
+    <p:extLst>
+      <p:ext uri="{BB962C8B-B14F-4D97-AF65-F5344CB8AC3E}">
+        <p14:creationId xmlns:p14="http://schemas.microsoft.com/office/powerpoint/2010/main" val="969802019"/>
+      </p:ext>
+    </p:extLst>
+  </p:cSld>
+  <p:clrMapOvr>
+    <a:masterClrMapping/>
+  </p:clrMapOvr>
+</p:notes>
+</file>
+
+<file path=ppt/notesSlides/notesSlide4.xml><?xml version="1.0" encoding="utf-8"?>
+<p:notes xmlns:a="http://schemas.openxmlformats.org/drawingml/2006/main" xmlns:r="http://schemas.openxmlformats.org/officeDocument/2006/relationships" xmlns:p="http://schemas.openxmlformats.org/presentationml/2006/main">
+  <p:cSld>
+    <p:spTree>
+      <p:nvGrpSpPr>
+        <p:cNvPr id="1" name=""/>
+        <p:cNvGrpSpPr/>
+        <p:nvPr/>
+      </p:nvGrpSpPr>
+      <p:grpSpPr>
+        <a:xfrm>
+          <a:off x="0" y="0"/>
+          <a:ext cx="0" cy="0"/>
+          <a:chOff x="0" y="0"/>
+          <a:chExt cx="0" cy="0"/>
+        </a:xfrm>
+      </p:grpSpPr>
+      <p:sp>
+        <p:nvSpPr>
+          <p:cNvPr id="2" name="Folienbildplatzhalter 1"/>
+          <p:cNvSpPr>
+            <a:spLocks noGrp="1" noRot="1" noChangeAspect="1"/>
+          </p:cNvSpPr>
+          <p:nvPr>
+            <p:ph type="sldImg"/>
+          </p:nvPr>
+        </p:nvSpPr>
+        <p:spPr/>
+      </p:sp>
+      <p:sp>
+        <p:nvSpPr>
+          <p:cNvPr id="3" name="Notizenplatzhalter 2"/>
+          <p:cNvSpPr>
+            <a:spLocks noGrp="1"/>
+          </p:cNvSpPr>
+          <p:nvPr>
+            <p:ph type="body" idx="1"/>
+          </p:nvPr>
+        </p:nvSpPr>
+        <p:spPr/>
+        <p:txBody>
+          <a:bodyPr/>
+          <a:lstStyle/>
+          <a:p>
+            <a:endParaRPr lang="de-DE" dirty="0"/>
+          </a:p>
+        </p:txBody>
+      </p:sp>
+      <p:sp>
+        <p:nvSpPr>
+          <p:cNvPr id="4" name="Foliennummernplatzhalter 3"/>
+          <p:cNvSpPr>
+            <a:spLocks noGrp="1"/>
+          </p:cNvSpPr>
+          <p:nvPr>
+            <p:ph type="sldNum" sz="quarter" idx="10"/>
+          </p:nvPr>
+        </p:nvSpPr>
+        <p:spPr/>
+        <p:txBody>
+          <a:bodyPr/>
+          <a:lstStyle/>
+          <a:p>
+            <a:fld id="{EABE0D26-08C0-41F2-9EB8-4EF69F79B2A4}" type="slidenum">
+              <a:rPr lang="de-AT" smtClean="0"/>
+              <a:t>12</a:t>
+            </a:fld>
+            <a:endParaRPr lang="de-AT"/>
+          </a:p>
+        </p:txBody>
+      </p:sp>
+    </p:spTree>
+    <p:extLst>
+      <p:ext uri="{BB962C8B-B14F-4D97-AF65-F5344CB8AC3E}">
+        <p14:creationId xmlns:p14="http://schemas.microsoft.com/office/powerpoint/2010/main" val="55068503"/>
+      </p:ext>
+    </p:extLst>
+  </p:cSld>
+  <p:clrMapOvr>
+    <a:masterClrMapping/>
+  </p:clrMapOvr>
+</p:notes>
+</file>
+
 <file path=ppt/slideLayouts/slideLayout1.xml><?xml version="1.0" encoding="utf-8"?>
 <p:sldLayout xmlns:a="http://schemas.openxmlformats.org/drawingml/2006/main" xmlns:r="http://schemas.openxmlformats.org/officeDocument/2006/relationships" xmlns:p="http://schemas.openxmlformats.org/presentationml/2006/main" type="title" preserve="1">
   <p:cSld name="Titelfolie">
@@ -1220,7 +2237,7 @@
           <a:p>
             <a:fld id="{AD7C823A-8D1F-4A7A-BCD3-140CE86C5147}" type="datetime1">
               <a:rPr lang="de-AT" smtClean="0"/>
-              <a:t>19.01.2018</a:t>
+              <a:t>21.01.2018</a:t>
             </a:fld>
             <a:endParaRPr lang="de-AT"/>
           </a:p>
@@ -1643,7 +2660,7 @@
           <a:p>
             <a:fld id="{00C2A7D4-6DA7-4AC0-90DA-495E283232C3}" type="datetime1">
               <a:rPr lang="de-AT" smtClean="0"/>
-              <a:t>19.01.2018</a:t>
+              <a:t>21.01.2018</a:t>
             </a:fld>
             <a:endParaRPr lang="de-AT"/>
           </a:p>
@@ -1894,7 +2911,7 @@
           <a:p>
             <a:fld id="{A6A55E55-235A-4F68-B44B-5B270E39D9BB}" type="datetime1">
               <a:rPr lang="de-AT" smtClean="0"/>
-              <a:t>19.01.2018</a:t>
+              <a:t>21.01.2018</a:t>
             </a:fld>
             <a:endParaRPr lang="de-AT" dirty="0"/>
           </a:p>
@@ -2186,7 +3203,7 @@
           <a:p>
             <a:fld id="{612221E0-5FCF-46D5-8E71-06BE4024C7C9}" type="datetime1">
               <a:rPr lang="de-AT" smtClean="0"/>
-              <a:t>19.01.2018</a:t>
+              <a:t>21.01.2018</a:t>
             </a:fld>
             <a:endParaRPr lang="de-AT" dirty="0"/>
           </a:p>
@@ -2597,7 +3614,7 @@
           <a:p>
             <a:fld id="{2C1BF1B5-1080-4A4D-93FE-2AFC40FEAED7}" type="datetime1">
               <a:rPr lang="de-AT" smtClean="0"/>
-              <a:t>19.01.2018</a:t>
+              <a:t>21.01.2018</a:t>
             </a:fld>
             <a:endParaRPr lang="de-AT"/>
           </a:p>
@@ -2718,7 +3735,7 @@
           <a:p>
             <a:fld id="{17707911-CD8C-4B83-8C1E-2EDDEAF7124F}" type="datetime1">
               <a:rPr lang="de-AT" smtClean="0"/>
-              <a:t>19.01.2018</a:t>
+              <a:t>21.01.2018</a:t>
             </a:fld>
             <a:endParaRPr lang="de-AT"/>
           </a:p>
@@ -2816,7 +3833,7 @@
           <a:p>
             <a:fld id="{B3A57C43-A959-49D5-BD00-F6710B17D347}" type="datetime1">
               <a:rPr lang="de-AT" smtClean="0"/>
-              <a:t>19.01.2018</a:t>
+              <a:t>21.01.2018</a:t>
             </a:fld>
             <a:endParaRPr lang="de-AT"/>
           </a:p>
@@ -3096,7 +4113,7 @@
           <a:p>
             <a:fld id="{11EDFD0D-1B57-4662-AB88-65D7683B137A}" type="datetime1">
               <a:rPr lang="de-AT" smtClean="0"/>
-              <a:t>19.01.2018</a:t>
+              <a:t>21.01.2018</a:t>
             </a:fld>
             <a:endParaRPr lang="de-AT"/>
           </a:p>
@@ -3352,7 +4369,7 @@
           <a:p>
             <a:fld id="{7E79AC9D-681F-4C6C-B748-A22E1014B687}" type="datetime1">
               <a:rPr lang="de-AT" smtClean="0"/>
-              <a:t>19.01.2018</a:t>
+              <a:t>21.01.2018</a:t>
             </a:fld>
             <a:endParaRPr lang="de-AT"/>
           </a:p>
@@ -3525,7 +4542,7 @@
           <a:p>
             <a:fld id="{F88EDF09-200F-4437-870F-6371DDA93B70}" type="datetime1">
               <a:rPr lang="de-AT" smtClean="0"/>
-              <a:t>19.01.2018</a:t>
+              <a:t>21.01.2018</a:t>
             </a:fld>
             <a:endParaRPr lang="de-AT"/>
           </a:p>
@@ -3741,7 +4758,7 @@
           <a:p>
             <a:fld id="{E26C028F-E316-4C0A-9E06-C9E8477B7866}" type="datetime1">
               <a:rPr lang="de-AT" smtClean="0"/>
-              <a:t>19.01.2018</a:t>
+              <a:t>21.01.2018</a:t>
             </a:fld>
             <a:endParaRPr lang="de-AT"/>
           </a:p>
@@ -4397,6 +5414,3338 @@
 </p:sld>
 </file>
 
+<file path=ppt/slides/slide10.xml><?xml version="1.0" encoding="utf-8"?>
+<p:sld xmlns:a="http://schemas.openxmlformats.org/drawingml/2006/main" xmlns:r="http://schemas.openxmlformats.org/officeDocument/2006/relationships" xmlns:p="http://schemas.openxmlformats.org/presentationml/2006/main">
+  <p:cSld>
+    <p:spTree>
+      <p:nvGrpSpPr>
+        <p:cNvPr id="1" name=""/>
+        <p:cNvGrpSpPr/>
+        <p:nvPr/>
+      </p:nvGrpSpPr>
+      <p:grpSpPr>
+        <a:xfrm>
+          <a:off x="0" y="0"/>
+          <a:ext cx="0" cy="0"/>
+          <a:chOff x="0" y="0"/>
+          <a:chExt cx="0" cy="0"/>
+        </a:xfrm>
+      </p:grpSpPr>
+      <p:sp>
+        <p:nvSpPr>
+          <p:cNvPr id="2" name="Inhaltsplatzhalter 1">
+            <a:extLst>
+              <a:ext uri="{FF2B5EF4-FFF2-40B4-BE49-F238E27FC236}">
+                <a16:creationId xmlns:a16="http://schemas.microsoft.com/office/drawing/2014/main" id="{F57FEBA4-5A1E-49B0-AECB-2D6562CD291D}"/>
+              </a:ext>
+            </a:extLst>
+          </p:cNvPr>
+          <p:cNvSpPr>
+            <a:spLocks noGrp="1"/>
+          </p:cNvSpPr>
+          <p:nvPr>
+            <p:ph idx="1"/>
+          </p:nvPr>
+        </p:nvSpPr>
+        <p:spPr>
+          <a:xfrm>
+            <a:off x="495300" y="1600206"/>
+            <a:ext cx="8915400" cy="4525963"/>
+          </a:xfrm>
+        </p:spPr>
+        <p:txBody>
+          <a:bodyPr/>
+          <a:lstStyle/>
+          <a:p>
+            <a:pPr marL="0" indent="0">
+              <a:buNone/>
+            </a:pPr>
+            <a:r>
+              <a:rPr lang="de-DE" dirty="0"/>
+              <a:t>Traditional </a:t>
+            </a:r>
+            <a:r>
+              <a:rPr lang="en-GB" dirty="0"/>
+              <a:t>project</a:t>
+            </a:r>
+            <a:r>
+              <a:rPr lang="de-DE" dirty="0"/>
+              <a:t> </a:t>
+            </a:r>
+            <a:r>
+              <a:rPr lang="de-DE" dirty="0" err="1"/>
+              <a:t>management</a:t>
+            </a:r>
+            <a:r>
+              <a:rPr lang="de-DE" dirty="0"/>
+              <a:t>:</a:t>
+            </a:r>
+          </a:p>
+          <a:p>
+            <a:pPr marL="0" indent="0">
+              <a:buNone/>
+            </a:pPr>
+            <a:r>
+              <a:rPr lang="de-DE" dirty="0"/>
+              <a:t>	</a:t>
+            </a:r>
+            <a:r>
+              <a:rPr lang="de-DE" sz="2400" dirty="0"/>
+              <a:t>Goal of traditional </a:t>
+            </a:r>
+            <a:r>
+              <a:rPr lang="de-DE" sz="2400" dirty="0" err="1"/>
+              <a:t>project</a:t>
+            </a:r>
+            <a:r>
+              <a:rPr lang="de-DE" sz="2400" dirty="0"/>
+              <a:t> </a:t>
+            </a:r>
+            <a:r>
+              <a:rPr lang="de-DE" sz="2400" dirty="0" err="1"/>
+              <a:t>management</a:t>
+            </a:r>
+            <a:r>
+              <a:rPr lang="de-DE" sz="2400" dirty="0"/>
+              <a:t> - in </a:t>
+            </a:r>
+            <a:r>
+              <a:rPr lang="de-DE" sz="2400" dirty="0" err="1"/>
+              <a:t>our</a:t>
+            </a:r>
+            <a:r>
+              <a:rPr lang="de-DE" sz="2400" dirty="0"/>
+              <a:t> </a:t>
+            </a:r>
+            <a:r>
+              <a:rPr lang="de-DE" sz="2400" dirty="0" err="1"/>
+              <a:t>project</a:t>
+            </a:r>
+            <a:r>
+              <a:rPr lang="de-DE" sz="2400" dirty="0"/>
+              <a:t>?</a:t>
+            </a:r>
+            <a:endParaRPr lang="de-DE" dirty="0"/>
+          </a:p>
+        </p:txBody>
+      </p:sp>
+      <p:sp>
+        <p:nvSpPr>
+          <p:cNvPr id="3" name="Titel 2">
+            <a:extLst>
+              <a:ext uri="{FF2B5EF4-FFF2-40B4-BE49-F238E27FC236}">
+                <a16:creationId xmlns:a16="http://schemas.microsoft.com/office/drawing/2014/main" id="{EEB99570-74B8-496E-9BF0-78D33340D20E}"/>
+              </a:ext>
+            </a:extLst>
+          </p:cNvPr>
+          <p:cNvSpPr>
+            <a:spLocks noGrp="1"/>
+          </p:cNvSpPr>
+          <p:nvPr>
+            <p:ph type="title" idx="4294967295"/>
+          </p:nvPr>
+        </p:nvSpPr>
+        <p:spPr>
+          <a:xfrm>
+            <a:off x="116467" y="116632"/>
+            <a:ext cx="8915400" cy="1143000"/>
+          </a:xfrm>
+        </p:spPr>
+        <p:txBody>
+          <a:bodyPr>
+            <a:normAutofit/>
+          </a:bodyPr>
+          <a:lstStyle/>
+          <a:p>
+            <a:r>
+              <a:rPr lang="de-DE" dirty="0">
+                <a:solidFill>
+                  <a:schemeClr val="bg1"/>
+                </a:solidFill>
+              </a:rPr>
+              <a:t>Traditional vs. Agil Methods</a:t>
+            </a:r>
+          </a:p>
+        </p:txBody>
+      </p:sp>
+      <p:sp>
+        <p:nvSpPr>
+          <p:cNvPr id="4" name="Datumsplatzhalter 3">
+            <a:extLst>
+              <a:ext uri="{FF2B5EF4-FFF2-40B4-BE49-F238E27FC236}">
+                <a16:creationId xmlns:a16="http://schemas.microsoft.com/office/drawing/2014/main" id="{1BC290FD-1494-42CC-9C82-2D69176C1070}"/>
+              </a:ext>
+            </a:extLst>
+          </p:cNvPr>
+          <p:cNvSpPr>
+            <a:spLocks noGrp="1"/>
+          </p:cNvSpPr>
+          <p:nvPr>
+            <p:ph type="dt" sz="half" idx="10"/>
+          </p:nvPr>
+        </p:nvSpPr>
+        <p:spPr/>
+        <p:txBody>
+          <a:bodyPr/>
+          <a:lstStyle/>
+          <a:p>
+            <a:fld id="{A6A55E55-235A-4F68-B44B-5B270E39D9BB}" type="datetime1">
+              <a:rPr lang="de-AT" smtClean="0"/>
+              <a:t>21.01.2018</a:t>
+            </a:fld>
+            <a:endParaRPr lang="de-AT" dirty="0"/>
+          </a:p>
+        </p:txBody>
+      </p:sp>
+      <p:sp>
+        <p:nvSpPr>
+          <p:cNvPr id="5" name="Fußzeilenplatzhalter 4">
+            <a:extLst>
+              <a:ext uri="{FF2B5EF4-FFF2-40B4-BE49-F238E27FC236}">
+                <a16:creationId xmlns:a16="http://schemas.microsoft.com/office/drawing/2014/main" id="{18141F45-EC25-4DB8-AC7F-15667D547142}"/>
+              </a:ext>
+            </a:extLst>
+          </p:cNvPr>
+          <p:cNvSpPr>
+            <a:spLocks noGrp="1"/>
+          </p:cNvSpPr>
+          <p:nvPr>
+            <p:ph type="ftr" sz="quarter" idx="11"/>
+          </p:nvPr>
+        </p:nvSpPr>
+        <p:spPr/>
+        <p:txBody>
+          <a:bodyPr/>
+          <a:lstStyle/>
+          <a:p>
+            <a:r>
+              <a:rPr lang="de-AT"/>
+              <a:t>Project Management Methods - "Mars Expedition"</a:t>
+            </a:r>
+            <a:endParaRPr lang="de-AT" dirty="0"/>
+          </a:p>
+        </p:txBody>
+      </p:sp>
+      <p:sp>
+        <p:nvSpPr>
+          <p:cNvPr id="6" name="Foliennummernplatzhalter 5">
+            <a:extLst>
+              <a:ext uri="{FF2B5EF4-FFF2-40B4-BE49-F238E27FC236}">
+                <a16:creationId xmlns:a16="http://schemas.microsoft.com/office/drawing/2014/main" id="{3CC26705-4D62-40ED-ABB5-69290BD9EE72}"/>
+              </a:ext>
+            </a:extLst>
+          </p:cNvPr>
+          <p:cNvSpPr>
+            <a:spLocks noGrp="1"/>
+          </p:cNvSpPr>
+          <p:nvPr>
+            <p:ph type="sldNum" sz="quarter" idx="12"/>
+          </p:nvPr>
+        </p:nvSpPr>
+        <p:spPr/>
+        <p:txBody>
+          <a:bodyPr/>
+          <a:lstStyle/>
+          <a:p>
+            <a:fld id="{3B0692D3-3767-4542-A95D-53684A81B966}" type="slidenum">
+              <a:rPr lang="de-AT" smtClean="0"/>
+              <a:t>10</a:t>
+            </a:fld>
+            <a:endParaRPr lang="de-AT" dirty="0"/>
+          </a:p>
+        </p:txBody>
+      </p:sp>
+      <p:sp>
+        <p:nvSpPr>
+          <p:cNvPr id="7" name="Gleichschenkliges Dreieck 6">
+            <a:extLst>
+              <a:ext uri="{FF2B5EF4-FFF2-40B4-BE49-F238E27FC236}">
+                <a16:creationId xmlns:a16="http://schemas.microsoft.com/office/drawing/2014/main" id="{2820B231-736E-4E12-A77B-43DB9C56F245}"/>
+              </a:ext>
+            </a:extLst>
+          </p:cNvPr>
+          <p:cNvSpPr/>
+          <p:nvPr/>
+        </p:nvSpPr>
+        <p:spPr>
+          <a:xfrm>
+            <a:off x="543982" y="2780928"/>
+            <a:ext cx="3672408" cy="2784466"/>
+          </a:xfrm>
+          <a:prstGeom prst="triangle">
+            <a:avLst/>
+          </a:prstGeom>
+          <a:solidFill>
+            <a:schemeClr val="bg1"/>
+          </a:solidFill>
+          <a:ln>
+            <a:solidFill>
+              <a:schemeClr val="bg1">
+                <a:lumMod val="75000"/>
+              </a:schemeClr>
+            </a:solidFill>
+          </a:ln>
+        </p:spPr>
+        <p:style>
+          <a:lnRef idx="2">
+            <a:schemeClr val="accent1">
+              <a:shade val="50000"/>
+            </a:schemeClr>
+          </a:lnRef>
+          <a:fillRef idx="1">
+            <a:schemeClr val="accent1"/>
+          </a:fillRef>
+          <a:effectRef idx="0">
+            <a:schemeClr val="accent1"/>
+          </a:effectRef>
+          <a:fontRef idx="minor">
+            <a:schemeClr val="lt1"/>
+          </a:fontRef>
+        </p:style>
+        <p:txBody>
+          <a:bodyPr rtlCol="0" anchor="ctr"/>
+          <a:lstStyle/>
+          <a:p>
+            <a:pPr algn="ctr"/>
+            <a:endParaRPr lang="de-DE"/>
+          </a:p>
+        </p:txBody>
+      </p:sp>
+      <p:sp>
+        <p:nvSpPr>
+          <p:cNvPr id="8" name="Textfeld 7">
+            <a:extLst>
+              <a:ext uri="{FF2B5EF4-FFF2-40B4-BE49-F238E27FC236}">
+                <a16:creationId xmlns:a16="http://schemas.microsoft.com/office/drawing/2014/main" id="{09050615-6067-4A02-84EA-1E53D5AD8F4E}"/>
+              </a:ext>
+            </a:extLst>
+          </p:cNvPr>
+          <p:cNvSpPr txBox="1"/>
+          <p:nvPr/>
+        </p:nvSpPr>
+        <p:spPr>
+          <a:xfrm rot="18312037">
+            <a:off x="867141" y="3671011"/>
+            <a:ext cx="716663" cy="369332"/>
+          </a:xfrm>
+          <a:prstGeom prst="rect">
+            <a:avLst/>
+          </a:prstGeom>
+          <a:noFill/>
+        </p:spPr>
+        <p:txBody>
+          <a:bodyPr wrap="square" rtlCol="0">
+            <a:spAutoFit/>
+          </a:bodyPr>
+          <a:lstStyle/>
+          <a:p>
+            <a:r>
+              <a:rPr lang="de-DE" dirty="0"/>
+              <a:t>TIME</a:t>
+            </a:r>
+          </a:p>
+        </p:txBody>
+      </p:sp>
+      <p:sp>
+        <p:nvSpPr>
+          <p:cNvPr id="24" name="Textfeld 23">
+            <a:extLst>
+              <a:ext uri="{FF2B5EF4-FFF2-40B4-BE49-F238E27FC236}">
+                <a16:creationId xmlns:a16="http://schemas.microsoft.com/office/drawing/2014/main" id="{320EA7E7-867D-450E-A1CE-46B6FEA4D4B9}"/>
+              </a:ext>
+            </a:extLst>
+          </p:cNvPr>
+          <p:cNvSpPr txBox="1"/>
+          <p:nvPr/>
+        </p:nvSpPr>
+        <p:spPr>
+          <a:xfrm rot="3345269">
+            <a:off x="3221469" y="3674429"/>
+            <a:ext cx="716663" cy="369332"/>
+          </a:xfrm>
+          <a:prstGeom prst="rect">
+            <a:avLst/>
+          </a:prstGeom>
+          <a:noFill/>
+        </p:spPr>
+        <p:txBody>
+          <a:bodyPr wrap="square" rtlCol="0">
+            <a:spAutoFit/>
+          </a:bodyPr>
+          <a:lstStyle/>
+          <a:p>
+            <a:r>
+              <a:rPr lang="de-DE" dirty="0"/>
+              <a:t>COST</a:t>
+            </a:r>
+          </a:p>
+        </p:txBody>
+      </p:sp>
+      <p:sp>
+        <p:nvSpPr>
+          <p:cNvPr id="25" name="Textfeld 24">
+            <a:extLst>
+              <a:ext uri="{FF2B5EF4-FFF2-40B4-BE49-F238E27FC236}">
+                <a16:creationId xmlns:a16="http://schemas.microsoft.com/office/drawing/2014/main" id="{D2915383-982D-4A14-8EF1-0D553571B8C3}"/>
+              </a:ext>
+            </a:extLst>
+          </p:cNvPr>
+          <p:cNvSpPr txBox="1"/>
+          <p:nvPr/>
+        </p:nvSpPr>
+        <p:spPr>
+          <a:xfrm>
+            <a:off x="2021854" y="5630249"/>
+            <a:ext cx="790380" cy="369332"/>
+          </a:xfrm>
+          <a:prstGeom prst="rect">
+            <a:avLst/>
+          </a:prstGeom>
+          <a:noFill/>
+        </p:spPr>
+        <p:txBody>
+          <a:bodyPr wrap="square" rtlCol="0">
+            <a:spAutoFit/>
+          </a:bodyPr>
+          <a:lstStyle/>
+          <a:p>
+            <a:r>
+              <a:rPr lang="de-DE" dirty="0"/>
+              <a:t>SCOPE</a:t>
+            </a:r>
+          </a:p>
+        </p:txBody>
+      </p:sp>
+      <p:sp>
+        <p:nvSpPr>
+          <p:cNvPr id="26" name="Textfeld 25">
+            <a:extLst>
+              <a:ext uri="{FF2B5EF4-FFF2-40B4-BE49-F238E27FC236}">
+                <a16:creationId xmlns:a16="http://schemas.microsoft.com/office/drawing/2014/main" id="{CC4ABB38-B57E-44EA-AF90-012781A0FE28}"/>
+              </a:ext>
+            </a:extLst>
+          </p:cNvPr>
+          <p:cNvSpPr txBox="1"/>
+          <p:nvPr/>
+        </p:nvSpPr>
+        <p:spPr>
+          <a:xfrm>
+            <a:off x="1862062" y="4384672"/>
+            <a:ext cx="1036248" cy="369332"/>
+          </a:xfrm>
+          <a:prstGeom prst="rect">
+            <a:avLst/>
+          </a:prstGeom>
+          <a:noFill/>
+        </p:spPr>
+        <p:txBody>
+          <a:bodyPr wrap="square" rtlCol="0">
+            <a:spAutoFit/>
+          </a:bodyPr>
+          <a:lstStyle/>
+          <a:p>
+            <a:r>
+              <a:rPr lang="de-DE" dirty="0">
+                <a:solidFill>
+                  <a:schemeClr val="accent1"/>
+                </a:solidFill>
+              </a:rPr>
+              <a:t>QUALITY</a:t>
+            </a:r>
+          </a:p>
+        </p:txBody>
+      </p:sp>
+      <p:cxnSp>
+        <p:nvCxnSpPr>
+          <p:cNvPr id="16" name="Gerade Verbindung mit Pfeil 15">
+            <a:extLst>
+              <a:ext uri="{FF2B5EF4-FFF2-40B4-BE49-F238E27FC236}">
+                <a16:creationId xmlns:a16="http://schemas.microsoft.com/office/drawing/2014/main" id="{7EBC0D25-1379-4073-B701-4D0FEE9AAE9B}"/>
+              </a:ext>
+            </a:extLst>
+          </p:cNvPr>
+          <p:cNvCxnSpPr>
+            <a:stCxn id="26" idx="0"/>
+          </p:cNvCxnSpPr>
+          <p:nvPr/>
+        </p:nvCxnSpPr>
+        <p:spPr>
+          <a:xfrm flipH="1" flipV="1">
+            <a:off x="1732114" y="4024632"/>
+            <a:ext cx="648072" cy="360040"/>
+          </a:xfrm>
+          <a:prstGeom prst="straightConnector1">
+            <a:avLst/>
+          </a:prstGeom>
+          <a:ln w="28575">
+            <a:tailEnd type="triangle"/>
+          </a:ln>
+        </p:spPr>
+        <p:style>
+          <a:lnRef idx="1">
+            <a:schemeClr val="accent1"/>
+          </a:lnRef>
+          <a:fillRef idx="0">
+            <a:schemeClr val="accent1"/>
+          </a:fillRef>
+          <a:effectRef idx="0">
+            <a:schemeClr val="accent1"/>
+          </a:effectRef>
+          <a:fontRef idx="minor">
+            <a:schemeClr val="tx1"/>
+          </a:fontRef>
+        </p:style>
+      </p:cxnSp>
+      <p:cxnSp>
+        <p:nvCxnSpPr>
+          <p:cNvPr id="28" name="Gerade Verbindung mit Pfeil 27">
+            <a:extLst>
+              <a:ext uri="{FF2B5EF4-FFF2-40B4-BE49-F238E27FC236}">
+                <a16:creationId xmlns:a16="http://schemas.microsoft.com/office/drawing/2014/main" id="{9FC0C37B-B5EA-4593-93D1-DB1B888C552E}"/>
+              </a:ext>
+            </a:extLst>
+          </p:cNvPr>
+          <p:cNvCxnSpPr>
+            <a:cxnSpLocks/>
+          </p:cNvCxnSpPr>
+          <p:nvPr/>
+        </p:nvCxnSpPr>
+        <p:spPr>
+          <a:xfrm flipV="1">
+            <a:off x="2380186" y="4024632"/>
+            <a:ext cx="648072" cy="360041"/>
+          </a:xfrm>
+          <a:prstGeom prst="straightConnector1">
+            <a:avLst/>
+          </a:prstGeom>
+          <a:ln w="28575">
+            <a:tailEnd type="triangle"/>
+          </a:ln>
+        </p:spPr>
+        <p:style>
+          <a:lnRef idx="1">
+            <a:schemeClr val="accent1"/>
+          </a:lnRef>
+          <a:fillRef idx="0">
+            <a:schemeClr val="accent1"/>
+          </a:fillRef>
+          <a:effectRef idx="0">
+            <a:schemeClr val="accent1"/>
+          </a:effectRef>
+          <a:fontRef idx="minor">
+            <a:schemeClr val="tx1"/>
+          </a:fontRef>
+        </p:style>
+      </p:cxnSp>
+      <p:cxnSp>
+        <p:nvCxnSpPr>
+          <p:cNvPr id="32" name="Gerade Verbindung mit Pfeil 31">
+            <a:extLst>
+              <a:ext uri="{FF2B5EF4-FFF2-40B4-BE49-F238E27FC236}">
+                <a16:creationId xmlns:a16="http://schemas.microsoft.com/office/drawing/2014/main" id="{6E45F042-164F-4219-B857-100F3ED48B50}"/>
+              </a:ext>
+            </a:extLst>
+          </p:cNvPr>
+          <p:cNvCxnSpPr>
+            <a:cxnSpLocks/>
+            <a:stCxn id="26" idx="2"/>
+          </p:cNvCxnSpPr>
+          <p:nvPr/>
+        </p:nvCxnSpPr>
+        <p:spPr>
+          <a:xfrm>
+            <a:off x="2380186" y="4754004"/>
+            <a:ext cx="0" cy="707571"/>
+          </a:xfrm>
+          <a:prstGeom prst="straightConnector1">
+            <a:avLst/>
+          </a:prstGeom>
+          <a:ln w="28575">
+            <a:tailEnd type="triangle"/>
+          </a:ln>
+        </p:spPr>
+        <p:style>
+          <a:lnRef idx="1">
+            <a:schemeClr val="accent1"/>
+          </a:lnRef>
+          <a:fillRef idx="0">
+            <a:schemeClr val="accent1"/>
+          </a:fillRef>
+          <a:effectRef idx="0">
+            <a:schemeClr val="accent1"/>
+          </a:effectRef>
+          <a:fontRef idx="minor">
+            <a:schemeClr val="tx1"/>
+          </a:fontRef>
+        </p:style>
+      </p:cxnSp>
+      <p:sp>
+        <p:nvSpPr>
+          <p:cNvPr id="35" name="Gleichschenkliges Dreieck 34">
+            <a:extLst>
+              <a:ext uri="{FF2B5EF4-FFF2-40B4-BE49-F238E27FC236}">
+                <a16:creationId xmlns:a16="http://schemas.microsoft.com/office/drawing/2014/main" id="{A7D27B05-2007-4F11-9EB1-0957D684864C}"/>
+              </a:ext>
+            </a:extLst>
+          </p:cNvPr>
+          <p:cNvSpPr/>
+          <p:nvPr/>
+        </p:nvSpPr>
+        <p:spPr>
+          <a:xfrm>
+            <a:off x="5617602" y="4765138"/>
+            <a:ext cx="3744416" cy="800256"/>
+          </a:xfrm>
+          <a:prstGeom prst="triangle">
+            <a:avLst/>
+          </a:prstGeom>
+          <a:solidFill>
+            <a:schemeClr val="bg1"/>
+          </a:solidFill>
+          <a:ln>
+            <a:solidFill>
+              <a:schemeClr val="bg1">
+                <a:lumMod val="75000"/>
+              </a:schemeClr>
+            </a:solidFill>
+          </a:ln>
+        </p:spPr>
+        <p:style>
+          <a:lnRef idx="2">
+            <a:schemeClr val="accent1">
+              <a:shade val="50000"/>
+            </a:schemeClr>
+          </a:lnRef>
+          <a:fillRef idx="1">
+            <a:schemeClr val="accent1"/>
+          </a:fillRef>
+          <a:effectRef idx="0">
+            <a:schemeClr val="accent1"/>
+          </a:effectRef>
+          <a:fontRef idx="minor">
+            <a:schemeClr val="lt1"/>
+          </a:fontRef>
+        </p:style>
+        <p:txBody>
+          <a:bodyPr rtlCol="0" anchor="ctr"/>
+          <a:lstStyle/>
+          <a:p>
+            <a:pPr algn="ctr"/>
+            <a:endParaRPr lang="de-DE"/>
+          </a:p>
+        </p:txBody>
+      </p:sp>
+      <p:sp>
+        <p:nvSpPr>
+          <p:cNvPr id="36" name="Textfeld 35">
+            <a:extLst>
+              <a:ext uri="{FF2B5EF4-FFF2-40B4-BE49-F238E27FC236}">
+                <a16:creationId xmlns:a16="http://schemas.microsoft.com/office/drawing/2014/main" id="{AB00AD7E-E2CD-43D3-B5FE-B3E7F4FFF36B}"/>
+              </a:ext>
+            </a:extLst>
+          </p:cNvPr>
+          <p:cNvSpPr txBox="1"/>
+          <p:nvPr/>
+        </p:nvSpPr>
+        <p:spPr>
+          <a:xfrm rot="20125006">
+            <a:off x="6137013" y="4721394"/>
+            <a:ext cx="716663" cy="369332"/>
+          </a:xfrm>
+          <a:prstGeom prst="rect">
+            <a:avLst/>
+          </a:prstGeom>
+          <a:noFill/>
+        </p:spPr>
+        <p:txBody>
+          <a:bodyPr wrap="square" rtlCol="0">
+            <a:spAutoFit/>
+          </a:bodyPr>
+          <a:lstStyle/>
+          <a:p>
+            <a:r>
+              <a:rPr lang="de-DE" dirty="0"/>
+              <a:t>TIME</a:t>
+            </a:r>
+          </a:p>
+        </p:txBody>
+      </p:sp>
+      <p:sp>
+        <p:nvSpPr>
+          <p:cNvPr id="37" name="Textfeld 36">
+            <a:extLst>
+              <a:ext uri="{FF2B5EF4-FFF2-40B4-BE49-F238E27FC236}">
+                <a16:creationId xmlns:a16="http://schemas.microsoft.com/office/drawing/2014/main" id="{8AA41E0F-559B-469C-BA79-4FA26C6C3047}"/>
+              </a:ext>
+            </a:extLst>
+          </p:cNvPr>
+          <p:cNvSpPr txBox="1"/>
+          <p:nvPr/>
+        </p:nvSpPr>
+        <p:spPr>
+          <a:xfrm rot="1426653">
+            <a:off x="7817084" y="4808635"/>
+            <a:ext cx="1484593" cy="369332"/>
+          </a:xfrm>
+          <a:prstGeom prst="rect">
+            <a:avLst/>
+          </a:prstGeom>
+          <a:noFill/>
+        </p:spPr>
+        <p:txBody>
+          <a:bodyPr wrap="square" rtlCol="0">
+            <a:spAutoFit/>
+          </a:bodyPr>
+          <a:lstStyle/>
+          <a:p>
+            <a:r>
+              <a:rPr lang="de-DE" dirty="0"/>
+              <a:t>COST=Budget</a:t>
+            </a:r>
+          </a:p>
+        </p:txBody>
+      </p:sp>
+      <p:sp>
+        <p:nvSpPr>
+          <p:cNvPr id="38" name="Textfeld 37">
+            <a:extLst>
+              <a:ext uri="{FF2B5EF4-FFF2-40B4-BE49-F238E27FC236}">
+                <a16:creationId xmlns:a16="http://schemas.microsoft.com/office/drawing/2014/main" id="{2D420DAE-DA5E-4283-A148-38759FA6A261}"/>
+              </a:ext>
+            </a:extLst>
+          </p:cNvPr>
+          <p:cNvSpPr txBox="1"/>
+          <p:nvPr/>
+        </p:nvSpPr>
+        <p:spPr>
+          <a:xfrm>
+            <a:off x="7095474" y="5630249"/>
+            <a:ext cx="790380" cy="369332"/>
+          </a:xfrm>
+          <a:prstGeom prst="rect">
+            <a:avLst/>
+          </a:prstGeom>
+          <a:noFill/>
+        </p:spPr>
+        <p:txBody>
+          <a:bodyPr wrap="square" rtlCol="0">
+            <a:spAutoFit/>
+          </a:bodyPr>
+          <a:lstStyle/>
+          <a:p>
+            <a:r>
+              <a:rPr lang="de-DE" dirty="0"/>
+              <a:t>SCOPE</a:t>
+            </a:r>
+          </a:p>
+        </p:txBody>
+      </p:sp>
+      <p:sp>
+        <p:nvSpPr>
+          <p:cNvPr id="39" name="Textfeld 38">
+            <a:extLst>
+              <a:ext uri="{FF2B5EF4-FFF2-40B4-BE49-F238E27FC236}">
+                <a16:creationId xmlns:a16="http://schemas.microsoft.com/office/drawing/2014/main" id="{0A93C33A-F48E-40A6-8889-4F0E36AC1B4D}"/>
+              </a:ext>
+            </a:extLst>
+          </p:cNvPr>
+          <p:cNvSpPr txBox="1"/>
+          <p:nvPr/>
+        </p:nvSpPr>
+        <p:spPr>
+          <a:xfrm>
+            <a:off x="6299092" y="5165266"/>
+            <a:ext cx="2472755" cy="369332"/>
+          </a:xfrm>
+          <a:prstGeom prst="rect">
+            <a:avLst/>
+          </a:prstGeom>
+          <a:noFill/>
+        </p:spPr>
+        <p:txBody>
+          <a:bodyPr wrap="square" rtlCol="0">
+            <a:spAutoFit/>
+          </a:bodyPr>
+          <a:lstStyle/>
+          <a:p>
+            <a:r>
+              <a:rPr lang="de-DE" dirty="0">
+                <a:solidFill>
+                  <a:schemeClr val="accent1"/>
+                </a:solidFill>
+              </a:rPr>
+              <a:t>QUALITY? – </a:t>
+            </a:r>
+            <a:r>
+              <a:rPr lang="de-DE" dirty="0" err="1">
+                <a:solidFill>
+                  <a:schemeClr val="accent1"/>
+                </a:solidFill>
+              </a:rPr>
+              <a:t>We</a:t>
+            </a:r>
+            <a:r>
+              <a:rPr lang="de-DE" dirty="0">
+                <a:solidFill>
+                  <a:schemeClr val="accent1"/>
+                </a:solidFill>
+              </a:rPr>
+              <a:t> will </a:t>
+            </a:r>
+            <a:r>
+              <a:rPr lang="de-DE" dirty="0" err="1">
+                <a:solidFill>
+                  <a:schemeClr val="accent1"/>
+                </a:solidFill>
+              </a:rPr>
+              <a:t>see</a:t>
+            </a:r>
+            <a:endParaRPr lang="de-DE" dirty="0">
+              <a:solidFill>
+                <a:schemeClr val="accent1"/>
+              </a:solidFill>
+            </a:endParaRPr>
+          </a:p>
+        </p:txBody>
+      </p:sp>
+      <p:cxnSp>
+        <p:nvCxnSpPr>
+          <p:cNvPr id="31" name="Gerade Verbindung mit Pfeil 30">
+            <a:extLst>
+              <a:ext uri="{FF2B5EF4-FFF2-40B4-BE49-F238E27FC236}">
+                <a16:creationId xmlns:a16="http://schemas.microsoft.com/office/drawing/2014/main" id="{44FE3862-C925-4E6F-8D12-8F89B15BE1D9}"/>
+              </a:ext>
+            </a:extLst>
+          </p:cNvPr>
+          <p:cNvCxnSpPr>
+            <a:cxnSpLocks/>
+          </p:cNvCxnSpPr>
+          <p:nvPr/>
+        </p:nvCxnSpPr>
+        <p:spPr>
+          <a:xfrm>
+            <a:off x="3462489" y="3284984"/>
+            <a:ext cx="3290711" cy="1073881"/>
+          </a:xfrm>
+          <a:prstGeom prst="straightConnector1">
+            <a:avLst/>
+          </a:prstGeom>
+          <a:ln>
+            <a:tailEnd type="triangle"/>
+          </a:ln>
+        </p:spPr>
+        <p:style>
+          <a:lnRef idx="1">
+            <a:schemeClr val="dk1"/>
+          </a:lnRef>
+          <a:fillRef idx="0">
+            <a:schemeClr val="dk1"/>
+          </a:fillRef>
+          <a:effectRef idx="0">
+            <a:schemeClr val="dk1"/>
+          </a:effectRef>
+          <a:fontRef idx="minor">
+            <a:schemeClr val="tx1"/>
+          </a:fontRef>
+        </p:style>
+      </p:cxnSp>
+      <p:sp>
+        <p:nvSpPr>
+          <p:cNvPr id="48" name="Textfeld 47">
+            <a:extLst>
+              <a:ext uri="{FF2B5EF4-FFF2-40B4-BE49-F238E27FC236}">
+                <a16:creationId xmlns:a16="http://schemas.microsoft.com/office/drawing/2014/main" id="{4A9EE40B-F70D-433A-9478-28D5D8CFA7A1}"/>
+              </a:ext>
+            </a:extLst>
+          </p:cNvPr>
+          <p:cNvSpPr txBox="1"/>
+          <p:nvPr/>
+        </p:nvSpPr>
+        <p:spPr>
+          <a:xfrm rot="1054372">
+            <a:off x="4544427" y="3435625"/>
+            <a:ext cx="1484593" cy="369332"/>
+          </a:xfrm>
+          <a:prstGeom prst="rect">
+            <a:avLst/>
+          </a:prstGeom>
+          <a:noFill/>
+        </p:spPr>
+        <p:txBody>
+          <a:bodyPr wrap="square" rtlCol="0">
+            <a:spAutoFit/>
+          </a:bodyPr>
+          <a:lstStyle/>
+          <a:p>
+            <a:r>
+              <a:rPr lang="de-DE" dirty="0"/>
+              <a:t>In </a:t>
+            </a:r>
+            <a:r>
+              <a:rPr lang="de-DE" dirty="0" err="1"/>
+              <a:t>our</a:t>
+            </a:r>
+            <a:r>
+              <a:rPr lang="de-DE" dirty="0"/>
+              <a:t> </a:t>
+            </a:r>
+            <a:r>
+              <a:rPr lang="de-DE" dirty="0" err="1"/>
+              <a:t>case</a:t>
+            </a:r>
+            <a:r>
+              <a:rPr lang="de-DE" dirty="0"/>
+              <a:t>:</a:t>
+            </a:r>
+          </a:p>
+        </p:txBody>
+      </p:sp>
+    </p:spTree>
+    <p:extLst>
+      <p:ext uri="{BB962C8B-B14F-4D97-AF65-F5344CB8AC3E}">
+        <p14:creationId xmlns:p14="http://schemas.microsoft.com/office/powerpoint/2010/main" val="3866618705"/>
+      </p:ext>
+    </p:extLst>
+  </p:cSld>
+  <p:clrMapOvr>
+    <a:masterClrMapping/>
+  </p:clrMapOvr>
+  <p:timing>
+    <p:tnLst>
+      <p:par>
+        <p:cTn id="1" dur="indefinite" restart="never" nodeType="tmRoot">
+          <p:childTnLst>
+            <p:seq concurrent="1" nextAc="seek">
+              <p:cTn id="2" dur="indefinite" nodeType="mainSeq">
+                <p:childTnLst>
+                  <p:par>
+                    <p:cTn id="3" fill="hold">
+                      <p:stCondLst>
+                        <p:cond delay="indefinite"/>
+                      </p:stCondLst>
+                      <p:childTnLst>
+                        <p:par>
+                          <p:cTn id="4" fill="hold">
+                            <p:stCondLst>
+                              <p:cond delay="0"/>
+                            </p:stCondLst>
+                            <p:childTnLst>
+                              <p:par>
+                                <p:cTn id="5" presetID="1" presetClass="entr" presetSubtype="0" fill="hold" grpId="0" nodeType="clickEffect">
+                                  <p:stCondLst>
+                                    <p:cond delay="0"/>
+                                  </p:stCondLst>
+                                  <p:childTnLst>
+                                    <p:set>
+                                      <p:cBhvr>
+                                        <p:cTn id="6" dur="1" fill="hold">
+                                          <p:stCondLst>
+                                            <p:cond delay="0"/>
+                                          </p:stCondLst>
+                                        </p:cTn>
+                                        <p:tgtEl>
+                                          <p:spTgt spid="7"/>
+                                        </p:tgtEl>
+                                        <p:attrNameLst>
+                                          <p:attrName>style.visibility</p:attrName>
+                                        </p:attrNameLst>
+                                      </p:cBhvr>
+                                      <p:to>
+                                        <p:strVal val="visible"/>
+                                      </p:to>
+                                    </p:set>
+                                  </p:childTnLst>
+                                </p:cTn>
+                              </p:par>
+                              <p:par>
+                                <p:cTn id="7" presetID="1" presetClass="entr" presetSubtype="0" fill="hold" grpId="0" nodeType="withEffect">
+                                  <p:stCondLst>
+                                    <p:cond delay="0"/>
+                                  </p:stCondLst>
+                                  <p:childTnLst>
+                                    <p:set>
+                                      <p:cBhvr>
+                                        <p:cTn id="8" dur="1" fill="hold">
+                                          <p:stCondLst>
+                                            <p:cond delay="0"/>
+                                          </p:stCondLst>
+                                        </p:cTn>
+                                        <p:tgtEl>
+                                          <p:spTgt spid="8"/>
+                                        </p:tgtEl>
+                                        <p:attrNameLst>
+                                          <p:attrName>style.visibility</p:attrName>
+                                        </p:attrNameLst>
+                                      </p:cBhvr>
+                                      <p:to>
+                                        <p:strVal val="visible"/>
+                                      </p:to>
+                                    </p:set>
+                                  </p:childTnLst>
+                                </p:cTn>
+                              </p:par>
+                              <p:par>
+                                <p:cTn id="9" presetID="1" presetClass="entr" presetSubtype="0" fill="hold" grpId="0" nodeType="withEffect">
+                                  <p:stCondLst>
+                                    <p:cond delay="0"/>
+                                  </p:stCondLst>
+                                  <p:childTnLst>
+                                    <p:set>
+                                      <p:cBhvr>
+                                        <p:cTn id="10" dur="1" fill="hold">
+                                          <p:stCondLst>
+                                            <p:cond delay="0"/>
+                                          </p:stCondLst>
+                                        </p:cTn>
+                                        <p:tgtEl>
+                                          <p:spTgt spid="24"/>
+                                        </p:tgtEl>
+                                        <p:attrNameLst>
+                                          <p:attrName>style.visibility</p:attrName>
+                                        </p:attrNameLst>
+                                      </p:cBhvr>
+                                      <p:to>
+                                        <p:strVal val="visible"/>
+                                      </p:to>
+                                    </p:set>
+                                  </p:childTnLst>
+                                </p:cTn>
+                              </p:par>
+                              <p:par>
+                                <p:cTn id="11" presetID="1" presetClass="entr" presetSubtype="0" fill="hold" grpId="0" nodeType="withEffect">
+                                  <p:stCondLst>
+                                    <p:cond delay="0"/>
+                                  </p:stCondLst>
+                                  <p:childTnLst>
+                                    <p:set>
+                                      <p:cBhvr>
+                                        <p:cTn id="12" dur="1" fill="hold">
+                                          <p:stCondLst>
+                                            <p:cond delay="0"/>
+                                          </p:stCondLst>
+                                        </p:cTn>
+                                        <p:tgtEl>
+                                          <p:spTgt spid="25"/>
+                                        </p:tgtEl>
+                                        <p:attrNameLst>
+                                          <p:attrName>style.visibility</p:attrName>
+                                        </p:attrNameLst>
+                                      </p:cBhvr>
+                                      <p:to>
+                                        <p:strVal val="visible"/>
+                                      </p:to>
+                                    </p:set>
+                                  </p:childTnLst>
+                                </p:cTn>
+                              </p:par>
+                              <p:par>
+                                <p:cTn id="13" presetID="1" presetClass="entr" presetSubtype="0" fill="hold" grpId="0" nodeType="withEffect">
+                                  <p:stCondLst>
+                                    <p:cond delay="0"/>
+                                  </p:stCondLst>
+                                  <p:childTnLst>
+                                    <p:set>
+                                      <p:cBhvr>
+                                        <p:cTn id="14" dur="1" fill="hold">
+                                          <p:stCondLst>
+                                            <p:cond delay="0"/>
+                                          </p:stCondLst>
+                                        </p:cTn>
+                                        <p:tgtEl>
+                                          <p:spTgt spid="26"/>
+                                        </p:tgtEl>
+                                        <p:attrNameLst>
+                                          <p:attrName>style.visibility</p:attrName>
+                                        </p:attrNameLst>
+                                      </p:cBhvr>
+                                      <p:to>
+                                        <p:strVal val="visible"/>
+                                      </p:to>
+                                    </p:set>
+                                  </p:childTnLst>
+                                </p:cTn>
+                              </p:par>
+                              <p:par>
+                                <p:cTn id="15" presetID="1" presetClass="entr" presetSubtype="0" fill="hold" nodeType="withEffect">
+                                  <p:stCondLst>
+                                    <p:cond delay="0"/>
+                                  </p:stCondLst>
+                                  <p:childTnLst>
+                                    <p:set>
+                                      <p:cBhvr>
+                                        <p:cTn id="16" dur="1" fill="hold">
+                                          <p:stCondLst>
+                                            <p:cond delay="0"/>
+                                          </p:stCondLst>
+                                        </p:cTn>
+                                        <p:tgtEl>
+                                          <p:spTgt spid="16"/>
+                                        </p:tgtEl>
+                                        <p:attrNameLst>
+                                          <p:attrName>style.visibility</p:attrName>
+                                        </p:attrNameLst>
+                                      </p:cBhvr>
+                                      <p:to>
+                                        <p:strVal val="visible"/>
+                                      </p:to>
+                                    </p:set>
+                                  </p:childTnLst>
+                                </p:cTn>
+                              </p:par>
+                              <p:par>
+                                <p:cTn id="17" presetID="1" presetClass="entr" presetSubtype="0" fill="hold" nodeType="withEffect">
+                                  <p:stCondLst>
+                                    <p:cond delay="0"/>
+                                  </p:stCondLst>
+                                  <p:childTnLst>
+                                    <p:set>
+                                      <p:cBhvr>
+                                        <p:cTn id="18" dur="1" fill="hold">
+                                          <p:stCondLst>
+                                            <p:cond delay="0"/>
+                                          </p:stCondLst>
+                                        </p:cTn>
+                                        <p:tgtEl>
+                                          <p:spTgt spid="28"/>
+                                        </p:tgtEl>
+                                        <p:attrNameLst>
+                                          <p:attrName>style.visibility</p:attrName>
+                                        </p:attrNameLst>
+                                      </p:cBhvr>
+                                      <p:to>
+                                        <p:strVal val="visible"/>
+                                      </p:to>
+                                    </p:set>
+                                  </p:childTnLst>
+                                </p:cTn>
+                              </p:par>
+                              <p:par>
+                                <p:cTn id="19" presetID="1" presetClass="entr" presetSubtype="0" fill="hold" nodeType="withEffect">
+                                  <p:stCondLst>
+                                    <p:cond delay="0"/>
+                                  </p:stCondLst>
+                                  <p:childTnLst>
+                                    <p:set>
+                                      <p:cBhvr>
+                                        <p:cTn id="20" dur="1" fill="hold">
+                                          <p:stCondLst>
+                                            <p:cond delay="0"/>
+                                          </p:stCondLst>
+                                        </p:cTn>
+                                        <p:tgtEl>
+                                          <p:spTgt spid="32"/>
+                                        </p:tgtEl>
+                                        <p:attrNameLst>
+                                          <p:attrName>style.visibility</p:attrName>
+                                        </p:attrNameLst>
+                                      </p:cBhvr>
+                                      <p:to>
+                                        <p:strVal val="visible"/>
+                                      </p:to>
+                                    </p:set>
+                                  </p:childTnLst>
+                                </p:cTn>
+                              </p:par>
+                            </p:childTnLst>
+                          </p:cTn>
+                        </p:par>
+                      </p:childTnLst>
+                    </p:cTn>
+                  </p:par>
+                  <p:par>
+                    <p:cTn id="21" fill="hold">
+                      <p:stCondLst>
+                        <p:cond delay="indefinite"/>
+                      </p:stCondLst>
+                      <p:childTnLst>
+                        <p:par>
+                          <p:cTn id="22" fill="hold">
+                            <p:stCondLst>
+                              <p:cond delay="0"/>
+                            </p:stCondLst>
+                            <p:childTnLst>
+                              <p:par>
+                                <p:cTn id="23" presetID="1" presetClass="entr" presetSubtype="0" fill="hold" grpId="0" nodeType="clickEffect">
+                                  <p:stCondLst>
+                                    <p:cond delay="0"/>
+                                  </p:stCondLst>
+                                  <p:childTnLst>
+                                    <p:set>
+                                      <p:cBhvr>
+                                        <p:cTn id="24" dur="1" fill="hold">
+                                          <p:stCondLst>
+                                            <p:cond delay="0"/>
+                                          </p:stCondLst>
+                                        </p:cTn>
+                                        <p:tgtEl>
+                                          <p:spTgt spid="48"/>
+                                        </p:tgtEl>
+                                        <p:attrNameLst>
+                                          <p:attrName>style.visibility</p:attrName>
+                                        </p:attrNameLst>
+                                      </p:cBhvr>
+                                      <p:to>
+                                        <p:strVal val="visible"/>
+                                      </p:to>
+                                    </p:set>
+                                  </p:childTnLst>
+                                </p:cTn>
+                              </p:par>
+                              <p:par>
+                                <p:cTn id="25" presetID="1" presetClass="entr" presetSubtype="0" fill="hold" nodeType="withEffect">
+                                  <p:stCondLst>
+                                    <p:cond delay="0"/>
+                                  </p:stCondLst>
+                                  <p:childTnLst>
+                                    <p:set>
+                                      <p:cBhvr>
+                                        <p:cTn id="26" dur="1" fill="hold">
+                                          <p:stCondLst>
+                                            <p:cond delay="0"/>
+                                          </p:stCondLst>
+                                        </p:cTn>
+                                        <p:tgtEl>
+                                          <p:spTgt spid="31"/>
+                                        </p:tgtEl>
+                                        <p:attrNameLst>
+                                          <p:attrName>style.visibility</p:attrName>
+                                        </p:attrNameLst>
+                                      </p:cBhvr>
+                                      <p:to>
+                                        <p:strVal val="visible"/>
+                                      </p:to>
+                                    </p:set>
+                                  </p:childTnLst>
+                                </p:cTn>
+                              </p:par>
+                            </p:childTnLst>
+                          </p:cTn>
+                        </p:par>
+                      </p:childTnLst>
+                    </p:cTn>
+                  </p:par>
+                  <p:par>
+                    <p:cTn id="27" fill="hold">
+                      <p:stCondLst>
+                        <p:cond delay="indefinite"/>
+                      </p:stCondLst>
+                      <p:childTnLst>
+                        <p:par>
+                          <p:cTn id="28" fill="hold">
+                            <p:stCondLst>
+                              <p:cond delay="0"/>
+                            </p:stCondLst>
+                            <p:childTnLst>
+                              <p:par>
+                                <p:cTn id="29" presetID="1" presetClass="entr" presetSubtype="0" fill="hold" grpId="0" nodeType="clickEffect">
+                                  <p:stCondLst>
+                                    <p:cond delay="0"/>
+                                  </p:stCondLst>
+                                  <p:childTnLst>
+                                    <p:set>
+                                      <p:cBhvr>
+                                        <p:cTn id="30" dur="1" fill="hold">
+                                          <p:stCondLst>
+                                            <p:cond delay="0"/>
+                                          </p:stCondLst>
+                                        </p:cTn>
+                                        <p:tgtEl>
+                                          <p:spTgt spid="35"/>
+                                        </p:tgtEl>
+                                        <p:attrNameLst>
+                                          <p:attrName>style.visibility</p:attrName>
+                                        </p:attrNameLst>
+                                      </p:cBhvr>
+                                      <p:to>
+                                        <p:strVal val="visible"/>
+                                      </p:to>
+                                    </p:set>
+                                  </p:childTnLst>
+                                </p:cTn>
+                              </p:par>
+                              <p:par>
+                                <p:cTn id="31" presetID="1" presetClass="entr" presetSubtype="0" fill="hold" grpId="0" nodeType="withEffect">
+                                  <p:stCondLst>
+                                    <p:cond delay="0"/>
+                                  </p:stCondLst>
+                                  <p:childTnLst>
+                                    <p:set>
+                                      <p:cBhvr>
+                                        <p:cTn id="32" dur="1" fill="hold">
+                                          <p:stCondLst>
+                                            <p:cond delay="0"/>
+                                          </p:stCondLst>
+                                        </p:cTn>
+                                        <p:tgtEl>
+                                          <p:spTgt spid="36"/>
+                                        </p:tgtEl>
+                                        <p:attrNameLst>
+                                          <p:attrName>style.visibility</p:attrName>
+                                        </p:attrNameLst>
+                                      </p:cBhvr>
+                                      <p:to>
+                                        <p:strVal val="visible"/>
+                                      </p:to>
+                                    </p:set>
+                                  </p:childTnLst>
+                                </p:cTn>
+                              </p:par>
+                              <p:par>
+                                <p:cTn id="33" presetID="1" presetClass="entr" presetSubtype="0" fill="hold" grpId="0" nodeType="withEffect">
+                                  <p:stCondLst>
+                                    <p:cond delay="0"/>
+                                  </p:stCondLst>
+                                  <p:childTnLst>
+                                    <p:set>
+                                      <p:cBhvr>
+                                        <p:cTn id="34" dur="1" fill="hold">
+                                          <p:stCondLst>
+                                            <p:cond delay="0"/>
+                                          </p:stCondLst>
+                                        </p:cTn>
+                                        <p:tgtEl>
+                                          <p:spTgt spid="37"/>
+                                        </p:tgtEl>
+                                        <p:attrNameLst>
+                                          <p:attrName>style.visibility</p:attrName>
+                                        </p:attrNameLst>
+                                      </p:cBhvr>
+                                      <p:to>
+                                        <p:strVal val="visible"/>
+                                      </p:to>
+                                    </p:set>
+                                  </p:childTnLst>
+                                </p:cTn>
+                              </p:par>
+                              <p:par>
+                                <p:cTn id="35" presetID="1" presetClass="entr" presetSubtype="0" fill="hold" grpId="0" nodeType="withEffect">
+                                  <p:stCondLst>
+                                    <p:cond delay="0"/>
+                                  </p:stCondLst>
+                                  <p:childTnLst>
+                                    <p:set>
+                                      <p:cBhvr>
+                                        <p:cTn id="36" dur="1" fill="hold">
+                                          <p:stCondLst>
+                                            <p:cond delay="0"/>
+                                          </p:stCondLst>
+                                        </p:cTn>
+                                        <p:tgtEl>
+                                          <p:spTgt spid="38"/>
+                                        </p:tgtEl>
+                                        <p:attrNameLst>
+                                          <p:attrName>style.visibility</p:attrName>
+                                        </p:attrNameLst>
+                                      </p:cBhvr>
+                                      <p:to>
+                                        <p:strVal val="visible"/>
+                                      </p:to>
+                                    </p:set>
+                                  </p:childTnLst>
+                                </p:cTn>
+                              </p:par>
+                              <p:par>
+                                <p:cTn id="37" presetID="1" presetClass="entr" presetSubtype="0" fill="hold" grpId="0" nodeType="withEffect">
+                                  <p:stCondLst>
+                                    <p:cond delay="0"/>
+                                  </p:stCondLst>
+                                  <p:childTnLst>
+                                    <p:set>
+                                      <p:cBhvr>
+                                        <p:cTn id="38" dur="1" fill="hold">
+                                          <p:stCondLst>
+                                            <p:cond delay="0"/>
+                                          </p:stCondLst>
+                                        </p:cTn>
+                                        <p:tgtEl>
+                                          <p:spTgt spid="39"/>
+                                        </p:tgtEl>
+                                        <p:attrNameLst>
+                                          <p:attrName>style.visibility</p:attrName>
+                                        </p:attrNameLst>
+                                      </p:cBhvr>
+                                      <p:to>
+                                        <p:strVal val="visible"/>
+                                      </p:to>
+                                    </p:set>
+                                  </p:childTnLst>
+                                </p:cTn>
+                              </p:par>
+                            </p:childTnLst>
+                          </p:cTn>
+                        </p:par>
+                      </p:childTnLst>
+                    </p:cTn>
+                  </p:par>
+                </p:childTnLst>
+              </p:cTn>
+              <p:prevCondLst>
+                <p:cond evt="onPrev" delay="0">
+                  <p:tgtEl>
+                    <p:sldTgt/>
+                  </p:tgtEl>
+                </p:cond>
+              </p:prevCondLst>
+              <p:nextCondLst>
+                <p:cond evt="onNext" delay="0">
+                  <p:tgtEl>
+                    <p:sldTgt/>
+                  </p:tgtEl>
+                </p:cond>
+              </p:nextCondLst>
+            </p:seq>
+          </p:childTnLst>
+        </p:cTn>
+      </p:par>
+    </p:tnLst>
+    <p:bldLst>
+      <p:bldP spid="7" grpId="0" animBg="1"/>
+      <p:bldP spid="8" grpId="0"/>
+      <p:bldP spid="24" grpId="0"/>
+      <p:bldP spid="25" grpId="0"/>
+      <p:bldP spid="26" grpId="0"/>
+      <p:bldP spid="35" grpId="0" animBg="1"/>
+      <p:bldP spid="36" grpId="0"/>
+      <p:bldP spid="37" grpId="0"/>
+      <p:bldP spid="38" grpId="0"/>
+      <p:bldP spid="39" grpId="0"/>
+      <p:bldP spid="48" grpId="0"/>
+    </p:bldLst>
+  </p:timing>
+</p:sld>
+</file>
+
+<file path=ppt/slides/slide11.xml><?xml version="1.0" encoding="utf-8"?>
+<p:sld xmlns:a="http://schemas.openxmlformats.org/drawingml/2006/main" xmlns:r="http://schemas.openxmlformats.org/officeDocument/2006/relationships" xmlns:p="http://schemas.openxmlformats.org/presentationml/2006/main">
+  <p:cSld>
+    <p:spTree>
+      <p:nvGrpSpPr>
+        <p:cNvPr id="1" name=""/>
+        <p:cNvGrpSpPr/>
+        <p:nvPr/>
+      </p:nvGrpSpPr>
+      <p:grpSpPr>
+        <a:xfrm>
+          <a:off x="0" y="0"/>
+          <a:ext cx="0" cy="0"/>
+          <a:chOff x="0" y="0"/>
+          <a:chExt cx="0" cy="0"/>
+        </a:xfrm>
+      </p:grpSpPr>
+      <p:sp>
+        <p:nvSpPr>
+          <p:cNvPr id="2" name="Inhaltsplatzhalter 1">
+            <a:extLst>
+              <a:ext uri="{FF2B5EF4-FFF2-40B4-BE49-F238E27FC236}">
+                <a16:creationId xmlns:a16="http://schemas.microsoft.com/office/drawing/2014/main" id="{F57FEBA4-5A1E-49B0-AECB-2D6562CD291D}"/>
+              </a:ext>
+            </a:extLst>
+          </p:cNvPr>
+          <p:cNvSpPr>
+            <a:spLocks noGrp="1"/>
+          </p:cNvSpPr>
+          <p:nvPr>
+            <p:ph idx="1"/>
+          </p:nvPr>
+        </p:nvSpPr>
+        <p:spPr>
+          <a:xfrm>
+            <a:off x="495300" y="1600206"/>
+            <a:ext cx="8915400" cy="4525963"/>
+          </a:xfrm>
+        </p:spPr>
+        <p:txBody>
+          <a:bodyPr/>
+          <a:lstStyle/>
+          <a:p>
+            <a:pPr marL="0" indent="0">
+              <a:buNone/>
+            </a:pPr>
+            <a:r>
+              <a:rPr lang="de-DE" dirty="0"/>
+              <a:t>Agil </a:t>
+            </a:r>
+            <a:r>
+              <a:rPr lang="de-DE" dirty="0" err="1"/>
+              <a:t>project</a:t>
+            </a:r>
+            <a:r>
+              <a:rPr lang="de-DE" dirty="0"/>
+              <a:t> </a:t>
+            </a:r>
+            <a:r>
+              <a:rPr lang="de-DE" dirty="0" err="1"/>
+              <a:t>management</a:t>
+            </a:r>
+            <a:r>
+              <a:rPr lang="de-DE" dirty="0"/>
+              <a:t>:</a:t>
+            </a:r>
+          </a:p>
+          <a:p>
+            <a:pPr marL="0" indent="0">
+              <a:buNone/>
+            </a:pPr>
+            <a:r>
+              <a:rPr lang="de-DE" dirty="0"/>
+              <a:t>	Agil </a:t>
+            </a:r>
+            <a:r>
+              <a:rPr lang="de-DE" dirty="0" err="1"/>
+              <a:t>developement</a:t>
+            </a:r>
+            <a:r>
+              <a:rPr lang="de-DE" dirty="0"/>
+              <a:t> in </a:t>
+            </a:r>
+            <a:r>
+              <a:rPr lang="de-DE" dirty="0" err="1"/>
+              <a:t>our</a:t>
+            </a:r>
+            <a:r>
+              <a:rPr lang="de-DE" dirty="0"/>
+              <a:t> </a:t>
+            </a:r>
+            <a:r>
+              <a:rPr lang="de-DE" dirty="0" err="1"/>
+              <a:t>project</a:t>
+            </a:r>
+            <a:r>
+              <a:rPr lang="de-DE" dirty="0"/>
+              <a:t>?</a:t>
+            </a:r>
+          </a:p>
+          <a:p>
+            <a:pPr marL="0" indent="0">
+              <a:buNone/>
+            </a:pPr>
+            <a:r>
+              <a:rPr lang="de-DE" dirty="0"/>
+              <a:t>	</a:t>
+            </a:r>
+          </a:p>
+        </p:txBody>
+      </p:sp>
+      <p:sp>
+        <p:nvSpPr>
+          <p:cNvPr id="3" name="Titel 2">
+            <a:extLst>
+              <a:ext uri="{FF2B5EF4-FFF2-40B4-BE49-F238E27FC236}">
+                <a16:creationId xmlns:a16="http://schemas.microsoft.com/office/drawing/2014/main" id="{EEB99570-74B8-496E-9BF0-78D33340D20E}"/>
+              </a:ext>
+            </a:extLst>
+          </p:cNvPr>
+          <p:cNvSpPr>
+            <a:spLocks noGrp="1"/>
+          </p:cNvSpPr>
+          <p:nvPr>
+            <p:ph type="title" idx="4294967295"/>
+          </p:nvPr>
+        </p:nvSpPr>
+        <p:spPr>
+          <a:xfrm>
+            <a:off x="116467" y="116632"/>
+            <a:ext cx="8915400" cy="1143000"/>
+          </a:xfrm>
+        </p:spPr>
+        <p:txBody>
+          <a:bodyPr>
+            <a:normAutofit/>
+          </a:bodyPr>
+          <a:lstStyle/>
+          <a:p>
+            <a:r>
+              <a:rPr lang="de-DE" dirty="0">
+                <a:solidFill>
+                  <a:schemeClr val="bg1"/>
+                </a:solidFill>
+              </a:rPr>
+              <a:t>Traditional vs. Agil Methods</a:t>
+            </a:r>
+          </a:p>
+        </p:txBody>
+      </p:sp>
+      <p:sp>
+        <p:nvSpPr>
+          <p:cNvPr id="4" name="Datumsplatzhalter 3">
+            <a:extLst>
+              <a:ext uri="{FF2B5EF4-FFF2-40B4-BE49-F238E27FC236}">
+                <a16:creationId xmlns:a16="http://schemas.microsoft.com/office/drawing/2014/main" id="{1BC290FD-1494-42CC-9C82-2D69176C1070}"/>
+              </a:ext>
+            </a:extLst>
+          </p:cNvPr>
+          <p:cNvSpPr>
+            <a:spLocks noGrp="1"/>
+          </p:cNvSpPr>
+          <p:nvPr>
+            <p:ph type="dt" sz="half" idx="10"/>
+          </p:nvPr>
+        </p:nvSpPr>
+        <p:spPr/>
+        <p:txBody>
+          <a:bodyPr/>
+          <a:lstStyle/>
+          <a:p>
+            <a:fld id="{A6A55E55-235A-4F68-B44B-5B270E39D9BB}" type="datetime1">
+              <a:rPr lang="de-AT" smtClean="0"/>
+              <a:t>21.01.2018</a:t>
+            </a:fld>
+            <a:endParaRPr lang="de-AT" dirty="0"/>
+          </a:p>
+        </p:txBody>
+      </p:sp>
+      <p:sp>
+        <p:nvSpPr>
+          <p:cNvPr id="5" name="Fußzeilenplatzhalter 4">
+            <a:extLst>
+              <a:ext uri="{FF2B5EF4-FFF2-40B4-BE49-F238E27FC236}">
+                <a16:creationId xmlns:a16="http://schemas.microsoft.com/office/drawing/2014/main" id="{18141F45-EC25-4DB8-AC7F-15667D547142}"/>
+              </a:ext>
+            </a:extLst>
+          </p:cNvPr>
+          <p:cNvSpPr>
+            <a:spLocks noGrp="1"/>
+          </p:cNvSpPr>
+          <p:nvPr>
+            <p:ph type="ftr" sz="quarter" idx="11"/>
+          </p:nvPr>
+        </p:nvSpPr>
+        <p:spPr/>
+        <p:txBody>
+          <a:bodyPr/>
+          <a:lstStyle/>
+          <a:p>
+            <a:r>
+              <a:rPr lang="de-AT"/>
+              <a:t>Project Management Methods - "Mars Expedition"</a:t>
+            </a:r>
+            <a:endParaRPr lang="de-AT" dirty="0"/>
+          </a:p>
+        </p:txBody>
+      </p:sp>
+      <p:sp>
+        <p:nvSpPr>
+          <p:cNvPr id="6" name="Foliennummernplatzhalter 5">
+            <a:extLst>
+              <a:ext uri="{FF2B5EF4-FFF2-40B4-BE49-F238E27FC236}">
+                <a16:creationId xmlns:a16="http://schemas.microsoft.com/office/drawing/2014/main" id="{3CC26705-4D62-40ED-ABB5-69290BD9EE72}"/>
+              </a:ext>
+            </a:extLst>
+          </p:cNvPr>
+          <p:cNvSpPr>
+            <a:spLocks noGrp="1"/>
+          </p:cNvSpPr>
+          <p:nvPr>
+            <p:ph type="sldNum" sz="quarter" idx="12"/>
+          </p:nvPr>
+        </p:nvSpPr>
+        <p:spPr/>
+        <p:txBody>
+          <a:bodyPr/>
+          <a:lstStyle/>
+          <a:p>
+            <a:fld id="{3B0692D3-3767-4542-A95D-53684A81B966}" type="slidenum">
+              <a:rPr lang="de-AT" smtClean="0"/>
+              <a:t>11</a:t>
+            </a:fld>
+            <a:endParaRPr lang="de-AT" dirty="0"/>
+          </a:p>
+        </p:txBody>
+      </p:sp>
+      <p:pic>
+        <p:nvPicPr>
+          <p:cNvPr id="10" name="Grafik 9">
+            <a:extLst>
+              <a:ext uri="{FF2B5EF4-FFF2-40B4-BE49-F238E27FC236}">
+                <a16:creationId xmlns:a16="http://schemas.microsoft.com/office/drawing/2014/main" id="{F6BD22CA-C969-4B3D-AD97-E8B66D228410}"/>
+              </a:ext>
+            </a:extLst>
+          </p:cNvPr>
+          <p:cNvPicPr>
+            <a:picLocks noChangeAspect="1"/>
+          </p:cNvPicPr>
+          <p:nvPr/>
+        </p:nvPicPr>
+        <p:blipFill>
+          <a:blip r:embed="rId3">
+            <a:extLst>
+              <a:ext uri="{28A0092B-C50C-407E-A947-70E740481C1C}">
+                <a14:useLocalDpi xmlns:a14="http://schemas.microsoft.com/office/drawing/2010/main" val="0"/>
+              </a:ext>
+            </a:extLst>
+          </a:blip>
+          <a:stretch>
+            <a:fillRect/>
+          </a:stretch>
+        </p:blipFill>
+        <p:spPr>
+          <a:xfrm>
+            <a:off x="552450" y="2523610"/>
+            <a:ext cx="8858250" cy="3048000"/>
+          </a:xfrm>
+          <a:prstGeom prst="rect">
+            <a:avLst/>
+          </a:prstGeom>
+        </p:spPr>
+      </p:pic>
+      <p:sp>
+        <p:nvSpPr>
+          <p:cNvPr id="27" name="Sprechblase: rechteckig 26">
+            <a:extLst>
+              <a:ext uri="{FF2B5EF4-FFF2-40B4-BE49-F238E27FC236}">
+                <a16:creationId xmlns:a16="http://schemas.microsoft.com/office/drawing/2014/main" id="{666D3E09-72FE-4F2E-B16E-3B4A76024249}"/>
+              </a:ext>
+            </a:extLst>
+          </p:cNvPr>
+          <p:cNvSpPr/>
+          <p:nvPr/>
+        </p:nvSpPr>
+        <p:spPr>
+          <a:xfrm>
+            <a:off x="704528" y="2883650"/>
+            <a:ext cx="1296144" cy="713839"/>
+          </a:xfrm>
+          <a:prstGeom prst="wedgeRectCallout">
+            <a:avLst/>
+          </a:prstGeom>
+          <a:solidFill>
+            <a:schemeClr val="bg1"/>
+          </a:solidFill>
+          <a:ln>
+            <a:solidFill>
+              <a:schemeClr val="bg1">
+                <a:lumMod val="75000"/>
+              </a:schemeClr>
+            </a:solidFill>
+          </a:ln>
+        </p:spPr>
+        <p:style>
+          <a:lnRef idx="2">
+            <a:schemeClr val="accent1">
+              <a:shade val="50000"/>
+            </a:schemeClr>
+          </a:lnRef>
+          <a:fillRef idx="1">
+            <a:schemeClr val="accent1"/>
+          </a:fillRef>
+          <a:effectRef idx="0">
+            <a:schemeClr val="accent1"/>
+          </a:effectRef>
+          <a:fontRef idx="minor">
+            <a:schemeClr val="lt1"/>
+          </a:fontRef>
+        </p:style>
+        <p:txBody>
+          <a:bodyPr rtlCol="0" anchor="ctr"/>
+          <a:lstStyle/>
+          <a:p>
+            <a:r>
+              <a:rPr lang="de-DE" sz="1600" dirty="0" err="1">
+                <a:solidFill>
+                  <a:schemeClr val="tx1"/>
+                </a:solidFill>
+              </a:rPr>
+              <a:t>Our</a:t>
+            </a:r>
+            <a:r>
+              <a:rPr lang="de-DE" sz="1600" dirty="0">
+                <a:solidFill>
+                  <a:schemeClr val="tx1"/>
+                </a:solidFill>
+              </a:rPr>
+              <a:t> „</a:t>
+            </a:r>
+            <a:r>
+              <a:rPr lang="de-DE" sz="1600" dirty="0" err="1">
+                <a:solidFill>
+                  <a:schemeClr val="tx1"/>
+                </a:solidFill>
+              </a:rPr>
+              <a:t>To</a:t>
+            </a:r>
+            <a:r>
+              <a:rPr lang="de-DE" sz="1600" dirty="0">
+                <a:solidFill>
+                  <a:schemeClr val="tx1"/>
+                </a:solidFill>
+              </a:rPr>
+              <a:t> Do“ on </a:t>
+            </a:r>
+            <a:r>
+              <a:rPr lang="de-DE" sz="1600" dirty="0" err="1">
+                <a:solidFill>
+                  <a:schemeClr val="tx1"/>
+                </a:solidFill>
+              </a:rPr>
+              <a:t>github</a:t>
+            </a:r>
+            <a:endParaRPr lang="de-DE" sz="1600" dirty="0">
+              <a:solidFill>
+                <a:schemeClr val="tx1"/>
+              </a:solidFill>
+            </a:endParaRPr>
+          </a:p>
+        </p:txBody>
+      </p:sp>
+      <p:sp>
+        <p:nvSpPr>
+          <p:cNvPr id="29" name="Sprechblase: rechteckig 28">
+            <a:extLst>
+              <a:ext uri="{FF2B5EF4-FFF2-40B4-BE49-F238E27FC236}">
+                <a16:creationId xmlns:a16="http://schemas.microsoft.com/office/drawing/2014/main" id="{3D7BCAF7-8990-4A98-AE39-04092E3CACF5}"/>
+              </a:ext>
+            </a:extLst>
+          </p:cNvPr>
+          <p:cNvSpPr/>
+          <p:nvPr/>
+        </p:nvSpPr>
+        <p:spPr>
+          <a:xfrm>
+            <a:off x="3656856" y="5399315"/>
+            <a:ext cx="1296144" cy="713839"/>
+          </a:xfrm>
+          <a:prstGeom prst="wedgeRectCallout">
+            <a:avLst>
+              <a:gd name="adj1" fmla="val -22674"/>
+              <a:gd name="adj2" fmla="val -64107"/>
+            </a:avLst>
+          </a:prstGeom>
+          <a:solidFill>
+            <a:schemeClr val="bg1"/>
+          </a:solidFill>
+          <a:ln>
+            <a:solidFill>
+              <a:schemeClr val="bg1">
+                <a:lumMod val="75000"/>
+              </a:schemeClr>
+            </a:solidFill>
+          </a:ln>
+        </p:spPr>
+        <p:style>
+          <a:lnRef idx="2">
+            <a:schemeClr val="accent1">
+              <a:shade val="50000"/>
+            </a:schemeClr>
+          </a:lnRef>
+          <a:fillRef idx="1">
+            <a:schemeClr val="accent1"/>
+          </a:fillRef>
+          <a:effectRef idx="0">
+            <a:schemeClr val="accent1"/>
+          </a:effectRef>
+          <a:fontRef idx="minor">
+            <a:schemeClr val="lt1"/>
+          </a:fontRef>
+        </p:style>
+        <p:txBody>
+          <a:bodyPr rtlCol="0" anchor="ctr"/>
+          <a:lstStyle/>
+          <a:p>
+            <a:r>
+              <a:rPr lang="de-DE" sz="1600" dirty="0">
+                <a:solidFill>
+                  <a:schemeClr val="tx1"/>
+                </a:solidFill>
+              </a:rPr>
+              <a:t>„In </a:t>
+            </a:r>
+            <a:r>
+              <a:rPr lang="de-DE" sz="1600" dirty="0" err="1">
+                <a:solidFill>
+                  <a:schemeClr val="tx1"/>
+                </a:solidFill>
+              </a:rPr>
+              <a:t>progress</a:t>
+            </a:r>
+            <a:r>
+              <a:rPr lang="de-DE" sz="1600" dirty="0">
+                <a:solidFill>
+                  <a:schemeClr val="tx1"/>
+                </a:solidFill>
+              </a:rPr>
+              <a:t>“ on </a:t>
+            </a:r>
+            <a:r>
+              <a:rPr lang="de-DE" sz="1600" dirty="0" err="1">
+                <a:solidFill>
+                  <a:schemeClr val="tx1"/>
+                </a:solidFill>
+              </a:rPr>
+              <a:t>github</a:t>
+            </a:r>
+            <a:endParaRPr lang="de-DE" sz="1600" dirty="0">
+              <a:solidFill>
+                <a:schemeClr val="tx1"/>
+              </a:solidFill>
+            </a:endParaRPr>
+          </a:p>
+        </p:txBody>
+      </p:sp>
+      <p:sp>
+        <p:nvSpPr>
+          <p:cNvPr id="30" name="Sprechblase: rechteckig 29">
+            <a:extLst>
+              <a:ext uri="{FF2B5EF4-FFF2-40B4-BE49-F238E27FC236}">
+                <a16:creationId xmlns:a16="http://schemas.microsoft.com/office/drawing/2014/main" id="{3FB7A699-5A61-461D-9920-B378FD3F9954}"/>
+              </a:ext>
+            </a:extLst>
+          </p:cNvPr>
+          <p:cNvSpPr/>
+          <p:nvPr/>
+        </p:nvSpPr>
+        <p:spPr>
+          <a:xfrm>
+            <a:off x="5673080" y="2715161"/>
+            <a:ext cx="2592288" cy="713839"/>
+          </a:xfrm>
+          <a:prstGeom prst="wedgeRectCallout">
+            <a:avLst>
+              <a:gd name="adj1" fmla="val -41068"/>
+              <a:gd name="adj2" fmla="val 87821"/>
+            </a:avLst>
+          </a:prstGeom>
+          <a:solidFill>
+            <a:schemeClr val="bg1"/>
+          </a:solidFill>
+          <a:ln>
+            <a:solidFill>
+              <a:schemeClr val="bg1">
+                <a:lumMod val="75000"/>
+              </a:schemeClr>
+            </a:solidFill>
+          </a:ln>
+        </p:spPr>
+        <p:style>
+          <a:lnRef idx="2">
+            <a:schemeClr val="accent1">
+              <a:shade val="50000"/>
+            </a:schemeClr>
+          </a:lnRef>
+          <a:fillRef idx="1">
+            <a:schemeClr val="accent1"/>
+          </a:fillRef>
+          <a:effectRef idx="0">
+            <a:schemeClr val="accent1"/>
+          </a:effectRef>
+          <a:fontRef idx="minor">
+            <a:schemeClr val="lt1"/>
+          </a:fontRef>
+        </p:style>
+        <p:txBody>
+          <a:bodyPr rtlCol="0" anchor="ctr"/>
+          <a:lstStyle/>
+          <a:p>
+            <a:r>
+              <a:rPr lang="de-DE" sz="1600" dirty="0">
+                <a:solidFill>
+                  <a:schemeClr val="tx1"/>
+                </a:solidFill>
+              </a:rPr>
+              <a:t>Daily </a:t>
+            </a:r>
+            <a:r>
+              <a:rPr lang="de-DE" sz="1600" dirty="0" err="1">
+                <a:solidFill>
+                  <a:schemeClr val="tx1"/>
+                </a:solidFill>
+              </a:rPr>
+              <a:t>communication</a:t>
+            </a:r>
+            <a:r>
+              <a:rPr lang="de-DE" sz="1600" dirty="0">
+                <a:solidFill>
+                  <a:schemeClr val="tx1"/>
+                </a:solidFill>
+              </a:rPr>
+              <a:t> via </a:t>
+            </a:r>
+            <a:r>
+              <a:rPr lang="de-DE" sz="1600" dirty="0" err="1">
+                <a:solidFill>
+                  <a:schemeClr val="tx1"/>
+                </a:solidFill>
+              </a:rPr>
+              <a:t>whatsapp</a:t>
+            </a:r>
+            <a:r>
+              <a:rPr lang="de-DE" sz="1600" dirty="0">
+                <a:solidFill>
+                  <a:schemeClr val="tx1"/>
+                </a:solidFill>
+              </a:rPr>
+              <a:t> and </a:t>
+            </a:r>
+            <a:r>
+              <a:rPr lang="de-DE" sz="1600" dirty="0" err="1">
+                <a:solidFill>
+                  <a:schemeClr val="tx1"/>
+                </a:solidFill>
+              </a:rPr>
+              <a:t>github</a:t>
+            </a:r>
+            <a:r>
+              <a:rPr lang="de-DE" sz="1600" dirty="0">
+                <a:solidFill>
+                  <a:schemeClr val="tx1"/>
+                </a:solidFill>
+              </a:rPr>
+              <a:t> </a:t>
+            </a:r>
+            <a:br>
+              <a:rPr lang="de-DE" sz="1600" dirty="0">
+                <a:solidFill>
+                  <a:schemeClr val="tx1"/>
+                </a:solidFill>
+              </a:rPr>
+            </a:br>
+            <a:r>
+              <a:rPr lang="de-DE" sz="1600" dirty="0">
+                <a:solidFill>
+                  <a:schemeClr val="tx1"/>
+                </a:solidFill>
+              </a:rPr>
+              <a:t>(for CAD and </a:t>
+            </a:r>
+            <a:r>
+              <a:rPr lang="de-DE" sz="1600" dirty="0" err="1">
+                <a:solidFill>
+                  <a:schemeClr val="tx1"/>
+                </a:solidFill>
+              </a:rPr>
+              <a:t>sourcecode</a:t>
+            </a:r>
+            <a:r>
+              <a:rPr lang="de-DE" sz="1600" dirty="0">
+                <a:solidFill>
+                  <a:schemeClr val="tx1"/>
+                </a:solidFill>
+              </a:rPr>
+              <a:t>)</a:t>
+            </a:r>
+          </a:p>
+        </p:txBody>
+      </p:sp>
+      <p:sp>
+        <p:nvSpPr>
+          <p:cNvPr id="33" name="Sprechblase: rechteckig 32">
+            <a:extLst>
+              <a:ext uri="{FF2B5EF4-FFF2-40B4-BE49-F238E27FC236}">
+                <a16:creationId xmlns:a16="http://schemas.microsoft.com/office/drawing/2014/main" id="{E8E22A70-233B-4BD2-B9EC-2D880FC8A298}"/>
+              </a:ext>
+            </a:extLst>
+          </p:cNvPr>
+          <p:cNvSpPr/>
+          <p:nvPr/>
+        </p:nvSpPr>
+        <p:spPr>
+          <a:xfrm>
+            <a:off x="5961112" y="5145164"/>
+            <a:ext cx="1872208" cy="910793"/>
+          </a:xfrm>
+          <a:prstGeom prst="wedgeRectCallout">
+            <a:avLst>
+              <a:gd name="adj1" fmla="val -18299"/>
+              <a:gd name="adj2" fmla="val -71111"/>
+            </a:avLst>
+          </a:prstGeom>
+          <a:solidFill>
+            <a:schemeClr val="bg1"/>
+          </a:solidFill>
+          <a:ln>
+            <a:solidFill>
+              <a:schemeClr val="bg1">
+                <a:lumMod val="75000"/>
+              </a:schemeClr>
+            </a:solidFill>
+          </a:ln>
+        </p:spPr>
+        <p:style>
+          <a:lnRef idx="2">
+            <a:schemeClr val="accent1">
+              <a:shade val="50000"/>
+            </a:schemeClr>
+          </a:lnRef>
+          <a:fillRef idx="1">
+            <a:schemeClr val="accent1"/>
+          </a:fillRef>
+          <a:effectRef idx="0">
+            <a:schemeClr val="accent1"/>
+          </a:effectRef>
+          <a:fontRef idx="minor">
+            <a:schemeClr val="lt1"/>
+          </a:fontRef>
+        </p:style>
+        <p:txBody>
+          <a:bodyPr rtlCol="0" anchor="ctr"/>
+          <a:lstStyle/>
+          <a:p>
+            <a:r>
+              <a:rPr lang="de-DE" sz="1600" dirty="0">
+                <a:solidFill>
+                  <a:schemeClr val="tx1"/>
+                </a:solidFill>
+              </a:rPr>
+              <a:t>Review </a:t>
+            </a:r>
+            <a:r>
+              <a:rPr lang="de-DE" sz="1600" dirty="0" err="1">
+                <a:solidFill>
+                  <a:schemeClr val="tx1"/>
+                </a:solidFill>
+              </a:rPr>
+              <a:t>with</a:t>
+            </a:r>
+            <a:r>
+              <a:rPr lang="de-DE" sz="1600" dirty="0">
+                <a:solidFill>
+                  <a:schemeClr val="tx1"/>
+                </a:solidFill>
+              </a:rPr>
+              <a:t> </a:t>
+            </a:r>
+            <a:r>
+              <a:rPr lang="de-DE" sz="1600" dirty="0" err="1">
+                <a:solidFill>
+                  <a:schemeClr val="tx1"/>
+                </a:solidFill>
+              </a:rPr>
+              <a:t>the</a:t>
+            </a:r>
+            <a:r>
+              <a:rPr lang="de-DE" sz="1600" dirty="0">
+                <a:solidFill>
+                  <a:schemeClr val="tx1"/>
+                </a:solidFill>
+              </a:rPr>
+              <a:t> </a:t>
+            </a:r>
+            <a:r>
+              <a:rPr lang="de-DE" sz="1600" dirty="0" err="1">
+                <a:solidFill>
+                  <a:schemeClr val="tx1"/>
+                </a:solidFill>
+              </a:rPr>
+              <a:t>complete</a:t>
+            </a:r>
+            <a:r>
+              <a:rPr lang="de-DE" sz="1600" dirty="0">
+                <a:solidFill>
+                  <a:schemeClr val="tx1"/>
+                </a:solidFill>
+              </a:rPr>
+              <a:t> </a:t>
+            </a:r>
+            <a:r>
+              <a:rPr lang="de-DE" sz="1600" dirty="0" err="1">
+                <a:solidFill>
+                  <a:schemeClr val="tx1"/>
+                </a:solidFill>
+              </a:rPr>
+              <a:t>team</a:t>
+            </a:r>
+            <a:r>
+              <a:rPr lang="de-DE" sz="1600" dirty="0">
+                <a:solidFill>
+                  <a:schemeClr val="tx1"/>
+                </a:solidFill>
+              </a:rPr>
+              <a:t> </a:t>
+            </a:r>
+            <a:r>
+              <a:rPr lang="de-DE" sz="1600" dirty="0" err="1">
+                <a:solidFill>
+                  <a:schemeClr val="tx1"/>
+                </a:solidFill>
+              </a:rPr>
+              <a:t>over</a:t>
+            </a:r>
+            <a:r>
+              <a:rPr lang="de-DE" sz="1600" dirty="0">
+                <a:solidFill>
+                  <a:schemeClr val="tx1"/>
+                </a:solidFill>
+              </a:rPr>
+              <a:t> all </a:t>
+            </a:r>
+            <a:r>
+              <a:rPr lang="de-DE" sz="1600" dirty="0" err="1">
+                <a:solidFill>
+                  <a:schemeClr val="tx1"/>
+                </a:solidFill>
+              </a:rPr>
+              <a:t>accomplished</a:t>
+            </a:r>
+            <a:r>
+              <a:rPr lang="de-DE" sz="1600" dirty="0">
+                <a:solidFill>
+                  <a:schemeClr val="tx1"/>
+                </a:solidFill>
+              </a:rPr>
+              <a:t> </a:t>
+            </a:r>
+            <a:r>
+              <a:rPr lang="de-DE" sz="1600" dirty="0" err="1">
+                <a:solidFill>
+                  <a:schemeClr val="tx1"/>
+                </a:solidFill>
+              </a:rPr>
+              <a:t>workpackages</a:t>
+            </a:r>
+            <a:endParaRPr lang="de-DE" sz="1600" dirty="0">
+              <a:solidFill>
+                <a:schemeClr val="tx1"/>
+              </a:solidFill>
+            </a:endParaRPr>
+          </a:p>
+        </p:txBody>
+      </p:sp>
+      <p:sp>
+        <p:nvSpPr>
+          <p:cNvPr id="11" name="Rechteck 10">
+            <a:extLst>
+              <a:ext uri="{FF2B5EF4-FFF2-40B4-BE49-F238E27FC236}">
+                <a16:creationId xmlns:a16="http://schemas.microsoft.com/office/drawing/2014/main" id="{97BC8F8A-8127-4F03-BD10-F8CED1E89DFC}"/>
+              </a:ext>
+            </a:extLst>
+          </p:cNvPr>
+          <p:cNvSpPr/>
+          <p:nvPr/>
+        </p:nvSpPr>
+        <p:spPr>
+          <a:xfrm>
+            <a:off x="552450" y="6150719"/>
+            <a:ext cx="7157020" cy="246221"/>
+          </a:xfrm>
+          <a:prstGeom prst="rect">
+            <a:avLst/>
+          </a:prstGeom>
+        </p:spPr>
+        <p:txBody>
+          <a:bodyPr wrap="square">
+            <a:spAutoFit/>
+          </a:bodyPr>
+          <a:lstStyle/>
+          <a:p>
+            <a:r>
+              <a:rPr lang="de-DE" sz="1000" dirty="0"/>
+              <a:t>Source:</a:t>
+            </a:r>
+            <a:r>
+              <a:rPr lang="de-DE" sz="1000" dirty="0">
+                <a:solidFill>
+                  <a:schemeClr val="bg1">
+                    <a:lumMod val="75000"/>
+                  </a:schemeClr>
+                </a:solidFill>
+              </a:rPr>
+              <a:t> https://www.visualstudio.com/de/learn/what-is-scrum/?rr=https%3A%2F%2Fwww.google.de%2F</a:t>
+            </a:r>
+          </a:p>
+        </p:txBody>
+      </p:sp>
+    </p:spTree>
+    <p:extLst>
+      <p:ext uri="{BB962C8B-B14F-4D97-AF65-F5344CB8AC3E}">
+        <p14:creationId xmlns:p14="http://schemas.microsoft.com/office/powerpoint/2010/main" val="3319509260"/>
+      </p:ext>
+    </p:extLst>
+  </p:cSld>
+  <p:clrMapOvr>
+    <a:masterClrMapping/>
+  </p:clrMapOvr>
+  <p:timing>
+    <p:tnLst>
+      <p:par>
+        <p:cTn id="1" dur="indefinite" restart="never" nodeType="tmRoot">
+          <p:childTnLst>
+            <p:seq concurrent="1" nextAc="seek">
+              <p:cTn id="2" dur="indefinite" nodeType="mainSeq">
+                <p:childTnLst>
+                  <p:par>
+                    <p:cTn id="3" fill="hold">
+                      <p:stCondLst>
+                        <p:cond delay="indefinite"/>
+                      </p:stCondLst>
+                      <p:childTnLst>
+                        <p:par>
+                          <p:cTn id="4" fill="hold">
+                            <p:stCondLst>
+                              <p:cond delay="0"/>
+                            </p:stCondLst>
+                            <p:childTnLst>
+                              <p:par>
+                                <p:cTn id="5" presetID="1" presetClass="entr" presetSubtype="0" fill="hold" grpId="0" nodeType="clickEffect">
+                                  <p:stCondLst>
+                                    <p:cond delay="0"/>
+                                  </p:stCondLst>
+                                  <p:childTnLst>
+                                    <p:set>
+                                      <p:cBhvr>
+                                        <p:cTn id="6" dur="1" fill="hold">
+                                          <p:stCondLst>
+                                            <p:cond delay="0"/>
+                                          </p:stCondLst>
+                                        </p:cTn>
+                                        <p:tgtEl>
+                                          <p:spTgt spid="27"/>
+                                        </p:tgtEl>
+                                        <p:attrNameLst>
+                                          <p:attrName>style.visibility</p:attrName>
+                                        </p:attrNameLst>
+                                      </p:cBhvr>
+                                      <p:to>
+                                        <p:strVal val="visible"/>
+                                      </p:to>
+                                    </p:set>
+                                  </p:childTnLst>
+                                </p:cTn>
+                              </p:par>
+                            </p:childTnLst>
+                          </p:cTn>
+                        </p:par>
+                      </p:childTnLst>
+                    </p:cTn>
+                  </p:par>
+                  <p:par>
+                    <p:cTn id="7" fill="hold">
+                      <p:stCondLst>
+                        <p:cond delay="indefinite"/>
+                      </p:stCondLst>
+                      <p:childTnLst>
+                        <p:par>
+                          <p:cTn id="8" fill="hold">
+                            <p:stCondLst>
+                              <p:cond delay="0"/>
+                            </p:stCondLst>
+                            <p:childTnLst>
+                              <p:par>
+                                <p:cTn id="9" presetID="1" presetClass="entr" presetSubtype="0" fill="hold" grpId="0" nodeType="clickEffect">
+                                  <p:stCondLst>
+                                    <p:cond delay="0"/>
+                                  </p:stCondLst>
+                                  <p:childTnLst>
+                                    <p:set>
+                                      <p:cBhvr>
+                                        <p:cTn id="10" dur="1" fill="hold">
+                                          <p:stCondLst>
+                                            <p:cond delay="0"/>
+                                          </p:stCondLst>
+                                        </p:cTn>
+                                        <p:tgtEl>
+                                          <p:spTgt spid="29"/>
+                                        </p:tgtEl>
+                                        <p:attrNameLst>
+                                          <p:attrName>style.visibility</p:attrName>
+                                        </p:attrNameLst>
+                                      </p:cBhvr>
+                                      <p:to>
+                                        <p:strVal val="visible"/>
+                                      </p:to>
+                                    </p:set>
+                                  </p:childTnLst>
+                                </p:cTn>
+                              </p:par>
+                            </p:childTnLst>
+                          </p:cTn>
+                        </p:par>
+                      </p:childTnLst>
+                    </p:cTn>
+                  </p:par>
+                  <p:par>
+                    <p:cTn id="11" fill="hold">
+                      <p:stCondLst>
+                        <p:cond delay="indefinite"/>
+                      </p:stCondLst>
+                      <p:childTnLst>
+                        <p:par>
+                          <p:cTn id="12" fill="hold">
+                            <p:stCondLst>
+                              <p:cond delay="0"/>
+                            </p:stCondLst>
+                            <p:childTnLst>
+                              <p:par>
+                                <p:cTn id="13" presetID="1" presetClass="entr" presetSubtype="0" fill="hold" grpId="0" nodeType="clickEffect">
+                                  <p:stCondLst>
+                                    <p:cond delay="0"/>
+                                  </p:stCondLst>
+                                  <p:childTnLst>
+                                    <p:set>
+                                      <p:cBhvr>
+                                        <p:cTn id="14" dur="1" fill="hold">
+                                          <p:stCondLst>
+                                            <p:cond delay="0"/>
+                                          </p:stCondLst>
+                                        </p:cTn>
+                                        <p:tgtEl>
+                                          <p:spTgt spid="30"/>
+                                        </p:tgtEl>
+                                        <p:attrNameLst>
+                                          <p:attrName>style.visibility</p:attrName>
+                                        </p:attrNameLst>
+                                      </p:cBhvr>
+                                      <p:to>
+                                        <p:strVal val="visible"/>
+                                      </p:to>
+                                    </p:set>
+                                  </p:childTnLst>
+                                </p:cTn>
+                              </p:par>
+                            </p:childTnLst>
+                          </p:cTn>
+                        </p:par>
+                      </p:childTnLst>
+                    </p:cTn>
+                  </p:par>
+                  <p:par>
+                    <p:cTn id="15" fill="hold">
+                      <p:stCondLst>
+                        <p:cond delay="indefinite"/>
+                      </p:stCondLst>
+                      <p:childTnLst>
+                        <p:par>
+                          <p:cTn id="16" fill="hold">
+                            <p:stCondLst>
+                              <p:cond delay="0"/>
+                            </p:stCondLst>
+                            <p:childTnLst>
+                              <p:par>
+                                <p:cTn id="17" presetID="1" presetClass="entr" presetSubtype="0" fill="hold" grpId="0" nodeType="clickEffect">
+                                  <p:stCondLst>
+                                    <p:cond delay="0"/>
+                                  </p:stCondLst>
+                                  <p:childTnLst>
+                                    <p:set>
+                                      <p:cBhvr>
+                                        <p:cTn id="18" dur="1" fill="hold">
+                                          <p:stCondLst>
+                                            <p:cond delay="0"/>
+                                          </p:stCondLst>
+                                        </p:cTn>
+                                        <p:tgtEl>
+                                          <p:spTgt spid="33"/>
+                                        </p:tgtEl>
+                                        <p:attrNameLst>
+                                          <p:attrName>style.visibility</p:attrName>
+                                        </p:attrNameLst>
+                                      </p:cBhvr>
+                                      <p:to>
+                                        <p:strVal val="visible"/>
+                                      </p:to>
+                                    </p:set>
+                                  </p:childTnLst>
+                                </p:cTn>
+                              </p:par>
+                            </p:childTnLst>
+                          </p:cTn>
+                        </p:par>
+                      </p:childTnLst>
+                    </p:cTn>
+                  </p:par>
+                </p:childTnLst>
+              </p:cTn>
+              <p:prevCondLst>
+                <p:cond evt="onPrev" delay="0">
+                  <p:tgtEl>
+                    <p:sldTgt/>
+                  </p:tgtEl>
+                </p:cond>
+              </p:prevCondLst>
+              <p:nextCondLst>
+                <p:cond evt="onNext" delay="0">
+                  <p:tgtEl>
+                    <p:sldTgt/>
+                  </p:tgtEl>
+                </p:cond>
+              </p:nextCondLst>
+            </p:seq>
+          </p:childTnLst>
+        </p:cTn>
+      </p:par>
+    </p:tnLst>
+    <p:bldLst>
+      <p:bldP spid="27" grpId="0" animBg="1"/>
+      <p:bldP spid="29" grpId="0" animBg="1"/>
+      <p:bldP spid="30" grpId="0" animBg="1"/>
+      <p:bldP spid="33" grpId="0" animBg="1"/>
+    </p:bldLst>
+  </p:timing>
+</p:sld>
+</file>
+
+<file path=ppt/slides/slide12.xml><?xml version="1.0" encoding="utf-8"?>
+<p:sld xmlns:a="http://schemas.openxmlformats.org/drawingml/2006/main" xmlns:r="http://schemas.openxmlformats.org/officeDocument/2006/relationships" xmlns:p="http://schemas.openxmlformats.org/presentationml/2006/main">
+  <p:cSld>
+    <p:spTree>
+      <p:nvGrpSpPr>
+        <p:cNvPr id="1" name=""/>
+        <p:cNvGrpSpPr/>
+        <p:nvPr/>
+      </p:nvGrpSpPr>
+      <p:grpSpPr>
+        <a:xfrm>
+          <a:off x="0" y="0"/>
+          <a:ext cx="0" cy="0"/>
+          <a:chOff x="0" y="0"/>
+          <a:chExt cx="0" cy="0"/>
+        </a:xfrm>
+      </p:grpSpPr>
+      <p:sp>
+        <p:nvSpPr>
+          <p:cNvPr id="2" name="Inhaltsplatzhalter 1">
+            <a:extLst>
+              <a:ext uri="{FF2B5EF4-FFF2-40B4-BE49-F238E27FC236}">
+                <a16:creationId xmlns:a16="http://schemas.microsoft.com/office/drawing/2014/main" id="{F57FEBA4-5A1E-49B0-AECB-2D6562CD291D}"/>
+              </a:ext>
+            </a:extLst>
+          </p:cNvPr>
+          <p:cNvSpPr>
+            <a:spLocks noGrp="1"/>
+          </p:cNvSpPr>
+          <p:nvPr>
+            <p:ph idx="1"/>
+          </p:nvPr>
+        </p:nvSpPr>
+        <p:spPr>
+          <a:xfrm>
+            <a:off x="495300" y="1600206"/>
+            <a:ext cx="8915400" cy="4525963"/>
+          </a:xfrm>
+        </p:spPr>
+        <p:txBody>
+          <a:bodyPr>
+            <a:normAutofit/>
+          </a:bodyPr>
+          <a:lstStyle/>
+          <a:p>
+            <a:pPr marL="0" indent="0">
+              <a:buNone/>
+            </a:pPr>
+            <a:r>
+              <a:rPr lang="de-DE" dirty="0" err="1"/>
+              <a:t>Conclusion</a:t>
+            </a:r>
+            <a:r>
+              <a:rPr lang="de-DE" dirty="0"/>
+              <a:t>:</a:t>
+            </a:r>
+          </a:p>
+          <a:p>
+            <a:pPr marL="0" indent="0">
+              <a:buNone/>
+            </a:pPr>
+            <a:endParaRPr lang="de-DE" dirty="0"/>
+          </a:p>
+          <a:p>
+            <a:pPr marL="0" indent="0">
+              <a:buNone/>
+            </a:pPr>
+            <a:r>
+              <a:rPr lang="de-DE" dirty="0"/>
+              <a:t>	</a:t>
+            </a:r>
+          </a:p>
+        </p:txBody>
+      </p:sp>
+      <p:sp>
+        <p:nvSpPr>
+          <p:cNvPr id="3" name="Titel 2">
+            <a:extLst>
+              <a:ext uri="{FF2B5EF4-FFF2-40B4-BE49-F238E27FC236}">
+                <a16:creationId xmlns:a16="http://schemas.microsoft.com/office/drawing/2014/main" id="{EEB99570-74B8-496E-9BF0-78D33340D20E}"/>
+              </a:ext>
+            </a:extLst>
+          </p:cNvPr>
+          <p:cNvSpPr>
+            <a:spLocks noGrp="1"/>
+          </p:cNvSpPr>
+          <p:nvPr>
+            <p:ph type="title" idx="4294967295"/>
+          </p:nvPr>
+        </p:nvSpPr>
+        <p:spPr>
+          <a:xfrm>
+            <a:off x="116467" y="116632"/>
+            <a:ext cx="8915400" cy="1143000"/>
+          </a:xfrm>
+        </p:spPr>
+        <p:txBody>
+          <a:bodyPr>
+            <a:normAutofit/>
+          </a:bodyPr>
+          <a:lstStyle/>
+          <a:p>
+            <a:r>
+              <a:rPr lang="de-DE" dirty="0">
+                <a:solidFill>
+                  <a:schemeClr val="bg1"/>
+                </a:solidFill>
+              </a:rPr>
+              <a:t>Traditional vs. Agil Methods</a:t>
+            </a:r>
+          </a:p>
+        </p:txBody>
+      </p:sp>
+      <p:sp>
+        <p:nvSpPr>
+          <p:cNvPr id="4" name="Datumsplatzhalter 3">
+            <a:extLst>
+              <a:ext uri="{FF2B5EF4-FFF2-40B4-BE49-F238E27FC236}">
+                <a16:creationId xmlns:a16="http://schemas.microsoft.com/office/drawing/2014/main" id="{1BC290FD-1494-42CC-9C82-2D69176C1070}"/>
+              </a:ext>
+            </a:extLst>
+          </p:cNvPr>
+          <p:cNvSpPr>
+            <a:spLocks noGrp="1"/>
+          </p:cNvSpPr>
+          <p:nvPr>
+            <p:ph type="dt" sz="half" idx="10"/>
+          </p:nvPr>
+        </p:nvSpPr>
+        <p:spPr/>
+        <p:txBody>
+          <a:bodyPr/>
+          <a:lstStyle/>
+          <a:p>
+            <a:fld id="{A6A55E55-235A-4F68-B44B-5B270E39D9BB}" type="datetime1">
+              <a:rPr lang="de-AT" smtClean="0"/>
+              <a:t>21.01.2018</a:t>
+            </a:fld>
+            <a:endParaRPr lang="de-AT" dirty="0"/>
+          </a:p>
+        </p:txBody>
+      </p:sp>
+      <p:sp>
+        <p:nvSpPr>
+          <p:cNvPr id="5" name="Fußzeilenplatzhalter 4">
+            <a:extLst>
+              <a:ext uri="{FF2B5EF4-FFF2-40B4-BE49-F238E27FC236}">
+                <a16:creationId xmlns:a16="http://schemas.microsoft.com/office/drawing/2014/main" id="{18141F45-EC25-4DB8-AC7F-15667D547142}"/>
+              </a:ext>
+            </a:extLst>
+          </p:cNvPr>
+          <p:cNvSpPr>
+            <a:spLocks noGrp="1"/>
+          </p:cNvSpPr>
+          <p:nvPr>
+            <p:ph type="ftr" sz="quarter" idx="11"/>
+          </p:nvPr>
+        </p:nvSpPr>
+        <p:spPr/>
+        <p:txBody>
+          <a:bodyPr/>
+          <a:lstStyle/>
+          <a:p>
+            <a:r>
+              <a:rPr lang="de-AT"/>
+              <a:t>Project Management Methods - "Mars Expedition"</a:t>
+            </a:r>
+            <a:endParaRPr lang="de-AT" dirty="0"/>
+          </a:p>
+        </p:txBody>
+      </p:sp>
+      <p:sp>
+        <p:nvSpPr>
+          <p:cNvPr id="6" name="Foliennummernplatzhalter 5">
+            <a:extLst>
+              <a:ext uri="{FF2B5EF4-FFF2-40B4-BE49-F238E27FC236}">
+                <a16:creationId xmlns:a16="http://schemas.microsoft.com/office/drawing/2014/main" id="{3CC26705-4D62-40ED-ABB5-69290BD9EE72}"/>
+              </a:ext>
+            </a:extLst>
+          </p:cNvPr>
+          <p:cNvSpPr>
+            <a:spLocks noGrp="1"/>
+          </p:cNvSpPr>
+          <p:nvPr>
+            <p:ph type="sldNum" sz="quarter" idx="12"/>
+          </p:nvPr>
+        </p:nvSpPr>
+        <p:spPr/>
+        <p:txBody>
+          <a:bodyPr/>
+          <a:lstStyle/>
+          <a:p>
+            <a:fld id="{3B0692D3-3767-4542-A95D-53684A81B966}" type="slidenum">
+              <a:rPr lang="de-AT" smtClean="0"/>
+              <a:t>12</a:t>
+            </a:fld>
+            <a:endParaRPr lang="de-AT" dirty="0"/>
+          </a:p>
+        </p:txBody>
+      </p:sp>
+      <p:graphicFrame>
+        <p:nvGraphicFramePr>
+          <p:cNvPr id="12" name="Tabelle 11">
+            <a:extLst>
+              <a:ext uri="{FF2B5EF4-FFF2-40B4-BE49-F238E27FC236}">
+                <a16:creationId xmlns:a16="http://schemas.microsoft.com/office/drawing/2014/main" id="{61292AA1-AE1D-4DAC-AC9B-94B2FC9C7D30}"/>
+              </a:ext>
+            </a:extLst>
+          </p:cNvPr>
+          <p:cNvGraphicFramePr>
+            <a:graphicFrameLocks noGrp="1"/>
+          </p:cNvGraphicFramePr>
+          <p:nvPr>
+            <p:extLst>
+              <p:ext uri="{D42A27DB-BD31-4B8C-83A1-F6EECF244321}">
+                <p14:modId xmlns:p14="http://schemas.microsoft.com/office/powerpoint/2010/main" val="817332842"/>
+              </p:ext>
+            </p:extLst>
+          </p:nvPr>
+        </p:nvGraphicFramePr>
+        <p:xfrm>
+          <a:off x="495300" y="2655975"/>
+          <a:ext cx="8536568" cy="2487372"/>
+        </p:xfrm>
+        <a:graphic>
+          <a:graphicData uri="http://schemas.openxmlformats.org/drawingml/2006/table">
+            <a:tbl>
+              <a:tblPr firstRow="1" bandRow="1">
+                <a:tableStyleId>{5C22544A-7EE6-4342-B048-85BDC9FD1C3A}</a:tableStyleId>
+              </a:tblPr>
+              <a:tblGrid>
+                <a:gridCol w="4268284">
+                  <a:extLst>
+                    <a:ext uri="{9D8B030D-6E8A-4147-A177-3AD203B41FA5}">
+                      <a16:colId xmlns:a16="http://schemas.microsoft.com/office/drawing/2014/main" val="464393307"/>
+                    </a:ext>
+                  </a:extLst>
+                </a:gridCol>
+                <a:gridCol w="4268284">
+                  <a:extLst>
+                    <a:ext uri="{9D8B030D-6E8A-4147-A177-3AD203B41FA5}">
+                      <a16:colId xmlns:a16="http://schemas.microsoft.com/office/drawing/2014/main" val="2792175509"/>
+                    </a:ext>
+                  </a:extLst>
+                </a:gridCol>
+              </a:tblGrid>
+              <a:tr h="603606">
+                <a:tc>
+                  <a:txBody>
+                    <a:bodyPr/>
+                    <a:lstStyle/>
+                    <a:p>
+                      <a:pPr algn="ctr"/>
+                      <a:r>
+                        <a:rPr lang="en-GB" noProof="0" dirty="0"/>
+                        <a:t>Traditional</a:t>
+                      </a:r>
+                    </a:p>
+                  </a:txBody>
+                  <a:tcPr anchor="ctr"/>
+                </a:tc>
+                <a:tc>
+                  <a:txBody>
+                    <a:bodyPr/>
+                    <a:lstStyle/>
+                    <a:p>
+                      <a:pPr algn="ctr"/>
+                      <a:r>
+                        <a:rPr lang="en-GB" noProof="0" dirty="0" err="1"/>
+                        <a:t>Agil</a:t>
+                      </a:r>
+                      <a:endParaRPr lang="en-GB" noProof="0" dirty="0"/>
+                    </a:p>
+                  </a:txBody>
+                  <a:tcPr anchor="ctr"/>
+                </a:tc>
+                <a:extLst>
+                  <a:ext uri="{0D108BD9-81ED-4DB2-BD59-A6C34878D82A}">
+                    <a16:rowId xmlns:a16="http://schemas.microsoft.com/office/drawing/2014/main" val="228732118"/>
+                  </a:ext>
+                </a:extLst>
+              </a:tr>
+              <a:tr h="603606">
+                <a:tc>
+                  <a:txBody>
+                    <a:bodyPr/>
+                    <a:lstStyle/>
+                    <a:p>
+                      <a:pPr algn="l"/>
+                      <a:r>
+                        <a:rPr lang="en-GB" noProof="0" dirty="0"/>
+                        <a:t>Formal and hierarchical – straight forward</a:t>
+                      </a:r>
+                    </a:p>
+                  </a:txBody>
+                  <a:tcPr anchor="ctr"/>
+                </a:tc>
+                <a:tc>
+                  <a:txBody>
+                    <a:bodyPr/>
+                    <a:lstStyle/>
+                    <a:p>
+                      <a:pPr algn="l"/>
+                      <a:r>
+                        <a:rPr lang="en-GB" noProof="0" dirty="0"/>
+                        <a:t>Informal, decisions are made in the entire team – loops possible</a:t>
+                      </a:r>
+                    </a:p>
+                  </a:txBody>
+                  <a:tcPr anchor="ctr"/>
+                </a:tc>
+                <a:extLst>
+                  <a:ext uri="{0D108BD9-81ED-4DB2-BD59-A6C34878D82A}">
+                    <a16:rowId xmlns:a16="http://schemas.microsoft.com/office/drawing/2014/main" val="3536528702"/>
+                  </a:ext>
+                </a:extLst>
+              </a:tr>
+              <a:tr h="603606">
+                <a:tc>
+                  <a:txBody>
+                    <a:bodyPr/>
+                    <a:lstStyle/>
+                    <a:p>
+                      <a:pPr algn="l"/>
+                      <a:r>
+                        <a:rPr lang="en-GB" noProof="0" dirty="0"/>
+                        <a:t>Anticipation: No changes during the project</a:t>
+                      </a:r>
+                    </a:p>
+                  </a:txBody>
+                  <a:tcPr anchor="ctr"/>
+                </a:tc>
+                <a:tc>
+                  <a:txBody>
+                    <a:bodyPr/>
+                    <a:lstStyle/>
+                    <a:p>
+                      <a:pPr algn="l"/>
+                      <a:r>
+                        <a:rPr lang="en-GB" noProof="0" dirty="0"/>
+                        <a:t>Adaption: Embraces changes</a:t>
+                      </a:r>
+                    </a:p>
+                  </a:txBody>
+                  <a:tcPr anchor="ctr"/>
+                </a:tc>
+                <a:extLst>
+                  <a:ext uri="{0D108BD9-81ED-4DB2-BD59-A6C34878D82A}">
+                    <a16:rowId xmlns:a16="http://schemas.microsoft.com/office/drawing/2014/main" val="3543839547"/>
+                  </a:ext>
+                </a:extLst>
+              </a:tr>
+              <a:tr h="603606">
+                <a:tc>
+                  <a:txBody>
+                    <a:bodyPr/>
+                    <a:lstStyle/>
+                    <a:p>
+                      <a:pPr algn="l"/>
+                      <a:r>
+                        <a:rPr lang="en-GB" noProof="0" dirty="0"/>
+                        <a:t>Early planning and complete overview is key to success of the project</a:t>
+                      </a:r>
+                    </a:p>
+                  </a:txBody>
+                  <a:tcPr anchor="ctr"/>
+                </a:tc>
+                <a:tc>
+                  <a:txBody>
+                    <a:bodyPr/>
+                    <a:lstStyle/>
+                    <a:p>
+                      <a:pPr algn="l"/>
+                      <a:r>
+                        <a:rPr lang="en-GB" noProof="0" dirty="0"/>
+                        <a:t>Fest reaction and adoption during the project is key to success</a:t>
+                      </a:r>
+                    </a:p>
+                  </a:txBody>
+                  <a:tcPr anchor="ctr"/>
+                </a:tc>
+                <a:extLst>
+                  <a:ext uri="{0D108BD9-81ED-4DB2-BD59-A6C34878D82A}">
+                    <a16:rowId xmlns:a16="http://schemas.microsoft.com/office/drawing/2014/main" val="1758377766"/>
+                  </a:ext>
+                </a:extLst>
+              </a:tr>
+            </a:tbl>
+          </a:graphicData>
+        </a:graphic>
+      </p:graphicFrame>
+      <p:sp>
+        <p:nvSpPr>
+          <p:cNvPr id="7" name="Geschweifte Klammer rechts 6">
+            <a:extLst>
+              <a:ext uri="{FF2B5EF4-FFF2-40B4-BE49-F238E27FC236}">
+                <a16:creationId xmlns:a16="http://schemas.microsoft.com/office/drawing/2014/main" id="{C8EA8729-D2F7-4CC5-8A75-7072FE7D7F92}"/>
+              </a:ext>
+            </a:extLst>
+          </p:cNvPr>
+          <p:cNvSpPr/>
+          <p:nvPr/>
+        </p:nvSpPr>
+        <p:spPr>
+          <a:xfrm rot="5400000">
+            <a:off x="2468724" y="3637614"/>
+            <a:ext cx="288032" cy="3528392"/>
+          </a:xfrm>
+          <a:prstGeom prst="rightBrace">
+            <a:avLst/>
+          </a:prstGeom>
+        </p:spPr>
+        <p:style>
+          <a:lnRef idx="1">
+            <a:schemeClr val="dk1"/>
+          </a:lnRef>
+          <a:fillRef idx="0">
+            <a:schemeClr val="dk1"/>
+          </a:fillRef>
+          <a:effectRef idx="0">
+            <a:schemeClr val="dk1"/>
+          </a:effectRef>
+          <a:fontRef idx="minor">
+            <a:schemeClr val="tx1"/>
+          </a:fontRef>
+        </p:style>
+        <p:txBody>
+          <a:bodyPr rtlCol="0" anchor="ctr"/>
+          <a:lstStyle/>
+          <a:p>
+            <a:pPr algn="ctr"/>
+            <a:endParaRPr lang="de-DE"/>
+          </a:p>
+        </p:txBody>
+      </p:sp>
+      <p:sp>
+        <p:nvSpPr>
+          <p:cNvPr id="14" name="Geschweifte Klammer rechts 13">
+            <a:extLst>
+              <a:ext uri="{FF2B5EF4-FFF2-40B4-BE49-F238E27FC236}">
+                <a16:creationId xmlns:a16="http://schemas.microsoft.com/office/drawing/2014/main" id="{BCD8977C-D4BF-4BA1-A3F3-493F6C4C04D5}"/>
+              </a:ext>
+            </a:extLst>
+          </p:cNvPr>
+          <p:cNvSpPr/>
+          <p:nvPr/>
+        </p:nvSpPr>
+        <p:spPr>
+          <a:xfrm rot="5400000">
+            <a:off x="6780956" y="3637614"/>
+            <a:ext cx="288032" cy="3528392"/>
+          </a:xfrm>
+          <a:prstGeom prst="rightBrace">
+            <a:avLst/>
+          </a:prstGeom>
+        </p:spPr>
+        <p:style>
+          <a:lnRef idx="1">
+            <a:schemeClr val="dk1"/>
+          </a:lnRef>
+          <a:fillRef idx="0">
+            <a:schemeClr val="dk1"/>
+          </a:fillRef>
+          <a:effectRef idx="0">
+            <a:schemeClr val="dk1"/>
+          </a:effectRef>
+          <a:fontRef idx="minor">
+            <a:schemeClr val="tx1"/>
+          </a:fontRef>
+        </p:style>
+        <p:txBody>
+          <a:bodyPr rtlCol="0" anchor="ctr"/>
+          <a:lstStyle/>
+          <a:p>
+            <a:pPr algn="ctr"/>
+            <a:endParaRPr lang="de-DE"/>
+          </a:p>
+        </p:txBody>
+      </p:sp>
+      <p:sp>
+        <p:nvSpPr>
+          <p:cNvPr id="8" name="Textfeld 7">
+            <a:extLst>
+              <a:ext uri="{FF2B5EF4-FFF2-40B4-BE49-F238E27FC236}">
+                <a16:creationId xmlns:a16="http://schemas.microsoft.com/office/drawing/2014/main" id="{9CFB456F-9074-49A3-A136-DCA831113E48}"/>
+              </a:ext>
+            </a:extLst>
+          </p:cNvPr>
+          <p:cNvSpPr txBox="1"/>
+          <p:nvPr/>
+        </p:nvSpPr>
+        <p:spPr>
+          <a:xfrm>
+            <a:off x="1712640" y="5617325"/>
+            <a:ext cx="2736304" cy="369332"/>
+          </a:xfrm>
+          <a:prstGeom prst="rect">
+            <a:avLst/>
+          </a:prstGeom>
+          <a:noFill/>
+        </p:spPr>
+        <p:txBody>
+          <a:bodyPr wrap="square" rtlCol="0">
+            <a:spAutoFit/>
+          </a:bodyPr>
+          <a:lstStyle/>
+          <a:p>
+            <a:r>
+              <a:rPr lang="de-DE" dirty="0"/>
+              <a:t>Overall </a:t>
+            </a:r>
+            <a:r>
+              <a:rPr lang="de-DE" dirty="0" err="1"/>
+              <a:t>planning</a:t>
+            </a:r>
+            <a:endParaRPr lang="de-DE" dirty="0"/>
+          </a:p>
+        </p:txBody>
+      </p:sp>
+      <p:sp>
+        <p:nvSpPr>
+          <p:cNvPr id="16" name="Textfeld 15">
+            <a:extLst>
+              <a:ext uri="{FF2B5EF4-FFF2-40B4-BE49-F238E27FC236}">
+                <a16:creationId xmlns:a16="http://schemas.microsoft.com/office/drawing/2014/main" id="{AE25C016-C601-4BA0-9152-A54BEB43C030}"/>
+              </a:ext>
+            </a:extLst>
+          </p:cNvPr>
+          <p:cNvSpPr txBox="1"/>
+          <p:nvPr/>
+        </p:nvSpPr>
+        <p:spPr>
+          <a:xfrm>
+            <a:off x="6101730" y="5611882"/>
+            <a:ext cx="2736304" cy="369332"/>
+          </a:xfrm>
+          <a:prstGeom prst="rect">
+            <a:avLst/>
+          </a:prstGeom>
+          <a:noFill/>
+        </p:spPr>
+        <p:txBody>
+          <a:bodyPr wrap="square" rtlCol="0">
+            <a:spAutoFit/>
+          </a:bodyPr>
+          <a:lstStyle/>
+          <a:p>
+            <a:r>
+              <a:rPr lang="de-DE" dirty="0" err="1"/>
+              <a:t>Developement</a:t>
+            </a:r>
+            <a:endParaRPr lang="de-DE" dirty="0"/>
+          </a:p>
+        </p:txBody>
+      </p:sp>
+      <p:pic>
+        <p:nvPicPr>
+          <p:cNvPr id="11" name="Grafik 10">
+            <a:extLst>
+              <a:ext uri="{FF2B5EF4-FFF2-40B4-BE49-F238E27FC236}">
+                <a16:creationId xmlns:a16="http://schemas.microsoft.com/office/drawing/2014/main" id="{1DA4BE89-9A65-4AB2-9A2C-FAA2953DDBBD}"/>
+              </a:ext>
+            </a:extLst>
+          </p:cNvPr>
+          <p:cNvPicPr>
+            <a:picLocks noChangeAspect="1"/>
+          </p:cNvPicPr>
+          <p:nvPr/>
+        </p:nvPicPr>
+        <p:blipFill>
+          <a:blip r:embed="rId3">
+            <a:extLst>
+              <a:ext uri="{28A0092B-C50C-407E-A947-70E740481C1C}">
+                <a14:useLocalDpi xmlns:a14="http://schemas.microsoft.com/office/drawing/2010/main" val="0"/>
+              </a:ext>
+            </a:extLst>
+          </a:blip>
+          <a:stretch>
+            <a:fillRect/>
+          </a:stretch>
+        </p:blipFill>
+        <p:spPr>
+          <a:xfrm>
+            <a:off x="3449004" y="5519221"/>
+            <a:ext cx="675510" cy="501645"/>
+          </a:xfrm>
+          <a:prstGeom prst="rect">
+            <a:avLst/>
+          </a:prstGeom>
+        </p:spPr>
+      </p:pic>
+      <p:pic>
+        <p:nvPicPr>
+          <p:cNvPr id="19" name="Grafik 18">
+            <a:extLst>
+              <a:ext uri="{FF2B5EF4-FFF2-40B4-BE49-F238E27FC236}">
+                <a16:creationId xmlns:a16="http://schemas.microsoft.com/office/drawing/2014/main" id="{B27033D7-2677-4BBD-974A-3490548A6E2D}"/>
+              </a:ext>
+            </a:extLst>
+          </p:cNvPr>
+          <p:cNvPicPr>
+            <a:picLocks noChangeAspect="1"/>
+          </p:cNvPicPr>
+          <p:nvPr/>
+        </p:nvPicPr>
+        <p:blipFill>
+          <a:blip r:embed="rId3">
+            <a:extLst>
+              <a:ext uri="{28A0092B-C50C-407E-A947-70E740481C1C}">
+                <a14:useLocalDpi xmlns:a14="http://schemas.microsoft.com/office/drawing/2010/main" val="0"/>
+              </a:ext>
+            </a:extLst>
+          </a:blip>
+          <a:stretch>
+            <a:fillRect/>
+          </a:stretch>
+        </p:blipFill>
+        <p:spPr>
+          <a:xfrm>
+            <a:off x="7689304" y="5519221"/>
+            <a:ext cx="675510" cy="501645"/>
+          </a:xfrm>
+          <a:prstGeom prst="rect">
+            <a:avLst/>
+          </a:prstGeom>
+        </p:spPr>
+      </p:pic>
+    </p:spTree>
+    <p:extLst>
+      <p:ext uri="{BB962C8B-B14F-4D97-AF65-F5344CB8AC3E}">
+        <p14:creationId xmlns:p14="http://schemas.microsoft.com/office/powerpoint/2010/main" val="3662040572"/>
+      </p:ext>
+    </p:extLst>
+  </p:cSld>
+  <p:clrMapOvr>
+    <a:masterClrMapping/>
+  </p:clrMapOvr>
+  <p:timing>
+    <p:tnLst>
+      <p:par>
+        <p:cTn id="1" dur="indefinite" restart="never" nodeType="tmRoot">
+          <p:childTnLst>
+            <p:seq concurrent="1" nextAc="seek">
+              <p:cTn id="2" dur="indefinite" nodeType="mainSeq">
+                <p:childTnLst>
+                  <p:par>
+                    <p:cTn id="3" fill="hold">
+                      <p:stCondLst>
+                        <p:cond delay="indefinite"/>
+                      </p:stCondLst>
+                      <p:childTnLst>
+                        <p:par>
+                          <p:cTn id="4" fill="hold">
+                            <p:stCondLst>
+                              <p:cond delay="0"/>
+                            </p:stCondLst>
+                            <p:childTnLst>
+                              <p:par>
+                                <p:cTn id="5" presetID="1" presetClass="entr" presetSubtype="0" fill="hold" grpId="0" nodeType="clickEffect">
+                                  <p:stCondLst>
+                                    <p:cond delay="0"/>
+                                  </p:stCondLst>
+                                  <p:childTnLst>
+                                    <p:set>
+                                      <p:cBhvr>
+                                        <p:cTn id="6" dur="1" fill="hold">
+                                          <p:stCondLst>
+                                            <p:cond delay="0"/>
+                                          </p:stCondLst>
+                                        </p:cTn>
+                                        <p:tgtEl>
+                                          <p:spTgt spid="7"/>
+                                        </p:tgtEl>
+                                        <p:attrNameLst>
+                                          <p:attrName>style.visibility</p:attrName>
+                                        </p:attrNameLst>
+                                      </p:cBhvr>
+                                      <p:to>
+                                        <p:strVal val="visible"/>
+                                      </p:to>
+                                    </p:set>
+                                  </p:childTnLst>
+                                </p:cTn>
+                              </p:par>
+                              <p:par>
+                                <p:cTn id="7" presetID="1" presetClass="entr" presetSubtype="0" fill="hold" grpId="0" nodeType="withEffect">
+                                  <p:stCondLst>
+                                    <p:cond delay="0"/>
+                                  </p:stCondLst>
+                                  <p:childTnLst>
+                                    <p:set>
+                                      <p:cBhvr>
+                                        <p:cTn id="8" dur="1" fill="hold">
+                                          <p:stCondLst>
+                                            <p:cond delay="0"/>
+                                          </p:stCondLst>
+                                        </p:cTn>
+                                        <p:tgtEl>
+                                          <p:spTgt spid="8"/>
+                                        </p:tgtEl>
+                                        <p:attrNameLst>
+                                          <p:attrName>style.visibility</p:attrName>
+                                        </p:attrNameLst>
+                                      </p:cBhvr>
+                                      <p:to>
+                                        <p:strVal val="visible"/>
+                                      </p:to>
+                                    </p:set>
+                                  </p:childTnLst>
+                                </p:cTn>
+                              </p:par>
+                              <p:par>
+                                <p:cTn id="9" presetID="1" presetClass="entr" presetSubtype="0" fill="hold" nodeType="withEffect">
+                                  <p:stCondLst>
+                                    <p:cond delay="0"/>
+                                  </p:stCondLst>
+                                  <p:childTnLst>
+                                    <p:set>
+                                      <p:cBhvr>
+                                        <p:cTn id="10" dur="1" fill="hold">
+                                          <p:stCondLst>
+                                            <p:cond delay="0"/>
+                                          </p:stCondLst>
+                                        </p:cTn>
+                                        <p:tgtEl>
+                                          <p:spTgt spid="11"/>
+                                        </p:tgtEl>
+                                        <p:attrNameLst>
+                                          <p:attrName>style.visibility</p:attrName>
+                                        </p:attrNameLst>
+                                      </p:cBhvr>
+                                      <p:to>
+                                        <p:strVal val="visible"/>
+                                      </p:to>
+                                    </p:set>
+                                  </p:childTnLst>
+                                </p:cTn>
+                              </p:par>
+                            </p:childTnLst>
+                          </p:cTn>
+                        </p:par>
+                      </p:childTnLst>
+                    </p:cTn>
+                  </p:par>
+                  <p:par>
+                    <p:cTn id="11" fill="hold">
+                      <p:stCondLst>
+                        <p:cond delay="indefinite"/>
+                      </p:stCondLst>
+                      <p:childTnLst>
+                        <p:par>
+                          <p:cTn id="12" fill="hold">
+                            <p:stCondLst>
+                              <p:cond delay="0"/>
+                            </p:stCondLst>
+                            <p:childTnLst>
+                              <p:par>
+                                <p:cTn id="13" presetID="1" presetClass="entr" presetSubtype="0" fill="hold" grpId="0" nodeType="clickEffect">
+                                  <p:stCondLst>
+                                    <p:cond delay="0"/>
+                                  </p:stCondLst>
+                                  <p:childTnLst>
+                                    <p:set>
+                                      <p:cBhvr>
+                                        <p:cTn id="14" dur="1" fill="hold">
+                                          <p:stCondLst>
+                                            <p:cond delay="0"/>
+                                          </p:stCondLst>
+                                        </p:cTn>
+                                        <p:tgtEl>
+                                          <p:spTgt spid="14"/>
+                                        </p:tgtEl>
+                                        <p:attrNameLst>
+                                          <p:attrName>style.visibility</p:attrName>
+                                        </p:attrNameLst>
+                                      </p:cBhvr>
+                                      <p:to>
+                                        <p:strVal val="visible"/>
+                                      </p:to>
+                                    </p:set>
+                                  </p:childTnLst>
+                                </p:cTn>
+                              </p:par>
+                              <p:par>
+                                <p:cTn id="15" presetID="1" presetClass="entr" presetSubtype="0" fill="hold" grpId="0" nodeType="withEffect">
+                                  <p:stCondLst>
+                                    <p:cond delay="0"/>
+                                  </p:stCondLst>
+                                  <p:childTnLst>
+                                    <p:set>
+                                      <p:cBhvr>
+                                        <p:cTn id="16" dur="1" fill="hold">
+                                          <p:stCondLst>
+                                            <p:cond delay="0"/>
+                                          </p:stCondLst>
+                                        </p:cTn>
+                                        <p:tgtEl>
+                                          <p:spTgt spid="16"/>
+                                        </p:tgtEl>
+                                        <p:attrNameLst>
+                                          <p:attrName>style.visibility</p:attrName>
+                                        </p:attrNameLst>
+                                      </p:cBhvr>
+                                      <p:to>
+                                        <p:strVal val="visible"/>
+                                      </p:to>
+                                    </p:set>
+                                  </p:childTnLst>
+                                </p:cTn>
+                              </p:par>
+                              <p:par>
+                                <p:cTn id="17" presetID="1" presetClass="entr" presetSubtype="0" fill="hold" nodeType="withEffect">
+                                  <p:stCondLst>
+                                    <p:cond delay="0"/>
+                                  </p:stCondLst>
+                                  <p:childTnLst>
+                                    <p:set>
+                                      <p:cBhvr>
+                                        <p:cTn id="18" dur="1" fill="hold">
+                                          <p:stCondLst>
+                                            <p:cond delay="0"/>
+                                          </p:stCondLst>
+                                        </p:cTn>
+                                        <p:tgtEl>
+                                          <p:spTgt spid="19"/>
+                                        </p:tgtEl>
+                                        <p:attrNameLst>
+                                          <p:attrName>style.visibility</p:attrName>
+                                        </p:attrNameLst>
+                                      </p:cBhvr>
+                                      <p:to>
+                                        <p:strVal val="visible"/>
+                                      </p:to>
+                                    </p:set>
+                                  </p:childTnLst>
+                                </p:cTn>
+                              </p:par>
+                            </p:childTnLst>
+                          </p:cTn>
+                        </p:par>
+                      </p:childTnLst>
+                    </p:cTn>
+                  </p:par>
+                </p:childTnLst>
+              </p:cTn>
+              <p:prevCondLst>
+                <p:cond evt="onPrev" delay="0">
+                  <p:tgtEl>
+                    <p:sldTgt/>
+                  </p:tgtEl>
+                </p:cond>
+              </p:prevCondLst>
+              <p:nextCondLst>
+                <p:cond evt="onNext" delay="0">
+                  <p:tgtEl>
+                    <p:sldTgt/>
+                  </p:tgtEl>
+                </p:cond>
+              </p:nextCondLst>
+            </p:seq>
+          </p:childTnLst>
+        </p:cTn>
+      </p:par>
+    </p:tnLst>
+    <p:bldLst>
+      <p:bldP spid="7" grpId="0" animBg="1"/>
+      <p:bldP spid="14" grpId="0" animBg="1"/>
+      <p:bldP spid="8" grpId="0"/>
+      <p:bldP spid="16" grpId="0"/>
+    </p:bldLst>
+  </p:timing>
+</p:sld>
+</file>
+
 <file path=ppt/slides/slide2.xml><?xml version="1.0" encoding="utf-8"?>
 <p:sld xmlns:a="http://schemas.openxmlformats.org/drawingml/2006/main" xmlns:r="http://schemas.openxmlformats.org/officeDocument/2006/relationships" xmlns:p="http://schemas.openxmlformats.org/presentationml/2006/main">
   <p:cSld>
@@ -4440,7 +8789,11 @@
               <a:buNone/>
             </a:pPr>
             <a:r>
-              <a:rPr lang="de-AT" dirty="0"/>
+              <a:rPr lang="de-AT" dirty="0">
+                <a:solidFill>
+                  <a:srgbClr val="FF0000"/>
+                </a:solidFill>
+              </a:rPr>
               <a:t>HANDOUT NICHT VERGESSEN</a:t>
             </a:r>
           </a:p>
@@ -4575,7 +8928,7 @@
           <a:p>
             <a:fld id="{34DA982F-5563-4A76-B5F3-2BDEBD27B3E2}" type="datetime1">
               <a:rPr lang="de-AT" smtClean="0"/>
-              <a:t>19.01.2018</a:t>
+              <a:t>21.01.2018</a:t>
             </a:fld>
             <a:endParaRPr lang="de-AT" dirty="0"/>
           </a:p>
@@ -4671,10 +9024,165 @@
       </p:grpSpPr>
       <p:sp>
         <p:nvSpPr>
-          <p:cNvPr id="6" name="Inhaltsplatzhalter 5">
+          <p:cNvPr id="8" name="Titel 7">
             <a:extLst>
               <a:ext uri="{FF2B5EF4-FFF2-40B4-BE49-F238E27FC236}">
-                <a16:creationId xmlns:a16="http://schemas.microsoft.com/office/drawing/2014/main" id="{D7444C00-D4A1-4F53-801B-FF32780B7C6D}"/>
+                <a16:creationId xmlns:a16="http://schemas.microsoft.com/office/drawing/2014/main" id="{B4C15081-4C46-4C61-946B-BAC305253743}"/>
+              </a:ext>
+            </a:extLst>
+          </p:cNvPr>
+          <p:cNvSpPr>
+            <a:spLocks noGrp="1"/>
+          </p:cNvSpPr>
+          <p:nvPr>
+            <p:ph type="title" idx="4294967295"/>
+          </p:nvPr>
+        </p:nvSpPr>
+        <p:spPr>
+          <a:xfrm>
+            <a:off x="116467" y="116632"/>
+            <a:ext cx="8915400" cy="1143000"/>
+          </a:xfrm>
+        </p:spPr>
+        <p:txBody>
+          <a:bodyPr>
+            <a:normAutofit/>
+          </a:bodyPr>
+          <a:lstStyle/>
+          <a:p>
+            <a:r>
+              <a:rPr lang="de-DE" dirty="0">
+                <a:solidFill>
+                  <a:schemeClr val="bg1"/>
+                </a:solidFill>
+              </a:rPr>
+              <a:t>Project </a:t>
+            </a:r>
+            <a:r>
+              <a:rPr lang="de-DE" dirty="0" err="1">
+                <a:solidFill>
+                  <a:schemeClr val="bg1"/>
+                </a:solidFill>
+              </a:rPr>
+              <a:t>use</a:t>
+            </a:r>
+            <a:r>
+              <a:rPr lang="de-DE" dirty="0">
+                <a:solidFill>
+                  <a:schemeClr val="bg1"/>
+                </a:solidFill>
+              </a:rPr>
+              <a:t> </a:t>
+            </a:r>
+            <a:r>
+              <a:rPr lang="de-DE" dirty="0" err="1">
+                <a:solidFill>
+                  <a:schemeClr val="bg1"/>
+                </a:solidFill>
+              </a:rPr>
+              <a:t>case</a:t>
+            </a:r>
+            <a:endParaRPr lang="de-DE" dirty="0">
+              <a:solidFill>
+                <a:schemeClr val="bg1"/>
+              </a:solidFill>
+            </a:endParaRPr>
+          </a:p>
+        </p:txBody>
+      </p:sp>
+      <p:sp>
+        <p:nvSpPr>
+          <p:cNvPr id="4" name="Datumsplatzhalter 3">
+            <a:extLst>
+              <a:ext uri="{FF2B5EF4-FFF2-40B4-BE49-F238E27FC236}">
+                <a16:creationId xmlns:a16="http://schemas.microsoft.com/office/drawing/2014/main" id="{82014930-B991-4842-9356-CB5C23CCA0DD}"/>
+              </a:ext>
+            </a:extLst>
+          </p:cNvPr>
+          <p:cNvSpPr>
+            <a:spLocks noGrp="1"/>
+          </p:cNvSpPr>
+          <p:nvPr>
+            <p:ph type="dt" sz="half" idx="10"/>
+          </p:nvPr>
+        </p:nvSpPr>
+        <p:spPr/>
+        <p:txBody>
+          <a:bodyPr/>
+          <a:lstStyle/>
+          <a:p>
+            <a:fld id="{A6A55E55-235A-4F68-B44B-5B270E39D9BB}" type="datetime1">
+              <a:rPr lang="de-AT" smtClean="0"/>
+              <a:t>21.01.2018</a:t>
+            </a:fld>
+            <a:endParaRPr lang="de-AT" dirty="0"/>
+          </a:p>
+        </p:txBody>
+      </p:sp>
+      <p:sp>
+        <p:nvSpPr>
+          <p:cNvPr id="5" name="Fußzeilenplatzhalter 4">
+            <a:extLst>
+              <a:ext uri="{FF2B5EF4-FFF2-40B4-BE49-F238E27FC236}">
+                <a16:creationId xmlns:a16="http://schemas.microsoft.com/office/drawing/2014/main" id="{C6F28DD9-7E24-4860-A748-0423524A91F2}"/>
+              </a:ext>
+            </a:extLst>
+          </p:cNvPr>
+          <p:cNvSpPr>
+            <a:spLocks noGrp="1"/>
+          </p:cNvSpPr>
+          <p:nvPr>
+            <p:ph type="ftr" sz="quarter" idx="11"/>
+          </p:nvPr>
+        </p:nvSpPr>
+        <p:spPr/>
+        <p:txBody>
+          <a:bodyPr/>
+          <a:lstStyle/>
+          <a:p>
+            <a:r>
+              <a:rPr lang="de-AT"/>
+              <a:t>Project Management Methods - "Mars Expedition"</a:t>
+            </a:r>
+            <a:endParaRPr lang="de-AT" dirty="0"/>
+          </a:p>
+        </p:txBody>
+      </p:sp>
+      <p:sp>
+        <p:nvSpPr>
+          <p:cNvPr id="6" name="Foliennummernplatzhalter 5">
+            <a:extLst>
+              <a:ext uri="{FF2B5EF4-FFF2-40B4-BE49-F238E27FC236}">
+                <a16:creationId xmlns:a16="http://schemas.microsoft.com/office/drawing/2014/main" id="{74388B65-7CD4-4103-AFA7-148FA1E04B84}"/>
+              </a:ext>
+            </a:extLst>
+          </p:cNvPr>
+          <p:cNvSpPr>
+            <a:spLocks noGrp="1"/>
+          </p:cNvSpPr>
+          <p:nvPr>
+            <p:ph type="sldNum" sz="quarter" idx="12"/>
+          </p:nvPr>
+        </p:nvSpPr>
+        <p:spPr/>
+        <p:txBody>
+          <a:bodyPr/>
+          <a:lstStyle/>
+          <a:p>
+            <a:fld id="{3B0692D3-3767-4542-A95D-53684A81B966}" type="slidenum">
+              <a:rPr lang="de-AT" smtClean="0"/>
+              <a:t>3</a:t>
+            </a:fld>
+            <a:endParaRPr lang="de-AT" dirty="0"/>
+          </a:p>
+        </p:txBody>
+      </p:sp>
+      <p:sp>
+        <p:nvSpPr>
+          <p:cNvPr id="7" name="Inhaltsplatzhalter 6">
+            <a:extLst>
+              <a:ext uri="{FF2B5EF4-FFF2-40B4-BE49-F238E27FC236}">
+                <a16:creationId xmlns:a16="http://schemas.microsoft.com/office/drawing/2014/main" id="{7E34B61F-2172-4281-AC62-588A00022539}"/>
               </a:ext>
             </a:extLst>
           </p:cNvPr>
@@ -4687,245 +9195,235 @@
         </p:nvSpPr>
         <p:spPr/>
         <p:txBody>
-          <a:bodyPr/>
+          <a:bodyPr>
+            <a:normAutofit/>
+          </a:bodyPr>
           <a:lstStyle/>
           <a:p>
-            <a:pPr marL="514350" indent="-514350">
-              <a:buAutoNum type="arabicPeriod"/>
-            </a:pPr>
-            <a:r>
-              <a:rPr lang="de-DE" dirty="0"/>
-              <a:t>Project </a:t>
-            </a:r>
-            <a:r>
-              <a:rPr lang="de-DE" dirty="0" err="1"/>
-              <a:t>use</a:t>
-            </a:r>
-            <a:r>
-              <a:rPr lang="de-DE" dirty="0"/>
-              <a:t> </a:t>
-            </a:r>
-            <a:r>
-              <a:rPr lang="de-DE" dirty="0" err="1"/>
-              <a:t>case</a:t>
-            </a:r>
-            <a:endParaRPr lang="de-DE" dirty="0"/>
-          </a:p>
-          <a:p>
-            <a:pPr marL="514350" indent="-514350">
-              <a:buAutoNum type="arabicPeriod"/>
-            </a:pPr>
-            <a:r>
-              <a:rPr lang="de-DE" dirty="0"/>
-              <a:t>Project at a </a:t>
-            </a:r>
-            <a:r>
-              <a:rPr lang="de-DE" dirty="0" err="1"/>
-              <a:t>glance</a:t>
-            </a:r>
-            <a:endParaRPr lang="de-DE" dirty="0"/>
-          </a:p>
-          <a:p>
-            <a:pPr marL="514350" indent="-514350">
-              <a:buAutoNum type="arabicPeriod"/>
-            </a:pPr>
-            <a:r>
-              <a:rPr lang="de-DE" dirty="0"/>
-              <a:t>Project </a:t>
-            </a:r>
-            <a:r>
-              <a:rPr lang="de-DE" dirty="0" err="1"/>
-              <a:t>supporting</a:t>
-            </a:r>
-            <a:r>
-              <a:rPr lang="de-DE" dirty="0"/>
-              <a:t> </a:t>
-            </a:r>
-            <a:r>
-              <a:rPr lang="de-DE" dirty="0" err="1"/>
-              <a:t>tools</a:t>
-            </a:r>
-            <a:endParaRPr lang="de-DE" dirty="0"/>
-          </a:p>
-          <a:p>
-            <a:pPr marL="514350" indent="-514350">
-              <a:buAutoNum type="arabicPeriod"/>
-            </a:pPr>
-            <a:r>
-              <a:rPr lang="de-DE" dirty="0"/>
-              <a:t>Risk </a:t>
-            </a:r>
-            <a:r>
-              <a:rPr lang="de-DE" dirty="0" err="1"/>
-              <a:t>evaluation</a:t>
-            </a:r>
-            <a:r>
-              <a:rPr lang="de-DE" dirty="0"/>
-              <a:t> of </a:t>
-            </a:r>
-            <a:r>
-              <a:rPr lang="de-DE" dirty="0" err="1"/>
-              <a:t>the</a:t>
-            </a:r>
-            <a:r>
-              <a:rPr lang="de-DE" dirty="0"/>
-              <a:t> Project</a:t>
-            </a:r>
-          </a:p>
-          <a:p>
-            <a:pPr marL="514350" indent="-514350">
-              <a:buAutoNum type="arabicPeriod"/>
-            </a:pPr>
-            <a:r>
-              <a:rPr lang="de-DE" dirty="0"/>
-              <a:t>Traditional vs. Agil Methods</a:t>
-            </a:r>
-          </a:p>
-          <a:p>
-            <a:pPr marL="514350" indent="-514350">
-              <a:buAutoNum type="arabicPeriod"/>
-            </a:pPr>
-            <a:endParaRPr lang="de-DE" dirty="0"/>
-          </a:p>
-          <a:p>
-            <a:pPr marL="514350" indent="-514350">
-              <a:buAutoNum type="arabicPeriod"/>
-            </a:pPr>
-            <a:endParaRPr lang="de-DE" dirty="0"/>
-          </a:p>
-          <a:p>
             <a:pPr marL="0" indent="0">
+              <a:lnSpc>
+                <a:spcPct val="150000"/>
+              </a:lnSpc>
               <a:buNone/>
             </a:pPr>
-            <a:endParaRPr lang="de-DE" dirty="0"/>
-          </a:p>
-        </p:txBody>
-      </p:sp>
-      <p:sp>
-        <p:nvSpPr>
-          <p:cNvPr id="7" name="Titel 2"/>
-          <p:cNvSpPr>
-            <a:spLocks noGrp="1"/>
-          </p:cNvSpPr>
-          <p:nvPr>
-            <p:ph type="title" idx="4294967295"/>
-          </p:nvPr>
-        </p:nvSpPr>
-        <p:spPr>
-          <a:xfrm>
-            <a:off x="116467" y="116632"/>
-            <a:ext cx="8915400" cy="1143000"/>
-          </a:xfrm>
-        </p:spPr>
-        <p:txBody>
-          <a:bodyPr lIns="89967">
-            <a:noAutofit/>
-          </a:bodyPr>
-          <a:lstStyle/>
-          <a:p>
-            <a:pPr algn="l"/>
-            <a:r>
-              <a:rPr lang="de-AT" sz="3600" dirty="0">
-                <a:solidFill>
-                  <a:schemeClr val="bg1"/>
-                </a:solidFill>
+            <a:r>
+              <a:rPr lang="en-GB" sz="1800" b="1" dirty="0">
+                <a:latin typeface="+mn-lt"/>
+                <a:ea typeface="+mn-ea"/>
+                <a:cs typeface="+mn-cs"/>
               </a:rPr>
-              <a:t>Agenda</a:t>
-            </a:r>
-          </a:p>
-        </p:txBody>
-      </p:sp>
-      <p:sp>
-        <p:nvSpPr>
-          <p:cNvPr id="2" name="Datumsplatzhalter 1">
+              <a:t>Phase planning</a:t>
+            </a:r>
+          </a:p>
+          <a:p>
+            <a:pPr lvl="1">
+              <a:lnSpc>
+                <a:spcPct val="150000"/>
+              </a:lnSpc>
+              <a:buFont typeface="Wingdings" panose="05000000000000000000" pitchFamily="2" charset="2"/>
+              <a:buChar char="Ø"/>
+            </a:pPr>
+            <a:r>
+              <a:rPr lang="en-GB" sz="1600" dirty="0">
+                <a:latin typeface="+mn-lt"/>
+                <a:ea typeface="+mn-ea"/>
+                <a:cs typeface="+mn-cs"/>
+              </a:rPr>
+              <a:t>Conception phase</a:t>
+            </a:r>
+          </a:p>
+          <a:p>
+            <a:pPr lvl="1">
+              <a:lnSpc>
+                <a:spcPct val="150000"/>
+              </a:lnSpc>
+              <a:buFont typeface="Wingdings" panose="05000000000000000000" pitchFamily="2" charset="2"/>
+              <a:buChar char="Ø"/>
+            </a:pPr>
+            <a:r>
+              <a:rPr lang="en-GB" sz="1600" dirty="0">
+                <a:latin typeface="+mn-lt"/>
+                <a:ea typeface="+mn-ea"/>
+                <a:cs typeface="+mn-cs"/>
+              </a:rPr>
+              <a:t>Define and Planning phase</a:t>
+            </a:r>
+          </a:p>
+          <a:p>
+            <a:pPr lvl="1">
+              <a:lnSpc>
+                <a:spcPct val="150000"/>
+              </a:lnSpc>
+              <a:buFont typeface="Wingdings" panose="05000000000000000000" pitchFamily="2" charset="2"/>
+              <a:buChar char="Ø"/>
+            </a:pPr>
+            <a:r>
+              <a:rPr lang="en-GB" sz="1600" dirty="0">
+                <a:latin typeface="+mn-lt"/>
+                <a:ea typeface="+mn-ea"/>
+                <a:cs typeface="+mn-cs"/>
+              </a:rPr>
+              <a:t>Execution Phase</a:t>
+            </a:r>
+          </a:p>
+          <a:p>
+            <a:pPr lvl="1">
+              <a:lnSpc>
+                <a:spcPct val="150000"/>
+              </a:lnSpc>
+              <a:buFont typeface="Wingdings" panose="05000000000000000000" pitchFamily="2" charset="2"/>
+              <a:buChar char="Ø"/>
+            </a:pPr>
+            <a:r>
+              <a:rPr lang="en-GB" sz="1600" dirty="0">
+                <a:latin typeface="+mn-lt"/>
+                <a:ea typeface="+mn-ea"/>
+                <a:cs typeface="+mn-cs"/>
+              </a:rPr>
+              <a:t>Mars Landing</a:t>
+            </a:r>
+          </a:p>
+          <a:p>
+            <a:pPr lvl="1">
+              <a:lnSpc>
+                <a:spcPct val="150000"/>
+              </a:lnSpc>
+              <a:buFont typeface="Wingdings" panose="05000000000000000000" pitchFamily="2" charset="2"/>
+              <a:buChar char="Ø"/>
+            </a:pPr>
+            <a:endParaRPr lang="en-GB" sz="1400" dirty="0">
+              <a:latin typeface="+mn-lt"/>
+              <a:ea typeface="+mn-ea"/>
+              <a:cs typeface="+mn-cs"/>
+            </a:endParaRPr>
+          </a:p>
+          <a:p>
+            <a:pPr marL="342108" lvl="1" indent="-285750">
+              <a:lnSpc>
+                <a:spcPct val="150000"/>
+              </a:lnSpc>
+              <a:buFont typeface="Wingdings" panose="05000000000000000000" pitchFamily="2" charset="2"/>
+              <a:buChar char="Ø"/>
+            </a:pPr>
+            <a:r>
+              <a:rPr lang="en-GB" sz="1800" dirty="0">
+                <a:latin typeface="+mn-lt"/>
+                <a:ea typeface="+mn-ea"/>
+                <a:cs typeface="+mn-cs"/>
+              </a:rPr>
+              <a:t>Structure</a:t>
+            </a:r>
+          </a:p>
+          <a:p>
+            <a:pPr marL="342108" lvl="1" indent="-285750">
+              <a:lnSpc>
+                <a:spcPct val="150000"/>
+              </a:lnSpc>
+              <a:buFont typeface="Wingdings" panose="05000000000000000000" pitchFamily="2" charset="2"/>
+              <a:buChar char="Ø"/>
+            </a:pPr>
+            <a:r>
+              <a:rPr lang="en-GB" sz="1800" dirty="0">
+                <a:latin typeface="+mn-lt"/>
+                <a:ea typeface="+mn-ea"/>
+                <a:cs typeface="+mn-cs"/>
+              </a:rPr>
+              <a:t>Set up activities</a:t>
+            </a:r>
+          </a:p>
+          <a:p>
+            <a:pPr marL="342000" lvl="1">
+              <a:lnSpc>
+                <a:spcPct val="150000"/>
+              </a:lnSpc>
+              <a:buFont typeface="Wingdings" panose="05000000000000000000" pitchFamily="2" charset="2"/>
+              <a:buChar char="Ø"/>
+            </a:pPr>
+            <a:r>
+              <a:rPr lang="en-GB" sz="1800" dirty="0">
+                <a:latin typeface="+mn-lt"/>
+                <a:ea typeface="+mn-ea"/>
+                <a:cs typeface="+mn-cs"/>
+              </a:rPr>
+              <a:t>Work step by step</a:t>
+            </a:r>
+          </a:p>
+          <a:p>
+            <a:pPr marL="457028" lvl="1" indent="0">
+              <a:lnSpc>
+                <a:spcPct val="150000"/>
+              </a:lnSpc>
+              <a:buNone/>
+            </a:pPr>
+            <a:endParaRPr lang="de-AT" sz="1400" dirty="0">
+              <a:latin typeface="+mn-lt"/>
+              <a:ea typeface="+mn-ea"/>
+              <a:cs typeface="+mn-cs"/>
+            </a:endParaRPr>
+          </a:p>
+          <a:p>
+            <a:pPr lvl="1">
+              <a:buFont typeface="Wingdings" panose="05000000000000000000" pitchFamily="2" charset="2"/>
+              <a:buChar char="Ø"/>
+            </a:pPr>
+            <a:endParaRPr lang="de-AT" sz="1400" dirty="0">
+              <a:latin typeface="+mn-lt"/>
+              <a:ea typeface="+mn-ea"/>
+              <a:cs typeface="+mn-cs"/>
+            </a:endParaRPr>
+          </a:p>
+          <a:p>
+            <a:pPr marL="457028" lvl="1" indent="0">
+              <a:buNone/>
+            </a:pPr>
+            <a:endParaRPr lang="de-AT" sz="1400" dirty="0">
+              <a:latin typeface="+mn-lt"/>
+              <a:ea typeface="+mn-ea"/>
+              <a:cs typeface="+mn-cs"/>
+            </a:endParaRPr>
+          </a:p>
+          <a:p>
+            <a:pPr lvl="1">
+              <a:buFont typeface="Wingdings" panose="05000000000000000000" pitchFamily="2" charset="2"/>
+              <a:buChar char="Ø"/>
+            </a:pPr>
+            <a:endParaRPr lang="de-AT" dirty="0"/>
+          </a:p>
+        </p:txBody>
+      </p:sp>
+      <p:pic>
+        <p:nvPicPr>
+          <p:cNvPr id="9" name="Grafik 8">
             <a:extLst>
               <a:ext uri="{FF2B5EF4-FFF2-40B4-BE49-F238E27FC236}">
-                <a16:creationId xmlns:a16="http://schemas.microsoft.com/office/drawing/2014/main" id="{06EF4C8B-1DFE-4586-94B8-3A1795EEB32C}"/>
+                <a16:creationId xmlns:a16="http://schemas.microsoft.com/office/drawing/2014/main" id="{B2140789-E50F-4DF1-847E-D0E963506754}"/>
               </a:ext>
             </a:extLst>
           </p:cNvPr>
-          <p:cNvSpPr>
-            <a:spLocks noGrp="1"/>
-          </p:cNvSpPr>
-          <p:nvPr>
-            <p:ph type="dt" sz="half" idx="10"/>
-          </p:nvPr>
-        </p:nvSpPr>
-        <p:spPr/>
-        <p:txBody>
-          <a:bodyPr/>
-          <a:lstStyle/>
-          <a:p>
-            <a:fld id="{F888CD76-134D-4DA9-8733-9BC79E7EE8C6}" type="datetime1">
-              <a:rPr lang="de-AT" smtClean="0"/>
-              <a:t>19.01.2018</a:t>
-            </a:fld>
-            <a:endParaRPr lang="de-AT" dirty="0"/>
-          </a:p>
-        </p:txBody>
-      </p:sp>
-      <p:sp>
-        <p:nvSpPr>
-          <p:cNvPr id="3" name="Fußzeilenplatzhalter 2">
-            <a:extLst>
-              <a:ext uri="{FF2B5EF4-FFF2-40B4-BE49-F238E27FC236}">
-                <a16:creationId xmlns:a16="http://schemas.microsoft.com/office/drawing/2014/main" id="{01877A41-616F-470D-B0C6-F3B01D844DE0}"/>
-              </a:ext>
-            </a:extLst>
-          </p:cNvPr>
-          <p:cNvSpPr>
-            <a:spLocks noGrp="1"/>
-          </p:cNvSpPr>
-          <p:nvPr>
-            <p:ph type="ftr" sz="quarter" idx="11"/>
-          </p:nvPr>
-        </p:nvSpPr>
-        <p:spPr/>
-        <p:txBody>
-          <a:bodyPr/>
-          <a:lstStyle/>
-          <a:p>
-            <a:r>
-              <a:rPr lang="de-AT"/>
-              <a:t>Project Management Methods - "Mars Expedition"</a:t>
-            </a:r>
-            <a:endParaRPr lang="de-AT" dirty="0"/>
-          </a:p>
-        </p:txBody>
-      </p:sp>
-      <p:sp>
-        <p:nvSpPr>
-          <p:cNvPr id="4" name="Foliennummernplatzhalter 3">
-            <a:extLst>
-              <a:ext uri="{FF2B5EF4-FFF2-40B4-BE49-F238E27FC236}">
-                <a16:creationId xmlns:a16="http://schemas.microsoft.com/office/drawing/2014/main" id="{4A08B79D-553D-4694-8DB2-5CF289E912D2}"/>
-              </a:ext>
-            </a:extLst>
-          </p:cNvPr>
-          <p:cNvSpPr>
-            <a:spLocks noGrp="1"/>
-          </p:cNvSpPr>
-          <p:nvPr>
-            <p:ph type="sldNum" sz="quarter" idx="12"/>
-          </p:nvPr>
-        </p:nvSpPr>
-        <p:spPr/>
-        <p:txBody>
-          <a:bodyPr/>
-          <a:lstStyle/>
-          <a:p>
-            <a:fld id="{3B0692D3-3767-4542-A95D-53684A81B966}" type="slidenum">
-              <a:rPr lang="de-AT" smtClean="0"/>
-              <a:t>3</a:t>
-            </a:fld>
-            <a:endParaRPr lang="de-AT" dirty="0"/>
-          </a:p>
-        </p:txBody>
-      </p:sp>
+          <p:cNvPicPr>
+            <a:picLocks noChangeAspect="1"/>
+          </p:cNvPicPr>
+          <p:nvPr/>
+        </p:nvPicPr>
+        <p:blipFill rotWithShape="1">
+          <a:blip r:embed="rId2"/>
+          <a:srcRect l="24558" t="47414" r="60904" b="28021"/>
+          <a:stretch/>
+        </p:blipFill>
+        <p:spPr>
+          <a:xfrm>
+            <a:off x="2792760" y="2915121"/>
+            <a:ext cx="2501059" cy="2376000"/>
+          </a:xfrm>
+          <a:prstGeom prst="rect">
+            <a:avLst/>
+          </a:prstGeom>
+        </p:spPr>
+      </p:pic>
     </p:spTree>
     <p:extLst>
       <p:ext uri="{BB962C8B-B14F-4D97-AF65-F5344CB8AC3E}">
-        <p14:creationId xmlns:p14="http://schemas.microsoft.com/office/powerpoint/2010/main" val="3783011249"/>
+        <p14:creationId xmlns:p14="http://schemas.microsoft.com/office/powerpoint/2010/main" val="2739111897"/>
       </p:ext>
     </p:extLst>
   </p:cSld>
@@ -4954,31 +9452,6 @@
       </p:grpSpPr>
       <p:sp>
         <p:nvSpPr>
-          <p:cNvPr id="7" name="Inhaltsplatzhalter 6">
-            <a:extLst>
-              <a:ext uri="{FF2B5EF4-FFF2-40B4-BE49-F238E27FC236}">
-                <a16:creationId xmlns:a16="http://schemas.microsoft.com/office/drawing/2014/main" id="{049D6DC9-D507-4204-8ADD-50173F44B456}"/>
-              </a:ext>
-            </a:extLst>
-          </p:cNvPr>
-          <p:cNvSpPr>
-            <a:spLocks noGrp="1"/>
-          </p:cNvSpPr>
-          <p:nvPr>
-            <p:ph idx="1"/>
-          </p:nvPr>
-        </p:nvSpPr>
-        <p:spPr/>
-        <p:txBody>
-          <a:bodyPr/>
-          <a:lstStyle/>
-          <a:p>
-            <a:endParaRPr lang="de-DE"/>
-          </a:p>
-        </p:txBody>
-      </p:sp>
-      <p:sp>
-        <p:nvSpPr>
           <p:cNvPr id="8" name="Titel 7">
             <a:extLst>
               <a:ext uri="{FF2B5EF4-FFF2-40B4-BE49-F238E27FC236}">
@@ -5006,22 +9479,42 @@
           <a:lstStyle/>
           <a:p>
             <a:r>
-              <a:rPr lang="de-DE" dirty="0"/>
+              <a:rPr lang="de-DE" dirty="0">
+                <a:solidFill>
+                  <a:schemeClr val="bg1"/>
+                </a:solidFill>
+              </a:rPr>
               <a:t>Project </a:t>
             </a:r>
             <a:r>
-              <a:rPr lang="de-DE" dirty="0" err="1"/>
+              <a:rPr lang="de-DE" dirty="0" err="1">
+                <a:solidFill>
+                  <a:schemeClr val="bg1"/>
+                </a:solidFill>
+              </a:rPr>
               <a:t>use</a:t>
             </a:r>
             <a:r>
-              <a:rPr lang="de-DE" dirty="0"/>
+              <a:rPr lang="de-DE" dirty="0">
+                <a:solidFill>
+                  <a:schemeClr val="bg1"/>
+                </a:solidFill>
+              </a:rPr>
               <a:t> </a:t>
             </a:r>
             <a:r>
-              <a:rPr lang="de-DE" dirty="0" err="1"/>
+              <a:rPr lang="de-DE" dirty="0" err="1">
+                <a:solidFill>
+                  <a:schemeClr val="bg1"/>
+                </a:solidFill>
+              </a:rPr>
               <a:t>case</a:t>
             </a:r>
-            <a:endParaRPr lang="de-DE" dirty="0"/>
+            <a:endParaRPr lang="de-DE" dirty="0">
+              <a:solidFill>
+                <a:schemeClr val="bg1"/>
+              </a:solidFill>
+            </a:endParaRPr>
           </a:p>
         </p:txBody>
       </p:sp>
@@ -5048,7 +9541,7 @@
           <a:p>
             <a:fld id="{A6A55E55-235A-4F68-B44B-5B270E39D9BB}" type="datetime1">
               <a:rPr lang="de-AT" smtClean="0"/>
-              <a:t>19.01.2018</a:t>
+              <a:t>21.01.2018</a:t>
             </a:fld>
             <a:endParaRPr lang="de-AT" dirty="0"/>
           </a:p>
@@ -5112,10 +9605,273 @@
           </a:p>
         </p:txBody>
       </p:sp>
+      <p:sp>
+        <p:nvSpPr>
+          <p:cNvPr id="7" name="Inhaltsplatzhalter 6">
+            <a:extLst>
+              <a:ext uri="{FF2B5EF4-FFF2-40B4-BE49-F238E27FC236}">
+                <a16:creationId xmlns:a16="http://schemas.microsoft.com/office/drawing/2014/main" id="{7E34B61F-2172-4281-AC62-588A00022539}"/>
+              </a:ext>
+            </a:extLst>
+          </p:cNvPr>
+          <p:cNvSpPr>
+            <a:spLocks noGrp="1"/>
+          </p:cNvSpPr>
+          <p:nvPr>
+            <p:ph idx="1"/>
+          </p:nvPr>
+        </p:nvSpPr>
+        <p:spPr>
+          <a:xfrm>
+            <a:off x="495300" y="1412776"/>
+            <a:ext cx="8915400" cy="4713393"/>
+          </a:xfrm>
+        </p:spPr>
+        <p:txBody>
+          <a:bodyPr>
+            <a:normAutofit/>
+          </a:bodyPr>
+          <a:lstStyle/>
+          <a:p>
+            <a:pPr marL="0" lvl="1" indent="0">
+              <a:lnSpc>
+                <a:spcPct val="150000"/>
+              </a:lnSpc>
+              <a:buNone/>
+            </a:pPr>
+            <a:r>
+              <a:rPr lang="en-GB" sz="1800" b="1" dirty="0">
+                <a:latin typeface="+mn-lt"/>
+                <a:ea typeface="+mn-ea"/>
+                <a:cs typeface="+mn-cs"/>
+              </a:rPr>
+              <a:t>Milestones</a:t>
+            </a:r>
+          </a:p>
+          <a:p>
+            <a:pPr lvl="1">
+              <a:lnSpc>
+                <a:spcPct val="150000"/>
+              </a:lnSpc>
+              <a:buFont typeface="Wingdings" panose="05000000000000000000" pitchFamily="2" charset="2"/>
+              <a:buChar char="Ø"/>
+            </a:pPr>
+            <a:r>
+              <a:rPr lang="en-GB" sz="1600" dirty="0">
+                <a:latin typeface="+mn-lt"/>
+                <a:ea typeface="+mn-ea"/>
+                <a:cs typeface="+mn-cs"/>
+              </a:rPr>
+              <a:t>1st: Structure, basic concept, distribution of roles</a:t>
+            </a:r>
+          </a:p>
+          <a:p>
+            <a:pPr lvl="1">
+              <a:lnSpc>
+                <a:spcPct val="150000"/>
+              </a:lnSpc>
+              <a:buFont typeface="Wingdings" panose="05000000000000000000" pitchFamily="2" charset="2"/>
+              <a:buChar char="Ø"/>
+            </a:pPr>
+            <a:r>
+              <a:rPr lang="en-GB" sz="1600" dirty="0">
+                <a:latin typeface="+mn-lt"/>
+                <a:ea typeface="+mn-ea"/>
+                <a:cs typeface="+mn-cs"/>
+              </a:rPr>
+              <a:t>2nd: Prototyping our  </a:t>
+            </a:r>
+            <a:r>
+              <a:rPr lang="en-GB" sz="1600" dirty="0" err="1">
+                <a:latin typeface="+mn-lt"/>
+                <a:ea typeface="+mn-ea"/>
+                <a:cs typeface="+mn-cs"/>
+              </a:rPr>
+              <a:t>Mohne</a:t>
+            </a:r>
+            <a:endParaRPr lang="en-GB" sz="1600" dirty="0">
+              <a:latin typeface="+mn-lt"/>
+              <a:ea typeface="+mn-ea"/>
+              <a:cs typeface="+mn-cs"/>
+            </a:endParaRPr>
+          </a:p>
+          <a:p>
+            <a:pPr lvl="1">
+              <a:lnSpc>
+                <a:spcPct val="150000"/>
+              </a:lnSpc>
+              <a:buFont typeface="Wingdings" panose="05000000000000000000" pitchFamily="2" charset="2"/>
+              <a:buChar char="Ø"/>
+            </a:pPr>
+            <a:r>
+              <a:rPr lang="en-GB" sz="1600" dirty="0">
+                <a:latin typeface="+mn-lt"/>
+                <a:ea typeface="+mn-ea"/>
+                <a:cs typeface="+mn-cs"/>
+              </a:rPr>
+              <a:t>3rd: Optimization for our finalisation phase</a:t>
+            </a:r>
+          </a:p>
+          <a:p>
+            <a:pPr lvl="1">
+              <a:lnSpc>
+                <a:spcPct val="150000"/>
+              </a:lnSpc>
+              <a:buFont typeface="Wingdings" panose="05000000000000000000" pitchFamily="2" charset="2"/>
+              <a:buChar char="Ø"/>
+            </a:pPr>
+            <a:endParaRPr lang="en-GB" sz="1600" dirty="0">
+              <a:latin typeface="+mn-lt"/>
+              <a:ea typeface="+mn-ea"/>
+              <a:cs typeface="+mn-cs"/>
+            </a:endParaRPr>
+          </a:p>
+          <a:p>
+            <a:pPr marL="342108" lvl="1" indent="-285750">
+              <a:lnSpc>
+                <a:spcPct val="150000"/>
+              </a:lnSpc>
+              <a:buFont typeface="Wingdings" panose="05000000000000000000" pitchFamily="2" charset="2"/>
+              <a:buChar char="Ø"/>
+            </a:pPr>
+            <a:r>
+              <a:rPr lang="en-GB" sz="1800" dirty="0">
+                <a:latin typeface="+mn-lt"/>
+                <a:ea typeface="+mn-ea"/>
+                <a:cs typeface="+mn-cs"/>
+              </a:rPr>
+              <a:t>Control project progression</a:t>
+            </a:r>
+          </a:p>
+          <a:p>
+            <a:pPr marL="342108" lvl="1" indent="-285750">
+              <a:lnSpc>
+                <a:spcPct val="150000"/>
+              </a:lnSpc>
+              <a:buFont typeface="Wingdings" panose="05000000000000000000" pitchFamily="2" charset="2"/>
+              <a:buChar char="Ø"/>
+            </a:pPr>
+            <a:r>
+              <a:rPr lang="en-GB" sz="1800" dirty="0">
+                <a:latin typeface="+mn-lt"/>
+                <a:ea typeface="+mn-ea"/>
+                <a:cs typeface="+mn-cs"/>
+              </a:rPr>
+              <a:t>Relief project planning</a:t>
+            </a:r>
+          </a:p>
+          <a:p>
+            <a:pPr marL="56358" lvl="1" indent="0">
+              <a:lnSpc>
+                <a:spcPct val="150000"/>
+              </a:lnSpc>
+              <a:buNone/>
+            </a:pPr>
+            <a:endParaRPr lang="en-GB" sz="1800" dirty="0">
+              <a:latin typeface="+mn-lt"/>
+              <a:ea typeface="+mn-ea"/>
+              <a:cs typeface="+mn-cs"/>
+            </a:endParaRPr>
+          </a:p>
+          <a:p>
+            <a:pPr lvl="1">
+              <a:lnSpc>
+                <a:spcPct val="150000"/>
+              </a:lnSpc>
+              <a:buFont typeface="Wingdings" panose="05000000000000000000" pitchFamily="2" charset="2"/>
+              <a:buChar char="Ø"/>
+            </a:pPr>
+            <a:endParaRPr lang="en-GB" sz="1600" dirty="0">
+              <a:latin typeface="+mn-lt"/>
+              <a:ea typeface="+mn-ea"/>
+              <a:cs typeface="+mn-cs"/>
+            </a:endParaRPr>
+          </a:p>
+          <a:p>
+            <a:pPr marL="342770" lvl="1" indent="-342770">
+              <a:buFont typeface="Wingdings" panose="05000000000000000000" pitchFamily="2" charset="2"/>
+              <a:buChar char="Ø"/>
+            </a:pPr>
+            <a:endParaRPr lang="de-AT" sz="1800" dirty="0">
+              <a:latin typeface="+mn-lt"/>
+              <a:ea typeface="+mn-ea"/>
+              <a:cs typeface="+mn-cs"/>
+            </a:endParaRPr>
+          </a:p>
+          <a:p>
+            <a:pPr lvl="1">
+              <a:buFont typeface="Wingdings" panose="05000000000000000000" pitchFamily="2" charset="2"/>
+              <a:buChar char="Ø"/>
+            </a:pPr>
+            <a:endParaRPr lang="de-AT" sz="1400" dirty="0">
+              <a:latin typeface="+mn-lt"/>
+              <a:ea typeface="+mn-ea"/>
+              <a:cs typeface="+mn-cs"/>
+            </a:endParaRPr>
+          </a:p>
+          <a:p>
+            <a:pPr lvl="1">
+              <a:buFont typeface="Wingdings" panose="05000000000000000000" pitchFamily="2" charset="2"/>
+              <a:buChar char="Ø"/>
+            </a:pPr>
+            <a:endParaRPr lang="de-AT" sz="1400" dirty="0">
+              <a:latin typeface="+mn-lt"/>
+              <a:ea typeface="+mn-ea"/>
+              <a:cs typeface="+mn-cs"/>
+            </a:endParaRPr>
+          </a:p>
+          <a:p>
+            <a:pPr marL="457028" lvl="1" indent="0">
+              <a:buNone/>
+            </a:pPr>
+            <a:endParaRPr lang="de-AT" sz="1400" dirty="0">
+              <a:latin typeface="+mn-lt"/>
+              <a:ea typeface="+mn-ea"/>
+              <a:cs typeface="+mn-cs"/>
+            </a:endParaRPr>
+          </a:p>
+          <a:p>
+            <a:pPr lvl="1">
+              <a:buFont typeface="Wingdings" panose="05000000000000000000" pitchFamily="2" charset="2"/>
+              <a:buChar char="Ø"/>
+            </a:pPr>
+            <a:endParaRPr lang="de-AT" dirty="0"/>
+          </a:p>
+        </p:txBody>
+      </p:sp>
+      <p:pic>
+        <p:nvPicPr>
+          <p:cNvPr id="2" name="Grafik 1">
+            <a:extLst>
+              <a:ext uri="{FF2B5EF4-FFF2-40B4-BE49-F238E27FC236}">
+                <a16:creationId xmlns:a16="http://schemas.microsoft.com/office/drawing/2014/main" id="{41B713B9-5A37-4ECC-93F9-A34A56D46836}"/>
+              </a:ext>
+            </a:extLst>
+          </p:cNvPr>
+          <p:cNvPicPr>
+            <a:picLocks noChangeAspect="1"/>
+          </p:cNvPicPr>
+          <p:nvPr/>
+        </p:nvPicPr>
+        <p:blipFill rotWithShape="1">
+          <a:blip r:embed="rId2"/>
+          <a:srcRect l="18743" t="33192" r="55088" b="17678"/>
+          <a:stretch/>
+        </p:blipFill>
+        <p:spPr>
+          <a:xfrm>
+            <a:off x="6026622" y="2204864"/>
+            <a:ext cx="2796629" cy="2952000"/>
+          </a:xfrm>
+          <a:prstGeom prst="rect">
+            <a:avLst/>
+          </a:prstGeom>
+        </p:spPr>
+      </p:pic>
     </p:spTree>
     <p:extLst>
       <p:ext uri="{BB962C8B-B14F-4D97-AF65-F5344CB8AC3E}">
-        <p14:creationId xmlns:p14="http://schemas.microsoft.com/office/powerpoint/2010/main" val="3994524694"/>
+        <p14:creationId xmlns:p14="http://schemas.microsoft.com/office/powerpoint/2010/main" val="2389749294"/>
       </p:ext>
     </p:extLst>
   </p:cSld>
@@ -5147,7 +9903,7 @@
           <p:cNvPr id="2" name="Inhaltsplatzhalter 1">
             <a:extLst>
               <a:ext uri="{FF2B5EF4-FFF2-40B4-BE49-F238E27FC236}">
-                <a16:creationId xmlns:a16="http://schemas.microsoft.com/office/drawing/2014/main" id="{468F8D2C-AFEC-4AEB-A1DB-D0F1755D35C0}"/>
+                <a16:creationId xmlns:a16="http://schemas.microsoft.com/office/drawing/2014/main" id="{A0F39916-673F-4D66-83B8-71558F6721DB}"/>
               </a:ext>
             </a:extLst>
           </p:cNvPr>
@@ -5163,16 +9919,255 @@
           <a:bodyPr/>
           <a:lstStyle/>
           <a:p>
-            <a:endParaRPr lang="de-DE"/>
-          </a:p>
-        </p:txBody>
-      </p:sp>
-      <p:sp>
-        <p:nvSpPr>
-          <p:cNvPr id="3" name="Titel 2">
+            <a:pPr marL="0" lvl="1" indent="0">
+              <a:lnSpc>
+                <a:spcPct val="150000"/>
+              </a:lnSpc>
+              <a:buNone/>
+            </a:pPr>
+            <a:r>
+              <a:rPr lang="en-GB" sz="1800" b="1" dirty="0">
+                <a:latin typeface="+mn-lt"/>
+                <a:ea typeface="+mn-ea"/>
+                <a:cs typeface="+mn-cs"/>
+              </a:rPr>
+              <a:t>Distribution of roles</a:t>
+            </a:r>
+          </a:p>
+          <a:p>
+            <a:pPr lvl="1">
+              <a:lnSpc>
+                <a:spcPct val="150000"/>
+              </a:lnSpc>
+              <a:buFont typeface="Wingdings" panose="05000000000000000000" pitchFamily="2" charset="2"/>
+              <a:buChar char="Ø"/>
+            </a:pPr>
+            <a:r>
+              <a:rPr lang="en-GB" sz="1600" dirty="0">
+                <a:latin typeface="+mn-lt"/>
+                <a:ea typeface="+mn-ea"/>
+                <a:cs typeface="+mn-cs"/>
+              </a:rPr>
+              <a:t>Project manager and deputy project manager</a:t>
+            </a:r>
+          </a:p>
+          <a:p>
+            <a:pPr lvl="1">
+              <a:lnSpc>
+                <a:spcPct val="150000"/>
+              </a:lnSpc>
+              <a:buFont typeface="Wingdings" panose="05000000000000000000" pitchFamily="2" charset="2"/>
+              <a:buChar char="Ø"/>
+            </a:pPr>
+            <a:r>
+              <a:rPr lang="en-GB" sz="1600" dirty="0">
+                <a:latin typeface="+mn-lt"/>
+                <a:ea typeface="+mn-ea"/>
+                <a:cs typeface="+mn-cs"/>
+              </a:rPr>
+              <a:t>Head of construction</a:t>
+            </a:r>
+          </a:p>
+          <a:p>
+            <a:pPr lvl="1">
+              <a:lnSpc>
+                <a:spcPct val="150000"/>
+              </a:lnSpc>
+              <a:buFont typeface="Wingdings" panose="05000000000000000000" pitchFamily="2" charset="2"/>
+              <a:buChar char="Ø"/>
+            </a:pPr>
+            <a:r>
+              <a:rPr lang="en-GB" sz="1600" dirty="0">
+                <a:latin typeface="+mn-lt"/>
+                <a:ea typeface="+mn-ea"/>
+                <a:cs typeface="+mn-cs"/>
+              </a:rPr>
+              <a:t>Head of computer engineering</a:t>
+            </a:r>
+          </a:p>
+          <a:p>
+            <a:pPr lvl="1">
+              <a:lnSpc>
+                <a:spcPct val="150000"/>
+              </a:lnSpc>
+              <a:buFont typeface="Wingdings" panose="05000000000000000000" pitchFamily="2" charset="2"/>
+              <a:buChar char="Ø"/>
+            </a:pPr>
+            <a:r>
+              <a:rPr lang="en-GB" sz="1600" dirty="0">
+                <a:latin typeface="+mn-lt"/>
+                <a:ea typeface="+mn-ea"/>
+                <a:cs typeface="+mn-cs"/>
+              </a:rPr>
+              <a:t>Head of electronic engineering</a:t>
+            </a:r>
+          </a:p>
+          <a:p>
+            <a:pPr marL="457028" lvl="1" indent="0">
+              <a:lnSpc>
+                <a:spcPct val="150000"/>
+              </a:lnSpc>
+              <a:buNone/>
+            </a:pPr>
+            <a:endParaRPr lang="en-GB" sz="1400" dirty="0"/>
+          </a:p>
+          <a:p>
+            <a:pPr marL="342770" lvl="1" indent="-342770">
+              <a:lnSpc>
+                <a:spcPct val="150000"/>
+              </a:lnSpc>
+              <a:buFont typeface="Wingdings" panose="05000000000000000000" pitchFamily="2" charset="2"/>
+              <a:buChar char="Ø"/>
+            </a:pPr>
+            <a:r>
+              <a:rPr lang="en-GB" sz="1800" dirty="0">
+                <a:latin typeface="+mj-lt"/>
+              </a:rPr>
+              <a:t>Decision maker</a:t>
+            </a:r>
+          </a:p>
+          <a:p>
+            <a:pPr marL="342770" lvl="1" indent="-342770">
+              <a:lnSpc>
+                <a:spcPct val="150000"/>
+              </a:lnSpc>
+              <a:buFont typeface="Wingdings" panose="05000000000000000000" pitchFamily="2" charset="2"/>
+              <a:buChar char="Ø"/>
+            </a:pPr>
+            <a:r>
+              <a:rPr lang="en-GB" sz="1800" dirty="0">
+                <a:latin typeface="+mj-lt"/>
+              </a:rPr>
+              <a:t>Responsibility</a:t>
+            </a:r>
+          </a:p>
+          <a:p>
+            <a:endParaRPr lang="de-AT" dirty="0"/>
+          </a:p>
+        </p:txBody>
+      </p:sp>
+      <p:sp>
+        <p:nvSpPr>
+          <p:cNvPr id="4" name="Datumsplatzhalter 3">
             <a:extLst>
               <a:ext uri="{FF2B5EF4-FFF2-40B4-BE49-F238E27FC236}">
-                <a16:creationId xmlns:a16="http://schemas.microsoft.com/office/drawing/2014/main" id="{0BDC4429-6727-4B06-A9CC-011BD6D60372}"/>
+                <a16:creationId xmlns:a16="http://schemas.microsoft.com/office/drawing/2014/main" id="{42B6984B-A36D-49EF-80AE-306E8D455198}"/>
+              </a:ext>
+            </a:extLst>
+          </p:cNvPr>
+          <p:cNvSpPr>
+            <a:spLocks noGrp="1"/>
+          </p:cNvSpPr>
+          <p:nvPr>
+            <p:ph type="dt" sz="half" idx="10"/>
+          </p:nvPr>
+        </p:nvSpPr>
+        <p:spPr/>
+        <p:txBody>
+          <a:bodyPr/>
+          <a:lstStyle/>
+          <a:p>
+            <a:fld id="{A6A55E55-235A-4F68-B44B-5B270E39D9BB}" type="datetime1">
+              <a:rPr lang="de-AT" smtClean="0"/>
+              <a:t>21.01.2018</a:t>
+            </a:fld>
+            <a:endParaRPr lang="de-AT" dirty="0"/>
+          </a:p>
+        </p:txBody>
+      </p:sp>
+      <p:sp>
+        <p:nvSpPr>
+          <p:cNvPr id="5" name="Fußzeilenplatzhalter 4">
+            <a:extLst>
+              <a:ext uri="{FF2B5EF4-FFF2-40B4-BE49-F238E27FC236}">
+                <a16:creationId xmlns:a16="http://schemas.microsoft.com/office/drawing/2014/main" id="{7ED65E22-9C6C-4388-BFA5-26B546ACADBB}"/>
+              </a:ext>
+            </a:extLst>
+          </p:cNvPr>
+          <p:cNvSpPr>
+            <a:spLocks noGrp="1"/>
+          </p:cNvSpPr>
+          <p:nvPr>
+            <p:ph type="ftr" sz="quarter" idx="11"/>
+          </p:nvPr>
+        </p:nvSpPr>
+        <p:spPr/>
+        <p:txBody>
+          <a:bodyPr/>
+          <a:lstStyle/>
+          <a:p>
+            <a:r>
+              <a:rPr lang="de-AT"/>
+              <a:t>Project Management Methods - "Mars Expedition"</a:t>
+            </a:r>
+            <a:endParaRPr lang="de-AT" dirty="0"/>
+          </a:p>
+        </p:txBody>
+      </p:sp>
+      <p:sp>
+        <p:nvSpPr>
+          <p:cNvPr id="6" name="Foliennummernplatzhalter 5">
+            <a:extLst>
+              <a:ext uri="{FF2B5EF4-FFF2-40B4-BE49-F238E27FC236}">
+                <a16:creationId xmlns:a16="http://schemas.microsoft.com/office/drawing/2014/main" id="{6F27AD33-4D0D-4686-9959-C42FCFBFEC5E}"/>
+              </a:ext>
+            </a:extLst>
+          </p:cNvPr>
+          <p:cNvSpPr>
+            <a:spLocks noGrp="1"/>
+          </p:cNvSpPr>
+          <p:nvPr>
+            <p:ph type="sldNum" sz="quarter" idx="12"/>
+          </p:nvPr>
+        </p:nvSpPr>
+        <p:spPr/>
+        <p:txBody>
+          <a:bodyPr/>
+          <a:lstStyle/>
+          <a:p>
+            <a:fld id="{3B0692D3-3767-4542-A95D-53684A81B966}" type="slidenum">
+              <a:rPr lang="de-AT" smtClean="0"/>
+              <a:t>5</a:t>
+            </a:fld>
+            <a:endParaRPr lang="de-AT" dirty="0"/>
+          </a:p>
+        </p:txBody>
+      </p:sp>
+      <p:pic>
+        <p:nvPicPr>
+          <p:cNvPr id="7" name="Grafik 6">
+            <a:extLst>
+              <a:ext uri="{FF2B5EF4-FFF2-40B4-BE49-F238E27FC236}">
+                <a16:creationId xmlns:a16="http://schemas.microsoft.com/office/drawing/2014/main" id="{2A5C9237-064E-4379-A778-F28E0EC04D2B}"/>
+              </a:ext>
+            </a:extLst>
+          </p:cNvPr>
+          <p:cNvPicPr>
+            <a:picLocks noChangeAspect="1"/>
+          </p:cNvPicPr>
+          <p:nvPr/>
+        </p:nvPicPr>
+        <p:blipFill rotWithShape="1">
+          <a:blip r:embed="rId2"/>
+          <a:srcRect l="7839" t="34485" r="44185" b="17164"/>
+          <a:stretch/>
+        </p:blipFill>
+        <p:spPr>
+          <a:xfrm>
+            <a:off x="4279339" y="2924944"/>
+            <a:ext cx="4752528" cy="2692891"/>
+          </a:xfrm>
+          <a:prstGeom prst="rect">
+            <a:avLst/>
+          </a:prstGeom>
+        </p:spPr>
+      </p:pic>
+      <p:sp>
+        <p:nvSpPr>
+          <p:cNvPr id="9" name="Titel 2">
+            <a:extLst>
+              <a:ext uri="{FF2B5EF4-FFF2-40B4-BE49-F238E27FC236}">
+                <a16:creationId xmlns:a16="http://schemas.microsoft.com/office/drawing/2014/main" id="{72C1028D-5B19-4A9B-AB50-87EA7C289148}"/>
               </a:ext>
             </a:extLst>
           </p:cNvPr>
@@ -5196,108 +10191,33 @@
           <a:lstStyle/>
           <a:p>
             <a:r>
-              <a:rPr lang="de-DE" dirty="0"/>
+              <a:rPr lang="de-DE" dirty="0">
+                <a:solidFill>
+                  <a:schemeClr val="bg1"/>
+                </a:solidFill>
+              </a:rPr>
               <a:t>Project at a </a:t>
             </a:r>
             <a:r>
-              <a:rPr lang="de-DE" dirty="0" err="1"/>
+              <a:rPr lang="de-DE" dirty="0" err="1">
+                <a:solidFill>
+                  <a:schemeClr val="bg1"/>
+                </a:solidFill>
+              </a:rPr>
               <a:t>glance</a:t>
             </a:r>
-            <a:endParaRPr lang="de-DE" dirty="0"/>
-          </a:p>
-        </p:txBody>
-      </p:sp>
-      <p:sp>
-        <p:nvSpPr>
-          <p:cNvPr id="4" name="Datumsplatzhalter 3">
-            <a:extLst>
-              <a:ext uri="{FF2B5EF4-FFF2-40B4-BE49-F238E27FC236}">
-                <a16:creationId xmlns:a16="http://schemas.microsoft.com/office/drawing/2014/main" id="{BE7D582C-B340-4544-A458-1B294291F77F}"/>
-              </a:ext>
-            </a:extLst>
-          </p:cNvPr>
-          <p:cNvSpPr>
-            <a:spLocks noGrp="1"/>
-          </p:cNvSpPr>
-          <p:nvPr>
-            <p:ph type="dt" sz="half" idx="10"/>
-          </p:nvPr>
-        </p:nvSpPr>
-        <p:spPr/>
-        <p:txBody>
-          <a:bodyPr/>
-          <a:lstStyle/>
-          <a:p>
-            <a:fld id="{A6A55E55-235A-4F68-B44B-5B270E39D9BB}" type="datetime1">
-              <a:rPr lang="de-AT" smtClean="0"/>
-              <a:t>19.01.2018</a:t>
-            </a:fld>
-            <a:endParaRPr lang="de-AT" dirty="0"/>
-          </a:p>
-        </p:txBody>
-      </p:sp>
-      <p:sp>
-        <p:nvSpPr>
-          <p:cNvPr id="5" name="Fußzeilenplatzhalter 4">
-            <a:extLst>
-              <a:ext uri="{FF2B5EF4-FFF2-40B4-BE49-F238E27FC236}">
-                <a16:creationId xmlns:a16="http://schemas.microsoft.com/office/drawing/2014/main" id="{D049DC56-16D6-4D77-A6BC-1C17C6A5CA49}"/>
-              </a:ext>
-            </a:extLst>
-          </p:cNvPr>
-          <p:cNvSpPr>
-            <a:spLocks noGrp="1"/>
-          </p:cNvSpPr>
-          <p:nvPr>
-            <p:ph type="ftr" sz="quarter" idx="11"/>
-          </p:nvPr>
-        </p:nvSpPr>
-        <p:spPr/>
-        <p:txBody>
-          <a:bodyPr/>
-          <a:lstStyle/>
-          <a:p>
-            <a:r>
-              <a:rPr lang="de-AT"/>
-              <a:t>Project Management Methods - "Mars Expedition"</a:t>
-            </a:r>
-            <a:endParaRPr lang="de-AT" dirty="0"/>
-          </a:p>
-        </p:txBody>
-      </p:sp>
-      <p:sp>
-        <p:nvSpPr>
-          <p:cNvPr id="6" name="Foliennummernplatzhalter 5">
-            <a:extLst>
-              <a:ext uri="{FF2B5EF4-FFF2-40B4-BE49-F238E27FC236}">
-                <a16:creationId xmlns:a16="http://schemas.microsoft.com/office/drawing/2014/main" id="{1A6B978E-33CC-49EE-90A7-CC9FE00F91C1}"/>
-              </a:ext>
-            </a:extLst>
-          </p:cNvPr>
-          <p:cNvSpPr>
-            <a:spLocks noGrp="1"/>
-          </p:cNvSpPr>
-          <p:nvPr>
-            <p:ph type="sldNum" sz="quarter" idx="12"/>
-          </p:nvPr>
-        </p:nvSpPr>
-        <p:spPr/>
-        <p:txBody>
-          <a:bodyPr/>
-          <a:lstStyle/>
-          <a:p>
-            <a:fld id="{3B0692D3-3767-4542-A95D-53684A81B966}" type="slidenum">
-              <a:rPr lang="de-AT" smtClean="0"/>
-              <a:t>5</a:t>
-            </a:fld>
-            <a:endParaRPr lang="de-AT" dirty="0"/>
+            <a:endParaRPr lang="de-DE" dirty="0">
+              <a:solidFill>
+                <a:schemeClr val="bg1"/>
+              </a:solidFill>
+            </a:endParaRPr>
           </a:p>
         </p:txBody>
       </p:sp>
     </p:spTree>
     <p:extLst>
       <p:ext uri="{BB962C8B-B14F-4D97-AF65-F5344CB8AC3E}">
-        <p14:creationId xmlns:p14="http://schemas.microsoft.com/office/powerpoint/2010/main" val="621859182"/>
+        <p14:creationId xmlns:p14="http://schemas.microsoft.com/office/powerpoint/2010/main" val="3589922886"/>
       </p:ext>
     </p:extLst>
   </p:cSld>
@@ -5324,37 +10244,43 @@
           <a:chExt cx="0" cy="0"/>
         </a:xfrm>
       </p:grpSpPr>
-      <p:sp>
-        <p:nvSpPr>
-          <p:cNvPr id="2" name="Inhaltsplatzhalter 1">
+      <p:pic>
+        <p:nvPicPr>
+          <p:cNvPr id="8" name="Inhaltsplatzhalter 7">
             <a:extLst>
               <a:ext uri="{FF2B5EF4-FFF2-40B4-BE49-F238E27FC236}">
-                <a16:creationId xmlns:a16="http://schemas.microsoft.com/office/drawing/2014/main" id="{76569085-D886-4332-8A96-DAB0414BF182}"/>
+                <a16:creationId xmlns:a16="http://schemas.microsoft.com/office/drawing/2014/main" id="{9D6F32F2-0A86-45BC-8DF6-FA93099AB0CD}"/>
               </a:ext>
             </a:extLst>
           </p:cNvPr>
-          <p:cNvSpPr>
-            <a:spLocks noGrp="1"/>
-          </p:cNvSpPr>
+          <p:cNvPicPr>
+            <a:picLocks noGrp="1" noChangeAspect="1"/>
+          </p:cNvPicPr>
           <p:nvPr>
             <p:ph idx="1"/>
           </p:nvPr>
-        </p:nvSpPr>
-        <p:spPr/>
-        <p:txBody>
-          <a:bodyPr/>
-          <a:lstStyle/>
-          <a:p>
-            <a:endParaRPr lang="de-DE"/>
-          </a:p>
-        </p:txBody>
-      </p:sp>
+        </p:nvPicPr>
+        <p:blipFill rotWithShape="1">
+          <a:blip r:embed="rId2"/>
+          <a:srcRect t="26088" r="23165" b="13454"/>
+          <a:stretch/>
+        </p:blipFill>
+        <p:spPr>
+          <a:xfrm>
+            <a:off x="414427" y="1791000"/>
+            <a:ext cx="9032756" cy="3996000"/>
+          </a:xfrm>
+          <a:prstGeom prst="rect">
+            <a:avLst/>
+          </a:prstGeom>
+        </p:spPr>
+      </p:pic>
       <p:sp>
         <p:nvSpPr>
           <p:cNvPr id="3" name="Titel 2">
             <a:extLst>
               <a:ext uri="{FF2B5EF4-FFF2-40B4-BE49-F238E27FC236}">
-                <a16:creationId xmlns:a16="http://schemas.microsoft.com/office/drawing/2014/main" id="{25E25124-33FF-4053-A098-1E5A77DAF276}"/>
+                <a16:creationId xmlns:a16="http://schemas.microsoft.com/office/drawing/2014/main" id="{0BDC4429-6727-4B06-A9CC-011BD6D60372}"/>
               </a:ext>
             </a:extLst>
           </p:cNvPr>
@@ -5378,22 +10304,26 @@
           <a:lstStyle/>
           <a:p>
             <a:r>
-              <a:rPr lang="de-DE" dirty="0"/>
-              <a:t>Project </a:t>
-            </a:r>
-            <a:r>
-              <a:rPr lang="de-DE" dirty="0" err="1"/>
-              <a:t>supporting</a:t>
-            </a:r>
-            <a:r>
-              <a:rPr lang="de-DE" dirty="0"/>
-              <a:t> </a:t>
-            </a:r>
-            <a:r>
-              <a:rPr lang="de-DE" dirty="0" err="1"/>
-              <a:t>tools</a:t>
-            </a:r>
-            <a:endParaRPr lang="de-DE" dirty="0"/>
+              <a:rPr lang="de-DE" dirty="0">
+                <a:solidFill>
+                  <a:schemeClr val="bg1"/>
+                </a:solidFill>
+              </a:rPr>
+              <a:t>Project at a </a:t>
+            </a:r>
+            <a:r>
+              <a:rPr lang="de-DE" dirty="0" err="1">
+                <a:solidFill>
+                  <a:schemeClr val="bg1"/>
+                </a:solidFill>
+              </a:rPr>
+              <a:t>glance</a:t>
+            </a:r>
+            <a:endParaRPr lang="de-DE" dirty="0">
+              <a:solidFill>
+                <a:schemeClr val="bg1"/>
+              </a:solidFill>
+            </a:endParaRPr>
           </a:p>
         </p:txBody>
       </p:sp>
@@ -5402,7 +10332,7 @@
           <p:cNvPr id="4" name="Datumsplatzhalter 3">
             <a:extLst>
               <a:ext uri="{FF2B5EF4-FFF2-40B4-BE49-F238E27FC236}">
-                <a16:creationId xmlns:a16="http://schemas.microsoft.com/office/drawing/2014/main" id="{0D9B1BAC-8645-4574-AE27-FC104CE846B7}"/>
+                <a16:creationId xmlns:a16="http://schemas.microsoft.com/office/drawing/2014/main" id="{BE7D582C-B340-4544-A458-1B294291F77F}"/>
               </a:ext>
             </a:extLst>
           </p:cNvPr>
@@ -5420,7 +10350,7 @@
           <a:p>
             <a:fld id="{A6A55E55-235A-4F68-B44B-5B270E39D9BB}" type="datetime1">
               <a:rPr lang="de-AT" smtClean="0"/>
-              <a:t>19.01.2018</a:t>
+              <a:t>21.01.2018</a:t>
             </a:fld>
             <a:endParaRPr lang="de-AT" dirty="0"/>
           </a:p>
@@ -5431,7 +10361,7 @@
           <p:cNvPr id="5" name="Fußzeilenplatzhalter 4">
             <a:extLst>
               <a:ext uri="{FF2B5EF4-FFF2-40B4-BE49-F238E27FC236}">
-                <a16:creationId xmlns:a16="http://schemas.microsoft.com/office/drawing/2014/main" id="{E93A02AD-880F-4966-BB7D-76918008ED2D}"/>
+                <a16:creationId xmlns:a16="http://schemas.microsoft.com/office/drawing/2014/main" id="{D049DC56-16D6-4D77-A6BC-1C17C6A5CA49}"/>
               </a:ext>
             </a:extLst>
           </p:cNvPr>
@@ -5460,7 +10390,7 @@
           <p:cNvPr id="6" name="Foliennummernplatzhalter 5">
             <a:extLst>
               <a:ext uri="{FF2B5EF4-FFF2-40B4-BE49-F238E27FC236}">
-                <a16:creationId xmlns:a16="http://schemas.microsoft.com/office/drawing/2014/main" id="{255D1415-7687-4218-8C62-F606E93EDBA1}"/>
+                <a16:creationId xmlns:a16="http://schemas.microsoft.com/office/drawing/2014/main" id="{1A6B978E-33CC-49EE-90A7-CC9FE00F91C1}"/>
               </a:ext>
             </a:extLst>
           </p:cNvPr>
@@ -5487,7 +10417,7 @@
     </p:spTree>
     <p:extLst>
       <p:ext uri="{BB962C8B-B14F-4D97-AF65-F5344CB8AC3E}">
-        <p14:creationId xmlns:p14="http://schemas.microsoft.com/office/powerpoint/2010/main" val="1555639443"/>
+        <p14:creationId xmlns:p14="http://schemas.microsoft.com/office/powerpoint/2010/main" val="621859182"/>
       </p:ext>
     </p:extLst>
   </p:cSld>
@@ -5516,35 +10446,10 @@
       </p:grpSpPr>
       <p:sp>
         <p:nvSpPr>
-          <p:cNvPr id="2" name="Inhaltsplatzhalter 1">
-            <a:extLst>
-              <a:ext uri="{FF2B5EF4-FFF2-40B4-BE49-F238E27FC236}">
-                <a16:creationId xmlns:a16="http://schemas.microsoft.com/office/drawing/2014/main" id="{4625DEC5-402D-43BF-9F46-4027C70DF55C}"/>
-              </a:ext>
-            </a:extLst>
-          </p:cNvPr>
-          <p:cNvSpPr>
-            <a:spLocks noGrp="1"/>
-          </p:cNvSpPr>
-          <p:nvPr>
-            <p:ph idx="1"/>
-          </p:nvPr>
-        </p:nvSpPr>
-        <p:spPr/>
-        <p:txBody>
-          <a:bodyPr/>
-          <a:lstStyle/>
-          <a:p>
-            <a:endParaRPr lang="de-DE"/>
-          </a:p>
-        </p:txBody>
-      </p:sp>
-      <p:sp>
-        <p:nvSpPr>
           <p:cNvPr id="3" name="Titel 2">
             <a:extLst>
               <a:ext uri="{FF2B5EF4-FFF2-40B4-BE49-F238E27FC236}">
-                <a16:creationId xmlns:a16="http://schemas.microsoft.com/office/drawing/2014/main" id="{DD86BFA9-6611-498A-8A73-D28317943EF2}"/>
+                <a16:creationId xmlns:a16="http://schemas.microsoft.com/office/drawing/2014/main" id="{25E25124-33FF-4053-A098-1E5A77DAF276}"/>
               </a:ext>
             </a:extLst>
           </p:cNvPr>
@@ -5568,24 +10473,12 @@
           <a:lstStyle/>
           <a:p>
             <a:r>
-              <a:rPr lang="de-DE" dirty="0"/>
-              <a:t>Risk </a:t>
-            </a:r>
-            <a:r>
-              <a:rPr lang="de-DE" dirty="0" err="1"/>
-              <a:t>evaluation</a:t>
-            </a:r>
-            <a:r>
-              <a:rPr lang="de-DE" dirty="0"/>
-              <a:t> of </a:t>
-            </a:r>
-            <a:r>
-              <a:rPr lang="de-DE" dirty="0" err="1"/>
-              <a:t>the</a:t>
-            </a:r>
-            <a:r>
-              <a:rPr lang="de-DE" dirty="0"/>
-              <a:t> Project</a:t>
+              <a:rPr lang="en-GB" dirty="0">
+                <a:solidFill>
+                  <a:schemeClr val="bg1"/>
+                </a:solidFill>
+              </a:rPr>
+              <a:t>Project supporting tools</a:t>
             </a:r>
           </a:p>
         </p:txBody>
@@ -5595,7 +10488,7 @@
           <p:cNvPr id="4" name="Datumsplatzhalter 3">
             <a:extLst>
               <a:ext uri="{FF2B5EF4-FFF2-40B4-BE49-F238E27FC236}">
-                <a16:creationId xmlns:a16="http://schemas.microsoft.com/office/drawing/2014/main" id="{4199E9A1-38C7-42A9-8F6C-DF131A2CBE8A}"/>
+                <a16:creationId xmlns:a16="http://schemas.microsoft.com/office/drawing/2014/main" id="{0D9B1BAC-8645-4574-AE27-FC104CE846B7}"/>
               </a:ext>
             </a:extLst>
           </p:cNvPr>
@@ -5613,7 +10506,7 @@
           <a:p>
             <a:fld id="{A6A55E55-235A-4F68-B44B-5B270E39D9BB}" type="datetime1">
               <a:rPr lang="de-AT" smtClean="0"/>
-              <a:t>19.01.2018</a:t>
+              <a:t>21.01.2018</a:t>
             </a:fld>
             <a:endParaRPr lang="de-AT" dirty="0"/>
           </a:p>
@@ -5624,7 +10517,7 @@
           <p:cNvPr id="5" name="Fußzeilenplatzhalter 4">
             <a:extLst>
               <a:ext uri="{FF2B5EF4-FFF2-40B4-BE49-F238E27FC236}">
-                <a16:creationId xmlns:a16="http://schemas.microsoft.com/office/drawing/2014/main" id="{754DFCA0-4889-44EF-8A7A-4D4C8A394FD9}"/>
+                <a16:creationId xmlns:a16="http://schemas.microsoft.com/office/drawing/2014/main" id="{E93A02AD-880F-4966-BB7D-76918008ED2D}"/>
               </a:ext>
             </a:extLst>
           </p:cNvPr>
@@ -5653,7 +10546,7 @@
           <p:cNvPr id="6" name="Foliennummernplatzhalter 5">
             <a:extLst>
               <a:ext uri="{FF2B5EF4-FFF2-40B4-BE49-F238E27FC236}">
-                <a16:creationId xmlns:a16="http://schemas.microsoft.com/office/drawing/2014/main" id="{296C67B4-ED84-45D3-8D5B-B605B03C55AD}"/>
+                <a16:creationId xmlns:a16="http://schemas.microsoft.com/office/drawing/2014/main" id="{255D1415-7687-4218-8C62-F606E93EDBA1}"/>
               </a:ext>
             </a:extLst>
           </p:cNvPr>
@@ -5677,10 +10570,201 @@
           </a:p>
         </p:txBody>
       </p:sp>
+      <p:sp>
+        <p:nvSpPr>
+          <p:cNvPr id="7" name="Textfeld 6">
+            <a:extLst>
+              <a:ext uri="{FF2B5EF4-FFF2-40B4-BE49-F238E27FC236}">
+                <a16:creationId xmlns:a16="http://schemas.microsoft.com/office/drawing/2014/main" id="{BF3C6A50-2D73-D745-AA76-DCF429F2671C}"/>
+              </a:ext>
+            </a:extLst>
+          </p:cNvPr>
+          <p:cNvSpPr txBox="1"/>
+          <p:nvPr/>
+        </p:nvSpPr>
+        <p:spPr>
+          <a:xfrm>
+            <a:off x="632520" y="1556792"/>
+            <a:ext cx="8778180" cy="5978560"/>
+          </a:xfrm>
+          <a:prstGeom prst="rect">
+            <a:avLst/>
+          </a:prstGeom>
+          <a:noFill/>
+        </p:spPr>
+        <p:txBody>
+          <a:bodyPr wrap="square" rtlCol="0">
+            <a:spAutoFit/>
+          </a:bodyPr>
+          <a:lstStyle/>
+          <a:p>
+            <a:pPr>
+              <a:lnSpc>
+                <a:spcPct val="150000"/>
+              </a:lnSpc>
+            </a:pPr>
+            <a:r>
+              <a:rPr lang="en-GB" b="1" dirty="0"/>
+              <a:t>GitHub</a:t>
+            </a:r>
+            <a:br>
+              <a:rPr lang="en-GB" b="1" dirty="0"/>
+            </a:br>
+            <a:endParaRPr lang="en-GB" sz="900" b="1" dirty="0"/>
+          </a:p>
+          <a:p>
+            <a:pPr marL="285750" indent="-285750">
+              <a:lnSpc>
+                <a:spcPct val="150000"/>
+              </a:lnSpc>
+              <a:buFont typeface="Wingdings" pitchFamily="2" charset="2"/>
+              <a:buChar char="Ø"/>
+            </a:pPr>
+            <a:r>
+              <a:rPr lang="en-GB" dirty="0"/>
+              <a:t>Used as a Collaboration Tool for the Project</a:t>
+            </a:r>
+          </a:p>
+          <a:p>
+            <a:pPr marL="285750" indent="-285750">
+              <a:lnSpc>
+                <a:spcPct val="150000"/>
+              </a:lnSpc>
+              <a:buFont typeface="Wingdings" pitchFamily="2" charset="2"/>
+              <a:buChar char="Ø"/>
+            </a:pPr>
+            <a:r>
+              <a:rPr lang="en-GB" dirty="0"/>
+              <a:t>Separate the Tasks regarding the project phases</a:t>
+            </a:r>
+          </a:p>
+          <a:p>
+            <a:pPr marL="285750" indent="-285750">
+              <a:lnSpc>
+                <a:spcPct val="150000"/>
+              </a:lnSpc>
+              <a:buFont typeface="Wingdings" pitchFamily="2" charset="2"/>
+              <a:buChar char="Ø"/>
+            </a:pPr>
+            <a:r>
+              <a:rPr lang="en-GB" dirty="0"/>
+              <a:t>In addition to the project plan </a:t>
+            </a:r>
+            <a:r>
+              <a:rPr lang="en-GB" dirty="0">
+                <a:sym typeface="Wingdings" pitchFamily="2" charset="2"/>
+              </a:rPr>
+              <a:t> more clearly &amp; detailed</a:t>
+            </a:r>
+            <a:endParaRPr lang="en-GB" dirty="0"/>
+          </a:p>
+          <a:p>
+            <a:pPr marL="285750" indent="-285750">
+              <a:lnSpc>
+                <a:spcPct val="150000"/>
+              </a:lnSpc>
+              <a:buFont typeface="Wingdings" pitchFamily="2" charset="2"/>
+              <a:buChar char="Ø"/>
+            </a:pPr>
+            <a:endParaRPr lang="en-GB" dirty="0"/>
+          </a:p>
+          <a:p>
+            <a:pPr>
+              <a:lnSpc>
+                <a:spcPct val="150000"/>
+              </a:lnSpc>
+            </a:pPr>
+            <a:r>
+              <a:rPr lang="en-GB" b="1" dirty="0"/>
+              <a:t>Templates (based on Excel)</a:t>
+            </a:r>
+          </a:p>
+          <a:p>
+            <a:pPr>
+              <a:lnSpc>
+                <a:spcPct val="150000"/>
+              </a:lnSpc>
+            </a:pPr>
+            <a:endParaRPr lang="en-GB" sz="900" dirty="0"/>
+          </a:p>
+          <a:p>
+            <a:pPr marL="285750" indent="-285750">
+              <a:lnSpc>
+                <a:spcPct val="150000"/>
+              </a:lnSpc>
+              <a:buFont typeface="Wingdings" pitchFamily="2" charset="2"/>
+              <a:buChar char="Ø"/>
+            </a:pPr>
+            <a:r>
+              <a:rPr lang="en-GB" dirty="0"/>
+              <a:t>Project owner Requirements (Tasks for the Robot)</a:t>
+            </a:r>
+          </a:p>
+          <a:p>
+            <a:pPr marL="285750" indent="-285750">
+              <a:lnSpc>
+                <a:spcPct val="150000"/>
+              </a:lnSpc>
+              <a:buFont typeface="Wingdings" pitchFamily="2" charset="2"/>
+              <a:buChar char="Ø"/>
+            </a:pPr>
+            <a:r>
+              <a:rPr lang="en-GB" dirty="0"/>
+              <a:t>Team Member Structure (Who is Who?)</a:t>
+            </a:r>
+          </a:p>
+          <a:p>
+            <a:pPr marL="285750" indent="-285750">
+              <a:lnSpc>
+                <a:spcPct val="150000"/>
+              </a:lnSpc>
+              <a:buFont typeface="Wingdings" pitchFamily="2" charset="2"/>
+              <a:buChar char="Ø"/>
+            </a:pPr>
+            <a:r>
+              <a:rPr lang="en-GB" dirty="0"/>
+              <a:t>Risk analysis (for the Robot)</a:t>
+            </a:r>
+          </a:p>
+          <a:p>
+            <a:pPr marL="285750" indent="-285750">
+              <a:lnSpc>
+                <a:spcPct val="150000"/>
+              </a:lnSpc>
+              <a:buFont typeface="Wingdings" pitchFamily="2" charset="2"/>
+              <a:buChar char="Ø"/>
+            </a:pPr>
+            <a:r>
+              <a:rPr lang="en-GB" dirty="0"/>
+              <a:t>Technical Requirements (Construction)</a:t>
+            </a:r>
+          </a:p>
+          <a:p>
+            <a:pPr>
+              <a:lnSpc>
+                <a:spcPct val="150000"/>
+              </a:lnSpc>
+            </a:pPr>
+            <a:endParaRPr lang="en-GB" sz="900" dirty="0"/>
+          </a:p>
+          <a:p>
+            <a:endParaRPr lang="en-GB" dirty="0"/>
+          </a:p>
+          <a:p>
+            <a:endParaRPr lang="en-GB" dirty="0"/>
+          </a:p>
+          <a:p>
+            <a:endParaRPr lang="en-GB" dirty="0"/>
+          </a:p>
+          <a:p>
+            <a:endParaRPr lang="en-GB" dirty="0"/>
+          </a:p>
+        </p:txBody>
+      </p:sp>
     </p:spTree>
     <p:extLst>
       <p:ext uri="{BB962C8B-B14F-4D97-AF65-F5344CB8AC3E}">
-        <p14:creationId xmlns:p14="http://schemas.microsoft.com/office/powerpoint/2010/main" val="3343622710"/>
+        <p14:creationId xmlns:p14="http://schemas.microsoft.com/office/powerpoint/2010/main" val="1555639443"/>
       </p:ext>
     </p:extLst>
   </p:cSld>
@@ -5709,6 +10793,479 @@
       </p:grpSpPr>
       <p:sp>
         <p:nvSpPr>
+          <p:cNvPr id="3" name="Titel 2">
+            <a:extLst>
+              <a:ext uri="{FF2B5EF4-FFF2-40B4-BE49-F238E27FC236}">
+                <a16:creationId xmlns:a16="http://schemas.microsoft.com/office/drawing/2014/main" id="{DD86BFA9-6611-498A-8A73-D28317943EF2}"/>
+              </a:ext>
+            </a:extLst>
+          </p:cNvPr>
+          <p:cNvSpPr>
+            <a:spLocks noGrp="1"/>
+          </p:cNvSpPr>
+          <p:nvPr>
+            <p:ph type="title" idx="4294967295"/>
+          </p:nvPr>
+        </p:nvSpPr>
+        <p:spPr>
+          <a:xfrm>
+            <a:off x="116467" y="116632"/>
+            <a:ext cx="8915400" cy="1143000"/>
+          </a:xfrm>
+        </p:spPr>
+        <p:txBody>
+          <a:bodyPr>
+            <a:normAutofit/>
+          </a:bodyPr>
+          <a:lstStyle/>
+          <a:p>
+            <a:r>
+              <a:rPr lang="de-DE" dirty="0">
+                <a:solidFill>
+                  <a:schemeClr val="bg1"/>
+                </a:solidFill>
+              </a:rPr>
+              <a:t>Risk </a:t>
+            </a:r>
+            <a:r>
+              <a:rPr lang="de-DE" dirty="0" err="1">
+                <a:solidFill>
+                  <a:schemeClr val="bg1"/>
+                </a:solidFill>
+              </a:rPr>
+              <a:t>evaluation</a:t>
+            </a:r>
+            <a:r>
+              <a:rPr lang="de-DE" dirty="0">
+                <a:solidFill>
+                  <a:schemeClr val="bg1"/>
+                </a:solidFill>
+              </a:rPr>
+              <a:t> of </a:t>
+            </a:r>
+            <a:r>
+              <a:rPr lang="de-DE" dirty="0" err="1">
+                <a:solidFill>
+                  <a:schemeClr val="bg1"/>
+                </a:solidFill>
+              </a:rPr>
+              <a:t>the</a:t>
+            </a:r>
+            <a:r>
+              <a:rPr lang="de-DE" dirty="0">
+                <a:solidFill>
+                  <a:schemeClr val="bg1"/>
+                </a:solidFill>
+              </a:rPr>
+              <a:t> Project</a:t>
+            </a:r>
+          </a:p>
+        </p:txBody>
+      </p:sp>
+      <p:sp>
+        <p:nvSpPr>
+          <p:cNvPr id="4" name="Datumsplatzhalter 3">
+            <a:extLst>
+              <a:ext uri="{FF2B5EF4-FFF2-40B4-BE49-F238E27FC236}">
+                <a16:creationId xmlns:a16="http://schemas.microsoft.com/office/drawing/2014/main" id="{4199E9A1-38C7-42A9-8F6C-DF131A2CBE8A}"/>
+              </a:ext>
+            </a:extLst>
+          </p:cNvPr>
+          <p:cNvSpPr>
+            <a:spLocks noGrp="1"/>
+          </p:cNvSpPr>
+          <p:nvPr>
+            <p:ph type="dt" sz="half" idx="10"/>
+          </p:nvPr>
+        </p:nvSpPr>
+        <p:spPr/>
+        <p:txBody>
+          <a:bodyPr/>
+          <a:lstStyle/>
+          <a:p>
+            <a:fld id="{A6A55E55-235A-4F68-B44B-5B270E39D9BB}" type="datetime1">
+              <a:rPr lang="de-AT" smtClean="0"/>
+              <a:t>21.01.2018</a:t>
+            </a:fld>
+            <a:endParaRPr lang="de-AT" dirty="0"/>
+          </a:p>
+        </p:txBody>
+      </p:sp>
+      <p:sp>
+        <p:nvSpPr>
+          <p:cNvPr id="5" name="Fußzeilenplatzhalter 4">
+            <a:extLst>
+              <a:ext uri="{FF2B5EF4-FFF2-40B4-BE49-F238E27FC236}">
+                <a16:creationId xmlns:a16="http://schemas.microsoft.com/office/drawing/2014/main" id="{754DFCA0-4889-44EF-8A7A-4D4C8A394FD9}"/>
+              </a:ext>
+            </a:extLst>
+          </p:cNvPr>
+          <p:cNvSpPr>
+            <a:spLocks noGrp="1"/>
+          </p:cNvSpPr>
+          <p:nvPr>
+            <p:ph type="ftr" sz="quarter" idx="11"/>
+          </p:nvPr>
+        </p:nvSpPr>
+        <p:spPr/>
+        <p:txBody>
+          <a:bodyPr/>
+          <a:lstStyle/>
+          <a:p>
+            <a:r>
+              <a:rPr lang="de-AT"/>
+              <a:t>Project Management Methods - "Mars Expedition"</a:t>
+            </a:r>
+            <a:endParaRPr lang="de-AT" dirty="0"/>
+          </a:p>
+        </p:txBody>
+      </p:sp>
+      <p:sp>
+        <p:nvSpPr>
+          <p:cNvPr id="6" name="Foliennummernplatzhalter 5">
+            <a:extLst>
+              <a:ext uri="{FF2B5EF4-FFF2-40B4-BE49-F238E27FC236}">
+                <a16:creationId xmlns:a16="http://schemas.microsoft.com/office/drawing/2014/main" id="{296C67B4-ED84-45D3-8D5B-B605B03C55AD}"/>
+              </a:ext>
+            </a:extLst>
+          </p:cNvPr>
+          <p:cNvSpPr>
+            <a:spLocks noGrp="1"/>
+          </p:cNvSpPr>
+          <p:nvPr>
+            <p:ph type="sldNum" sz="quarter" idx="12"/>
+          </p:nvPr>
+        </p:nvSpPr>
+        <p:spPr/>
+        <p:txBody>
+          <a:bodyPr/>
+          <a:lstStyle/>
+          <a:p>
+            <a:fld id="{3B0692D3-3767-4542-A95D-53684A81B966}" type="slidenum">
+              <a:rPr lang="de-AT" smtClean="0"/>
+              <a:t>8</a:t>
+            </a:fld>
+            <a:endParaRPr lang="de-AT" dirty="0"/>
+          </a:p>
+        </p:txBody>
+      </p:sp>
+      <p:sp>
+        <p:nvSpPr>
+          <p:cNvPr id="7" name="Textfeld 6">
+            <a:extLst>
+              <a:ext uri="{FF2B5EF4-FFF2-40B4-BE49-F238E27FC236}">
+                <a16:creationId xmlns:a16="http://schemas.microsoft.com/office/drawing/2014/main" id="{AAA1BAFE-DE93-124D-B994-0934F453EC81}"/>
+              </a:ext>
+            </a:extLst>
+          </p:cNvPr>
+          <p:cNvSpPr txBox="1"/>
+          <p:nvPr/>
+        </p:nvSpPr>
+        <p:spPr>
+          <a:xfrm>
+            <a:off x="495300" y="1700808"/>
+            <a:ext cx="8915400" cy="2308324"/>
+          </a:xfrm>
+          <a:prstGeom prst="rect">
+            <a:avLst/>
+          </a:prstGeom>
+          <a:noFill/>
+        </p:spPr>
+        <p:txBody>
+          <a:bodyPr wrap="square" rtlCol="0">
+            <a:spAutoFit/>
+          </a:bodyPr>
+          <a:lstStyle/>
+          <a:p>
+            <a:pPr marL="285750" indent="-285750">
+              <a:lnSpc>
+                <a:spcPct val="150000"/>
+              </a:lnSpc>
+              <a:buFont typeface="Wingdings" pitchFamily="2" charset="2"/>
+              <a:buChar char="Ø"/>
+            </a:pPr>
+            <a:r>
+              <a:rPr lang="en-GB" dirty="0"/>
+              <a:t>Evaluating potential Risks of the Project regarding the customer requirements</a:t>
+            </a:r>
+          </a:p>
+          <a:p>
+            <a:pPr marL="285750" indent="-285750">
+              <a:lnSpc>
+                <a:spcPct val="150000"/>
+              </a:lnSpc>
+              <a:buFont typeface="Wingdings" pitchFamily="2" charset="2"/>
+              <a:buChar char="Ø"/>
+            </a:pPr>
+            <a:r>
+              <a:rPr lang="en-GB" dirty="0"/>
+              <a:t>Create controlling tools for the detected risks</a:t>
+            </a:r>
+          </a:p>
+          <a:p>
+            <a:pPr marL="285750" indent="-285750">
+              <a:lnSpc>
+                <a:spcPct val="150000"/>
+              </a:lnSpc>
+              <a:buFont typeface="Wingdings" pitchFamily="2" charset="2"/>
+              <a:buChar char="Ø"/>
+            </a:pPr>
+            <a:r>
+              <a:rPr lang="en-GB" dirty="0"/>
+              <a:t>Finding solutions for the come out risks</a:t>
+            </a:r>
+          </a:p>
+          <a:p>
+            <a:pPr marL="285750" indent="-285750">
+              <a:lnSpc>
+                <a:spcPct val="150000"/>
+              </a:lnSpc>
+              <a:buFont typeface="Wingdings" pitchFamily="2" charset="2"/>
+              <a:buChar char="Ø"/>
+            </a:pPr>
+            <a:r>
+              <a:rPr lang="en-GB" dirty="0"/>
+              <a:t>Discriminate between project risks and standard risks</a:t>
+            </a:r>
+          </a:p>
+          <a:p>
+            <a:pPr marL="285750" indent="-285750">
+              <a:buFont typeface="Wingdings" pitchFamily="2" charset="2"/>
+              <a:buChar char="Ø"/>
+            </a:pPr>
+            <a:endParaRPr lang="en-GB" dirty="0"/>
+          </a:p>
+          <a:p>
+            <a:r>
+              <a:rPr lang="de-DE" dirty="0"/>
+              <a:t> </a:t>
+            </a:r>
+          </a:p>
+        </p:txBody>
+      </p:sp>
+      <p:graphicFrame>
+        <p:nvGraphicFramePr>
+          <p:cNvPr id="8" name="Tabelle 7">
+            <a:extLst>
+              <a:ext uri="{FF2B5EF4-FFF2-40B4-BE49-F238E27FC236}">
+                <a16:creationId xmlns:a16="http://schemas.microsoft.com/office/drawing/2014/main" id="{CC2698AE-08BD-2A40-A2FF-17C5FEA0B107}"/>
+              </a:ext>
+            </a:extLst>
+          </p:cNvPr>
+          <p:cNvGraphicFramePr>
+            <a:graphicFrameLocks noGrp="1"/>
+          </p:cNvGraphicFramePr>
+          <p:nvPr>
+            <p:extLst/>
+          </p:nvPr>
+        </p:nvGraphicFramePr>
+        <p:xfrm>
+          <a:off x="495299" y="3614003"/>
+          <a:ext cx="8536568" cy="2414424"/>
+        </p:xfrm>
+        <a:graphic>
+          <a:graphicData uri="http://schemas.openxmlformats.org/drawingml/2006/table">
+            <a:tbl>
+              <a:tblPr firstRow="1" bandRow="1">
+                <a:tableStyleId>{5C22544A-7EE6-4342-B048-85BDC9FD1C3A}</a:tableStyleId>
+              </a:tblPr>
+              <a:tblGrid>
+                <a:gridCol w="4268284">
+                  <a:extLst>
+                    <a:ext uri="{9D8B030D-6E8A-4147-A177-3AD203B41FA5}">
+                      <a16:colId xmlns:a16="http://schemas.microsoft.com/office/drawing/2014/main" val="464393307"/>
+                    </a:ext>
+                  </a:extLst>
+                </a:gridCol>
+                <a:gridCol w="4268284">
+                  <a:extLst>
+                    <a:ext uri="{9D8B030D-6E8A-4147-A177-3AD203B41FA5}">
+                      <a16:colId xmlns:a16="http://schemas.microsoft.com/office/drawing/2014/main" val="2792175509"/>
+                    </a:ext>
+                  </a:extLst>
+                </a:gridCol>
+              </a:tblGrid>
+              <a:tr h="603606">
+                <a:tc>
+                  <a:txBody>
+                    <a:bodyPr/>
+                    <a:lstStyle/>
+                    <a:p>
+                      <a:pPr algn="ctr"/>
+                      <a:r>
+                        <a:rPr lang="en-GB" noProof="0" dirty="0"/>
+                        <a:t>Standard risks</a:t>
+                      </a:r>
+                    </a:p>
+                  </a:txBody>
+                  <a:tcPr anchor="ctr"/>
+                </a:tc>
+                <a:tc>
+                  <a:txBody>
+                    <a:bodyPr/>
+                    <a:lstStyle/>
+                    <a:p>
+                      <a:pPr algn="ctr"/>
+                      <a:r>
+                        <a:rPr lang="en-GB" noProof="0" dirty="0"/>
+                        <a:t>Project risks</a:t>
+                      </a:r>
+                    </a:p>
+                  </a:txBody>
+                  <a:tcPr anchor="ctr"/>
+                </a:tc>
+                <a:extLst>
+                  <a:ext uri="{0D108BD9-81ED-4DB2-BD59-A6C34878D82A}">
+                    <a16:rowId xmlns:a16="http://schemas.microsoft.com/office/drawing/2014/main" val="228732118"/>
+                  </a:ext>
+                </a:extLst>
+              </a:tr>
+              <a:tr h="603606">
+                <a:tc>
+                  <a:txBody>
+                    <a:bodyPr/>
+                    <a:lstStyle/>
+                    <a:p>
+                      <a:pPr algn="l"/>
+                      <a:r>
+                        <a:rPr lang="en-GB" noProof="0" dirty="0"/>
+                        <a:t>Competing goals</a:t>
+                      </a:r>
+                    </a:p>
+                  </a:txBody>
+                  <a:tcPr anchor="ctr"/>
+                </a:tc>
+                <a:tc>
+                  <a:txBody>
+                    <a:bodyPr/>
+                    <a:lstStyle/>
+                    <a:p>
+                      <a:pPr algn="l"/>
+                      <a:r>
+                        <a:rPr lang="en-GB" noProof="0" dirty="0"/>
+                        <a:t>Technical Issues</a:t>
+                      </a:r>
+                    </a:p>
+                  </a:txBody>
+                  <a:tcPr anchor="ctr"/>
+                </a:tc>
+                <a:extLst>
+                  <a:ext uri="{0D108BD9-81ED-4DB2-BD59-A6C34878D82A}">
+                    <a16:rowId xmlns:a16="http://schemas.microsoft.com/office/drawing/2014/main" val="3536528702"/>
+                  </a:ext>
+                </a:extLst>
+              </a:tr>
+              <a:tr h="603606">
+                <a:tc>
+                  <a:txBody>
+                    <a:bodyPr/>
+                    <a:lstStyle/>
+                    <a:p>
+                      <a:pPr algn="l"/>
+                      <a:r>
+                        <a:rPr lang="en-GB" noProof="0" dirty="0"/>
+                        <a:t>Project environment</a:t>
+                      </a:r>
+                    </a:p>
+                  </a:txBody>
+                  <a:tcPr anchor="ctr"/>
+                </a:tc>
+                <a:tc>
+                  <a:txBody>
+                    <a:bodyPr/>
+                    <a:lstStyle/>
+                    <a:p>
+                      <a:pPr algn="l"/>
+                      <a:r>
+                        <a:rPr lang="en-GB" noProof="0" dirty="0"/>
+                        <a:t>Time Table / Delivery Schedule</a:t>
+                      </a:r>
+                    </a:p>
+                  </a:txBody>
+                  <a:tcPr anchor="ctr"/>
+                </a:tc>
+                <a:extLst>
+                  <a:ext uri="{0D108BD9-81ED-4DB2-BD59-A6C34878D82A}">
+                    <a16:rowId xmlns:a16="http://schemas.microsoft.com/office/drawing/2014/main" val="3543839547"/>
+                  </a:ext>
+                </a:extLst>
+              </a:tr>
+              <a:tr h="603606">
+                <a:tc>
+                  <a:txBody>
+                    <a:bodyPr/>
+                    <a:lstStyle/>
+                    <a:p>
+                      <a:pPr algn="l"/>
+                      <a:r>
+                        <a:rPr lang="en-GB" noProof="0" dirty="0"/>
+                        <a:t>Stakeholder</a:t>
+                      </a:r>
+                    </a:p>
+                  </a:txBody>
+                  <a:tcPr anchor="ctr"/>
+                </a:tc>
+                <a:tc>
+                  <a:txBody>
+                    <a:bodyPr/>
+                    <a:lstStyle/>
+                    <a:p>
+                      <a:pPr algn="l"/>
+                      <a:r>
+                        <a:rPr lang="en-GB" noProof="0" dirty="0"/>
+                        <a:t>Customer </a:t>
+                      </a:r>
+                      <a:r>
+                        <a:rPr lang="en-GB" noProof="0" dirty="0" err="1"/>
+                        <a:t>Requiremants</a:t>
+                      </a:r>
+                      <a:endParaRPr lang="en-GB" noProof="0" dirty="0"/>
+                    </a:p>
+                  </a:txBody>
+                  <a:tcPr anchor="ctr"/>
+                </a:tc>
+                <a:extLst>
+                  <a:ext uri="{0D108BD9-81ED-4DB2-BD59-A6C34878D82A}">
+                    <a16:rowId xmlns:a16="http://schemas.microsoft.com/office/drawing/2014/main" val="1758377766"/>
+                  </a:ext>
+                </a:extLst>
+              </a:tr>
+            </a:tbl>
+          </a:graphicData>
+        </a:graphic>
+      </p:graphicFrame>
+    </p:spTree>
+    <p:extLst>
+      <p:ext uri="{BB962C8B-B14F-4D97-AF65-F5344CB8AC3E}">
+        <p14:creationId xmlns:p14="http://schemas.microsoft.com/office/powerpoint/2010/main" val="3343622710"/>
+      </p:ext>
+    </p:extLst>
+  </p:cSld>
+  <p:clrMapOvr>
+    <a:masterClrMapping/>
+  </p:clrMapOvr>
+</p:sld>
+</file>
+
+<file path=ppt/slides/slide9.xml><?xml version="1.0" encoding="utf-8"?>
+<p:sld xmlns:a="http://schemas.openxmlformats.org/drawingml/2006/main" xmlns:r="http://schemas.openxmlformats.org/officeDocument/2006/relationships" xmlns:p="http://schemas.openxmlformats.org/presentationml/2006/main">
+  <p:cSld>
+    <p:spTree>
+      <p:nvGrpSpPr>
+        <p:cNvPr id="1" name=""/>
+        <p:cNvGrpSpPr/>
+        <p:nvPr/>
+      </p:nvGrpSpPr>
+      <p:grpSpPr>
+        <a:xfrm>
+          <a:off x="0" y="0"/>
+          <a:ext cx="0" cy="0"/>
+          <a:chOff x="0" y="0"/>
+          <a:chExt cx="0" cy="0"/>
+        </a:xfrm>
+      </p:grpSpPr>
+      <p:sp>
+        <p:nvSpPr>
           <p:cNvPr id="2" name="Inhaltsplatzhalter 1">
             <a:extLst>
               <a:ext uri="{FF2B5EF4-FFF2-40B4-BE49-F238E27FC236}">
@@ -5728,7 +11285,79 @@
           <a:bodyPr/>
           <a:lstStyle/>
           <a:p>
-            <a:endParaRPr lang="de-DE"/>
+            <a:pPr marL="0" indent="0">
+              <a:buNone/>
+            </a:pPr>
+            <a:r>
+              <a:rPr lang="de-DE" dirty="0"/>
+              <a:t>Traditional </a:t>
+            </a:r>
+            <a:r>
+              <a:rPr lang="en-GB" dirty="0"/>
+              <a:t>project</a:t>
+            </a:r>
+            <a:r>
+              <a:rPr lang="de-DE" dirty="0"/>
+              <a:t> </a:t>
+            </a:r>
+            <a:r>
+              <a:rPr lang="de-DE" dirty="0" err="1"/>
+              <a:t>management</a:t>
+            </a:r>
+            <a:r>
+              <a:rPr lang="de-DE" dirty="0"/>
+              <a:t>:</a:t>
+            </a:r>
+          </a:p>
+          <a:p>
+            <a:pPr marL="0" indent="0">
+              <a:buNone/>
+            </a:pPr>
+            <a:r>
+              <a:rPr lang="de-DE" dirty="0"/>
+              <a:t>	</a:t>
+            </a:r>
+            <a:r>
+              <a:rPr lang="de-DE" sz="2400" u="sng" dirty="0" err="1"/>
+              <a:t>What‘s</a:t>
+            </a:r>
+            <a:r>
+              <a:rPr lang="de-DE" sz="2400" u="sng" dirty="0"/>
+              <a:t> </a:t>
+            </a:r>
+            <a:r>
+              <a:rPr lang="de-DE" sz="2400" u="sng" dirty="0" err="1"/>
+              <a:t>the</a:t>
+            </a:r>
+            <a:r>
+              <a:rPr lang="de-DE" sz="2400" u="sng" dirty="0"/>
+              <a:t> </a:t>
+            </a:r>
+            <a:r>
+              <a:rPr lang="de-DE" sz="2400" u="sng" dirty="0" err="1"/>
+              <a:t>overall</a:t>
+            </a:r>
+            <a:r>
+              <a:rPr lang="de-DE" sz="2400" u="sng" dirty="0"/>
+              <a:t> plan and </a:t>
+            </a:r>
+            <a:r>
+              <a:rPr lang="de-DE" sz="2400" u="sng" dirty="0" err="1"/>
+              <a:t>conditions</a:t>
+            </a:r>
+            <a:r>
+              <a:rPr lang="de-DE" sz="2400" u="sng" dirty="0"/>
+              <a:t> - in </a:t>
+            </a:r>
+            <a:r>
+              <a:rPr lang="de-DE" sz="2400" u="sng" dirty="0" err="1"/>
+              <a:t>our</a:t>
+            </a:r>
+            <a:r>
+              <a:rPr lang="de-DE" sz="2400" u="sng" dirty="0"/>
+              <a:t> Project?</a:t>
+            </a:r>
+            <a:endParaRPr lang="de-DE" u="sng" dirty="0"/>
           </a:p>
         </p:txBody>
       </p:sp>
@@ -5761,7 +11390,11 @@
           <a:lstStyle/>
           <a:p>
             <a:r>
-              <a:rPr lang="de-DE" dirty="0"/>
+              <a:rPr lang="de-DE" dirty="0">
+                <a:solidFill>
+                  <a:schemeClr val="bg1"/>
+                </a:solidFill>
+              </a:rPr>
               <a:t>Traditional vs. Agil Methods</a:t>
             </a:r>
           </a:p>
@@ -5790,7 +11423,7 @@
           <a:p>
             <a:fld id="{A6A55E55-235A-4F68-B44B-5B270E39D9BB}" type="datetime1">
               <a:rPr lang="de-AT" smtClean="0"/>
-              <a:t>19.01.2018</a:t>
+              <a:t>21.01.2018</a:t>
             </a:fld>
             <a:endParaRPr lang="de-AT" dirty="0"/>
           </a:p>
@@ -5848,9 +11481,1186 @@
           <a:p>
             <a:fld id="{3B0692D3-3767-4542-A95D-53684A81B966}" type="slidenum">
               <a:rPr lang="de-AT" smtClean="0"/>
-              <a:t>8</a:t>
+              <a:t>9</a:t>
             </a:fld>
             <a:endParaRPr lang="de-AT" dirty="0"/>
+          </a:p>
+        </p:txBody>
+      </p:sp>
+      <p:sp>
+        <p:nvSpPr>
+          <p:cNvPr id="9" name="Rechteck: abgerundete Ecken 8">
+            <a:extLst>
+              <a:ext uri="{FF2B5EF4-FFF2-40B4-BE49-F238E27FC236}">
+                <a16:creationId xmlns:a16="http://schemas.microsoft.com/office/drawing/2014/main" id="{D3003D5E-1AC2-4D14-87D9-FD20A4512ECB}"/>
+              </a:ext>
+            </a:extLst>
+          </p:cNvPr>
+          <p:cNvSpPr/>
+          <p:nvPr/>
+        </p:nvSpPr>
+        <p:spPr>
+          <a:xfrm>
+            <a:off x="559395" y="3627566"/>
+            <a:ext cx="1944762" cy="648072"/>
+          </a:xfrm>
+          <a:prstGeom prst="roundRect">
+            <a:avLst/>
+          </a:prstGeom>
+          <a:noFill/>
+          <a:ln>
+            <a:solidFill>
+              <a:schemeClr val="bg1">
+                <a:lumMod val="75000"/>
+              </a:schemeClr>
+            </a:solidFill>
+          </a:ln>
+        </p:spPr>
+        <p:style>
+          <a:lnRef idx="2">
+            <a:schemeClr val="accent1">
+              <a:shade val="50000"/>
+            </a:schemeClr>
+          </a:lnRef>
+          <a:fillRef idx="1">
+            <a:schemeClr val="accent1"/>
+          </a:fillRef>
+          <a:effectRef idx="0">
+            <a:schemeClr val="accent1"/>
+          </a:effectRef>
+          <a:fontRef idx="minor">
+            <a:schemeClr val="lt1"/>
+          </a:fontRef>
+        </p:style>
+        <p:txBody>
+          <a:bodyPr rtlCol="0" anchor="ctr"/>
+          <a:lstStyle/>
+          <a:p>
+            <a:pPr algn="ctr"/>
+            <a:r>
+              <a:rPr lang="de-DE" dirty="0">
+                <a:solidFill>
+                  <a:schemeClr val="tx1"/>
+                </a:solidFill>
+              </a:rPr>
+              <a:t>Initiation</a:t>
+            </a:r>
+          </a:p>
+        </p:txBody>
+      </p:sp>
+      <p:sp>
+        <p:nvSpPr>
+          <p:cNvPr id="10" name="Rechteck: abgerundete Ecken 9">
+            <a:extLst>
+              <a:ext uri="{FF2B5EF4-FFF2-40B4-BE49-F238E27FC236}">
+                <a16:creationId xmlns:a16="http://schemas.microsoft.com/office/drawing/2014/main" id="{33C7C6CC-69EB-4603-9775-D818636D6B47}"/>
+              </a:ext>
+            </a:extLst>
+          </p:cNvPr>
+          <p:cNvSpPr/>
+          <p:nvPr/>
+        </p:nvSpPr>
+        <p:spPr>
+          <a:xfrm>
+            <a:off x="2267799" y="4767213"/>
+            <a:ext cx="1944762" cy="648072"/>
+          </a:xfrm>
+          <a:prstGeom prst="roundRect">
+            <a:avLst/>
+          </a:prstGeom>
+          <a:noFill/>
+          <a:ln>
+            <a:solidFill>
+              <a:schemeClr val="bg1">
+                <a:lumMod val="75000"/>
+              </a:schemeClr>
+            </a:solidFill>
+          </a:ln>
+        </p:spPr>
+        <p:style>
+          <a:lnRef idx="2">
+            <a:schemeClr val="accent1">
+              <a:shade val="50000"/>
+            </a:schemeClr>
+          </a:lnRef>
+          <a:fillRef idx="1">
+            <a:schemeClr val="accent1"/>
+          </a:fillRef>
+          <a:effectRef idx="0">
+            <a:schemeClr val="accent1"/>
+          </a:effectRef>
+          <a:fontRef idx="minor">
+            <a:schemeClr val="lt1"/>
+          </a:fontRef>
+        </p:style>
+        <p:txBody>
+          <a:bodyPr rtlCol="0" anchor="ctr"/>
+          <a:lstStyle/>
+          <a:p>
+            <a:pPr algn="ctr"/>
+            <a:r>
+              <a:rPr lang="de-DE" dirty="0" err="1">
+                <a:solidFill>
+                  <a:schemeClr val="tx1"/>
+                </a:solidFill>
+              </a:rPr>
+              <a:t>Planning</a:t>
+            </a:r>
+            <a:endParaRPr lang="de-DE" dirty="0">
+              <a:solidFill>
+                <a:schemeClr val="tx1"/>
+              </a:solidFill>
+            </a:endParaRPr>
+          </a:p>
+        </p:txBody>
+      </p:sp>
+      <p:sp>
+        <p:nvSpPr>
+          <p:cNvPr id="11" name="Rechteck: abgerundete Ecken 10">
+            <a:extLst>
+              <a:ext uri="{FF2B5EF4-FFF2-40B4-BE49-F238E27FC236}">
+                <a16:creationId xmlns:a16="http://schemas.microsoft.com/office/drawing/2014/main" id="{A99F9C95-96E2-47A0-AAA9-D551DDD8ECF4}"/>
+              </a:ext>
+            </a:extLst>
+          </p:cNvPr>
+          <p:cNvSpPr/>
+          <p:nvPr/>
+        </p:nvSpPr>
+        <p:spPr>
+          <a:xfrm>
+            <a:off x="3980619" y="3627567"/>
+            <a:ext cx="1944762" cy="648072"/>
+          </a:xfrm>
+          <a:prstGeom prst="roundRect">
+            <a:avLst/>
+          </a:prstGeom>
+          <a:ln/>
+        </p:spPr>
+        <p:style>
+          <a:lnRef idx="2">
+            <a:schemeClr val="accent1"/>
+          </a:lnRef>
+          <a:fillRef idx="1">
+            <a:schemeClr val="lt1"/>
+          </a:fillRef>
+          <a:effectRef idx="0">
+            <a:schemeClr val="accent1"/>
+          </a:effectRef>
+          <a:fontRef idx="minor">
+            <a:schemeClr val="dk1"/>
+          </a:fontRef>
+        </p:style>
+        <p:txBody>
+          <a:bodyPr rtlCol="0" anchor="ctr"/>
+          <a:lstStyle/>
+          <a:p>
+            <a:pPr algn="ctr"/>
+            <a:r>
+              <a:rPr lang="de-DE" dirty="0" err="1">
+                <a:solidFill>
+                  <a:schemeClr val="tx1"/>
+                </a:solidFill>
+              </a:rPr>
+              <a:t>Execution</a:t>
+            </a:r>
+            <a:endParaRPr lang="de-DE" dirty="0">
+              <a:solidFill>
+                <a:schemeClr val="tx1"/>
+              </a:solidFill>
+            </a:endParaRPr>
+          </a:p>
+        </p:txBody>
+      </p:sp>
+      <p:sp>
+        <p:nvSpPr>
+          <p:cNvPr id="12" name="Rechteck: abgerundete Ecken 11">
+            <a:extLst>
+              <a:ext uri="{FF2B5EF4-FFF2-40B4-BE49-F238E27FC236}">
+                <a16:creationId xmlns:a16="http://schemas.microsoft.com/office/drawing/2014/main" id="{1F663668-5CDB-41B1-A7D0-2BFCA59A0B6F}"/>
+              </a:ext>
+            </a:extLst>
+          </p:cNvPr>
+          <p:cNvSpPr/>
+          <p:nvPr/>
+        </p:nvSpPr>
+        <p:spPr>
+          <a:xfrm>
+            <a:off x="5693439" y="4767213"/>
+            <a:ext cx="1944762" cy="648072"/>
+          </a:xfrm>
+          <a:prstGeom prst="roundRect">
+            <a:avLst/>
+          </a:prstGeom>
+          <a:noFill/>
+          <a:ln>
+            <a:solidFill>
+              <a:schemeClr val="bg1">
+                <a:lumMod val="75000"/>
+              </a:schemeClr>
+            </a:solidFill>
+          </a:ln>
+        </p:spPr>
+        <p:style>
+          <a:lnRef idx="2">
+            <a:schemeClr val="accent1">
+              <a:shade val="50000"/>
+            </a:schemeClr>
+          </a:lnRef>
+          <a:fillRef idx="1">
+            <a:schemeClr val="accent1"/>
+          </a:fillRef>
+          <a:effectRef idx="0">
+            <a:schemeClr val="accent1"/>
+          </a:effectRef>
+          <a:fontRef idx="minor">
+            <a:schemeClr val="lt1"/>
+          </a:fontRef>
+        </p:style>
+        <p:txBody>
+          <a:bodyPr rtlCol="0" anchor="ctr"/>
+          <a:lstStyle/>
+          <a:p>
+            <a:pPr algn="ctr"/>
+            <a:r>
+              <a:rPr lang="de-DE" dirty="0">
+                <a:solidFill>
+                  <a:schemeClr val="tx1"/>
+                </a:solidFill>
+              </a:rPr>
+              <a:t>Monitoring &amp; Control</a:t>
+            </a:r>
+          </a:p>
+        </p:txBody>
+      </p:sp>
+      <p:sp>
+        <p:nvSpPr>
+          <p:cNvPr id="13" name="Rechteck: abgerundete Ecken 12">
+            <a:extLst>
+              <a:ext uri="{FF2B5EF4-FFF2-40B4-BE49-F238E27FC236}">
+                <a16:creationId xmlns:a16="http://schemas.microsoft.com/office/drawing/2014/main" id="{8CDEED1E-2D06-43A5-91A2-6B1C4D18869B}"/>
+              </a:ext>
+            </a:extLst>
+          </p:cNvPr>
+          <p:cNvSpPr/>
+          <p:nvPr/>
+        </p:nvSpPr>
+        <p:spPr>
+          <a:xfrm>
+            <a:off x="7401843" y="3627566"/>
+            <a:ext cx="1944762" cy="648072"/>
+          </a:xfrm>
+          <a:prstGeom prst="roundRect">
+            <a:avLst/>
+          </a:prstGeom>
+          <a:noFill/>
+          <a:ln>
+            <a:solidFill>
+              <a:schemeClr val="bg1">
+                <a:lumMod val="75000"/>
+              </a:schemeClr>
+            </a:solidFill>
+          </a:ln>
+        </p:spPr>
+        <p:style>
+          <a:lnRef idx="2">
+            <a:schemeClr val="accent1">
+              <a:shade val="50000"/>
+            </a:schemeClr>
+          </a:lnRef>
+          <a:fillRef idx="1">
+            <a:schemeClr val="accent1"/>
+          </a:fillRef>
+          <a:effectRef idx="0">
+            <a:schemeClr val="accent1"/>
+          </a:effectRef>
+          <a:fontRef idx="minor">
+            <a:schemeClr val="lt1"/>
+          </a:fontRef>
+        </p:style>
+        <p:txBody>
+          <a:bodyPr rtlCol="0" anchor="ctr"/>
+          <a:lstStyle/>
+          <a:p>
+            <a:pPr algn="ctr"/>
+            <a:r>
+              <a:rPr lang="de-DE" dirty="0">
+                <a:solidFill>
+                  <a:schemeClr val="tx1"/>
+                </a:solidFill>
+              </a:rPr>
+              <a:t>Closing</a:t>
+            </a:r>
+          </a:p>
+        </p:txBody>
+      </p:sp>
+      <p:cxnSp>
+        <p:nvCxnSpPr>
+          <p:cNvPr id="15" name="Verbinder: gewinkelt 14">
+            <a:extLst>
+              <a:ext uri="{FF2B5EF4-FFF2-40B4-BE49-F238E27FC236}">
+                <a16:creationId xmlns:a16="http://schemas.microsoft.com/office/drawing/2014/main" id="{2E9E732A-5E45-4F84-A8D3-6F5562E05F88}"/>
+              </a:ext>
+            </a:extLst>
+          </p:cNvPr>
+          <p:cNvCxnSpPr>
+            <a:cxnSpLocks/>
+            <a:stCxn id="9" idx="3"/>
+            <a:endCxn id="10" idx="1"/>
+          </p:cNvCxnSpPr>
+          <p:nvPr/>
+        </p:nvCxnSpPr>
+        <p:spPr>
+          <a:xfrm flipH="1">
+            <a:off x="2267799" y="3951602"/>
+            <a:ext cx="236358" cy="1139647"/>
+          </a:xfrm>
+          <a:prstGeom prst="bentConnector5">
+            <a:avLst>
+              <a:gd name="adj1" fmla="val -96718"/>
+              <a:gd name="adj2" fmla="val 50000"/>
+              <a:gd name="adj3" fmla="val 196718"/>
+            </a:avLst>
+          </a:prstGeom>
+          <a:ln w="12700">
+            <a:tailEnd type="triangle"/>
+          </a:ln>
+        </p:spPr>
+        <p:style>
+          <a:lnRef idx="1">
+            <a:schemeClr val="dk1"/>
+          </a:lnRef>
+          <a:fillRef idx="0">
+            <a:schemeClr val="dk1"/>
+          </a:fillRef>
+          <a:effectRef idx="0">
+            <a:schemeClr val="dk1"/>
+          </a:effectRef>
+          <a:fontRef idx="minor">
+            <a:schemeClr val="tx1"/>
+          </a:fontRef>
+        </p:style>
+      </p:cxnSp>
+      <p:cxnSp>
+        <p:nvCxnSpPr>
+          <p:cNvPr id="17" name="Verbinder: gewinkelt 16">
+            <a:extLst>
+              <a:ext uri="{FF2B5EF4-FFF2-40B4-BE49-F238E27FC236}">
+                <a16:creationId xmlns:a16="http://schemas.microsoft.com/office/drawing/2014/main" id="{88CA56B8-781A-4490-A49D-3609361E99F1}"/>
+              </a:ext>
+            </a:extLst>
+          </p:cNvPr>
+          <p:cNvCxnSpPr>
+            <a:cxnSpLocks/>
+            <a:stCxn id="10" idx="3"/>
+            <a:endCxn id="11" idx="1"/>
+          </p:cNvCxnSpPr>
+          <p:nvPr/>
+        </p:nvCxnSpPr>
+        <p:spPr>
+          <a:xfrm flipH="1" flipV="1">
+            <a:off x="3980619" y="3951603"/>
+            <a:ext cx="231942" cy="1139646"/>
+          </a:xfrm>
+          <a:prstGeom prst="bentConnector5">
+            <a:avLst>
+              <a:gd name="adj1" fmla="val -98559"/>
+              <a:gd name="adj2" fmla="val 50000"/>
+              <a:gd name="adj3" fmla="val 198559"/>
+            </a:avLst>
+          </a:prstGeom>
+          <a:ln w="12700">
+            <a:tailEnd type="triangle"/>
+          </a:ln>
+        </p:spPr>
+        <p:style>
+          <a:lnRef idx="1">
+            <a:schemeClr val="dk1"/>
+          </a:lnRef>
+          <a:fillRef idx="0">
+            <a:schemeClr val="dk1"/>
+          </a:fillRef>
+          <a:effectRef idx="0">
+            <a:schemeClr val="dk1"/>
+          </a:effectRef>
+          <a:fontRef idx="minor">
+            <a:schemeClr val="tx1"/>
+          </a:fontRef>
+        </p:style>
+      </p:cxnSp>
+      <p:cxnSp>
+        <p:nvCxnSpPr>
+          <p:cNvPr id="20" name="Verbinder: gewinkelt 19">
+            <a:extLst>
+              <a:ext uri="{FF2B5EF4-FFF2-40B4-BE49-F238E27FC236}">
+                <a16:creationId xmlns:a16="http://schemas.microsoft.com/office/drawing/2014/main" id="{396A4BD3-DBD9-48A4-B04C-78A49E38285B}"/>
+              </a:ext>
+            </a:extLst>
+          </p:cNvPr>
+          <p:cNvCxnSpPr>
+            <a:cxnSpLocks/>
+            <a:stCxn id="11" idx="3"/>
+            <a:endCxn id="12" idx="1"/>
+          </p:cNvCxnSpPr>
+          <p:nvPr/>
+        </p:nvCxnSpPr>
+        <p:spPr>
+          <a:xfrm flipH="1">
+            <a:off x="5693439" y="3951603"/>
+            <a:ext cx="231942" cy="1139646"/>
+          </a:xfrm>
+          <a:prstGeom prst="bentConnector5">
+            <a:avLst>
+              <a:gd name="adj1" fmla="val -98559"/>
+              <a:gd name="adj2" fmla="val 50000"/>
+              <a:gd name="adj3" fmla="val 198559"/>
+            </a:avLst>
+          </a:prstGeom>
+          <a:ln w="12700">
+            <a:tailEnd type="triangle"/>
+          </a:ln>
+        </p:spPr>
+        <p:style>
+          <a:lnRef idx="1">
+            <a:schemeClr val="dk1"/>
+          </a:lnRef>
+          <a:fillRef idx="0">
+            <a:schemeClr val="dk1"/>
+          </a:fillRef>
+          <a:effectRef idx="0">
+            <a:schemeClr val="dk1"/>
+          </a:effectRef>
+          <a:fontRef idx="minor">
+            <a:schemeClr val="tx1"/>
+          </a:fontRef>
+        </p:style>
+      </p:cxnSp>
+      <p:cxnSp>
+        <p:nvCxnSpPr>
+          <p:cNvPr id="23" name="Verbinder: gewinkelt 22">
+            <a:extLst>
+              <a:ext uri="{FF2B5EF4-FFF2-40B4-BE49-F238E27FC236}">
+                <a16:creationId xmlns:a16="http://schemas.microsoft.com/office/drawing/2014/main" id="{7D61E9C1-D04A-43F4-9907-F1D88342CB01}"/>
+              </a:ext>
+            </a:extLst>
+          </p:cNvPr>
+          <p:cNvCxnSpPr>
+            <a:cxnSpLocks/>
+            <a:stCxn id="12" idx="3"/>
+            <a:endCxn id="13" idx="1"/>
+          </p:cNvCxnSpPr>
+          <p:nvPr/>
+        </p:nvCxnSpPr>
+        <p:spPr>
+          <a:xfrm flipH="1" flipV="1">
+            <a:off x="7401843" y="3951602"/>
+            <a:ext cx="236358" cy="1139647"/>
+          </a:xfrm>
+          <a:prstGeom prst="bentConnector5">
+            <a:avLst>
+              <a:gd name="adj1" fmla="val -96718"/>
+              <a:gd name="adj2" fmla="val 50000"/>
+              <a:gd name="adj3" fmla="val 196718"/>
+            </a:avLst>
+          </a:prstGeom>
+          <a:ln w="12700">
+            <a:tailEnd type="triangle"/>
+          </a:ln>
+        </p:spPr>
+        <p:style>
+          <a:lnRef idx="1">
+            <a:schemeClr val="dk1"/>
+          </a:lnRef>
+          <a:fillRef idx="0">
+            <a:schemeClr val="dk1"/>
+          </a:fillRef>
+          <a:effectRef idx="0">
+            <a:schemeClr val="dk1"/>
+          </a:effectRef>
+          <a:fontRef idx="minor">
+            <a:schemeClr val="tx1"/>
+          </a:fontRef>
+        </p:style>
+      </p:cxnSp>
+      <p:sp>
+        <p:nvSpPr>
+          <p:cNvPr id="47" name="Sprechblase: rechteckig 46">
+            <a:extLst>
+              <a:ext uri="{FF2B5EF4-FFF2-40B4-BE49-F238E27FC236}">
+                <a16:creationId xmlns:a16="http://schemas.microsoft.com/office/drawing/2014/main" id="{87AC8D1A-6041-4B85-B353-A0D5244E7C98}"/>
+              </a:ext>
+            </a:extLst>
+          </p:cNvPr>
+          <p:cNvSpPr/>
+          <p:nvPr/>
+        </p:nvSpPr>
+        <p:spPr>
+          <a:xfrm>
+            <a:off x="1058100" y="2698380"/>
+            <a:ext cx="2310724" cy="845416"/>
+          </a:xfrm>
+          <a:prstGeom prst="wedgeRectCallout">
+            <a:avLst/>
+          </a:prstGeom>
+          <a:solidFill>
+            <a:schemeClr val="bg1"/>
+          </a:solidFill>
+          <a:ln>
+            <a:solidFill>
+              <a:schemeClr val="bg1">
+                <a:lumMod val="75000"/>
+              </a:schemeClr>
+            </a:solidFill>
+          </a:ln>
+        </p:spPr>
+        <p:style>
+          <a:lnRef idx="2">
+            <a:schemeClr val="accent1">
+              <a:shade val="50000"/>
+            </a:schemeClr>
+          </a:lnRef>
+          <a:fillRef idx="1">
+            <a:schemeClr val="accent1"/>
+          </a:fillRef>
+          <a:effectRef idx="0">
+            <a:schemeClr val="accent1"/>
+          </a:effectRef>
+          <a:fontRef idx="minor">
+            <a:schemeClr val="lt1"/>
+          </a:fontRef>
+        </p:style>
+        <p:txBody>
+          <a:bodyPr rtlCol="0" anchor="ctr"/>
+          <a:lstStyle/>
+          <a:p>
+            <a:pPr marL="285750" indent="-285750">
+              <a:buFont typeface="Arial" panose="020B0604020202020204" pitchFamily="34" charset="0"/>
+              <a:buChar char="•"/>
+            </a:pPr>
+            <a:r>
+              <a:rPr lang="de-DE" sz="1600" dirty="0" err="1">
+                <a:solidFill>
+                  <a:schemeClr val="tx1"/>
+                </a:solidFill>
+              </a:rPr>
+              <a:t>Specificationlist</a:t>
+            </a:r>
+            <a:endParaRPr lang="de-DE" sz="1600" dirty="0">
+              <a:solidFill>
+                <a:schemeClr val="tx1"/>
+              </a:solidFill>
+            </a:endParaRPr>
+          </a:p>
+          <a:p>
+            <a:pPr marL="285750" indent="-285750">
+              <a:buFont typeface="Arial" panose="020B0604020202020204" pitchFamily="34" charset="0"/>
+              <a:buChar char="•"/>
+            </a:pPr>
+            <a:r>
+              <a:rPr lang="de-DE" sz="1600" dirty="0" err="1">
+                <a:solidFill>
+                  <a:schemeClr val="tx1"/>
+                </a:solidFill>
+              </a:rPr>
+              <a:t>Riskanalyses</a:t>
+            </a:r>
+            <a:endParaRPr lang="de-DE" sz="1600" dirty="0">
+              <a:solidFill>
+                <a:schemeClr val="tx1"/>
+              </a:solidFill>
+            </a:endParaRPr>
+          </a:p>
+          <a:p>
+            <a:pPr marL="285750" indent="-285750">
+              <a:buFont typeface="Arial" panose="020B0604020202020204" pitchFamily="34" charset="0"/>
+              <a:buChar char="•"/>
+            </a:pPr>
+            <a:r>
+              <a:rPr lang="de-DE" sz="1600" dirty="0" err="1">
+                <a:solidFill>
+                  <a:schemeClr val="tx1"/>
+                </a:solidFill>
+              </a:rPr>
+              <a:t>Define</a:t>
+            </a:r>
+            <a:r>
+              <a:rPr lang="de-DE" sz="1600" dirty="0">
+                <a:solidFill>
+                  <a:schemeClr val="tx1"/>
+                </a:solidFill>
+              </a:rPr>
+              <a:t> </a:t>
+            </a:r>
+            <a:r>
+              <a:rPr lang="de-DE" sz="1600" dirty="0" err="1">
+                <a:solidFill>
+                  <a:schemeClr val="tx1"/>
+                </a:solidFill>
+              </a:rPr>
+              <a:t>goal</a:t>
+            </a:r>
+            <a:endParaRPr lang="de-DE" sz="1600" dirty="0">
+              <a:solidFill>
+                <a:schemeClr val="tx1"/>
+              </a:solidFill>
+            </a:endParaRPr>
+          </a:p>
+        </p:txBody>
+      </p:sp>
+      <p:sp>
+        <p:nvSpPr>
+          <p:cNvPr id="49" name="Sprechblase: rechteckig 48">
+            <a:extLst>
+              <a:ext uri="{FF2B5EF4-FFF2-40B4-BE49-F238E27FC236}">
+                <a16:creationId xmlns:a16="http://schemas.microsoft.com/office/drawing/2014/main" id="{C3045E01-521F-4512-B52A-B92F429F27E7}"/>
+              </a:ext>
+            </a:extLst>
+          </p:cNvPr>
+          <p:cNvSpPr/>
+          <p:nvPr/>
+        </p:nvSpPr>
+        <p:spPr>
+          <a:xfrm>
+            <a:off x="1892780" y="5458522"/>
+            <a:ext cx="2694800" cy="792651"/>
+          </a:xfrm>
+          <a:prstGeom prst="wedgeRectCallout">
+            <a:avLst>
+              <a:gd name="adj1" fmla="val -20833"/>
+              <a:gd name="adj2" fmla="val -63451"/>
+            </a:avLst>
+          </a:prstGeom>
+          <a:solidFill>
+            <a:schemeClr val="bg1"/>
+          </a:solidFill>
+          <a:ln>
+            <a:solidFill>
+              <a:schemeClr val="bg1">
+                <a:lumMod val="75000"/>
+              </a:schemeClr>
+            </a:solidFill>
+          </a:ln>
+        </p:spPr>
+        <p:style>
+          <a:lnRef idx="2">
+            <a:schemeClr val="accent1">
+              <a:shade val="50000"/>
+            </a:schemeClr>
+          </a:lnRef>
+          <a:fillRef idx="1">
+            <a:schemeClr val="accent1"/>
+          </a:fillRef>
+          <a:effectRef idx="0">
+            <a:schemeClr val="accent1"/>
+          </a:effectRef>
+          <a:fontRef idx="minor">
+            <a:schemeClr val="lt1"/>
+          </a:fontRef>
+        </p:style>
+        <p:txBody>
+          <a:bodyPr rtlCol="0" anchor="ctr"/>
+          <a:lstStyle/>
+          <a:p>
+            <a:pPr marL="285750" indent="-285750">
+              <a:buFont typeface="Arial" panose="020B0604020202020204" pitchFamily="34" charset="0"/>
+              <a:buChar char="•"/>
+            </a:pPr>
+            <a:r>
+              <a:rPr lang="de-DE" sz="1600" dirty="0" err="1">
+                <a:solidFill>
+                  <a:schemeClr val="tx1"/>
+                </a:solidFill>
+              </a:rPr>
+              <a:t>Milestoneplan</a:t>
+            </a:r>
+            <a:endParaRPr lang="de-DE" sz="1600" dirty="0">
+              <a:solidFill>
+                <a:schemeClr val="tx1"/>
+              </a:solidFill>
+            </a:endParaRPr>
+          </a:p>
+          <a:p>
+            <a:pPr marL="285750" indent="-285750">
+              <a:buFont typeface="Arial" panose="020B0604020202020204" pitchFamily="34" charset="0"/>
+              <a:buChar char="•"/>
+            </a:pPr>
+            <a:r>
+              <a:rPr lang="de-DE" sz="1600" dirty="0" err="1">
+                <a:solidFill>
+                  <a:schemeClr val="tx1"/>
+                </a:solidFill>
+              </a:rPr>
+              <a:t>Determining</a:t>
+            </a:r>
+            <a:r>
+              <a:rPr lang="de-DE" sz="1600" dirty="0">
+                <a:solidFill>
+                  <a:schemeClr val="tx1"/>
+                </a:solidFill>
+              </a:rPr>
+              <a:t> </a:t>
+            </a:r>
+            <a:r>
+              <a:rPr lang="de-DE" sz="1600" dirty="0" err="1">
+                <a:solidFill>
+                  <a:schemeClr val="tx1"/>
+                </a:solidFill>
+              </a:rPr>
+              <a:t>resources</a:t>
+            </a:r>
+            <a:endParaRPr lang="de-DE" sz="1600" dirty="0">
+              <a:solidFill>
+                <a:schemeClr val="tx1"/>
+              </a:solidFill>
+            </a:endParaRPr>
+          </a:p>
+          <a:p>
+            <a:pPr marL="285750" indent="-285750">
+              <a:buFont typeface="Arial" panose="020B0604020202020204" pitchFamily="34" charset="0"/>
+              <a:buChar char="•"/>
+            </a:pPr>
+            <a:r>
+              <a:rPr lang="de-DE" sz="1600" dirty="0" err="1">
+                <a:solidFill>
+                  <a:schemeClr val="tx1"/>
+                </a:solidFill>
+              </a:rPr>
+              <a:t>Define</a:t>
+            </a:r>
+            <a:r>
+              <a:rPr lang="de-DE" sz="1600" dirty="0">
+                <a:solidFill>
+                  <a:schemeClr val="tx1"/>
+                </a:solidFill>
+              </a:rPr>
+              <a:t> </a:t>
+            </a:r>
+            <a:r>
+              <a:rPr lang="de-DE" sz="1600" dirty="0" err="1">
+                <a:solidFill>
+                  <a:schemeClr val="tx1"/>
+                </a:solidFill>
+              </a:rPr>
+              <a:t>Workpackages</a:t>
+            </a:r>
+            <a:endParaRPr lang="de-DE" sz="1600" dirty="0">
+              <a:solidFill>
+                <a:schemeClr val="tx1"/>
+              </a:solidFill>
+            </a:endParaRPr>
+          </a:p>
+        </p:txBody>
+      </p:sp>
+      <p:sp>
+        <p:nvSpPr>
+          <p:cNvPr id="50" name="Sprechblase: rechteckig 49">
+            <a:extLst>
+              <a:ext uri="{FF2B5EF4-FFF2-40B4-BE49-F238E27FC236}">
+                <a16:creationId xmlns:a16="http://schemas.microsoft.com/office/drawing/2014/main" id="{2BF3B0B5-1B30-441C-8407-3D2BD831FCA7}"/>
+              </a:ext>
+            </a:extLst>
+          </p:cNvPr>
+          <p:cNvSpPr/>
+          <p:nvPr/>
+        </p:nvSpPr>
+        <p:spPr>
+          <a:xfrm>
+            <a:off x="3872880" y="2708920"/>
+            <a:ext cx="2524224" cy="854143"/>
+          </a:xfrm>
+          <a:prstGeom prst="wedgeRectCallout">
+            <a:avLst/>
+          </a:prstGeom>
+          <a:ln/>
+        </p:spPr>
+        <p:style>
+          <a:lnRef idx="2">
+            <a:schemeClr val="accent1"/>
+          </a:lnRef>
+          <a:fillRef idx="1">
+            <a:schemeClr val="lt1"/>
+          </a:fillRef>
+          <a:effectRef idx="0">
+            <a:schemeClr val="accent1"/>
+          </a:effectRef>
+          <a:fontRef idx="minor">
+            <a:schemeClr val="dk1"/>
+          </a:fontRef>
+        </p:style>
+        <p:txBody>
+          <a:bodyPr rtlCol="0" anchor="ctr"/>
+          <a:lstStyle/>
+          <a:p>
+            <a:pPr marL="285750" indent="-285750">
+              <a:buFont typeface="Arial" panose="020B0604020202020204" pitchFamily="34" charset="0"/>
+              <a:buChar char="•"/>
+            </a:pPr>
+            <a:r>
+              <a:rPr lang="de-DE" sz="1600" dirty="0">
+                <a:solidFill>
+                  <a:schemeClr val="tx1"/>
+                </a:solidFill>
+              </a:rPr>
+              <a:t>Work off </a:t>
+            </a:r>
+            <a:r>
+              <a:rPr lang="de-DE" sz="1600" dirty="0" err="1">
+                <a:solidFill>
+                  <a:schemeClr val="tx1"/>
+                </a:solidFill>
+              </a:rPr>
+              <a:t>Workpackages</a:t>
+            </a:r>
+            <a:endParaRPr lang="de-DE" sz="1600" dirty="0">
+              <a:solidFill>
+                <a:schemeClr val="tx1"/>
+              </a:solidFill>
+            </a:endParaRPr>
+          </a:p>
+          <a:p>
+            <a:pPr marL="285750" indent="-285750">
+              <a:buFont typeface="Arial" panose="020B0604020202020204" pitchFamily="34" charset="0"/>
+              <a:buChar char="•"/>
+            </a:pPr>
+            <a:r>
+              <a:rPr lang="de-DE" sz="1600" dirty="0" err="1">
+                <a:solidFill>
+                  <a:schemeClr val="tx1"/>
+                </a:solidFill>
+              </a:rPr>
+              <a:t>Document</a:t>
+            </a:r>
+            <a:r>
+              <a:rPr lang="de-DE" sz="1600" dirty="0">
+                <a:solidFill>
+                  <a:schemeClr val="tx1"/>
+                </a:solidFill>
+              </a:rPr>
+              <a:t> </a:t>
+            </a:r>
+            <a:r>
+              <a:rPr lang="de-DE" sz="1600" dirty="0" err="1">
+                <a:solidFill>
+                  <a:schemeClr val="tx1"/>
+                </a:solidFill>
+              </a:rPr>
+              <a:t>the</a:t>
+            </a:r>
+            <a:r>
+              <a:rPr lang="de-DE" sz="1600" dirty="0">
+                <a:solidFill>
+                  <a:schemeClr val="tx1"/>
+                </a:solidFill>
+              </a:rPr>
+              <a:t> </a:t>
+            </a:r>
+            <a:r>
+              <a:rPr lang="de-DE" sz="1600" dirty="0" err="1">
+                <a:solidFill>
+                  <a:schemeClr val="tx1"/>
+                </a:solidFill>
+              </a:rPr>
+              <a:t>progress</a:t>
+            </a:r>
+            <a:endParaRPr lang="de-DE" sz="1600" dirty="0">
+              <a:solidFill>
+                <a:schemeClr val="tx1"/>
+              </a:solidFill>
+            </a:endParaRPr>
+          </a:p>
+        </p:txBody>
+      </p:sp>
+      <p:sp>
+        <p:nvSpPr>
+          <p:cNvPr id="51" name="Sprechblase: rechteckig 50">
+            <a:extLst>
+              <a:ext uri="{FF2B5EF4-FFF2-40B4-BE49-F238E27FC236}">
+                <a16:creationId xmlns:a16="http://schemas.microsoft.com/office/drawing/2014/main" id="{B89CEF1C-C908-4330-A56D-CE2CF3E921C5}"/>
+              </a:ext>
+            </a:extLst>
+          </p:cNvPr>
+          <p:cNvSpPr/>
+          <p:nvPr/>
+        </p:nvSpPr>
+        <p:spPr>
+          <a:xfrm>
+            <a:off x="5328599" y="5465717"/>
+            <a:ext cx="3039162" cy="648072"/>
+          </a:xfrm>
+          <a:prstGeom prst="wedgeRectCallout">
+            <a:avLst>
+              <a:gd name="adj1" fmla="val -21351"/>
+              <a:gd name="adj2" fmla="val -63451"/>
+            </a:avLst>
+          </a:prstGeom>
+          <a:solidFill>
+            <a:schemeClr val="bg1"/>
+          </a:solidFill>
+          <a:ln>
+            <a:solidFill>
+              <a:schemeClr val="bg1">
+                <a:lumMod val="75000"/>
+              </a:schemeClr>
+            </a:solidFill>
+          </a:ln>
+        </p:spPr>
+        <p:style>
+          <a:lnRef idx="2">
+            <a:schemeClr val="accent1">
+              <a:shade val="50000"/>
+            </a:schemeClr>
+          </a:lnRef>
+          <a:fillRef idx="1">
+            <a:schemeClr val="accent1"/>
+          </a:fillRef>
+          <a:effectRef idx="0">
+            <a:schemeClr val="accent1"/>
+          </a:effectRef>
+          <a:fontRef idx="minor">
+            <a:schemeClr val="lt1"/>
+          </a:fontRef>
+        </p:style>
+        <p:txBody>
+          <a:bodyPr rtlCol="0" anchor="ctr"/>
+          <a:lstStyle/>
+          <a:p>
+            <a:pPr marL="285750" indent="-285750">
+              <a:buFont typeface="Arial" panose="020B0604020202020204" pitchFamily="34" charset="0"/>
+              <a:buChar char="•"/>
+            </a:pPr>
+            <a:r>
+              <a:rPr lang="de-DE" sz="1600" dirty="0">
+                <a:solidFill>
+                  <a:schemeClr val="tx1"/>
+                </a:solidFill>
+              </a:rPr>
+              <a:t>Control </a:t>
+            </a:r>
+            <a:r>
+              <a:rPr lang="de-DE" sz="1600" dirty="0" err="1">
+                <a:solidFill>
+                  <a:srgbClr val="FF0000"/>
+                </a:solidFill>
+              </a:rPr>
+              <a:t>scope</a:t>
+            </a:r>
+            <a:r>
+              <a:rPr lang="de-DE" sz="1600" dirty="0">
+                <a:solidFill>
+                  <a:srgbClr val="FF0000"/>
+                </a:solidFill>
+              </a:rPr>
+              <a:t>, </a:t>
+            </a:r>
+            <a:r>
+              <a:rPr lang="de-DE" sz="1600" dirty="0" err="1">
+                <a:solidFill>
+                  <a:srgbClr val="FF0000"/>
+                </a:solidFill>
+              </a:rPr>
+              <a:t>progress</a:t>
+            </a:r>
+            <a:r>
+              <a:rPr lang="de-DE" sz="1600" dirty="0">
+                <a:solidFill>
+                  <a:srgbClr val="FF0000"/>
+                </a:solidFill>
+              </a:rPr>
+              <a:t>, </a:t>
+            </a:r>
+            <a:r>
+              <a:rPr lang="de-DE" sz="1600" dirty="0" err="1">
+                <a:solidFill>
+                  <a:srgbClr val="FF0000"/>
+                </a:solidFill>
+              </a:rPr>
+              <a:t>cost</a:t>
+            </a:r>
+            <a:endParaRPr lang="de-DE" sz="1600" dirty="0">
+              <a:solidFill>
+                <a:srgbClr val="FF0000"/>
+              </a:solidFill>
+            </a:endParaRPr>
+          </a:p>
+          <a:p>
+            <a:pPr marL="285750" indent="-285750">
+              <a:buFont typeface="Arial" panose="020B0604020202020204" pitchFamily="34" charset="0"/>
+              <a:buChar char="•"/>
+            </a:pPr>
+            <a:r>
+              <a:rPr lang="de-DE" sz="1600" dirty="0" err="1">
+                <a:solidFill>
+                  <a:schemeClr val="tx1"/>
+                </a:solidFill>
+              </a:rPr>
+              <a:t>Readjust</a:t>
+            </a:r>
+            <a:r>
+              <a:rPr lang="de-DE" sz="1600" dirty="0">
+                <a:solidFill>
+                  <a:schemeClr val="tx1"/>
+                </a:solidFill>
+              </a:rPr>
+              <a:t> </a:t>
+            </a:r>
+            <a:r>
+              <a:rPr lang="de-DE" sz="1600" dirty="0" err="1">
+                <a:solidFill>
+                  <a:schemeClr val="tx1"/>
+                </a:solidFill>
+              </a:rPr>
+              <a:t>the</a:t>
+            </a:r>
+            <a:r>
+              <a:rPr lang="de-DE" sz="1600" dirty="0">
+                <a:solidFill>
+                  <a:schemeClr val="tx1"/>
+                </a:solidFill>
+              </a:rPr>
+              <a:t> </a:t>
+            </a:r>
+            <a:r>
+              <a:rPr lang="de-DE" sz="1600" dirty="0" err="1">
+                <a:solidFill>
+                  <a:schemeClr val="tx1"/>
+                </a:solidFill>
+              </a:rPr>
+              <a:t>projectplanning</a:t>
+            </a:r>
+            <a:endParaRPr lang="de-DE" sz="1600" dirty="0">
+              <a:solidFill>
+                <a:schemeClr val="tx1"/>
+              </a:solidFill>
+            </a:endParaRPr>
+          </a:p>
+        </p:txBody>
+      </p:sp>
+      <p:sp>
+        <p:nvSpPr>
+          <p:cNvPr id="52" name="Sprechblase: rechteckig 51">
+            <a:extLst>
+              <a:ext uri="{FF2B5EF4-FFF2-40B4-BE49-F238E27FC236}">
+                <a16:creationId xmlns:a16="http://schemas.microsoft.com/office/drawing/2014/main" id="{FB82C12E-C75C-4FF2-B36C-48B02A66702B}"/>
+              </a:ext>
+            </a:extLst>
+          </p:cNvPr>
+          <p:cNvSpPr/>
+          <p:nvPr/>
+        </p:nvSpPr>
+        <p:spPr>
+          <a:xfrm>
+            <a:off x="7207956" y="2708920"/>
+            <a:ext cx="2425563" cy="834876"/>
+          </a:xfrm>
+          <a:prstGeom prst="wedgeRectCallout">
+            <a:avLst/>
+          </a:prstGeom>
+          <a:solidFill>
+            <a:schemeClr val="bg1"/>
+          </a:solidFill>
+          <a:ln>
+            <a:solidFill>
+              <a:schemeClr val="bg1">
+                <a:lumMod val="75000"/>
+              </a:schemeClr>
+            </a:solidFill>
+          </a:ln>
+        </p:spPr>
+        <p:style>
+          <a:lnRef idx="2">
+            <a:schemeClr val="accent1">
+              <a:shade val="50000"/>
+            </a:schemeClr>
+          </a:lnRef>
+          <a:fillRef idx="1">
+            <a:schemeClr val="accent1"/>
+          </a:fillRef>
+          <a:effectRef idx="0">
+            <a:schemeClr val="accent1"/>
+          </a:effectRef>
+          <a:fontRef idx="minor">
+            <a:schemeClr val="lt1"/>
+          </a:fontRef>
+        </p:style>
+        <p:txBody>
+          <a:bodyPr rtlCol="0" anchor="ctr"/>
+          <a:lstStyle/>
+          <a:p>
+            <a:pPr marL="285750" indent="-285750">
+              <a:buFont typeface="Arial" panose="020B0604020202020204" pitchFamily="34" charset="0"/>
+              <a:buChar char="•"/>
+            </a:pPr>
+            <a:r>
+              <a:rPr lang="de-DE" sz="1600" dirty="0">
+                <a:solidFill>
+                  <a:schemeClr val="tx1"/>
+                </a:solidFill>
+              </a:rPr>
+              <a:t>Work off </a:t>
+            </a:r>
+            <a:r>
+              <a:rPr lang="de-DE" sz="1600" dirty="0" err="1">
+                <a:solidFill>
+                  <a:schemeClr val="tx1"/>
+                </a:solidFill>
+              </a:rPr>
+              <a:t>Workpackages</a:t>
+            </a:r>
+            <a:endParaRPr lang="de-DE" sz="1600" dirty="0">
+              <a:solidFill>
+                <a:schemeClr val="tx1"/>
+              </a:solidFill>
+            </a:endParaRPr>
+          </a:p>
+          <a:p>
+            <a:pPr marL="285750" indent="-285750">
+              <a:buFont typeface="Arial" panose="020B0604020202020204" pitchFamily="34" charset="0"/>
+              <a:buChar char="•"/>
+            </a:pPr>
+            <a:r>
+              <a:rPr lang="de-DE" sz="1600" dirty="0" err="1">
+                <a:solidFill>
+                  <a:schemeClr val="tx1"/>
+                </a:solidFill>
+              </a:rPr>
+              <a:t>Document</a:t>
+            </a:r>
+            <a:r>
+              <a:rPr lang="de-DE" sz="1600" dirty="0">
+                <a:solidFill>
+                  <a:schemeClr val="tx1"/>
+                </a:solidFill>
+              </a:rPr>
+              <a:t> </a:t>
+            </a:r>
+            <a:r>
+              <a:rPr lang="de-DE" sz="1600" dirty="0" err="1">
+                <a:solidFill>
+                  <a:schemeClr val="tx1"/>
+                </a:solidFill>
+              </a:rPr>
+              <a:t>the</a:t>
+            </a:r>
+            <a:r>
+              <a:rPr lang="de-DE" sz="1600" dirty="0">
+                <a:solidFill>
+                  <a:schemeClr val="tx1"/>
+                </a:solidFill>
+              </a:rPr>
+              <a:t> </a:t>
+            </a:r>
+            <a:r>
+              <a:rPr lang="de-DE" sz="1600" dirty="0" err="1">
+                <a:solidFill>
+                  <a:schemeClr val="tx1"/>
+                </a:solidFill>
+              </a:rPr>
+              <a:t>progress</a:t>
+            </a:r>
+            <a:endParaRPr lang="de-DE" sz="1600" dirty="0">
+              <a:solidFill>
+                <a:schemeClr val="tx1"/>
+              </a:solidFill>
+            </a:endParaRPr>
           </a:p>
         </p:txBody>
       </p:sp>
@@ -5864,6 +12674,606 @@
   <p:clrMapOvr>
     <a:masterClrMapping/>
   </p:clrMapOvr>
+  <p:timing>
+    <p:tnLst>
+      <p:par>
+        <p:cTn id="1" dur="indefinite" restart="never" nodeType="tmRoot">
+          <p:childTnLst>
+            <p:seq concurrent="1" nextAc="seek">
+              <p:cTn id="2" dur="indefinite" nodeType="mainSeq">
+                <p:childTnLst>
+                  <p:par>
+                    <p:cTn id="3" fill="hold">
+                      <p:stCondLst>
+                        <p:cond delay="indefinite"/>
+                      </p:stCondLst>
+                      <p:childTnLst>
+                        <p:par>
+                          <p:cTn id="4" fill="hold">
+                            <p:stCondLst>
+                              <p:cond delay="0"/>
+                            </p:stCondLst>
+                            <p:childTnLst>
+                              <p:par>
+                                <p:cTn id="5" presetID="1" presetClass="entr" presetSubtype="0" fill="hold" grpId="0" nodeType="clickEffect">
+                                  <p:stCondLst>
+                                    <p:cond delay="0"/>
+                                  </p:stCondLst>
+                                  <p:childTnLst>
+                                    <p:set>
+                                      <p:cBhvr>
+                                        <p:cTn id="6" dur="1" fill="hold">
+                                          <p:stCondLst>
+                                            <p:cond delay="0"/>
+                                          </p:stCondLst>
+                                        </p:cTn>
+                                        <p:tgtEl>
+                                          <p:spTgt spid="9"/>
+                                        </p:tgtEl>
+                                        <p:attrNameLst>
+                                          <p:attrName>style.visibility</p:attrName>
+                                        </p:attrNameLst>
+                                      </p:cBhvr>
+                                      <p:to>
+                                        <p:strVal val="visible"/>
+                                      </p:to>
+                                    </p:set>
+                                  </p:childTnLst>
+                                </p:cTn>
+                              </p:par>
+                            </p:childTnLst>
+                          </p:cTn>
+                        </p:par>
+                      </p:childTnLst>
+                    </p:cTn>
+                  </p:par>
+                  <p:par>
+                    <p:cTn id="7" fill="hold">
+                      <p:stCondLst>
+                        <p:cond delay="indefinite"/>
+                      </p:stCondLst>
+                      <p:childTnLst>
+                        <p:par>
+                          <p:cTn id="8" fill="hold">
+                            <p:stCondLst>
+                              <p:cond delay="0"/>
+                            </p:stCondLst>
+                            <p:childTnLst>
+                              <p:par>
+                                <p:cTn id="9" presetID="1" presetClass="entr" presetSubtype="0" fill="hold" grpId="0" nodeType="clickEffect">
+                                  <p:stCondLst>
+                                    <p:cond delay="0"/>
+                                  </p:stCondLst>
+                                  <p:childTnLst>
+                                    <p:set>
+                                      <p:cBhvr>
+                                        <p:cTn id="10" dur="1" fill="hold">
+                                          <p:stCondLst>
+                                            <p:cond delay="0"/>
+                                          </p:stCondLst>
+                                        </p:cTn>
+                                        <p:tgtEl>
+                                          <p:spTgt spid="47"/>
+                                        </p:tgtEl>
+                                        <p:attrNameLst>
+                                          <p:attrName>style.visibility</p:attrName>
+                                        </p:attrNameLst>
+                                      </p:cBhvr>
+                                      <p:to>
+                                        <p:strVal val="visible"/>
+                                      </p:to>
+                                    </p:set>
+                                  </p:childTnLst>
+                                </p:cTn>
+                              </p:par>
+                            </p:childTnLst>
+                          </p:cTn>
+                        </p:par>
+                      </p:childTnLst>
+                    </p:cTn>
+                  </p:par>
+                  <p:par>
+                    <p:cTn id="11" fill="hold">
+                      <p:stCondLst>
+                        <p:cond delay="indefinite"/>
+                      </p:stCondLst>
+                      <p:childTnLst>
+                        <p:par>
+                          <p:cTn id="12" fill="hold">
+                            <p:stCondLst>
+                              <p:cond delay="0"/>
+                            </p:stCondLst>
+                            <p:childTnLst>
+                              <p:par>
+                                <p:cTn id="13" presetID="1" presetClass="entr" presetSubtype="0" fill="hold" nodeType="clickEffect">
+                                  <p:stCondLst>
+                                    <p:cond delay="0"/>
+                                  </p:stCondLst>
+                                  <p:childTnLst>
+                                    <p:set>
+                                      <p:cBhvr>
+                                        <p:cTn id="14" dur="1" fill="hold">
+                                          <p:stCondLst>
+                                            <p:cond delay="0"/>
+                                          </p:stCondLst>
+                                        </p:cTn>
+                                        <p:tgtEl>
+                                          <p:spTgt spid="15"/>
+                                        </p:tgtEl>
+                                        <p:attrNameLst>
+                                          <p:attrName>style.visibility</p:attrName>
+                                        </p:attrNameLst>
+                                      </p:cBhvr>
+                                      <p:to>
+                                        <p:strVal val="visible"/>
+                                      </p:to>
+                                    </p:set>
+                                  </p:childTnLst>
+                                </p:cTn>
+                              </p:par>
+                              <p:par>
+                                <p:cTn id="15" presetID="1" presetClass="entr" presetSubtype="0" fill="hold" grpId="0" nodeType="withEffect">
+                                  <p:stCondLst>
+                                    <p:cond delay="0"/>
+                                  </p:stCondLst>
+                                  <p:childTnLst>
+                                    <p:set>
+                                      <p:cBhvr>
+                                        <p:cTn id="16" dur="1" fill="hold">
+                                          <p:stCondLst>
+                                            <p:cond delay="0"/>
+                                          </p:stCondLst>
+                                        </p:cTn>
+                                        <p:tgtEl>
+                                          <p:spTgt spid="10"/>
+                                        </p:tgtEl>
+                                        <p:attrNameLst>
+                                          <p:attrName>style.visibility</p:attrName>
+                                        </p:attrNameLst>
+                                      </p:cBhvr>
+                                      <p:to>
+                                        <p:strVal val="visible"/>
+                                      </p:to>
+                                    </p:set>
+                                  </p:childTnLst>
+                                </p:cTn>
+                              </p:par>
+                            </p:childTnLst>
+                          </p:cTn>
+                        </p:par>
+                      </p:childTnLst>
+                    </p:cTn>
+                  </p:par>
+                  <p:par>
+                    <p:cTn id="17" fill="hold">
+                      <p:stCondLst>
+                        <p:cond delay="indefinite"/>
+                      </p:stCondLst>
+                      <p:childTnLst>
+                        <p:par>
+                          <p:cTn id="18" fill="hold">
+                            <p:stCondLst>
+                              <p:cond delay="0"/>
+                            </p:stCondLst>
+                            <p:childTnLst>
+                              <p:par>
+                                <p:cTn id="19" presetID="1" presetClass="entr" presetSubtype="0" fill="hold" grpId="0" nodeType="clickEffect">
+                                  <p:stCondLst>
+                                    <p:cond delay="0"/>
+                                  </p:stCondLst>
+                                  <p:childTnLst>
+                                    <p:set>
+                                      <p:cBhvr>
+                                        <p:cTn id="20" dur="1" fill="hold">
+                                          <p:stCondLst>
+                                            <p:cond delay="0"/>
+                                          </p:stCondLst>
+                                        </p:cTn>
+                                        <p:tgtEl>
+                                          <p:spTgt spid="49"/>
+                                        </p:tgtEl>
+                                        <p:attrNameLst>
+                                          <p:attrName>style.visibility</p:attrName>
+                                        </p:attrNameLst>
+                                      </p:cBhvr>
+                                      <p:to>
+                                        <p:strVal val="visible"/>
+                                      </p:to>
+                                    </p:set>
+                                  </p:childTnLst>
+                                </p:cTn>
+                              </p:par>
+                            </p:childTnLst>
+                          </p:cTn>
+                        </p:par>
+                      </p:childTnLst>
+                    </p:cTn>
+                  </p:par>
+                  <p:par>
+                    <p:cTn id="21" fill="hold">
+                      <p:stCondLst>
+                        <p:cond delay="indefinite"/>
+                      </p:stCondLst>
+                      <p:childTnLst>
+                        <p:par>
+                          <p:cTn id="22" fill="hold">
+                            <p:stCondLst>
+                              <p:cond delay="0"/>
+                            </p:stCondLst>
+                            <p:childTnLst>
+                              <p:par>
+                                <p:cTn id="23" presetID="1" presetClass="entr" presetSubtype="0" fill="hold" nodeType="clickEffect">
+                                  <p:stCondLst>
+                                    <p:cond delay="0"/>
+                                  </p:stCondLst>
+                                  <p:childTnLst>
+                                    <p:set>
+                                      <p:cBhvr>
+                                        <p:cTn id="24" dur="1" fill="hold">
+                                          <p:stCondLst>
+                                            <p:cond delay="0"/>
+                                          </p:stCondLst>
+                                        </p:cTn>
+                                        <p:tgtEl>
+                                          <p:spTgt spid="17"/>
+                                        </p:tgtEl>
+                                        <p:attrNameLst>
+                                          <p:attrName>style.visibility</p:attrName>
+                                        </p:attrNameLst>
+                                      </p:cBhvr>
+                                      <p:to>
+                                        <p:strVal val="visible"/>
+                                      </p:to>
+                                    </p:set>
+                                  </p:childTnLst>
+                                </p:cTn>
+                              </p:par>
+                              <p:par>
+                                <p:cTn id="25" presetID="1" presetClass="entr" presetSubtype="0" fill="hold" grpId="0" nodeType="withEffect">
+                                  <p:stCondLst>
+                                    <p:cond delay="0"/>
+                                  </p:stCondLst>
+                                  <p:childTnLst>
+                                    <p:set>
+                                      <p:cBhvr>
+                                        <p:cTn id="26" dur="1" fill="hold">
+                                          <p:stCondLst>
+                                            <p:cond delay="0"/>
+                                          </p:stCondLst>
+                                        </p:cTn>
+                                        <p:tgtEl>
+                                          <p:spTgt spid="11"/>
+                                        </p:tgtEl>
+                                        <p:attrNameLst>
+                                          <p:attrName>style.visibility</p:attrName>
+                                        </p:attrNameLst>
+                                      </p:cBhvr>
+                                      <p:to>
+                                        <p:strVal val="visible"/>
+                                      </p:to>
+                                    </p:set>
+                                  </p:childTnLst>
+                                </p:cTn>
+                              </p:par>
+                            </p:childTnLst>
+                          </p:cTn>
+                        </p:par>
+                      </p:childTnLst>
+                    </p:cTn>
+                  </p:par>
+                  <p:par>
+                    <p:cTn id="27" fill="hold">
+                      <p:stCondLst>
+                        <p:cond delay="indefinite"/>
+                      </p:stCondLst>
+                      <p:childTnLst>
+                        <p:par>
+                          <p:cTn id="28" fill="hold">
+                            <p:stCondLst>
+                              <p:cond delay="0"/>
+                            </p:stCondLst>
+                            <p:childTnLst>
+                              <p:par>
+                                <p:cTn id="29" presetID="1" presetClass="entr" presetSubtype="0" fill="hold" grpId="0" nodeType="clickEffect">
+                                  <p:stCondLst>
+                                    <p:cond delay="0"/>
+                                  </p:stCondLst>
+                                  <p:childTnLst>
+                                    <p:set>
+                                      <p:cBhvr>
+                                        <p:cTn id="30" dur="1" fill="hold">
+                                          <p:stCondLst>
+                                            <p:cond delay="0"/>
+                                          </p:stCondLst>
+                                        </p:cTn>
+                                        <p:tgtEl>
+                                          <p:spTgt spid="50"/>
+                                        </p:tgtEl>
+                                        <p:attrNameLst>
+                                          <p:attrName>style.visibility</p:attrName>
+                                        </p:attrNameLst>
+                                      </p:cBhvr>
+                                      <p:to>
+                                        <p:strVal val="visible"/>
+                                      </p:to>
+                                    </p:set>
+                                  </p:childTnLst>
+                                </p:cTn>
+                              </p:par>
+                            </p:childTnLst>
+                          </p:cTn>
+                        </p:par>
+                      </p:childTnLst>
+                    </p:cTn>
+                  </p:par>
+                  <p:par>
+                    <p:cTn id="31" fill="hold">
+                      <p:stCondLst>
+                        <p:cond delay="indefinite"/>
+                      </p:stCondLst>
+                      <p:childTnLst>
+                        <p:par>
+                          <p:cTn id="32" fill="hold">
+                            <p:stCondLst>
+                              <p:cond delay="0"/>
+                            </p:stCondLst>
+                            <p:childTnLst>
+                              <p:par>
+                                <p:cTn id="33" presetID="1" presetClass="entr" presetSubtype="0" fill="hold" nodeType="clickEffect">
+                                  <p:stCondLst>
+                                    <p:cond delay="0"/>
+                                  </p:stCondLst>
+                                  <p:childTnLst>
+                                    <p:set>
+                                      <p:cBhvr>
+                                        <p:cTn id="34" dur="1" fill="hold">
+                                          <p:stCondLst>
+                                            <p:cond delay="0"/>
+                                          </p:stCondLst>
+                                        </p:cTn>
+                                        <p:tgtEl>
+                                          <p:spTgt spid="20"/>
+                                        </p:tgtEl>
+                                        <p:attrNameLst>
+                                          <p:attrName>style.visibility</p:attrName>
+                                        </p:attrNameLst>
+                                      </p:cBhvr>
+                                      <p:to>
+                                        <p:strVal val="visible"/>
+                                      </p:to>
+                                    </p:set>
+                                  </p:childTnLst>
+                                </p:cTn>
+                              </p:par>
+                              <p:par>
+                                <p:cTn id="35" presetID="1" presetClass="entr" presetSubtype="0" fill="hold" grpId="0" nodeType="withEffect">
+                                  <p:stCondLst>
+                                    <p:cond delay="0"/>
+                                  </p:stCondLst>
+                                  <p:childTnLst>
+                                    <p:set>
+                                      <p:cBhvr>
+                                        <p:cTn id="36" dur="1" fill="hold">
+                                          <p:stCondLst>
+                                            <p:cond delay="0"/>
+                                          </p:stCondLst>
+                                        </p:cTn>
+                                        <p:tgtEl>
+                                          <p:spTgt spid="12"/>
+                                        </p:tgtEl>
+                                        <p:attrNameLst>
+                                          <p:attrName>style.visibility</p:attrName>
+                                        </p:attrNameLst>
+                                      </p:cBhvr>
+                                      <p:to>
+                                        <p:strVal val="visible"/>
+                                      </p:to>
+                                    </p:set>
+                                  </p:childTnLst>
+                                </p:cTn>
+                              </p:par>
+                            </p:childTnLst>
+                          </p:cTn>
+                        </p:par>
+                      </p:childTnLst>
+                    </p:cTn>
+                  </p:par>
+                  <p:par>
+                    <p:cTn id="37" fill="hold">
+                      <p:stCondLst>
+                        <p:cond delay="indefinite"/>
+                      </p:stCondLst>
+                      <p:childTnLst>
+                        <p:par>
+                          <p:cTn id="38" fill="hold">
+                            <p:stCondLst>
+                              <p:cond delay="0"/>
+                            </p:stCondLst>
+                            <p:childTnLst>
+                              <p:par>
+                                <p:cTn id="39" presetID="1" presetClass="entr" presetSubtype="0" fill="hold" grpId="0" nodeType="clickEffect">
+                                  <p:stCondLst>
+                                    <p:cond delay="0"/>
+                                  </p:stCondLst>
+                                  <p:childTnLst>
+                                    <p:set>
+                                      <p:cBhvr>
+                                        <p:cTn id="40" dur="1" fill="hold">
+                                          <p:stCondLst>
+                                            <p:cond delay="0"/>
+                                          </p:stCondLst>
+                                        </p:cTn>
+                                        <p:tgtEl>
+                                          <p:spTgt spid="51"/>
+                                        </p:tgtEl>
+                                        <p:attrNameLst>
+                                          <p:attrName>style.visibility</p:attrName>
+                                        </p:attrNameLst>
+                                      </p:cBhvr>
+                                      <p:to>
+                                        <p:strVal val="visible"/>
+                                      </p:to>
+                                    </p:set>
+                                  </p:childTnLst>
+                                </p:cTn>
+                              </p:par>
+                            </p:childTnLst>
+                          </p:cTn>
+                        </p:par>
+                      </p:childTnLst>
+                    </p:cTn>
+                  </p:par>
+                  <p:par>
+                    <p:cTn id="41" fill="hold">
+                      <p:stCondLst>
+                        <p:cond delay="indefinite"/>
+                      </p:stCondLst>
+                      <p:childTnLst>
+                        <p:par>
+                          <p:cTn id="42" fill="hold">
+                            <p:stCondLst>
+                              <p:cond delay="0"/>
+                            </p:stCondLst>
+                            <p:childTnLst>
+                              <p:par>
+                                <p:cTn id="43" presetID="1" presetClass="entr" presetSubtype="0" fill="hold" nodeType="clickEffect">
+                                  <p:stCondLst>
+                                    <p:cond delay="0"/>
+                                  </p:stCondLst>
+                                  <p:childTnLst>
+                                    <p:set>
+                                      <p:cBhvr>
+                                        <p:cTn id="44" dur="1" fill="hold">
+                                          <p:stCondLst>
+                                            <p:cond delay="0"/>
+                                          </p:stCondLst>
+                                        </p:cTn>
+                                        <p:tgtEl>
+                                          <p:spTgt spid="23"/>
+                                        </p:tgtEl>
+                                        <p:attrNameLst>
+                                          <p:attrName>style.visibility</p:attrName>
+                                        </p:attrNameLst>
+                                      </p:cBhvr>
+                                      <p:to>
+                                        <p:strVal val="visible"/>
+                                      </p:to>
+                                    </p:set>
+                                  </p:childTnLst>
+                                </p:cTn>
+                              </p:par>
+                              <p:par>
+                                <p:cTn id="45" presetID="1" presetClass="entr" presetSubtype="0" fill="hold" grpId="0" nodeType="withEffect">
+                                  <p:stCondLst>
+                                    <p:cond delay="0"/>
+                                  </p:stCondLst>
+                                  <p:childTnLst>
+                                    <p:set>
+                                      <p:cBhvr>
+                                        <p:cTn id="46" dur="1" fill="hold">
+                                          <p:stCondLst>
+                                            <p:cond delay="0"/>
+                                          </p:stCondLst>
+                                        </p:cTn>
+                                        <p:tgtEl>
+                                          <p:spTgt spid="13"/>
+                                        </p:tgtEl>
+                                        <p:attrNameLst>
+                                          <p:attrName>style.visibility</p:attrName>
+                                        </p:attrNameLst>
+                                      </p:cBhvr>
+                                      <p:to>
+                                        <p:strVal val="visible"/>
+                                      </p:to>
+                                    </p:set>
+                                  </p:childTnLst>
+                                </p:cTn>
+                              </p:par>
+                            </p:childTnLst>
+                          </p:cTn>
+                        </p:par>
+                      </p:childTnLst>
+                    </p:cTn>
+                  </p:par>
+                  <p:par>
+                    <p:cTn id="47" fill="hold">
+                      <p:stCondLst>
+                        <p:cond delay="indefinite"/>
+                      </p:stCondLst>
+                      <p:childTnLst>
+                        <p:par>
+                          <p:cTn id="48" fill="hold">
+                            <p:stCondLst>
+                              <p:cond delay="0"/>
+                            </p:stCondLst>
+                            <p:childTnLst>
+                              <p:par>
+                                <p:cTn id="49" presetID="1" presetClass="entr" presetSubtype="0" fill="hold" grpId="0" nodeType="clickEffect">
+                                  <p:stCondLst>
+                                    <p:cond delay="0"/>
+                                  </p:stCondLst>
+                                  <p:childTnLst>
+                                    <p:set>
+                                      <p:cBhvr>
+                                        <p:cTn id="50" dur="1" fill="hold">
+                                          <p:stCondLst>
+                                            <p:cond delay="0"/>
+                                          </p:stCondLst>
+                                        </p:cTn>
+                                        <p:tgtEl>
+                                          <p:spTgt spid="52"/>
+                                        </p:tgtEl>
+                                        <p:attrNameLst>
+                                          <p:attrName>style.visibility</p:attrName>
+                                        </p:attrNameLst>
+                                      </p:cBhvr>
+                                      <p:to>
+                                        <p:strVal val="visible"/>
+                                      </p:to>
+                                    </p:set>
+                                  </p:childTnLst>
+                                </p:cTn>
+                              </p:par>
+                            </p:childTnLst>
+                          </p:cTn>
+                        </p:par>
+                      </p:childTnLst>
+                    </p:cTn>
+                  </p:par>
+                </p:childTnLst>
+              </p:cTn>
+              <p:prevCondLst>
+                <p:cond evt="onPrev" delay="0">
+                  <p:tgtEl>
+                    <p:sldTgt/>
+                  </p:tgtEl>
+                </p:cond>
+              </p:prevCondLst>
+              <p:nextCondLst>
+                <p:cond evt="onNext" delay="0">
+                  <p:tgtEl>
+                    <p:sldTgt/>
+                  </p:tgtEl>
+                </p:cond>
+              </p:nextCondLst>
+            </p:seq>
+          </p:childTnLst>
+        </p:cTn>
+      </p:par>
+    </p:tnLst>
+    <p:bldLst>
+      <p:bldP spid="9" grpId="0" animBg="1"/>
+      <p:bldP spid="10" grpId="0" animBg="1"/>
+      <p:bldP spid="11" grpId="0" animBg="1"/>
+      <p:bldP spid="12" grpId="0" animBg="1"/>
+      <p:bldP spid="13" grpId="0" animBg="1"/>
+      <p:bldP spid="47" grpId="0" animBg="1"/>
+      <p:bldP spid="49" grpId="0" animBg="1"/>
+      <p:bldP spid="50" grpId="0" animBg="1"/>
+      <p:bldP spid="51" grpId="0" animBg="1"/>
+      <p:bldP spid="52" grpId="0" animBg="1"/>
+    </p:bldLst>
+  </p:timing>
 </p:sld>
 </file>
 

--- a/01_Projektmanagement/Assignment 5 - Project Managements Methods.pptx
+++ b/01_Projektmanagement/Assignment 5 - Project Managements Methods.pptx
@@ -13,9 +13,9 @@
   <p:sldIdLst>
     <p:sldId id="256" r:id="rId2"/>
     <p:sldId id="1735" r:id="rId3"/>
-    <p:sldId id="1743" r:id="rId4"/>
-    <p:sldId id="1744" r:id="rId5"/>
-    <p:sldId id="1745" r:id="rId6"/>
+    <p:sldId id="1745" r:id="rId4"/>
+    <p:sldId id="1743" r:id="rId5"/>
+    <p:sldId id="1744" r:id="rId6"/>
     <p:sldId id="1746" r:id="rId7"/>
     <p:sldId id="1747" r:id="rId8"/>
     <p:sldId id="1748" r:id="rId9"/>
@@ -174,106 +174,12 @@
 </p:presentation>
 </file>
 
+<file path=ppt/revisionInfo.xml><?xml version="1.0" encoding="utf-8"?>
+<p1510:revInfo xmlns:a="http://schemas.openxmlformats.org/drawingml/2006/main" xmlns:r="http://schemas.openxmlformats.org/officeDocument/2006/relationships" xmlns:p1510="http://schemas.microsoft.com/office/powerpoint/2015/10/main"/>
+</file>
+
 <file path=ppt/changesInfos/changesInfo1.xml><?xml version="1.0" encoding="utf-8"?>
 <pc:chgInfo xmlns:a="http://schemas.openxmlformats.org/drawingml/2006/main" xmlns:r="http://schemas.openxmlformats.org/officeDocument/2006/relationships" xmlns:ac="http://schemas.microsoft.com/office/drawing/2013/main/command" xmlns:pc="http://schemas.microsoft.com/office/powerpoint/2013/main/command">
-  <pc:docChgLst>
-    <pc:chgData name="Chris G" userId="ec6dd0bf820af39d" providerId="LiveId" clId="{77B084DB-34BD-4714-AFF6-B98C98F6D19D}"/>
-    <pc:docChg chg="custSel addSld delSld modSld modMainMaster">
-      <pc:chgData name="Chris G" userId="ec6dd0bf820af39d" providerId="LiveId" clId="{77B084DB-34BD-4714-AFF6-B98C98F6D19D}" dt="2018-01-19T18:41:39.476" v="445" actId="20577"/>
-      <pc:docMkLst>
-        <pc:docMk/>
-      </pc:docMkLst>
-      <pc:sldChg chg="modSp">
-        <pc:chgData name="Chris G" userId="ec6dd0bf820af39d" providerId="LiveId" clId="{77B084DB-34BD-4714-AFF6-B98C98F6D19D}" dt="2018-01-19T18:41:39.476" v="445" actId="20577"/>
-        <pc:sldMkLst>
-          <pc:docMk/>
-          <pc:sldMk cId="1175140175" sldId="1735"/>
-        </pc:sldMkLst>
-        <pc:spChg chg="mod">
-          <ac:chgData name="Chris G" userId="ec6dd0bf820af39d" providerId="LiveId" clId="{77B084DB-34BD-4714-AFF6-B98C98F6D19D}" dt="2018-01-19T18:41:39.476" v="445" actId="20577"/>
-          <ac:spMkLst>
-            <pc:docMk/>
-            <pc:sldMk cId="1175140175" sldId="1735"/>
-            <ac:spMk id="2" creationId="{00000000-0000-0000-0000-000000000000}"/>
-          </ac:spMkLst>
-        </pc:spChg>
-      </pc:sldChg>
-      <pc:sldChg chg="modSp add">
-        <pc:chgData name="Chris G" userId="ec6dd0bf820af39d" providerId="LiveId" clId="{77B084DB-34BD-4714-AFF6-B98C98F6D19D}" dt="2018-01-19T18:41:02.716" v="422" actId="27636"/>
-        <pc:sldMkLst>
-          <pc:docMk/>
-          <pc:sldMk cId="2335807216" sldId="1740"/>
-        </pc:sldMkLst>
-        <pc:spChg chg="mod">
-          <ac:chgData name="Chris G" userId="ec6dd0bf820af39d" providerId="LiveId" clId="{77B084DB-34BD-4714-AFF6-B98C98F6D19D}" dt="2018-01-19T18:41:02.716" v="422" actId="27636"/>
-          <ac:spMkLst>
-            <pc:docMk/>
-            <pc:sldMk cId="2335807216" sldId="1740"/>
-            <ac:spMk id="3" creationId="{EEB99570-74B8-496E-9BF0-78D33340D20E}"/>
-          </ac:spMkLst>
-        </pc:spChg>
-      </pc:sldChg>
-      <pc:sldMasterChg chg="modSldLayout">
-        <pc:chgData name="Chris G" userId="ec6dd0bf820af39d" providerId="LiveId" clId="{77B084DB-34BD-4714-AFF6-B98C98F6D19D}" dt="2018-01-19T18:39:27.761" v="397" actId="20577"/>
-        <pc:sldMasterMkLst>
-          <pc:docMk/>
-          <pc:sldMasterMk cId="1056324580" sldId="2147483648"/>
-        </pc:sldMasterMkLst>
-        <pc:sldLayoutChg chg="modSp">
-          <pc:chgData name="Chris G" userId="ec6dd0bf820af39d" providerId="LiveId" clId="{77B084DB-34BD-4714-AFF6-B98C98F6D19D}" dt="2018-01-19T18:39:27.761" v="397" actId="20577"/>
-          <pc:sldLayoutMkLst>
-            <pc:docMk/>
-            <pc:sldMasterMk cId="1056324580" sldId="2147483648"/>
-            <pc:sldLayoutMk cId="2118820008" sldId="2147483650"/>
-          </pc:sldLayoutMkLst>
-          <pc:spChg chg="mod">
-            <ac:chgData name="Chris G" userId="ec6dd0bf820af39d" providerId="LiveId" clId="{77B084DB-34BD-4714-AFF6-B98C98F6D19D}" dt="2018-01-19T18:19:44.033" v="85" actId="20577"/>
-            <ac:spMkLst>
-              <pc:docMk/>
-              <pc:sldMasterMk cId="1056324580" sldId="2147483648"/>
-              <pc:sldLayoutMk cId="2118820008" sldId="2147483650"/>
-              <ac:spMk id="3" creationId="{00000000-0000-0000-0000-000000000000}"/>
-            </ac:spMkLst>
-          </pc:spChg>
-          <pc:spChg chg="mod">
-            <ac:chgData name="Chris G" userId="ec6dd0bf820af39d" providerId="LiveId" clId="{77B084DB-34BD-4714-AFF6-B98C98F6D19D}" dt="2018-01-19T18:39:27.761" v="397" actId="20577"/>
-            <ac:spMkLst>
-              <pc:docMk/>
-              <pc:sldMasterMk cId="1056324580" sldId="2147483648"/>
-              <pc:sldLayoutMk cId="2118820008" sldId="2147483650"/>
-              <ac:spMk id="9" creationId="{00000000-0000-0000-0000-000000000000}"/>
-            </ac:spMkLst>
-          </pc:spChg>
-        </pc:sldLayoutChg>
-        <pc:sldLayoutChg chg="modSp">
-          <pc:chgData name="Chris G" userId="ec6dd0bf820af39d" providerId="LiveId" clId="{77B084DB-34BD-4714-AFF6-B98C98F6D19D}" dt="2018-01-19T18:20:06.082" v="100" actId="20577"/>
-          <pc:sldLayoutMkLst>
-            <pc:docMk/>
-            <pc:sldMasterMk cId="1056324580" sldId="2147483648"/>
-            <pc:sldLayoutMk cId="2665502471" sldId="2147483653"/>
-          </pc:sldLayoutMkLst>
-          <pc:spChg chg="mod">
-            <ac:chgData name="Chris G" userId="ec6dd0bf820af39d" providerId="LiveId" clId="{77B084DB-34BD-4714-AFF6-B98C98F6D19D}" dt="2018-01-19T18:20:04.658" v="99" actId="20577"/>
-            <ac:spMkLst>
-              <pc:docMk/>
-              <pc:sldMasterMk cId="1056324580" sldId="2147483648"/>
-              <pc:sldLayoutMk cId="2665502471" sldId="2147483653"/>
-              <ac:spMk id="4" creationId="{00000000-0000-0000-0000-000000000000}"/>
-            </ac:spMkLst>
-          </pc:spChg>
-          <pc:spChg chg="mod">
-            <ac:chgData name="Chris G" userId="ec6dd0bf820af39d" providerId="LiveId" clId="{77B084DB-34BD-4714-AFF6-B98C98F6D19D}" dt="2018-01-19T18:20:06.082" v="100" actId="20577"/>
-            <ac:spMkLst>
-              <pc:docMk/>
-              <pc:sldMasterMk cId="1056324580" sldId="2147483648"/>
-              <pc:sldLayoutMk cId="2665502471" sldId="2147483653"/>
-              <ac:spMk id="6" creationId="{00000000-0000-0000-0000-000000000000}"/>
-            </ac:spMkLst>
-          </pc:spChg>
-        </pc:sldLayoutChg>
-      </pc:sldMasterChg>
-    </pc:docChg>
-  </pc:docChgLst>
   <pc:docChgLst>
     <pc:chgData name="Chris G" userId="ec6dd0bf820af39d" providerId="LiveId" clId="{A6C1FA34-9980-42BD-90CE-52D17F13C601}"/>
     <pc:docChg chg="undo redo custSel addSld delSld modSld">
@@ -1202,6 +1108,104 @@
       </pc:sldChg>
     </pc:docChg>
   </pc:docChgLst>
+  <pc:docChgLst>
+    <pc:chgData name="Chris G" userId="ec6dd0bf820af39d" providerId="LiveId" clId="{77B084DB-34BD-4714-AFF6-B98C98F6D19D}"/>
+    <pc:docChg chg="custSel addSld delSld modSld modMainMaster">
+      <pc:chgData name="Chris G" userId="ec6dd0bf820af39d" providerId="LiveId" clId="{77B084DB-34BD-4714-AFF6-B98C98F6D19D}" dt="2018-01-19T18:41:39.476" v="445" actId="20577"/>
+      <pc:docMkLst>
+        <pc:docMk/>
+      </pc:docMkLst>
+      <pc:sldChg chg="modSp">
+        <pc:chgData name="Chris G" userId="ec6dd0bf820af39d" providerId="LiveId" clId="{77B084DB-34BD-4714-AFF6-B98C98F6D19D}" dt="2018-01-19T18:41:39.476" v="445" actId="20577"/>
+        <pc:sldMkLst>
+          <pc:docMk/>
+          <pc:sldMk cId="1175140175" sldId="1735"/>
+        </pc:sldMkLst>
+        <pc:spChg chg="mod">
+          <ac:chgData name="Chris G" userId="ec6dd0bf820af39d" providerId="LiveId" clId="{77B084DB-34BD-4714-AFF6-B98C98F6D19D}" dt="2018-01-19T18:41:39.476" v="445" actId="20577"/>
+          <ac:spMkLst>
+            <pc:docMk/>
+            <pc:sldMk cId="1175140175" sldId="1735"/>
+            <ac:spMk id="2" creationId="{00000000-0000-0000-0000-000000000000}"/>
+          </ac:spMkLst>
+        </pc:spChg>
+      </pc:sldChg>
+      <pc:sldChg chg="modSp add">
+        <pc:chgData name="Chris G" userId="ec6dd0bf820af39d" providerId="LiveId" clId="{77B084DB-34BD-4714-AFF6-B98C98F6D19D}" dt="2018-01-19T18:41:02.716" v="422" actId="27636"/>
+        <pc:sldMkLst>
+          <pc:docMk/>
+          <pc:sldMk cId="2335807216" sldId="1740"/>
+        </pc:sldMkLst>
+        <pc:spChg chg="mod">
+          <ac:chgData name="Chris G" userId="ec6dd0bf820af39d" providerId="LiveId" clId="{77B084DB-34BD-4714-AFF6-B98C98F6D19D}" dt="2018-01-19T18:41:02.716" v="422" actId="27636"/>
+          <ac:spMkLst>
+            <pc:docMk/>
+            <pc:sldMk cId="2335807216" sldId="1740"/>
+            <ac:spMk id="3" creationId="{EEB99570-74B8-496E-9BF0-78D33340D20E}"/>
+          </ac:spMkLst>
+        </pc:spChg>
+      </pc:sldChg>
+      <pc:sldMasterChg chg="modSldLayout">
+        <pc:chgData name="Chris G" userId="ec6dd0bf820af39d" providerId="LiveId" clId="{77B084DB-34BD-4714-AFF6-B98C98F6D19D}" dt="2018-01-19T18:39:27.761" v="397" actId="20577"/>
+        <pc:sldMasterMkLst>
+          <pc:docMk/>
+          <pc:sldMasterMk cId="1056324580" sldId="2147483648"/>
+        </pc:sldMasterMkLst>
+        <pc:sldLayoutChg chg="modSp">
+          <pc:chgData name="Chris G" userId="ec6dd0bf820af39d" providerId="LiveId" clId="{77B084DB-34BD-4714-AFF6-B98C98F6D19D}" dt="2018-01-19T18:39:27.761" v="397" actId="20577"/>
+          <pc:sldLayoutMkLst>
+            <pc:docMk/>
+            <pc:sldMasterMk cId="1056324580" sldId="2147483648"/>
+            <pc:sldLayoutMk cId="2118820008" sldId="2147483650"/>
+          </pc:sldLayoutMkLst>
+          <pc:spChg chg="mod">
+            <ac:chgData name="Chris G" userId="ec6dd0bf820af39d" providerId="LiveId" clId="{77B084DB-34BD-4714-AFF6-B98C98F6D19D}" dt="2018-01-19T18:19:44.033" v="85" actId="20577"/>
+            <ac:spMkLst>
+              <pc:docMk/>
+              <pc:sldMasterMk cId="1056324580" sldId="2147483648"/>
+              <pc:sldLayoutMk cId="2118820008" sldId="2147483650"/>
+              <ac:spMk id="3" creationId="{00000000-0000-0000-0000-000000000000}"/>
+            </ac:spMkLst>
+          </pc:spChg>
+          <pc:spChg chg="mod">
+            <ac:chgData name="Chris G" userId="ec6dd0bf820af39d" providerId="LiveId" clId="{77B084DB-34BD-4714-AFF6-B98C98F6D19D}" dt="2018-01-19T18:39:27.761" v="397" actId="20577"/>
+            <ac:spMkLst>
+              <pc:docMk/>
+              <pc:sldMasterMk cId="1056324580" sldId="2147483648"/>
+              <pc:sldLayoutMk cId="2118820008" sldId="2147483650"/>
+              <ac:spMk id="9" creationId="{00000000-0000-0000-0000-000000000000}"/>
+            </ac:spMkLst>
+          </pc:spChg>
+        </pc:sldLayoutChg>
+        <pc:sldLayoutChg chg="modSp">
+          <pc:chgData name="Chris G" userId="ec6dd0bf820af39d" providerId="LiveId" clId="{77B084DB-34BD-4714-AFF6-B98C98F6D19D}" dt="2018-01-19T18:20:06.082" v="100" actId="20577"/>
+          <pc:sldLayoutMkLst>
+            <pc:docMk/>
+            <pc:sldMasterMk cId="1056324580" sldId="2147483648"/>
+            <pc:sldLayoutMk cId="2665502471" sldId="2147483653"/>
+          </pc:sldLayoutMkLst>
+          <pc:spChg chg="mod">
+            <ac:chgData name="Chris G" userId="ec6dd0bf820af39d" providerId="LiveId" clId="{77B084DB-34BD-4714-AFF6-B98C98F6D19D}" dt="2018-01-19T18:20:04.658" v="99" actId="20577"/>
+            <ac:spMkLst>
+              <pc:docMk/>
+              <pc:sldMasterMk cId="1056324580" sldId="2147483648"/>
+              <pc:sldLayoutMk cId="2665502471" sldId="2147483653"/>
+              <ac:spMk id="4" creationId="{00000000-0000-0000-0000-000000000000}"/>
+            </ac:spMkLst>
+          </pc:spChg>
+          <pc:spChg chg="mod">
+            <ac:chgData name="Chris G" userId="ec6dd0bf820af39d" providerId="LiveId" clId="{77B084DB-34BD-4714-AFF6-B98C98F6D19D}" dt="2018-01-19T18:20:06.082" v="100" actId="20577"/>
+            <ac:spMkLst>
+              <pc:docMk/>
+              <pc:sldMasterMk cId="1056324580" sldId="2147483648"/>
+              <pc:sldLayoutMk cId="2665502471" sldId="2147483653"/>
+              <ac:spMk id="6" creationId="{00000000-0000-0000-0000-000000000000}"/>
+            </ac:spMkLst>
+          </pc:spChg>
+        </pc:sldLayoutChg>
+      </pc:sldMasterChg>
+    </pc:docChg>
+  </pc:docChgLst>
 </pc:chgInfo>
 </file>
 
@@ -1287,7 +1291,7 @@
           <a:p>
             <a:fld id="{D27E40BE-1D10-4C80-A8BF-F5AF39EFA189}" type="datetimeFigureOut">
               <a:rPr lang="de-DE" smtClean="0"/>
-              <a:t>21.01.2018</a:t>
+              <a:t>22.01.2018</a:t>
             </a:fld>
             <a:endParaRPr lang="de-DE"/>
           </a:p>
@@ -1452,7 +1456,7 @@
           <a:p>
             <a:fld id="{E2C32285-C8C6-4668-B04E-FA4453CF6A76}" type="datetimeFigureOut">
               <a:rPr lang="de-AT" smtClean="0"/>
-              <a:t>21.01.2018</a:t>
+              <a:t>22.01.2018</a:t>
             </a:fld>
             <a:endParaRPr lang="de-AT"/>
           </a:p>
@@ -1764,7 +1768,7 @@
           <a:bodyPr/>
           <a:lstStyle/>
           <a:p>
-            <a:endParaRPr lang="de-DE" dirty="0"/>
+            <a:endParaRPr lang="de-AT" dirty="0"/>
           </a:p>
         </p:txBody>
       </p:sp>
@@ -1785,7 +1789,7 @@
           <a:p>
             <a:fld id="{EABE0D26-08C0-41F2-9EB8-4EF69F79B2A4}" type="slidenum">
               <a:rPr lang="de-AT" smtClean="0"/>
-              <a:t>9</a:t>
+              <a:t>4</a:t>
             </a:fld>
             <a:endParaRPr lang="de-AT"/>
           </a:p>
@@ -1794,7 +1798,7 @@
     </p:spTree>
     <p:extLst>
       <p:ext uri="{BB962C8B-B14F-4D97-AF65-F5344CB8AC3E}">
-        <p14:creationId xmlns:p14="http://schemas.microsoft.com/office/powerpoint/2010/main" val="1908101786"/>
+        <p14:creationId xmlns:p14="http://schemas.microsoft.com/office/powerpoint/2010/main" val="7833288"/>
       </p:ext>
     </p:extLst>
   </p:cSld>
@@ -1869,7 +1873,7 @@
           <a:p>
             <a:fld id="{EABE0D26-08C0-41F2-9EB8-4EF69F79B2A4}" type="slidenum">
               <a:rPr lang="de-AT" smtClean="0"/>
-              <a:t>10</a:t>
+              <a:t>9</a:t>
             </a:fld>
             <a:endParaRPr lang="de-AT"/>
           </a:p>
@@ -1878,7 +1882,7 @@
     </p:spTree>
     <p:extLst>
       <p:ext uri="{BB962C8B-B14F-4D97-AF65-F5344CB8AC3E}">
-        <p14:creationId xmlns:p14="http://schemas.microsoft.com/office/powerpoint/2010/main" val="1057318708"/>
+        <p14:creationId xmlns:p14="http://schemas.microsoft.com/office/powerpoint/2010/main" val="1908101786"/>
       </p:ext>
     </p:extLst>
   </p:cSld>
@@ -1953,6 +1957,90 @@
           <a:p>
             <a:fld id="{EABE0D26-08C0-41F2-9EB8-4EF69F79B2A4}" type="slidenum">
               <a:rPr lang="de-AT" smtClean="0"/>
+              <a:t>10</a:t>
+            </a:fld>
+            <a:endParaRPr lang="de-AT"/>
+          </a:p>
+        </p:txBody>
+      </p:sp>
+    </p:spTree>
+    <p:extLst>
+      <p:ext uri="{BB962C8B-B14F-4D97-AF65-F5344CB8AC3E}">
+        <p14:creationId xmlns:p14="http://schemas.microsoft.com/office/powerpoint/2010/main" val="1057318708"/>
+      </p:ext>
+    </p:extLst>
+  </p:cSld>
+  <p:clrMapOvr>
+    <a:masterClrMapping/>
+  </p:clrMapOvr>
+</p:notes>
+</file>
+
+<file path=ppt/notesSlides/notesSlide4.xml><?xml version="1.0" encoding="utf-8"?>
+<p:notes xmlns:a="http://schemas.openxmlformats.org/drawingml/2006/main" xmlns:r="http://schemas.openxmlformats.org/officeDocument/2006/relationships" xmlns:p="http://schemas.openxmlformats.org/presentationml/2006/main">
+  <p:cSld>
+    <p:spTree>
+      <p:nvGrpSpPr>
+        <p:cNvPr id="1" name=""/>
+        <p:cNvGrpSpPr/>
+        <p:nvPr/>
+      </p:nvGrpSpPr>
+      <p:grpSpPr>
+        <a:xfrm>
+          <a:off x="0" y="0"/>
+          <a:ext cx="0" cy="0"/>
+          <a:chOff x="0" y="0"/>
+          <a:chExt cx="0" cy="0"/>
+        </a:xfrm>
+      </p:grpSpPr>
+      <p:sp>
+        <p:nvSpPr>
+          <p:cNvPr id="2" name="Folienbildplatzhalter 1"/>
+          <p:cNvSpPr>
+            <a:spLocks noGrp="1" noRot="1" noChangeAspect="1"/>
+          </p:cNvSpPr>
+          <p:nvPr>
+            <p:ph type="sldImg"/>
+          </p:nvPr>
+        </p:nvSpPr>
+        <p:spPr/>
+      </p:sp>
+      <p:sp>
+        <p:nvSpPr>
+          <p:cNvPr id="3" name="Notizenplatzhalter 2"/>
+          <p:cNvSpPr>
+            <a:spLocks noGrp="1"/>
+          </p:cNvSpPr>
+          <p:nvPr>
+            <p:ph type="body" idx="1"/>
+          </p:nvPr>
+        </p:nvSpPr>
+        <p:spPr/>
+        <p:txBody>
+          <a:bodyPr/>
+          <a:lstStyle/>
+          <a:p>
+            <a:endParaRPr lang="de-DE" dirty="0"/>
+          </a:p>
+        </p:txBody>
+      </p:sp>
+      <p:sp>
+        <p:nvSpPr>
+          <p:cNvPr id="4" name="Foliennummernplatzhalter 3"/>
+          <p:cNvSpPr>
+            <a:spLocks noGrp="1"/>
+          </p:cNvSpPr>
+          <p:nvPr>
+            <p:ph type="sldNum" sz="quarter" idx="10"/>
+          </p:nvPr>
+        </p:nvSpPr>
+        <p:spPr/>
+        <p:txBody>
+          <a:bodyPr/>
+          <a:lstStyle/>
+          <a:p>
+            <a:fld id="{EABE0D26-08C0-41F2-9EB8-4EF69F79B2A4}" type="slidenum">
+              <a:rPr lang="de-AT" smtClean="0"/>
               <a:t>11</a:t>
             </a:fld>
             <a:endParaRPr lang="de-AT"/>
@@ -1972,7 +2060,7 @@
 </p:notes>
 </file>
 
-<file path=ppt/notesSlides/notesSlide4.xml><?xml version="1.0" encoding="utf-8"?>
+<file path=ppt/notesSlides/notesSlide5.xml><?xml version="1.0" encoding="utf-8"?>
 <p:notes xmlns:a="http://schemas.openxmlformats.org/drawingml/2006/main" xmlns:r="http://schemas.openxmlformats.org/officeDocument/2006/relationships" xmlns:p="http://schemas.openxmlformats.org/presentationml/2006/main">
   <p:cSld>
     <p:spTree>
@@ -2237,7 +2325,7 @@
           <a:p>
             <a:fld id="{AD7C823A-8D1F-4A7A-BCD3-140CE86C5147}" type="datetime1">
               <a:rPr lang="de-AT" smtClean="0"/>
-              <a:t>21.01.2018</a:t>
+              <a:t>22.01.2018</a:t>
             </a:fld>
             <a:endParaRPr lang="de-AT"/>
           </a:p>
@@ -2660,7 +2748,7 @@
           <a:p>
             <a:fld id="{00C2A7D4-6DA7-4AC0-90DA-495E283232C3}" type="datetime1">
               <a:rPr lang="de-AT" smtClean="0"/>
-              <a:t>21.01.2018</a:t>
+              <a:t>22.01.2018</a:t>
             </a:fld>
             <a:endParaRPr lang="de-AT"/>
           </a:p>
@@ -2911,7 +2999,7 @@
           <a:p>
             <a:fld id="{A6A55E55-235A-4F68-B44B-5B270E39D9BB}" type="datetime1">
               <a:rPr lang="de-AT" smtClean="0"/>
-              <a:t>21.01.2018</a:t>
+              <a:t>22.01.2018</a:t>
             </a:fld>
             <a:endParaRPr lang="de-AT" dirty="0"/>
           </a:p>
@@ -3203,7 +3291,7 @@
           <a:p>
             <a:fld id="{612221E0-5FCF-46D5-8E71-06BE4024C7C9}" type="datetime1">
               <a:rPr lang="de-AT" smtClean="0"/>
-              <a:t>21.01.2018</a:t>
+              <a:t>22.01.2018</a:t>
             </a:fld>
             <a:endParaRPr lang="de-AT" dirty="0"/>
           </a:p>
@@ -3614,7 +3702,7 @@
           <a:p>
             <a:fld id="{2C1BF1B5-1080-4A4D-93FE-2AFC40FEAED7}" type="datetime1">
               <a:rPr lang="de-AT" smtClean="0"/>
-              <a:t>21.01.2018</a:t>
+              <a:t>22.01.2018</a:t>
             </a:fld>
             <a:endParaRPr lang="de-AT"/>
           </a:p>
@@ -3735,7 +3823,7 @@
           <a:p>
             <a:fld id="{17707911-CD8C-4B83-8C1E-2EDDEAF7124F}" type="datetime1">
               <a:rPr lang="de-AT" smtClean="0"/>
-              <a:t>21.01.2018</a:t>
+              <a:t>22.01.2018</a:t>
             </a:fld>
             <a:endParaRPr lang="de-AT"/>
           </a:p>
@@ -3833,7 +3921,7 @@
           <a:p>
             <a:fld id="{B3A57C43-A959-49D5-BD00-F6710B17D347}" type="datetime1">
               <a:rPr lang="de-AT" smtClean="0"/>
-              <a:t>21.01.2018</a:t>
+              <a:t>22.01.2018</a:t>
             </a:fld>
             <a:endParaRPr lang="de-AT"/>
           </a:p>
@@ -4113,7 +4201,7 @@
           <a:p>
             <a:fld id="{11EDFD0D-1B57-4662-AB88-65D7683B137A}" type="datetime1">
               <a:rPr lang="de-AT" smtClean="0"/>
-              <a:t>21.01.2018</a:t>
+              <a:t>22.01.2018</a:t>
             </a:fld>
             <a:endParaRPr lang="de-AT"/>
           </a:p>
@@ -4369,7 +4457,7 @@
           <a:p>
             <a:fld id="{7E79AC9D-681F-4C6C-B748-A22E1014B687}" type="datetime1">
               <a:rPr lang="de-AT" smtClean="0"/>
-              <a:t>21.01.2018</a:t>
+              <a:t>22.01.2018</a:t>
             </a:fld>
             <a:endParaRPr lang="de-AT"/>
           </a:p>
@@ -4542,7 +4630,7 @@
           <a:p>
             <a:fld id="{F88EDF09-200F-4437-870F-6371DDA93B70}" type="datetime1">
               <a:rPr lang="de-AT" smtClean="0"/>
-              <a:t>21.01.2018</a:t>
+              <a:t>22.01.2018</a:t>
             </a:fld>
             <a:endParaRPr lang="de-AT"/>
           </a:p>
@@ -4758,7 +4846,7 @@
           <a:p>
             <a:fld id="{E26C028F-E316-4C0A-9E06-C9E8477B7866}" type="datetime1">
               <a:rPr lang="de-AT" smtClean="0"/>
-              <a:t>21.01.2018</a:t>
+              <a:t>22.01.2018</a:t>
             </a:fld>
             <a:endParaRPr lang="de-AT"/>
           </a:p>
@@ -5591,7 +5679,7 @@
           <a:p>
             <a:fld id="{A6A55E55-235A-4F68-B44B-5B270E39D9BB}" type="datetime1">
               <a:rPr lang="de-AT" smtClean="0"/>
-              <a:t>21.01.2018</a:t>
+              <a:t>22.01.2018</a:t>
             </a:fld>
             <a:endParaRPr lang="de-AT" dirty="0"/>
           </a:p>
@@ -6988,7 +7076,7 @@
           <a:p>
             <a:fld id="{A6A55E55-235A-4F68-B44B-5B270E39D9BB}" type="datetime1">
               <a:rPr lang="de-AT" smtClean="0"/>
-              <a:t>21.01.2018</a:t>
+              <a:t>22.01.2018</a:t>
             </a:fld>
             <a:endParaRPr lang="de-AT" dirty="0"/>
           </a:p>
@@ -8008,7 +8096,7 @@
           <a:p>
             <a:fld id="{A6A55E55-235A-4F68-B44B-5B270E39D9BB}" type="datetime1">
               <a:rPr lang="de-AT" smtClean="0"/>
-              <a:t>21.01.2018</a:t>
+              <a:t>22.01.2018</a:t>
             </a:fld>
             <a:endParaRPr lang="de-AT" dirty="0"/>
           </a:p>
@@ -8442,7 +8530,7 @@
           <p:nvPr/>
         </p:nvPicPr>
         <p:blipFill>
-          <a:blip r:embed="rId3">
+          <a:blip r:embed="rId3" cstate="print">
             <a:extLst>
               <a:ext uri="{28A0092B-C50C-407E-A947-70E740481C1C}">
                 <a14:useLocalDpi xmlns:a14="http://schemas.microsoft.com/office/drawing/2010/main" val="0"/>
@@ -8478,7 +8566,7 @@
           <p:nvPr/>
         </p:nvPicPr>
         <p:blipFill>
-          <a:blip r:embed="rId3">
+          <a:blip r:embed="rId3" cstate="print">
             <a:extLst>
               <a:ext uri="{28A0092B-C50C-407E-A947-70E740481C1C}">
                 <a14:useLocalDpi xmlns:a14="http://schemas.microsoft.com/office/drawing/2010/main" val="0"/>
@@ -8928,7 +9016,7 @@
           <a:p>
             <a:fld id="{34DA982F-5563-4A76-B5F3-2BDEBD27B3E2}" type="datetime1">
               <a:rPr lang="de-AT" smtClean="0"/>
-              <a:t>21.01.2018</a:t>
+              <a:t>22.01.2018</a:t>
             </a:fld>
             <a:endParaRPr lang="de-AT" dirty="0"/>
           </a:p>
@@ -9024,882 +9112,6 @@
       </p:grpSpPr>
       <p:sp>
         <p:nvSpPr>
-          <p:cNvPr id="8" name="Titel 7">
-            <a:extLst>
-              <a:ext uri="{FF2B5EF4-FFF2-40B4-BE49-F238E27FC236}">
-                <a16:creationId xmlns:a16="http://schemas.microsoft.com/office/drawing/2014/main" id="{B4C15081-4C46-4C61-946B-BAC305253743}"/>
-              </a:ext>
-            </a:extLst>
-          </p:cNvPr>
-          <p:cNvSpPr>
-            <a:spLocks noGrp="1"/>
-          </p:cNvSpPr>
-          <p:nvPr>
-            <p:ph type="title" idx="4294967295"/>
-          </p:nvPr>
-        </p:nvSpPr>
-        <p:spPr>
-          <a:xfrm>
-            <a:off x="116467" y="116632"/>
-            <a:ext cx="8915400" cy="1143000"/>
-          </a:xfrm>
-        </p:spPr>
-        <p:txBody>
-          <a:bodyPr>
-            <a:normAutofit/>
-          </a:bodyPr>
-          <a:lstStyle/>
-          <a:p>
-            <a:r>
-              <a:rPr lang="de-DE" dirty="0">
-                <a:solidFill>
-                  <a:schemeClr val="bg1"/>
-                </a:solidFill>
-              </a:rPr>
-              <a:t>Project </a:t>
-            </a:r>
-            <a:r>
-              <a:rPr lang="de-DE" dirty="0" err="1">
-                <a:solidFill>
-                  <a:schemeClr val="bg1"/>
-                </a:solidFill>
-              </a:rPr>
-              <a:t>use</a:t>
-            </a:r>
-            <a:r>
-              <a:rPr lang="de-DE" dirty="0">
-                <a:solidFill>
-                  <a:schemeClr val="bg1"/>
-                </a:solidFill>
-              </a:rPr>
-              <a:t> </a:t>
-            </a:r>
-            <a:r>
-              <a:rPr lang="de-DE" dirty="0" err="1">
-                <a:solidFill>
-                  <a:schemeClr val="bg1"/>
-                </a:solidFill>
-              </a:rPr>
-              <a:t>case</a:t>
-            </a:r>
-            <a:endParaRPr lang="de-DE" dirty="0">
-              <a:solidFill>
-                <a:schemeClr val="bg1"/>
-              </a:solidFill>
-            </a:endParaRPr>
-          </a:p>
-        </p:txBody>
-      </p:sp>
-      <p:sp>
-        <p:nvSpPr>
-          <p:cNvPr id="4" name="Datumsplatzhalter 3">
-            <a:extLst>
-              <a:ext uri="{FF2B5EF4-FFF2-40B4-BE49-F238E27FC236}">
-                <a16:creationId xmlns:a16="http://schemas.microsoft.com/office/drawing/2014/main" id="{82014930-B991-4842-9356-CB5C23CCA0DD}"/>
-              </a:ext>
-            </a:extLst>
-          </p:cNvPr>
-          <p:cNvSpPr>
-            <a:spLocks noGrp="1"/>
-          </p:cNvSpPr>
-          <p:nvPr>
-            <p:ph type="dt" sz="half" idx="10"/>
-          </p:nvPr>
-        </p:nvSpPr>
-        <p:spPr/>
-        <p:txBody>
-          <a:bodyPr/>
-          <a:lstStyle/>
-          <a:p>
-            <a:fld id="{A6A55E55-235A-4F68-B44B-5B270E39D9BB}" type="datetime1">
-              <a:rPr lang="de-AT" smtClean="0"/>
-              <a:t>21.01.2018</a:t>
-            </a:fld>
-            <a:endParaRPr lang="de-AT" dirty="0"/>
-          </a:p>
-        </p:txBody>
-      </p:sp>
-      <p:sp>
-        <p:nvSpPr>
-          <p:cNvPr id="5" name="Fußzeilenplatzhalter 4">
-            <a:extLst>
-              <a:ext uri="{FF2B5EF4-FFF2-40B4-BE49-F238E27FC236}">
-                <a16:creationId xmlns:a16="http://schemas.microsoft.com/office/drawing/2014/main" id="{C6F28DD9-7E24-4860-A748-0423524A91F2}"/>
-              </a:ext>
-            </a:extLst>
-          </p:cNvPr>
-          <p:cNvSpPr>
-            <a:spLocks noGrp="1"/>
-          </p:cNvSpPr>
-          <p:nvPr>
-            <p:ph type="ftr" sz="quarter" idx="11"/>
-          </p:nvPr>
-        </p:nvSpPr>
-        <p:spPr/>
-        <p:txBody>
-          <a:bodyPr/>
-          <a:lstStyle/>
-          <a:p>
-            <a:r>
-              <a:rPr lang="de-AT"/>
-              <a:t>Project Management Methods - "Mars Expedition"</a:t>
-            </a:r>
-            <a:endParaRPr lang="de-AT" dirty="0"/>
-          </a:p>
-        </p:txBody>
-      </p:sp>
-      <p:sp>
-        <p:nvSpPr>
-          <p:cNvPr id="6" name="Foliennummernplatzhalter 5">
-            <a:extLst>
-              <a:ext uri="{FF2B5EF4-FFF2-40B4-BE49-F238E27FC236}">
-                <a16:creationId xmlns:a16="http://schemas.microsoft.com/office/drawing/2014/main" id="{74388B65-7CD4-4103-AFA7-148FA1E04B84}"/>
-              </a:ext>
-            </a:extLst>
-          </p:cNvPr>
-          <p:cNvSpPr>
-            <a:spLocks noGrp="1"/>
-          </p:cNvSpPr>
-          <p:nvPr>
-            <p:ph type="sldNum" sz="quarter" idx="12"/>
-          </p:nvPr>
-        </p:nvSpPr>
-        <p:spPr/>
-        <p:txBody>
-          <a:bodyPr/>
-          <a:lstStyle/>
-          <a:p>
-            <a:fld id="{3B0692D3-3767-4542-A95D-53684A81B966}" type="slidenum">
-              <a:rPr lang="de-AT" smtClean="0"/>
-              <a:t>3</a:t>
-            </a:fld>
-            <a:endParaRPr lang="de-AT" dirty="0"/>
-          </a:p>
-        </p:txBody>
-      </p:sp>
-      <p:sp>
-        <p:nvSpPr>
-          <p:cNvPr id="7" name="Inhaltsplatzhalter 6">
-            <a:extLst>
-              <a:ext uri="{FF2B5EF4-FFF2-40B4-BE49-F238E27FC236}">
-                <a16:creationId xmlns:a16="http://schemas.microsoft.com/office/drawing/2014/main" id="{7E34B61F-2172-4281-AC62-588A00022539}"/>
-              </a:ext>
-            </a:extLst>
-          </p:cNvPr>
-          <p:cNvSpPr>
-            <a:spLocks noGrp="1"/>
-          </p:cNvSpPr>
-          <p:nvPr>
-            <p:ph idx="1"/>
-          </p:nvPr>
-        </p:nvSpPr>
-        <p:spPr/>
-        <p:txBody>
-          <a:bodyPr>
-            <a:normAutofit/>
-          </a:bodyPr>
-          <a:lstStyle/>
-          <a:p>
-            <a:pPr marL="0" indent="0">
-              <a:lnSpc>
-                <a:spcPct val="150000"/>
-              </a:lnSpc>
-              <a:buNone/>
-            </a:pPr>
-            <a:r>
-              <a:rPr lang="en-GB" sz="1800" b="1" dirty="0">
-                <a:latin typeface="+mn-lt"/>
-                <a:ea typeface="+mn-ea"/>
-                <a:cs typeface="+mn-cs"/>
-              </a:rPr>
-              <a:t>Phase planning</a:t>
-            </a:r>
-          </a:p>
-          <a:p>
-            <a:pPr lvl="1">
-              <a:lnSpc>
-                <a:spcPct val="150000"/>
-              </a:lnSpc>
-              <a:buFont typeface="Wingdings" panose="05000000000000000000" pitchFamily="2" charset="2"/>
-              <a:buChar char="Ø"/>
-            </a:pPr>
-            <a:r>
-              <a:rPr lang="en-GB" sz="1600" dirty="0">
-                <a:latin typeface="+mn-lt"/>
-                <a:ea typeface="+mn-ea"/>
-                <a:cs typeface="+mn-cs"/>
-              </a:rPr>
-              <a:t>Conception phase</a:t>
-            </a:r>
-          </a:p>
-          <a:p>
-            <a:pPr lvl="1">
-              <a:lnSpc>
-                <a:spcPct val="150000"/>
-              </a:lnSpc>
-              <a:buFont typeface="Wingdings" panose="05000000000000000000" pitchFamily="2" charset="2"/>
-              <a:buChar char="Ø"/>
-            </a:pPr>
-            <a:r>
-              <a:rPr lang="en-GB" sz="1600" dirty="0">
-                <a:latin typeface="+mn-lt"/>
-                <a:ea typeface="+mn-ea"/>
-                <a:cs typeface="+mn-cs"/>
-              </a:rPr>
-              <a:t>Define and Planning phase</a:t>
-            </a:r>
-          </a:p>
-          <a:p>
-            <a:pPr lvl="1">
-              <a:lnSpc>
-                <a:spcPct val="150000"/>
-              </a:lnSpc>
-              <a:buFont typeface="Wingdings" panose="05000000000000000000" pitchFamily="2" charset="2"/>
-              <a:buChar char="Ø"/>
-            </a:pPr>
-            <a:r>
-              <a:rPr lang="en-GB" sz="1600" dirty="0">
-                <a:latin typeface="+mn-lt"/>
-                <a:ea typeface="+mn-ea"/>
-                <a:cs typeface="+mn-cs"/>
-              </a:rPr>
-              <a:t>Execution Phase</a:t>
-            </a:r>
-          </a:p>
-          <a:p>
-            <a:pPr lvl="1">
-              <a:lnSpc>
-                <a:spcPct val="150000"/>
-              </a:lnSpc>
-              <a:buFont typeface="Wingdings" panose="05000000000000000000" pitchFamily="2" charset="2"/>
-              <a:buChar char="Ø"/>
-            </a:pPr>
-            <a:r>
-              <a:rPr lang="en-GB" sz="1600" dirty="0">
-                <a:latin typeface="+mn-lt"/>
-                <a:ea typeface="+mn-ea"/>
-                <a:cs typeface="+mn-cs"/>
-              </a:rPr>
-              <a:t>Mars Landing</a:t>
-            </a:r>
-          </a:p>
-          <a:p>
-            <a:pPr lvl="1">
-              <a:lnSpc>
-                <a:spcPct val="150000"/>
-              </a:lnSpc>
-              <a:buFont typeface="Wingdings" panose="05000000000000000000" pitchFamily="2" charset="2"/>
-              <a:buChar char="Ø"/>
-            </a:pPr>
-            <a:endParaRPr lang="en-GB" sz="1400" dirty="0">
-              <a:latin typeface="+mn-lt"/>
-              <a:ea typeface="+mn-ea"/>
-              <a:cs typeface="+mn-cs"/>
-            </a:endParaRPr>
-          </a:p>
-          <a:p>
-            <a:pPr marL="342108" lvl="1" indent="-285750">
-              <a:lnSpc>
-                <a:spcPct val="150000"/>
-              </a:lnSpc>
-              <a:buFont typeface="Wingdings" panose="05000000000000000000" pitchFamily="2" charset="2"/>
-              <a:buChar char="Ø"/>
-            </a:pPr>
-            <a:r>
-              <a:rPr lang="en-GB" sz="1800" dirty="0">
-                <a:latin typeface="+mn-lt"/>
-                <a:ea typeface="+mn-ea"/>
-                <a:cs typeface="+mn-cs"/>
-              </a:rPr>
-              <a:t>Structure</a:t>
-            </a:r>
-          </a:p>
-          <a:p>
-            <a:pPr marL="342108" lvl="1" indent="-285750">
-              <a:lnSpc>
-                <a:spcPct val="150000"/>
-              </a:lnSpc>
-              <a:buFont typeface="Wingdings" panose="05000000000000000000" pitchFamily="2" charset="2"/>
-              <a:buChar char="Ø"/>
-            </a:pPr>
-            <a:r>
-              <a:rPr lang="en-GB" sz="1800" dirty="0">
-                <a:latin typeface="+mn-lt"/>
-                <a:ea typeface="+mn-ea"/>
-                <a:cs typeface="+mn-cs"/>
-              </a:rPr>
-              <a:t>Set up activities</a:t>
-            </a:r>
-          </a:p>
-          <a:p>
-            <a:pPr marL="342000" lvl="1">
-              <a:lnSpc>
-                <a:spcPct val="150000"/>
-              </a:lnSpc>
-              <a:buFont typeface="Wingdings" panose="05000000000000000000" pitchFamily="2" charset="2"/>
-              <a:buChar char="Ø"/>
-            </a:pPr>
-            <a:r>
-              <a:rPr lang="en-GB" sz="1800" dirty="0">
-                <a:latin typeface="+mn-lt"/>
-                <a:ea typeface="+mn-ea"/>
-                <a:cs typeface="+mn-cs"/>
-              </a:rPr>
-              <a:t>Work step by step</a:t>
-            </a:r>
-          </a:p>
-          <a:p>
-            <a:pPr marL="457028" lvl="1" indent="0">
-              <a:lnSpc>
-                <a:spcPct val="150000"/>
-              </a:lnSpc>
-              <a:buNone/>
-            </a:pPr>
-            <a:endParaRPr lang="de-AT" sz="1400" dirty="0">
-              <a:latin typeface="+mn-lt"/>
-              <a:ea typeface="+mn-ea"/>
-              <a:cs typeface="+mn-cs"/>
-            </a:endParaRPr>
-          </a:p>
-          <a:p>
-            <a:pPr lvl="1">
-              <a:buFont typeface="Wingdings" panose="05000000000000000000" pitchFamily="2" charset="2"/>
-              <a:buChar char="Ø"/>
-            </a:pPr>
-            <a:endParaRPr lang="de-AT" sz="1400" dirty="0">
-              <a:latin typeface="+mn-lt"/>
-              <a:ea typeface="+mn-ea"/>
-              <a:cs typeface="+mn-cs"/>
-            </a:endParaRPr>
-          </a:p>
-          <a:p>
-            <a:pPr marL="457028" lvl="1" indent="0">
-              <a:buNone/>
-            </a:pPr>
-            <a:endParaRPr lang="de-AT" sz="1400" dirty="0">
-              <a:latin typeface="+mn-lt"/>
-              <a:ea typeface="+mn-ea"/>
-              <a:cs typeface="+mn-cs"/>
-            </a:endParaRPr>
-          </a:p>
-          <a:p>
-            <a:pPr lvl="1">
-              <a:buFont typeface="Wingdings" panose="05000000000000000000" pitchFamily="2" charset="2"/>
-              <a:buChar char="Ø"/>
-            </a:pPr>
-            <a:endParaRPr lang="de-AT" dirty="0"/>
-          </a:p>
-        </p:txBody>
-      </p:sp>
-      <p:pic>
-        <p:nvPicPr>
-          <p:cNvPr id="9" name="Grafik 8">
-            <a:extLst>
-              <a:ext uri="{FF2B5EF4-FFF2-40B4-BE49-F238E27FC236}">
-                <a16:creationId xmlns:a16="http://schemas.microsoft.com/office/drawing/2014/main" id="{B2140789-E50F-4DF1-847E-D0E963506754}"/>
-              </a:ext>
-            </a:extLst>
-          </p:cNvPr>
-          <p:cNvPicPr>
-            <a:picLocks noChangeAspect="1"/>
-          </p:cNvPicPr>
-          <p:nvPr/>
-        </p:nvPicPr>
-        <p:blipFill rotWithShape="1">
-          <a:blip r:embed="rId2"/>
-          <a:srcRect l="24558" t="47414" r="60904" b="28021"/>
-          <a:stretch/>
-        </p:blipFill>
-        <p:spPr>
-          <a:xfrm>
-            <a:off x="2792760" y="2915121"/>
-            <a:ext cx="2501059" cy="2376000"/>
-          </a:xfrm>
-          <a:prstGeom prst="rect">
-            <a:avLst/>
-          </a:prstGeom>
-        </p:spPr>
-      </p:pic>
-    </p:spTree>
-    <p:extLst>
-      <p:ext uri="{BB962C8B-B14F-4D97-AF65-F5344CB8AC3E}">
-        <p14:creationId xmlns:p14="http://schemas.microsoft.com/office/powerpoint/2010/main" val="2739111897"/>
-      </p:ext>
-    </p:extLst>
-  </p:cSld>
-  <p:clrMapOvr>
-    <a:masterClrMapping/>
-  </p:clrMapOvr>
-</p:sld>
-</file>
-
-<file path=ppt/slides/slide4.xml><?xml version="1.0" encoding="utf-8"?>
-<p:sld xmlns:a="http://schemas.openxmlformats.org/drawingml/2006/main" xmlns:r="http://schemas.openxmlformats.org/officeDocument/2006/relationships" xmlns:p="http://schemas.openxmlformats.org/presentationml/2006/main">
-  <p:cSld>
-    <p:spTree>
-      <p:nvGrpSpPr>
-        <p:cNvPr id="1" name=""/>
-        <p:cNvGrpSpPr/>
-        <p:nvPr/>
-      </p:nvGrpSpPr>
-      <p:grpSpPr>
-        <a:xfrm>
-          <a:off x="0" y="0"/>
-          <a:ext cx="0" cy="0"/>
-          <a:chOff x="0" y="0"/>
-          <a:chExt cx="0" cy="0"/>
-        </a:xfrm>
-      </p:grpSpPr>
-      <p:sp>
-        <p:nvSpPr>
-          <p:cNvPr id="8" name="Titel 7">
-            <a:extLst>
-              <a:ext uri="{FF2B5EF4-FFF2-40B4-BE49-F238E27FC236}">
-                <a16:creationId xmlns:a16="http://schemas.microsoft.com/office/drawing/2014/main" id="{B4C15081-4C46-4C61-946B-BAC305253743}"/>
-              </a:ext>
-            </a:extLst>
-          </p:cNvPr>
-          <p:cNvSpPr>
-            <a:spLocks noGrp="1"/>
-          </p:cNvSpPr>
-          <p:nvPr>
-            <p:ph type="title" idx="4294967295"/>
-          </p:nvPr>
-        </p:nvSpPr>
-        <p:spPr>
-          <a:xfrm>
-            <a:off x="116467" y="116632"/>
-            <a:ext cx="8915400" cy="1143000"/>
-          </a:xfrm>
-        </p:spPr>
-        <p:txBody>
-          <a:bodyPr>
-            <a:normAutofit/>
-          </a:bodyPr>
-          <a:lstStyle/>
-          <a:p>
-            <a:r>
-              <a:rPr lang="de-DE" dirty="0">
-                <a:solidFill>
-                  <a:schemeClr val="bg1"/>
-                </a:solidFill>
-              </a:rPr>
-              <a:t>Project </a:t>
-            </a:r>
-            <a:r>
-              <a:rPr lang="de-DE" dirty="0" err="1">
-                <a:solidFill>
-                  <a:schemeClr val="bg1"/>
-                </a:solidFill>
-              </a:rPr>
-              <a:t>use</a:t>
-            </a:r>
-            <a:r>
-              <a:rPr lang="de-DE" dirty="0">
-                <a:solidFill>
-                  <a:schemeClr val="bg1"/>
-                </a:solidFill>
-              </a:rPr>
-              <a:t> </a:t>
-            </a:r>
-            <a:r>
-              <a:rPr lang="de-DE" dirty="0" err="1">
-                <a:solidFill>
-                  <a:schemeClr val="bg1"/>
-                </a:solidFill>
-              </a:rPr>
-              <a:t>case</a:t>
-            </a:r>
-            <a:endParaRPr lang="de-DE" dirty="0">
-              <a:solidFill>
-                <a:schemeClr val="bg1"/>
-              </a:solidFill>
-            </a:endParaRPr>
-          </a:p>
-        </p:txBody>
-      </p:sp>
-      <p:sp>
-        <p:nvSpPr>
-          <p:cNvPr id="4" name="Datumsplatzhalter 3">
-            <a:extLst>
-              <a:ext uri="{FF2B5EF4-FFF2-40B4-BE49-F238E27FC236}">
-                <a16:creationId xmlns:a16="http://schemas.microsoft.com/office/drawing/2014/main" id="{82014930-B991-4842-9356-CB5C23CCA0DD}"/>
-              </a:ext>
-            </a:extLst>
-          </p:cNvPr>
-          <p:cNvSpPr>
-            <a:spLocks noGrp="1"/>
-          </p:cNvSpPr>
-          <p:nvPr>
-            <p:ph type="dt" sz="half" idx="10"/>
-          </p:nvPr>
-        </p:nvSpPr>
-        <p:spPr/>
-        <p:txBody>
-          <a:bodyPr/>
-          <a:lstStyle/>
-          <a:p>
-            <a:fld id="{A6A55E55-235A-4F68-B44B-5B270E39D9BB}" type="datetime1">
-              <a:rPr lang="de-AT" smtClean="0"/>
-              <a:t>21.01.2018</a:t>
-            </a:fld>
-            <a:endParaRPr lang="de-AT" dirty="0"/>
-          </a:p>
-        </p:txBody>
-      </p:sp>
-      <p:sp>
-        <p:nvSpPr>
-          <p:cNvPr id="5" name="Fußzeilenplatzhalter 4">
-            <a:extLst>
-              <a:ext uri="{FF2B5EF4-FFF2-40B4-BE49-F238E27FC236}">
-                <a16:creationId xmlns:a16="http://schemas.microsoft.com/office/drawing/2014/main" id="{C6F28DD9-7E24-4860-A748-0423524A91F2}"/>
-              </a:ext>
-            </a:extLst>
-          </p:cNvPr>
-          <p:cNvSpPr>
-            <a:spLocks noGrp="1"/>
-          </p:cNvSpPr>
-          <p:nvPr>
-            <p:ph type="ftr" sz="quarter" idx="11"/>
-          </p:nvPr>
-        </p:nvSpPr>
-        <p:spPr/>
-        <p:txBody>
-          <a:bodyPr/>
-          <a:lstStyle/>
-          <a:p>
-            <a:r>
-              <a:rPr lang="de-AT"/>
-              <a:t>Project Management Methods - "Mars Expedition"</a:t>
-            </a:r>
-            <a:endParaRPr lang="de-AT" dirty="0"/>
-          </a:p>
-        </p:txBody>
-      </p:sp>
-      <p:sp>
-        <p:nvSpPr>
-          <p:cNvPr id="6" name="Foliennummernplatzhalter 5">
-            <a:extLst>
-              <a:ext uri="{FF2B5EF4-FFF2-40B4-BE49-F238E27FC236}">
-                <a16:creationId xmlns:a16="http://schemas.microsoft.com/office/drawing/2014/main" id="{74388B65-7CD4-4103-AFA7-148FA1E04B84}"/>
-              </a:ext>
-            </a:extLst>
-          </p:cNvPr>
-          <p:cNvSpPr>
-            <a:spLocks noGrp="1"/>
-          </p:cNvSpPr>
-          <p:nvPr>
-            <p:ph type="sldNum" sz="quarter" idx="12"/>
-          </p:nvPr>
-        </p:nvSpPr>
-        <p:spPr/>
-        <p:txBody>
-          <a:bodyPr/>
-          <a:lstStyle/>
-          <a:p>
-            <a:fld id="{3B0692D3-3767-4542-A95D-53684A81B966}" type="slidenum">
-              <a:rPr lang="de-AT" smtClean="0"/>
-              <a:t>4</a:t>
-            </a:fld>
-            <a:endParaRPr lang="de-AT" dirty="0"/>
-          </a:p>
-        </p:txBody>
-      </p:sp>
-      <p:sp>
-        <p:nvSpPr>
-          <p:cNvPr id="7" name="Inhaltsplatzhalter 6">
-            <a:extLst>
-              <a:ext uri="{FF2B5EF4-FFF2-40B4-BE49-F238E27FC236}">
-                <a16:creationId xmlns:a16="http://schemas.microsoft.com/office/drawing/2014/main" id="{7E34B61F-2172-4281-AC62-588A00022539}"/>
-              </a:ext>
-            </a:extLst>
-          </p:cNvPr>
-          <p:cNvSpPr>
-            <a:spLocks noGrp="1"/>
-          </p:cNvSpPr>
-          <p:nvPr>
-            <p:ph idx="1"/>
-          </p:nvPr>
-        </p:nvSpPr>
-        <p:spPr>
-          <a:xfrm>
-            <a:off x="495300" y="1412776"/>
-            <a:ext cx="8915400" cy="4713393"/>
-          </a:xfrm>
-        </p:spPr>
-        <p:txBody>
-          <a:bodyPr>
-            <a:normAutofit/>
-          </a:bodyPr>
-          <a:lstStyle/>
-          <a:p>
-            <a:pPr marL="0" lvl="1" indent="0">
-              <a:lnSpc>
-                <a:spcPct val="150000"/>
-              </a:lnSpc>
-              <a:buNone/>
-            </a:pPr>
-            <a:r>
-              <a:rPr lang="en-GB" sz="1800" b="1" dirty="0">
-                <a:latin typeface="+mn-lt"/>
-                <a:ea typeface="+mn-ea"/>
-                <a:cs typeface="+mn-cs"/>
-              </a:rPr>
-              <a:t>Milestones</a:t>
-            </a:r>
-          </a:p>
-          <a:p>
-            <a:pPr lvl="1">
-              <a:lnSpc>
-                <a:spcPct val="150000"/>
-              </a:lnSpc>
-              <a:buFont typeface="Wingdings" panose="05000000000000000000" pitchFamily="2" charset="2"/>
-              <a:buChar char="Ø"/>
-            </a:pPr>
-            <a:r>
-              <a:rPr lang="en-GB" sz="1600" dirty="0">
-                <a:latin typeface="+mn-lt"/>
-                <a:ea typeface="+mn-ea"/>
-                <a:cs typeface="+mn-cs"/>
-              </a:rPr>
-              <a:t>1st: Structure, basic concept, distribution of roles</a:t>
-            </a:r>
-          </a:p>
-          <a:p>
-            <a:pPr lvl="1">
-              <a:lnSpc>
-                <a:spcPct val="150000"/>
-              </a:lnSpc>
-              <a:buFont typeface="Wingdings" panose="05000000000000000000" pitchFamily="2" charset="2"/>
-              <a:buChar char="Ø"/>
-            </a:pPr>
-            <a:r>
-              <a:rPr lang="en-GB" sz="1600" dirty="0">
-                <a:latin typeface="+mn-lt"/>
-                <a:ea typeface="+mn-ea"/>
-                <a:cs typeface="+mn-cs"/>
-              </a:rPr>
-              <a:t>2nd: Prototyping our  </a:t>
-            </a:r>
-            <a:r>
-              <a:rPr lang="en-GB" sz="1600" dirty="0" err="1">
-                <a:latin typeface="+mn-lt"/>
-                <a:ea typeface="+mn-ea"/>
-                <a:cs typeface="+mn-cs"/>
-              </a:rPr>
-              <a:t>Mohne</a:t>
-            </a:r>
-            <a:endParaRPr lang="en-GB" sz="1600" dirty="0">
-              <a:latin typeface="+mn-lt"/>
-              <a:ea typeface="+mn-ea"/>
-              <a:cs typeface="+mn-cs"/>
-            </a:endParaRPr>
-          </a:p>
-          <a:p>
-            <a:pPr lvl="1">
-              <a:lnSpc>
-                <a:spcPct val="150000"/>
-              </a:lnSpc>
-              <a:buFont typeface="Wingdings" panose="05000000000000000000" pitchFamily="2" charset="2"/>
-              <a:buChar char="Ø"/>
-            </a:pPr>
-            <a:r>
-              <a:rPr lang="en-GB" sz="1600" dirty="0">
-                <a:latin typeface="+mn-lt"/>
-                <a:ea typeface="+mn-ea"/>
-                <a:cs typeface="+mn-cs"/>
-              </a:rPr>
-              <a:t>3rd: Optimization for our finalisation phase</a:t>
-            </a:r>
-          </a:p>
-          <a:p>
-            <a:pPr lvl="1">
-              <a:lnSpc>
-                <a:spcPct val="150000"/>
-              </a:lnSpc>
-              <a:buFont typeface="Wingdings" panose="05000000000000000000" pitchFamily="2" charset="2"/>
-              <a:buChar char="Ø"/>
-            </a:pPr>
-            <a:endParaRPr lang="en-GB" sz="1600" dirty="0">
-              <a:latin typeface="+mn-lt"/>
-              <a:ea typeface="+mn-ea"/>
-              <a:cs typeface="+mn-cs"/>
-            </a:endParaRPr>
-          </a:p>
-          <a:p>
-            <a:pPr marL="342108" lvl="1" indent="-285750">
-              <a:lnSpc>
-                <a:spcPct val="150000"/>
-              </a:lnSpc>
-              <a:buFont typeface="Wingdings" panose="05000000000000000000" pitchFamily="2" charset="2"/>
-              <a:buChar char="Ø"/>
-            </a:pPr>
-            <a:r>
-              <a:rPr lang="en-GB" sz="1800" dirty="0">
-                <a:latin typeface="+mn-lt"/>
-                <a:ea typeface="+mn-ea"/>
-                <a:cs typeface="+mn-cs"/>
-              </a:rPr>
-              <a:t>Control project progression</a:t>
-            </a:r>
-          </a:p>
-          <a:p>
-            <a:pPr marL="342108" lvl="1" indent="-285750">
-              <a:lnSpc>
-                <a:spcPct val="150000"/>
-              </a:lnSpc>
-              <a:buFont typeface="Wingdings" panose="05000000000000000000" pitchFamily="2" charset="2"/>
-              <a:buChar char="Ø"/>
-            </a:pPr>
-            <a:r>
-              <a:rPr lang="en-GB" sz="1800" dirty="0">
-                <a:latin typeface="+mn-lt"/>
-                <a:ea typeface="+mn-ea"/>
-                <a:cs typeface="+mn-cs"/>
-              </a:rPr>
-              <a:t>Relief project planning</a:t>
-            </a:r>
-          </a:p>
-          <a:p>
-            <a:pPr marL="56358" lvl="1" indent="0">
-              <a:lnSpc>
-                <a:spcPct val="150000"/>
-              </a:lnSpc>
-              <a:buNone/>
-            </a:pPr>
-            <a:endParaRPr lang="en-GB" sz="1800" dirty="0">
-              <a:latin typeface="+mn-lt"/>
-              <a:ea typeface="+mn-ea"/>
-              <a:cs typeface="+mn-cs"/>
-            </a:endParaRPr>
-          </a:p>
-          <a:p>
-            <a:pPr lvl="1">
-              <a:lnSpc>
-                <a:spcPct val="150000"/>
-              </a:lnSpc>
-              <a:buFont typeface="Wingdings" panose="05000000000000000000" pitchFamily="2" charset="2"/>
-              <a:buChar char="Ø"/>
-            </a:pPr>
-            <a:endParaRPr lang="en-GB" sz="1600" dirty="0">
-              <a:latin typeface="+mn-lt"/>
-              <a:ea typeface="+mn-ea"/>
-              <a:cs typeface="+mn-cs"/>
-            </a:endParaRPr>
-          </a:p>
-          <a:p>
-            <a:pPr marL="342770" lvl="1" indent="-342770">
-              <a:buFont typeface="Wingdings" panose="05000000000000000000" pitchFamily="2" charset="2"/>
-              <a:buChar char="Ø"/>
-            </a:pPr>
-            <a:endParaRPr lang="de-AT" sz="1800" dirty="0">
-              <a:latin typeface="+mn-lt"/>
-              <a:ea typeface="+mn-ea"/>
-              <a:cs typeface="+mn-cs"/>
-            </a:endParaRPr>
-          </a:p>
-          <a:p>
-            <a:pPr lvl="1">
-              <a:buFont typeface="Wingdings" panose="05000000000000000000" pitchFamily="2" charset="2"/>
-              <a:buChar char="Ø"/>
-            </a:pPr>
-            <a:endParaRPr lang="de-AT" sz="1400" dirty="0">
-              <a:latin typeface="+mn-lt"/>
-              <a:ea typeface="+mn-ea"/>
-              <a:cs typeface="+mn-cs"/>
-            </a:endParaRPr>
-          </a:p>
-          <a:p>
-            <a:pPr lvl="1">
-              <a:buFont typeface="Wingdings" panose="05000000000000000000" pitchFamily="2" charset="2"/>
-              <a:buChar char="Ø"/>
-            </a:pPr>
-            <a:endParaRPr lang="de-AT" sz="1400" dirty="0">
-              <a:latin typeface="+mn-lt"/>
-              <a:ea typeface="+mn-ea"/>
-              <a:cs typeface="+mn-cs"/>
-            </a:endParaRPr>
-          </a:p>
-          <a:p>
-            <a:pPr marL="457028" lvl="1" indent="0">
-              <a:buNone/>
-            </a:pPr>
-            <a:endParaRPr lang="de-AT" sz="1400" dirty="0">
-              <a:latin typeface="+mn-lt"/>
-              <a:ea typeface="+mn-ea"/>
-              <a:cs typeface="+mn-cs"/>
-            </a:endParaRPr>
-          </a:p>
-          <a:p>
-            <a:pPr lvl="1">
-              <a:buFont typeface="Wingdings" panose="05000000000000000000" pitchFamily="2" charset="2"/>
-              <a:buChar char="Ø"/>
-            </a:pPr>
-            <a:endParaRPr lang="de-AT" dirty="0"/>
-          </a:p>
-        </p:txBody>
-      </p:sp>
-      <p:pic>
-        <p:nvPicPr>
-          <p:cNvPr id="2" name="Grafik 1">
-            <a:extLst>
-              <a:ext uri="{FF2B5EF4-FFF2-40B4-BE49-F238E27FC236}">
-                <a16:creationId xmlns:a16="http://schemas.microsoft.com/office/drawing/2014/main" id="{41B713B9-5A37-4ECC-93F9-A34A56D46836}"/>
-              </a:ext>
-            </a:extLst>
-          </p:cNvPr>
-          <p:cNvPicPr>
-            <a:picLocks noChangeAspect="1"/>
-          </p:cNvPicPr>
-          <p:nvPr/>
-        </p:nvPicPr>
-        <p:blipFill rotWithShape="1">
-          <a:blip r:embed="rId2"/>
-          <a:srcRect l="18743" t="33192" r="55088" b="17678"/>
-          <a:stretch/>
-        </p:blipFill>
-        <p:spPr>
-          <a:xfrm>
-            <a:off x="6026622" y="2204864"/>
-            <a:ext cx="2796629" cy="2952000"/>
-          </a:xfrm>
-          <a:prstGeom prst="rect">
-            <a:avLst/>
-          </a:prstGeom>
-        </p:spPr>
-      </p:pic>
-    </p:spTree>
-    <p:extLst>
-      <p:ext uri="{BB962C8B-B14F-4D97-AF65-F5344CB8AC3E}">
-        <p14:creationId xmlns:p14="http://schemas.microsoft.com/office/powerpoint/2010/main" val="2389749294"/>
-      </p:ext>
-    </p:extLst>
-  </p:cSld>
-  <p:clrMapOvr>
-    <a:masterClrMapping/>
-  </p:clrMapOvr>
-</p:sld>
-</file>
-
-<file path=ppt/slides/slide5.xml><?xml version="1.0" encoding="utf-8"?>
-<p:sld xmlns:a="http://schemas.openxmlformats.org/drawingml/2006/main" xmlns:r="http://schemas.openxmlformats.org/officeDocument/2006/relationships" xmlns:p="http://schemas.openxmlformats.org/presentationml/2006/main">
-  <p:cSld>
-    <p:spTree>
-      <p:nvGrpSpPr>
-        <p:cNvPr id="1" name=""/>
-        <p:cNvGrpSpPr/>
-        <p:nvPr/>
-      </p:nvGrpSpPr>
-      <p:grpSpPr>
-        <a:xfrm>
-          <a:off x="0" y="0"/>
-          <a:ext cx="0" cy="0"/>
-          <a:chOff x="0" y="0"/>
-          <a:chExt cx="0" cy="0"/>
-        </a:xfrm>
-      </p:grpSpPr>
-      <p:sp>
-        <p:nvSpPr>
           <p:cNvPr id="2" name="Inhaltsplatzhalter 1">
             <a:extLst>
               <a:ext uri="{FF2B5EF4-FFF2-40B4-BE49-F238E27FC236}">
@@ -10069,7 +9281,7 @@
           <a:p>
             <a:fld id="{A6A55E55-235A-4F68-B44B-5B270E39D9BB}" type="datetime1">
               <a:rPr lang="de-AT" smtClean="0"/>
-              <a:t>21.01.2018</a:t>
+              <a:t>22.01.2018</a:t>
             </a:fld>
             <a:endParaRPr lang="de-AT" dirty="0"/>
           </a:p>
@@ -10127,7 +9339,7 @@
           <a:p>
             <a:fld id="{3B0692D3-3767-4542-A95D-53684A81B966}" type="slidenum">
               <a:rPr lang="de-AT" smtClean="0"/>
-              <a:t>5</a:t>
+              <a:t>3</a:t>
             </a:fld>
             <a:endParaRPr lang="de-AT" dirty="0"/>
           </a:p>
@@ -10196,7 +9408,7 @@
                   <a:schemeClr val="bg1"/>
                 </a:solidFill>
               </a:rPr>
-              <a:t>Project at a </a:t>
+              <a:t>Project </a:t>
             </a:r>
             <a:r>
               <a:rPr lang="de-DE" dirty="0" err="1">
@@ -10204,7 +9416,23 @@
                   <a:schemeClr val="bg1"/>
                 </a:solidFill>
               </a:rPr>
-              <a:t>glance</a:t>
+              <a:t>use</a:t>
+            </a:r>
+            <a:r>
+              <a:rPr lang="de-DE" dirty="0">
+                <a:solidFill>
+                  <a:schemeClr val="bg1"/>
+                </a:solidFill>
+              </a:rPr>
+              <a:t> </a:t>
+            </a:r>
+            <a:r>
+              <a:rPr lang="de-DE" dirty="0" err="1">
+                <a:solidFill>
+                  <a:schemeClr val="bg1"/>
+                </a:solidFill>
+              </a:rPr>
+              <a:t>case</a:t>
             </a:r>
             <a:endParaRPr lang="de-DE" dirty="0">
               <a:solidFill>
@@ -10214,10 +9442,990 @@
           </a:p>
         </p:txBody>
       </p:sp>
+      <p:sp>
+        <p:nvSpPr>
+          <p:cNvPr id="8" name="Textfeld 7">
+            <a:extLst>
+              <a:ext uri="{FF2B5EF4-FFF2-40B4-BE49-F238E27FC236}">
+                <a16:creationId xmlns:a16="http://schemas.microsoft.com/office/drawing/2014/main" id="{8E794ECD-7DC9-4AED-BF12-C6623322CAC4}"/>
+              </a:ext>
+            </a:extLst>
+          </p:cNvPr>
+          <p:cNvSpPr txBox="1"/>
+          <p:nvPr/>
+        </p:nvSpPr>
+        <p:spPr>
+          <a:xfrm>
+            <a:off x="1928664" y="6021288"/>
+            <a:ext cx="7103203" cy="307777"/>
+          </a:xfrm>
+          <a:prstGeom prst="rect">
+            <a:avLst/>
+          </a:prstGeom>
+          <a:noFill/>
+        </p:spPr>
+        <p:txBody>
+          <a:bodyPr wrap="square" rtlCol="0">
+            <a:spAutoFit/>
+          </a:bodyPr>
+          <a:lstStyle/>
+          <a:p>
+            <a:r>
+              <a:rPr lang="de-AT" sz="1400" dirty="0"/>
+              <a:t>Quelle: http://www.flensburger-budo-club.de/attachments/Image/team.jpg?template=generic</a:t>
+            </a:r>
+          </a:p>
+        </p:txBody>
+      </p:sp>
     </p:spTree>
     <p:extLst>
       <p:ext uri="{BB962C8B-B14F-4D97-AF65-F5344CB8AC3E}">
         <p14:creationId xmlns:p14="http://schemas.microsoft.com/office/powerpoint/2010/main" val="3589922886"/>
+      </p:ext>
+    </p:extLst>
+  </p:cSld>
+  <p:clrMapOvr>
+    <a:masterClrMapping/>
+  </p:clrMapOvr>
+</p:sld>
+</file>
+
+<file path=ppt/slides/slide4.xml><?xml version="1.0" encoding="utf-8"?>
+<p:sld xmlns:a="http://schemas.openxmlformats.org/drawingml/2006/main" xmlns:r="http://schemas.openxmlformats.org/officeDocument/2006/relationships" xmlns:p="http://schemas.openxmlformats.org/presentationml/2006/main">
+  <p:cSld>
+    <p:spTree>
+      <p:nvGrpSpPr>
+        <p:cNvPr id="1" name=""/>
+        <p:cNvGrpSpPr/>
+        <p:nvPr/>
+      </p:nvGrpSpPr>
+      <p:grpSpPr>
+        <a:xfrm>
+          <a:off x="0" y="0"/>
+          <a:ext cx="0" cy="0"/>
+          <a:chOff x="0" y="0"/>
+          <a:chExt cx="0" cy="0"/>
+        </a:xfrm>
+      </p:grpSpPr>
+      <p:sp>
+        <p:nvSpPr>
+          <p:cNvPr id="8" name="Titel 7">
+            <a:extLst>
+              <a:ext uri="{FF2B5EF4-FFF2-40B4-BE49-F238E27FC236}">
+                <a16:creationId xmlns:a16="http://schemas.microsoft.com/office/drawing/2014/main" id="{B4C15081-4C46-4C61-946B-BAC305253743}"/>
+              </a:ext>
+            </a:extLst>
+          </p:cNvPr>
+          <p:cNvSpPr>
+            <a:spLocks noGrp="1"/>
+          </p:cNvSpPr>
+          <p:nvPr>
+            <p:ph type="title" idx="4294967295"/>
+          </p:nvPr>
+        </p:nvSpPr>
+        <p:spPr>
+          <a:xfrm>
+            <a:off x="116467" y="116632"/>
+            <a:ext cx="8915400" cy="1143000"/>
+          </a:xfrm>
+        </p:spPr>
+        <p:txBody>
+          <a:bodyPr>
+            <a:normAutofit/>
+          </a:bodyPr>
+          <a:lstStyle/>
+          <a:p>
+            <a:r>
+              <a:rPr lang="de-DE" dirty="0">
+                <a:solidFill>
+                  <a:schemeClr val="bg1"/>
+                </a:solidFill>
+              </a:rPr>
+              <a:t>Project </a:t>
+            </a:r>
+            <a:r>
+              <a:rPr lang="de-DE" dirty="0" err="1">
+                <a:solidFill>
+                  <a:schemeClr val="bg1"/>
+                </a:solidFill>
+              </a:rPr>
+              <a:t>use</a:t>
+            </a:r>
+            <a:r>
+              <a:rPr lang="de-DE" dirty="0">
+                <a:solidFill>
+                  <a:schemeClr val="bg1"/>
+                </a:solidFill>
+              </a:rPr>
+              <a:t> </a:t>
+            </a:r>
+            <a:r>
+              <a:rPr lang="de-DE" dirty="0" err="1">
+                <a:solidFill>
+                  <a:schemeClr val="bg1"/>
+                </a:solidFill>
+              </a:rPr>
+              <a:t>case</a:t>
+            </a:r>
+            <a:endParaRPr lang="de-DE" dirty="0">
+              <a:solidFill>
+                <a:schemeClr val="bg1"/>
+              </a:solidFill>
+            </a:endParaRPr>
+          </a:p>
+        </p:txBody>
+      </p:sp>
+      <p:sp>
+        <p:nvSpPr>
+          <p:cNvPr id="4" name="Datumsplatzhalter 3">
+            <a:extLst>
+              <a:ext uri="{FF2B5EF4-FFF2-40B4-BE49-F238E27FC236}">
+                <a16:creationId xmlns:a16="http://schemas.microsoft.com/office/drawing/2014/main" id="{82014930-B991-4842-9356-CB5C23CCA0DD}"/>
+              </a:ext>
+            </a:extLst>
+          </p:cNvPr>
+          <p:cNvSpPr>
+            <a:spLocks noGrp="1"/>
+          </p:cNvSpPr>
+          <p:nvPr>
+            <p:ph type="dt" sz="half" idx="10"/>
+          </p:nvPr>
+        </p:nvSpPr>
+        <p:spPr/>
+        <p:txBody>
+          <a:bodyPr/>
+          <a:lstStyle/>
+          <a:p>
+            <a:fld id="{A6A55E55-235A-4F68-B44B-5B270E39D9BB}" type="datetime1">
+              <a:rPr lang="de-AT" smtClean="0"/>
+              <a:t>22.01.2018</a:t>
+            </a:fld>
+            <a:endParaRPr lang="de-AT" dirty="0"/>
+          </a:p>
+        </p:txBody>
+      </p:sp>
+      <p:sp>
+        <p:nvSpPr>
+          <p:cNvPr id="5" name="Fußzeilenplatzhalter 4">
+            <a:extLst>
+              <a:ext uri="{FF2B5EF4-FFF2-40B4-BE49-F238E27FC236}">
+                <a16:creationId xmlns:a16="http://schemas.microsoft.com/office/drawing/2014/main" id="{C6F28DD9-7E24-4860-A748-0423524A91F2}"/>
+              </a:ext>
+            </a:extLst>
+          </p:cNvPr>
+          <p:cNvSpPr>
+            <a:spLocks noGrp="1"/>
+          </p:cNvSpPr>
+          <p:nvPr>
+            <p:ph type="ftr" sz="quarter" idx="11"/>
+          </p:nvPr>
+        </p:nvSpPr>
+        <p:spPr/>
+        <p:txBody>
+          <a:bodyPr/>
+          <a:lstStyle/>
+          <a:p>
+            <a:r>
+              <a:rPr lang="de-AT" dirty="0"/>
+              <a:t>Project Management Methods - "Mars Expedition"</a:t>
+            </a:r>
+          </a:p>
+        </p:txBody>
+      </p:sp>
+      <p:sp>
+        <p:nvSpPr>
+          <p:cNvPr id="6" name="Foliennummernplatzhalter 5">
+            <a:extLst>
+              <a:ext uri="{FF2B5EF4-FFF2-40B4-BE49-F238E27FC236}">
+                <a16:creationId xmlns:a16="http://schemas.microsoft.com/office/drawing/2014/main" id="{74388B65-7CD4-4103-AFA7-148FA1E04B84}"/>
+              </a:ext>
+            </a:extLst>
+          </p:cNvPr>
+          <p:cNvSpPr>
+            <a:spLocks noGrp="1"/>
+          </p:cNvSpPr>
+          <p:nvPr>
+            <p:ph type="sldNum" sz="quarter" idx="12"/>
+          </p:nvPr>
+        </p:nvSpPr>
+        <p:spPr/>
+        <p:txBody>
+          <a:bodyPr/>
+          <a:lstStyle/>
+          <a:p>
+            <a:fld id="{3B0692D3-3767-4542-A95D-53684A81B966}" type="slidenum">
+              <a:rPr lang="de-AT" smtClean="0"/>
+              <a:t>4</a:t>
+            </a:fld>
+            <a:endParaRPr lang="de-AT" dirty="0"/>
+          </a:p>
+        </p:txBody>
+      </p:sp>
+      <p:sp>
+        <p:nvSpPr>
+          <p:cNvPr id="7" name="Inhaltsplatzhalter 6">
+            <a:extLst>
+              <a:ext uri="{FF2B5EF4-FFF2-40B4-BE49-F238E27FC236}">
+                <a16:creationId xmlns:a16="http://schemas.microsoft.com/office/drawing/2014/main" id="{7E34B61F-2172-4281-AC62-588A00022539}"/>
+              </a:ext>
+            </a:extLst>
+          </p:cNvPr>
+          <p:cNvSpPr>
+            <a:spLocks noGrp="1"/>
+          </p:cNvSpPr>
+          <p:nvPr>
+            <p:ph idx="1"/>
+          </p:nvPr>
+        </p:nvSpPr>
+        <p:spPr/>
+        <p:txBody>
+          <a:bodyPr>
+            <a:normAutofit/>
+          </a:bodyPr>
+          <a:lstStyle/>
+          <a:p>
+            <a:pPr marL="0" indent="0">
+              <a:lnSpc>
+                <a:spcPct val="150000"/>
+              </a:lnSpc>
+              <a:buNone/>
+            </a:pPr>
+            <a:r>
+              <a:rPr lang="en-GB" sz="1800" b="1" dirty="0">
+                <a:latin typeface="+mn-lt"/>
+                <a:ea typeface="+mn-ea"/>
+                <a:cs typeface="+mn-cs"/>
+              </a:rPr>
+              <a:t>Phase planning</a:t>
+            </a:r>
+          </a:p>
+          <a:p>
+            <a:pPr lvl="1">
+              <a:lnSpc>
+                <a:spcPct val="150000"/>
+              </a:lnSpc>
+              <a:buFont typeface="Wingdings" panose="05000000000000000000" pitchFamily="2" charset="2"/>
+              <a:buChar char="Ø"/>
+            </a:pPr>
+            <a:r>
+              <a:rPr lang="en-GB" sz="1600" dirty="0">
+                <a:latin typeface="+mn-lt"/>
+                <a:ea typeface="+mn-ea"/>
+                <a:cs typeface="+mn-cs"/>
+              </a:rPr>
+              <a:t>Conception phase</a:t>
+            </a:r>
+          </a:p>
+          <a:p>
+            <a:pPr lvl="1">
+              <a:lnSpc>
+                <a:spcPct val="150000"/>
+              </a:lnSpc>
+              <a:buFont typeface="Wingdings" panose="05000000000000000000" pitchFamily="2" charset="2"/>
+              <a:buChar char="Ø"/>
+            </a:pPr>
+            <a:r>
+              <a:rPr lang="en-GB" sz="1600" dirty="0">
+                <a:latin typeface="+mn-lt"/>
+                <a:ea typeface="+mn-ea"/>
+                <a:cs typeface="+mn-cs"/>
+              </a:rPr>
+              <a:t>Define and Planning phase</a:t>
+            </a:r>
+          </a:p>
+          <a:p>
+            <a:pPr lvl="1">
+              <a:lnSpc>
+                <a:spcPct val="150000"/>
+              </a:lnSpc>
+              <a:buFont typeface="Wingdings" panose="05000000000000000000" pitchFamily="2" charset="2"/>
+              <a:buChar char="Ø"/>
+            </a:pPr>
+            <a:r>
+              <a:rPr lang="en-GB" sz="1600" dirty="0">
+                <a:latin typeface="+mn-lt"/>
+                <a:ea typeface="+mn-ea"/>
+                <a:cs typeface="+mn-cs"/>
+              </a:rPr>
+              <a:t>Execution Phase</a:t>
+            </a:r>
+          </a:p>
+          <a:p>
+            <a:pPr lvl="1">
+              <a:lnSpc>
+                <a:spcPct val="150000"/>
+              </a:lnSpc>
+              <a:buFont typeface="Wingdings" panose="05000000000000000000" pitchFamily="2" charset="2"/>
+              <a:buChar char="Ø"/>
+            </a:pPr>
+            <a:r>
+              <a:rPr lang="en-GB" sz="1600" dirty="0">
+                <a:latin typeface="+mn-lt"/>
+                <a:ea typeface="+mn-ea"/>
+                <a:cs typeface="+mn-cs"/>
+              </a:rPr>
+              <a:t>Closing Phase (Mars Landing)</a:t>
+            </a:r>
+          </a:p>
+          <a:p>
+            <a:pPr lvl="1">
+              <a:lnSpc>
+                <a:spcPct val="150000"/>
+              </a:lnSpc>
+              <a:buFont typeface="Wingdings" panose="05000000000000000000" pitchFamily="2" charset="2"/>
+              <a:buChar char="Ø"/>
+            </a:pPr>
+            <a:endParaRPr lang="en-GB" sz="1400" dirty="0">
+              <a:latin typeface="+mn-lt"/>
+              <a:ea typeface="+mn-ea"/>
+              <a:cs typeface="+mn-cs"/>
+            </a:endParaRPr>
+          </a:p>
+          <a:p>
+            <a:pPr marL="342108" lvl="1" indent="-285750">
+              <a:lnSpc>
+                <a:spcPct val="150000"/>
+              </a:lnSpc>
+              <a:buFont typeface="Wingdings" panose="05000000000000000000" pitchFamily="2" charset="2"/>
+              <a:buChar char="Ø"/>
+            </a:pPr>
+            <a:r>
+              <a:rPr lang="en-GB" sz="1800" dirty="0">
+                <a:latin typeface="+mn-lt"/>
+                <a:ea typeface="+mn-ea"/>
+                <a:cs typeface="+mn-cs"/>
+              </a:rPr>
+              <a:t>Structure</a:t>
+            </a:r>
+          </a:p>
+          <a:p>
+            <a:pPr marL="342108" lvl="1" indent="-285750">
+              <a:lnSpc>
+                <a:spcPct val="150000"/>
+              </a:lnSpc>
+              <a:buFont typeface="Wingdings" panose="05000000000000000000" pitchFamily="2" charset="2"/>
+              <a:buChar char="Ø"/>
+            </a:pPr>
+            <a:r>
+              <a:rPr lang="en-GB" sz="1800" dirty="0">
+                <a:latin typeface="+mn-lt"/>
+                <a:ea typeface="+mn-ea"/>
+                <a:cs typeface="+mn-cs"/>
+              </a:rPr>
+              <a:t>Set up activities</a:t>
+            </a:r>
+          </a:p>
+          <a:p>
+            <a:pPr marL="342000" lvl="1">
+              <a:lnSpc>
+                <a:spcPct val="150000"/>
+              </a:lnSpc>
+              <a:buFont typeface="Wingdings" panose="05000000000000000000" pitchFamily="2" charset="2"/>
+              <a:buChar char="Ø"/>
+            </a:pPr>
+            <a:r>
+              <a:rPr lang="en-GB" sz="1800" dirty="0">
+                <a:latin typeface="+mn-lt"/>
+                <a:ea typeface="+mn-ea"/>
+                <a:cs typeface="+mn-cs"/>
+              </a:rPr>
+              <a:t>Work step by step</a:t>
+            </a:r>
+          </a:p>
+          <a:p>
+            <a:pPr marL="457028" lvl="1" indent="0">
+              <a:lnSpc>
+                <a:spcPct val="150000"/>
+              </a:lnSpc>
+              <a:buNone/>
+            </a:pPr>
+            <a:endParaRPr lang="de-AT" sz="1400" dirty="0">
+              <a:latin typeface="+mn-lt"/>
+              <a:ea typeface="+mn-ea"/>
+              <a:cs typeface="+mn-cs"/>
+            </a:endParaRPr>
+          </a:p>
+          <a:p>
+            <a:pPr lvl="1">
+              <a:buFont typeface="Wingdings" panose="05000000000000000000" pitchFamily="2" charset="2"/>
+              <a:buChar char="Ø"/>
+            </a:pPr>
+            <a:endParaRPr lang="de-AT" sz="1400" dirty="0">
+              <a:latin typeface="+mn-lt"/>
+              <a:ea typeface="+mn-ea"/>
+              <a:cs typeface="+mn-cs"/>
+            </a:endParaRPr>
+          </a:p>
+          <a:p>
+            <a:pPr marL="457028" lvl="1" indent="0">
+              <a:buNone/>
+            </a:pPr>
+            <a:endParaRPr lang="de-AT" sz="1400" dirty="0">
+              <a:latin typeface="+mn-lt"/>
+              <a:ea typeface="+mn-ea"/>
+              <a:cs typeface="+mn-cs"/>
+            </a:endParaRPr>
+          </a:p>
+          <a:p>
+            <a:pPr lvl="1">
+              <a:buFont typeface="Wingdings" panose="05000000000000000000" pitchFamily="2" charset="2"/>
+              <a:buChar char="Ø"/>
+            </a:pPr>
+            <a:endParaRPr lang="de-AT" dirty="0"/>
+          </a:p>
+        </p:txBody>
+      </p:sp>
+      <p:pic>
+        <p:nvPicPr>
+          <p:cNvPr id="9" name="Grafik 8">
+            <a:extLst>
+              <a:ext uri="{FF2B5EF4-FFF2-40B4-BE49-F238E27FC236}">
+                <a16:creationId xmlns:a16="http://schemas.microsoft.com/office/drawing/2014/main" id="{B2140789-E50F-4DF1-847E-D0E963506754}"/>
+              </a:ext>
+            </a:extLst>
+          </p:cNvPr>
+          <p:cNvPicPr>
+            <a:picLocks noChangeAspect="1"/>
+          </p:cNvPicPr>
+          <p:nvPr/>
+        </p:nvPicPr>
+        <p:blipFill rotWithShape="1">
+          <a:blip r:embed="rId3"/>
+          <a:srcRect l="24803" t="47414" r="60904" b="28021"/>
+          <a:stretch/>
+        </p:blipFill>
+        <p:spPr>
+          <a:xfrm>
+            <a:off x="5313040" y="2591624"/>
+            <a:ext cx="2458939" cy="2376000"/>
+          </a:xfrm>
+          <a:prstGeom prst="rect">
+            <a:avLst/>
+          </a:prstGeom>
+        </p:spPr>
+      </p:pic>
+      <p:sp>
+        <p:nvSpPr>
+          <p:cNvPr id="2" name="Textfeld 1">
+            <a:extLst>
+              <a:ext uri="{FF2B5EF4-FFF2-40B4-BE49-F238E27FC236}">
+                <a16:creationId xmlns:a16="http://schemas.microsoft.com/office/drawing/2014/main" id="{A0090D94-8488-4D9C-80B3-EF6C6566BF25}"/>
+              </a:ext>
+            </a:extLst>
+          </p:cNvPr>
+          <p:cNvSpPr txBox="1"/>
+          <p:nvPr/>
+        </p:nvSpPr>
+        <p:spPr>
+          <a:xfrm>
+            <a:off x="4223057" y="6021288"/>
+            <a:ext cx="4808810" cy="307777"/>
+          </a:xfrm>
+          <a:prstGeom prst="rect">
+            <a:avLst/>
+          </a:prstGeom>
+          <a:noFill/>
+        </p:spPr>
+        <p:txBody>
+          <a:bodyPr wrap="square" rtlCol="0">
+            <a:spAutoFit/>
+          </a:bodyPr>
+          <a:lstStyle/>
+          <a:p>
+            <a:r>
+              <a:rPr lang="de-AT" sz="1400" dirty="0"/>
+              <a:t>Quelle: http://www.mpmm.com/images/pmbok-processes.jpg</a:t>
+            </a:r>
+          </a:p>
+        </p:txBody>
+      </p:sp>
+    </p:spTree>
+    <p:extLst>
+      <p:ext uri="{BB962C8B-B14F-4D97-AF65-F5344CB8AC3E}">
+        <p14:creationId xmlns:p14="http://schemas.microsoft.com/office/powerpoint/2010/main" val="2739111897"/>
+      </p:ext>
+    </p:extLst>
+  </p:cSld>
+  <p:clrMapOvr>
+    <a:masterClrMapping/>
+  </p:clrMapOvr>
+</p:sld>
+</file>
+
+<file path=ppt/slides/slide5.xml><?xml version="1.0" encoding="utf-8"?>
+<p:sld xmlns:a="http://schemas.openxmlformats.org/drawingml/2006/main" xmlns:r="http://schemas.openxmlformats.org/officeDocument/2006/relationships" xmlns:p="http://schemas.openxmlformats.org/presentationml/2006/main">
+  <p:cSld>
+    <p:spTree>
+      <p:nvGrpSpPr>
+        <p:cNvPr id="1" name=""/>
+        <p:cNvGrpSpPr/>
+        <p:nvPr/>
+      </p:nvGrpSpPr>
+      <p:grpSpPr>
+        <a:xfrm>
+          <a:off x="0" y="0"/>
+          <a:ext cx="0" cy="0"/>
+          <a:chOff x="0" y="0"/>
+          <a:chExt cx="0" cy="0"/>
+        </a:xfrm>
+      </p:grpSpPr>
+      <p:sp>
+        <p:nvSpPr>
+          <p:cNvPr id="8" name="Titel 7">
+            <a:extLst>
+              <a:ext uri="{FF2B5EF4-FFF2-40B4-BE49-F238E27FC236}">
+                <a16:creationId xmlns:a16="http://schemas.microsoft.com/office/drawing/2014/main" id="{B4C15081-4C46-4C61-946B-BAC305253743}"/>
+              </a:ext>
+            </a:extLst>
+          </p:cNvPr>
+          <p:cNvSpPr>
+            <a:spLocks noGrp="1"/>
+          </p:cNvSpPr>
+          <p:nvPr>
+            <p:ph type="title" idx="4294967295"/>
+          </p:nvPr>
+        </p:nvSpPr>
+        <p:spPr>
+          <a:xfrm>
+            <a:off x="116467" y="116632"/>
+            <a:ext cx="8915400" cy="1143000"/>
+          </a:xfrm>
+        </p:spPr>
+        <p:txBody>
+          <a:bodyPr>
+            <a:normAutofit/>
+          </a:bodyPr>
+          <a:lstStyle/>
+          <a:p>
+            <a:r>
+              <a:rPr lang="de-DE" dirty="0">
+                <a:solidFill>
+                  <a:schemeClr val="bg1"/>
+                </a:solidFill>
+              </a:rPr>
+              <a:t>Project </a:t>
+            </a:r>
+            <a:r>
+              <a:rPr lang="de-DE" dirty="0" err="1">
+                <a:solidFill>
+                  <a:schemeClr val="bg1"/>
+                </a:solidFill>
+              </a:rPr>
+              <a:t>use</a:t>
+            </a:r>
+            <a:r>
+              <a:rPr lang="de-DE" dirty="0">
+                <a:solidFill>
+                  <a:schemeClr val="bg1"/>
+                </a:solidFill>
+              </a:rPr>
+              <a:t> </a:t>
+            </a:r>
+            <a:r>
+              <a:rPr lang="de-DE" dirty="0" err="1">
+                <a:solidFill>
+                  <a:schemeClr val="bg1"/>
+                </a:solidFill>
+              </a:rPr>
+              <a:t>case</a:t>
+            </a:r>
+            <a:endParaRPr lang="de-DE" dirty="0">
+              <a:solidFill>
+                <a:schemeClr val="bg1"/>
+              </a:solidFill>
+            </a:endParaRPr>
+          </a:p>
+        </p:txBody>
+      </p:sp>
+      <p:sp>
+        <p:nvSpPr>
+          <p:cNvPr id="4" name="Datumsplatzhalter 3">
+            <a:extLst>
+              <a:ext uri="{FF2B5EF4-FFF2-40B4-BE49-F238E27FC236}">
+                <a16:creationId xmlns:a16="http://schemas.microsoft.com/office/drawing/2014/main" id="{82014930-B991-4842-9356-CB5C23CCA0DD}"/>
+              </a:ext>
+            </a:extLst>
+          </p:cNvPr>
+          <p:cNvSpPr>
+            <a:spLocks noGrp="1"/>
+          </p:cNvSpPr>
+          <p:nvPr>
+            <p:ph type="dt" sz="half" idx="10"/>
+          </p:nvPr>
+        </p:nvSpPr>
+        <p:spPr/>
+        <p:txBody>
+          <a:bodyPr/>
+          <a:lstStyle/>
+          <a:p>
+            <a:fld id="{A6A55E55-235A-4F68-B44B-5B270E39D9BB}" type="datetime1">
+              <a:rPr lang="de-AT" smtClean="0"/>
+              <a:t>22.01.2018</a:t>
+            </a:fld>
+            <a:endParaRPr lang="de-AT" dirty="0"/>
+          </a:p>
+        </p:txBody>
+      </p:sp>
+      <p:sp>
+        <p:nvSpPr>
+          <p:cNvPr id="5" name="Fußzeilenplatzhalter 4">
+            <a:extLst>
+              <a:ext uri="{FF2B5EF4-FFF2-40B4-BE49-F238E27FC236}">
+                <a16:creationId xmlns:a16="http://schemas.microsoft.com/office/drawing/2014/main" id="{C6F28DD9-7E24-4860-A748-0423524A91F2}"/>
+              </a:ext>
+            </a:extLst>
+          </p:cNvPr>
+          <p:cNvSpPr>
+            <a:spLocks noGrp="1"/>
+          </p:cNvSpPr>
+          <p:nvPr>
+            <p:ph type="ftr" sz="quarter" idx="11"/>
+          </p:nvPr>
+        </p:nvSpPr>
+        <p:spPr/>
+        <p:txBody>
+          <a:bodyPr/>
+          <a:lstStyle/>
+          <a:p>
+            <a:r>
+              <a:rPr lang="de-AT"/>
+              <a:t>Project Management Methods - "Mars Expedition"</a:t>
+            </a:r>
+            <a:endParaRPr lang="de-AT" dirty="0"/>
+          </a:p>
+        </p:txBody>
+      </p:sp>
+      <p:sp>
+        <p:nvSpPr>
+          <p:cNvPr id="6" name="Foliennummernplatzhalter 5">
+            <a:extLst>
+              <a:ext uri="{FF2B5EF4-FFF2-40B4-BE49-F238E27FC236}">
+                <a16:creationId xmlns:a16="http://schemas.microsoft.com/office/drawing/2014/main" id="{74388B65-7CD4-4103-AFA7-148FA1E04B84}"/>
+              </a:ext>
+            </a:extLst>
+          </p:cNvPr>
+          <p:cNvSpPr>
+            <a:spLocks noGrp="1"/>
+          </p:cNvSpPr>
+          <p:nvPr>
+            <p:ph type="sldNum" sz="quarter" idx="12"/>
+          </p:nvPr>
+        </p:nvSpPr>
+        <p:spPr/>
+        <p:txBody>
+          <a:bodyPr/>
+          <a:lstStyle/>
+          <a:p>
+            <a:fld id="{3B0692D3-3767-4542-A95D-53684A81B966}" type="slidenum">
+              <a:rPr lang="de-AT" smtClean="0"/>
+              <a:t>5</a:t>
+            </a:fld>
+            <a:endParaRPr lang="de-AT" dirty="0"/>
+          </a:p>
+        </p:txBody>
+      </p:sp>
+      <p:sp>
+        <p:nvSpPr>
+          <p:cNvPr id="7" name="Inhaltsplatzhalter 6">
+            <a:extLst>
+              <a:ext uri="{FF2B5EF4-FFF2-40B4-BE49-F238E27FC236}">
+                <a16:creationId xmlns:a16="http://schemas.microsoft.com/office/drawing/2014/main" id="{7E34B61F-2172-4281-AC62-588A00022539}"/>
+              </a:ext>
+            </a:extLst>
+          </p:cNvPr>
+          <p:cNvSpPr>
+            <a:spLocks noGrp="1"/>
+          </p:cNvSpPr>
+          <p:nvPr>
+            <p:ph idx="1"/>
+          </p:nvPr>
+        </p:nvSpPr>
+        <p:spPr>
+          <a:xfrm>
+            <a:off x="495300" y="1412776"/>
+            <a:ext cx="8915400" cy="4713393"/>
+          </a:xfrm>
+        </p:spPr>
+        <p:txBody>
+          <a:bodyPr>
+            <a:normAutofit/>
+          </a:bodyPr>
+          <a:lstStyle/>
+          <a:p>
+            <a:pPr marL="0" lvl="1" indent="0">
+              <a:lnSpc>
+                <a:spcPct val="150000"/>
+              </a:lnSpc>
+              <a:buNone/>
+            </a:pPr>
+            <a:r>
+              <a:rPr lang="en-GB" sz="1800" b="1" dirty="0">
+                <a:latin typeface="+mn-lt"/>
+                <a:ea typeface="+mn-ea"/>
+                <a:cs typeface="+mn-cs"/>
+              </a:rPr>
+              <a:t>Milestones</a:t>
+            </a:r>
+          </a:p>
+          <a:p>
+            <a:pPr lvl="1">
+              <a:lnSpc>
+                <a:spcPct val="150000"/>
+              </a:lnSpc>
+              <a:buFont typeface="Wingdings" panose="05000000000000000000" pitchFamily="2" charset="2"/>
+              <a:buChar char="Ø"/>
+            </a:pPr>
+            <a:r>
+              <a:rPr lang="en-GB" sz="1600" dirty="0">
+                <a:latin typeface="+mn-lt"/>
+                <a:ea typeface="+mn-ea"/>
+                <a:cs typeface="+mn-cs"/>
+              </a:rPr>
+              <a:t>1st: Structure, basic concept, distribution of roles</a:t>
+            </a:r>
+          </a:p>
+          <a:p>
+            <a:pPr lvl="1">
+              <a:lnSpc>
+                <a:spcPct val="150000"/>
+              </a:lnSpc>
+              <a:buFont typeface="Wingdings" panose="05000000000000000000" pitchFamily="2" charset="2"/>
+              <a:buChar char="Ø"/>
+            </a:pPr>
+            <a:r>
+              <a:rPr lang="en-GB" sz="1600" dirty="0">
+                <a:latin typeface="+mn-lt"/>
+                <a:ea typeface="+mn-ea"/>
+                <a:cs typeface="+mn-cs"/>
+              </a:rPr>
+              <a:t>2nd: Prototyping our  </a:t>
+            </a:r>
+            <a:r>
+              <a:rPr lang="en-GB" sz="1600" dirty="0" err="1">
+                <a:latin typeface="+mn-lt"/>
+                <a:ea typeface="+mn-ea"/>
+                <a:cs typeface="+mn-cs"/>
+              </a:rPr>
+              <a:t>Mohne</a:t>
+            </a:r>
+            <a:endParaRPr lang="en-GB" sz="1600" dirty="0">
+              <a:latin typeface="+mn-lt"/>
+              <a:ea typeface="+mn-ea"/>
+              <a:cs typeface="+mn-cs"/>
+            </a:endParaRPr>
+          </a:p>
+          <a:p>
+            <a:pPr lvl="1">
+              <a:lnSpc>
+                <a:spcPct val="150000"/>
+              </a:lnSpc>
+              <a:buFont typeface="Wingdings" panose="05000000000000000000" pitchFamily="2" charset="2"/>
+              <a:buChar char="Ø"/>
+            </a:pPr>
+            <a:r>
+              <a:rPr lang="en-GB" sz="1600" dirty="0">
+                <a:latin typeface="+mn-lt"/>
+                <a:ea typeface="+mn-ea"/>
+                <a:cs typeface="+mn-cs"/>
+              </a:rPr>
+              <a:t>3rd: Optimization for our finalisation phase</a:t>
+            </a:r>
+          </a:p>
+          <a:p>
+            <a:pPr lvl="1">
+              <a:lnSpc>
+                <a:spcPct val="150000"/>
+              </a:lnSpc>
+              <a:buFont typeface="Wingdings" panose="05000000000000000000" pitchFamily="2" charset="2"/>
+              <a:buChar char="Ø"/>
+            </a:pPr>
+            <a:endParaRPr lang="en-GB" sz="1600" dirty="0">
+              <a:latin typeface="+mn-lt"/>
+              <a:ea typeface="+mn-ea"/>
+              <a:cs typeface="+mn-cs"/>
+            </a:endParaRPr>
+          </a:p>
+          <a:p>
+            <a:pPr marL="342108" lvl="1" indent="-285750">
+              <a:lnSpc>
+                <a:spcPct val="150000"/>
+              </a:lnSpc>
+              <a:buFont typeface="Wingdings" panose="05000000000000000000" pitchFamily="2" charset="2"/>
+              <a:buChar char="Ø"/>
+            </a:pPr>
+            <a:r>
+              <a:rPr lang="en-GB" sz="1800" dirty="0">
+                <a:latin typeface="+mn-lt"/>
+                <a:ea typeface="+mn-ea"/>
+                <a:cs typeface="+mn-cs"/>
+              </a:rPr>
+              <a:t>Control project progression</a:t>
+            </a:r>
+          </a:p>
+          <a:p>
+            <a:pPr marL="342108" lvl="1" indent="-285750">
+              <a:lnSpc>
+                <a:spcPct val="150000"/>
+              </a:lnSpc>
+              <a:buFont typeface="Wingdings" panose="05000000000000000000" pitchFamily="2" charset="2"/>
+              <a:buChar char="Ø"/>
+            </a:pPr>
+            <a:r>
+              <a:rPr lang="en-GB" sz="1800" dirty="0">
+                <a:latin typeface="+mn-lt"/>
+                <a:ea typeface="+mn-ea"/>
+                <a:cs typeface="+mn-cs"/>
+              </a:rPr>
+              <a:t>Relief project planning</a:t>
+            </a:r>
+          </a:p>
+          <a:p>
+            <a:pPr marL="56358" lvl="1" indent="0">
+              <a:lnSpc>
+                <a:spcPct val="150000"/>
+              </a:lnSpc>
+              <a:buNone/>
+            </a:pPr>
+            <a:endParaRPr lang="en-GB" sz="1800" dirty="0">
+              <a:latin typeface="+mn-lt"/>
+              <a:ea typeface="+mn-ea"/>
+              <a:cs typeface="+mn-cs"/>
+            </a:endParaRPr>
+          </a:p>
+          <a:p>
+            <a:pPr lvl="1">
+              <a:lnSpc>
+                <a:spcPct val="150000"/>
+              </a:lnSpc>
+              <a:buFont typeface="Wingdings" panose="05000000000000000000" pitchFamily="2" charset="2"/>
+              <a:buChar char="Ø"/>
+            </a:pPr>
+            <a:endParaRPr lang="en-GB" sz="1600" dirty="0">
+              <a:latin typeface="+mn-lt"/>
+              <a:ea typeface="+mn-ea"/>
+              <a:cs typeface="+mn-cs"/>
+            </a:endParaRPr>
+          </a:p>
+          <a:p>
+            <a:pPr marL="342770" lvl="1" indent="-342770">
+              <a:buFont typeface="Wingdings" panose="05000000000000000000" pitchFamily="2" charset="2"/>
+              <a:buChar char="Ø"/>
+            </a:pPr>
+            <a:endParaRPr lang="de-AT" sz="1800" dirty="0">
+              <a:latin typeface="+mn-lt"/>
+              <a:ea typeface="+mn-ea"/>
+              <a:cs typeface="+mn-cs"/>
+            </a:endParaRPr>
+          </a:p>
+          <a:p>
+            <a:pPr lvl="1">
+              <a:buFont typeface="Wingdings" panose="05000000000000000000" pitchFamily="2" charset="2"/>
+              <a:buChar char="Ø"/>
+            </a:pPr>
+            <a:endParaRPr lang="de-AT" sz="1400" dirty="0">
+              <a:latin typeface="+mn-lt"/>
+              <a:ea typeface="+mn-ea"/>
+              <a:cs typeface="+mn-cs"/>
+            </a:endParaRPr>
+          </a:p>
+          <a:p>
+            <a:pPr lvl="1">
+              <a:buFont typeface="Wingdings" panose="05000000000000000000" pitchFamily="2" charset="2"/>
+              <a:buChar char="Ø"/>
+            </a:pPr>
+            <a:endParaRPr lang="de-AT" sz="1400" dirty="0">
+              <a:latin typeface="+mn-lt"/>
+              <a:ea typeface="+mn-ea"/>
+              <a:cs typeface="+mn-cs"/>
+            </a:endParaRPr>
+          </a:p>
+          <a:p>
+            <a:pPr marL="457028" lvl="1" indent="0">
+              <a:buNone/>
+            </a:pPr>
+            <a:endParaRPr lang="de-AT" sz="1400" dirty="0">
+              <a:latin typeface="+mn-lt"/>
+              <a:ea typeface="+mn-ea"/>
+              <a:cs typeface="+mn-cs"/>
+            </a:endParaRPr>
+          </a:p>
+          <a:p>
+            <a:pPr lvl="1">
+              <a:buFont typeface="Wingdings" panose="05000000000000000000" pitchFamily="2" charset="2"/>
+              <a:buChar char="Ø"/>
+            </a:pPr>
+            <a:endParaRPr lang="de-AT" dirty="0"/>
+          </a:p>
+        </p:txBody>
+      </p:sp>
+      <p:pic>
+        <p:nvPicPr>
+          <p:cNvPr id="2" name="Grafik 1">
+            <a:extLst>
+              <a:ext uri="{FF2B5EF4-FFF2-40B4-BE49-F238E27FC236}">
+                <a16:creationId xmlns:a16="http://schemas.microsoft.com/office/drawing/2014/main" id="{41B713B9-5A37-4ECC-93F9-A34A56D46836}"/>
+              </a:ext>
+            </a:extLst>
+          </p:cNvPr>
+          <p:cNvPicPr>
+            <a:picLocks noChangeAspect="1"/>
+          </p:cNvPicPr>
+          <p:nvPr/>
+        </p:nvPicPr>
+        <p:blipFill rotWithShape="1">
+          <a:blip r:embed="rId2"/>
+          <a:srcRect l="18743" t="33192" r="56266" b="17678"/>
+          <a:stretch/>
+        </p:blipFill>
+        <p:spPr>
+          <a:xfrm>
+            <a:off x="6026623" y="2204864"/>
+            <a:ext cx="2670794" cy="2952000"/>
+          </a:xfrm>
+          <a:prstGeom prst="rect">
+            <a:avLst/>
+          </a:prstGeom>
+        </p:spPr>
+      </p:pic>
+      <p:sp>
+        <p:nvSpPr>
+          <p:cNvPr id="9" name="Textfeld 8">
+            <a:extLst>
+              <a:ext uri="{FF2B5EF4-FFF2-40B4-BE49-F238E27FC236}">
+                <a16:creationId xmlns:a16="http://schemas.microsoft.com/office/drawing/2014/main" id="{1C84AF23-BB6A-4A30-854B-A49F5AB24153}"/>
+              </a:ext>
+            </a:extLst>
+          </p:cNvPr>
+          <p:cNvSpPr txBox="1"/>
+          <p:nvPr/>
+        </p:nvSpPr>
+        <p:spPr>
+          <a:xfrm>
+            <a:off x="4223057" y="6021288"/>
+            <a:ext cx="4808810" cy="307777"/>
+          </a:xfrm>
+          <a:prstGeom prst="rect">
+            <a:avLst/>
+          </a:prstGeom>
+          <a:noFill/>
+        </p:spPr>
+        <p:txBody>
+          <a:bodyPr wrap="square" rtlCol="0">
+            <a:spAutoFit/>
+          </a:bodyPr>
+          <a:lstStyle/>
+          <a:p>
+            <a:r>
+              <a:rPr lang="de-AT" sz="1400" dirty="0"/>
+              <a:t>Quelle: http://laoblogger.com/images/milestone-clipart-10.jpg</a:t>
+            </a:r>
+          </a:p>
+        </p:txBody>
+      </p:sp>
+    </p:spTree>
+    <p:extLst>
+      <p:ext uri="{BB962C8B-B14F-4D97-AF65-F5344CB8AC3E}">
+        <p14:creationId xmlns:p14="http://schemas.microsoft.com/office/powerpoint/2010/main" val="2389749294"/>
       </p:ext>
     </p:extLst>
   </p:cSld>
@@ -10267,8 +10475,8 @@
         </p:blipFill>
         <p:spPr>
           <a:xfrm>
-            <a:off x="414427" y="1791000"/>
-            <a:ext cx="9032756" cy="3996000"/>
+            <a:off x="111118" y="1293548"/>
+            <a:ext cx="9683764" cy="4727740"/>
           </a:xfrm>
           <a:prstGeom prst="rect">
             <a:avLst/>
@@ -10350,7 +10558,7 @@
           <a:p>
             <a:fld id="{A6A55E55-235A-4F68-B44B-5B270E39D9BB}" type="datetime1">
               <a:rPr lang="de-AT" smtClean="0"/>
-              <a:t>21.01.2018</a:t>
+              <a:t>22.01.2018</a:t>
             </a:fld>
             <a:endParaRPr lang="de-AT" dirty="0"/>
           </a:p>
@@ -10506,7 +10714,7 @@
           <a:p>
             <a:fld id="{A6A55E55-235A-4F68-B44B-5B270E39D9BB}" type="datetime1">
               <a:rPr lang="de-AT" smtClean="0"/>
-              <a:t>21.01.2018</a:t>
+              <a:t>22.01.2018</a:t>
             </a:fld>
             <a:endParaRPr lang="de-AT" dirty="0"/>
           </a:p>
@@ -10885,7 +11093,7 @@
           <a:p>
             <a:fld id="{A6A55E55-235A-4F68-B44B-5B270E39D9BB}" type="datetime1">
               <a:rPr lang="de-AT" smtClean="0"/>
-              <a:t>21.01.2018</a:t>
+              <a:t>22.01.2018</a:t>
             </a:fld>
             <a:endParaRPr lang="de-AT" dirty="0"/>
           </a:p>
@@ -11423,7 +11631,7 @@
           <a:p>
             <a:fld id="{A6A55E55-235A-4F68-B44B-5B270E39D9BB}" type="datetime1">
               <a:rPr lang="de-AT" smtClean="0"/>
-              <a:t>21.01.2018</a:t>
+              <a:t>22.01.2018</a:t>
             </a:fld>
             <a:endParaRPr lang="de-AT" dirty="0"/>
           </a:p>

--- a/01_Projektmanagement/Assignment 5 - Project Managements Methods.pptx
+++ b/01_Projektmanagement/Assignment 5 - Project Managements Methods.pptx
@@ -174,16 +174,110 @@
 </p:presentation>
 </file>
 
-<file path=ppt/revisionInfo.xml><?xml version="1.0" encoding="utf-8"?>
-<p1510:revInfo xmlns:a="http://schemas.openxmlformats.org/drawingml/2006/main" xmlns:r="http://schemas.openxmlformats.org/officeDocument/2006/relationships" xmlns:p1510="http://schemas.microsoft.com/office/powerpoint/2015/10/main"/>
-</file>
-
 <file path=ppt/changesInfos/changesInfo1.xml><?xml version="1.0" encoding="utf-8"?>
 <pc:chgInfo xmlns:a="http://schemas.openxmlformats.org/drawingml/2006/main" xmlns:r="http://schemas.openxmlformats.org/officeDocument/2006/relationships" xmlns:ac="http://schemas.microsoft.com/office/drawing/2013/main/command" xmlns:pc="http://schemas.microsoft.com/office/powerpoint/2013/main/command">
   <pc:docChgLst>
+    <pc:chgData name="Chris G" userId="ec6dd0bf820af39d" providerId="LiveId" clId="{77B084DB-34BD-4714-AFF6-B98C98F6D19D}"/>
+    <pc:docChg chg="custSel addSld delSld modSld modMainMaster">
+      <pc:chgData name="Chris G" userId="ec6dd0bf820af39d" providerId="LiveId" clId="{77B084DB-34BD-4714-AFF6-B98C98F6D19D}" dt="2018-01-19T18:41:39.476" v="445" actId="20577"/>
+      <pc:docMkLst>
+        <pc:docMk/>
+      </pc:docMkLst>
+      <pc:sldChg chg="modSp">
+        <pc:chgData name="Chris G" userId="ec6dd0bf820af39d" providerId="LiveId" clId="{77B084DB-34BD-4714-AFF6-B98C98F6D19D}" dt="2018-01-19T18:41:39.476" v="445" actId="20577"/>
+        <pc:sldMkLst>
+          <pc:docMk/>
+          <pc:sldMk cId="1175140175" sldId="1735"/>
+        </pc:sldMkLst>
+        <pc:spChg chg="mod">
+          <ac:chgData name="Chris G" userId="ec6dd0bf820af39d" providerId="LiveId" clId="{77B084DB-34BD-4714-AFF6-B98C98F6D19D}" dt="2018-01-19T18:41:39.476" v="445" actId="20577"/>
+          <ac:spMkLst>
+            <pc:docMk/>
+            <pc:sldMk cId="1175140175" sldId="1735"/>
+            <ac:spMk id="2" creationId="{00000000-0000-0000-0000-000000000000}"/>
+          </ac:spMkLst>
+        </pc:spChg>
+      </pc:sldChg>
+      <pc:sldChg chg="modSp add">
+        <pc:chgData name="Chris G" userId="ec6dd0bf820af39d" providerId="LiveId" clId="{77B084DB-34BD-4714-AFF6-B98C98F6D19D}" dt="2018-01-19T18:41:02.716" v="422" actId="27636"/>
+        <pc:sldMkLst>
+          <pc:docMk/>
+          <pc:sldMk cId="2335807216" sldId="1740"/>
+        </pc:sldMkLst>
+        <pc:spChg chg="mod">
+          <ac:chgData name="Chris G" userId="ec6dd0bf820af39d" providerId="LiveId" clId="{77B084DB-34BD-4714-AFF6-B98C98F6D19D}" dt="2018-01-19T18:41:02.716" v="422" actId="27636"/>
+          <ac:spMkLst>
+            <pc:docMk/>
+            <pc:sldMk cId="2335807216" sldId="1740"/>
+            <ac:spMk id="3" creationId="{EEB99570-74B8-496E-9BF0-78D33340D20E}"/>
+          </ac:spMkLst>
+        </pc:spChg>
+      </pc:sldChg>
+      <pc:sldMasterChg chg="modSldLayout">
+        <pc:chgData name="Chris G" userId="ec6dd0bf820af39d" providerId="LiveId" clId="{77B084DB-34BD-4714-AFF6-B98C98F6D19D}" dt="2018-01-19T18:39:27.761" v="397" actId="20577"/>
+        <pc:sldMasterMkLst>
+          <pc:docMk/>
+          <pc:sldMasterMk cId="1056324580" sldId="2147483648"/>
+        </pc:sldMasterMkLst>
+        <pc:sldLayoutChg chg="modSp">
+          <pc:chgData name="Chris G" userId="ec6dd0bf820af39d" providerId="LiveId" clId="{77B084DB-34BD-4714-AFF6-B98C98F6D19D}" dt="2018-01-19T18:39:27.761" v="397" actId="20577"/>
+          <pc:sldLayoutMkLst>
+            <pc:docMk/>
+            <pc:sldMasterMk cId="1056324580" sldId="2147483648"/>
+            <pc:sldLayoutMk cId="2118820008" sldId="2147483650"/>
+          </pc:sldLayoutMkLst>
+          <pc:spChg chg="mod">
+            <ac:chgData name="Chris G" userId="ec6dd0bf820af39d" providerId="LiveId" clId="{77B084DB-34BD-4714-AFF6-B98C98F6D19D}" dt="2018-01-19T18:19:44.033" v="85" actId="20577"/>
+            <ac:spMkLst>
+              <pc:docMk/>
+              <pc:sldMasterMk cId="1056324580" sldId="2147483648"/>
+              <pc:sldLayoutMk cId="2118820008" sldId="2147483650"/>
+              <ac:spMk id="3" creationId="{00000000-0000-0000-0000-000000000000}"/>
+            </ac:spMkLst>
+          </pc:spChg>
+          <pc:spChg chg="mod">
+            <ac:chgData name="Chris G" userId="ec6dd0bf820af39d" providerId="LiveId" clId="{77B084DB-34BD-4714-AFF6-B98C98F6D19D}" dt="2018-01-19T18:39:27.761" v="397" actId="20577"/>
+            <ac:spMkLst>
+              <pc:docMk/>
+              <pc:sldMasterMk cId="1056324580" sldId="2147483648"/>
+              <pc:sldLayoutMk cId="2118820008" sldId="2147483650"/>
+              <ac:spMk id="9" creationId="{00000000-0000-0000-0000-000000000000}"/>
+            </ac:spMkLst>
+          </pc:spChg>
+        </pc:sldLayoutChg>
+        <pc:sldLayoutChg chg="modSp">
+          <pc:chgData name="Chris G" userId="ec6dd0bf820af39d" providerId="LiveId" clId="{77B084DB-34BD-4714-AFF6-B98C98F6D19D}" dt="2018-01-19T18:20:06.082" v="100" actId="20577"/>
+          <pc:sldLayoutMkLst>
+            <pc:docMk/>
+            <pc:sldMasterMk cId="1056324580" sldId="2147483648"/>
+            <pc:sldLayoutMk cId="2665502471" sldId="2147483653"/>
+          </pc:sldLayoutMkLst>
+          <pc:spChg chg="mod">
+            <ac:chgData name="Chris G" userId="ec6dd0bf820af39d" providerId="LiveId" clId="{77B084DB-34BD-4714-AFF6-B98C98F6D19D}" dt="2018-01-19T18:20:04.658" v="99" actId="20577"/>
+            <ac:spMkLst>
+              <pc:docMk/>
+              <pc:sldMasterMk cId="1056324580" sldId="2147483648"/>
+              <pc:sldLayoutMk cId="2665502471" sldId="2147483653"/>
+              <ac:spMk id="4" creationId="{00000000-0000-0000-0000-000000000000}"/>
+            </ac:spMkLst>
+          </pc:spChg>
+          <pc:spChg chg="mod">
+            <ac:chgData name="Chris G" userId="ec6dd0bf820af39d" providerId="LiveId" clId="{77B084DB-34BD-4714-AFF6-B98C98F6D19D}" dt="2018-01-19T18:20:06.082" v="100" actId="20577"/>
+            <ac:spMkLst>
+              <pc:docMk/>
+              <pc:sldMasterMk cId="1056324580" sldId="2147483648"/>
+              <pc:sldLayoutMk cId="2665502471" sldId="2147483653"/>
+              <ac:spMk id="6" creationId="{00000000-0000-0000-0000-000000000000}"/>
+            </ac:spMkLst>
+          </pc:spChg>
+        </pc:sldLayoutChg>
+      </pc:sldMasterChg>
+    </pc:docChg>
+  </pc:docChgLst>
+  <pc:docChgLst>
     <pc:chgData name="Chris G" userId="ec6dd0bf820af39d" providerId="LiveId" clId="{A6C1FA34-9980-42BD-90CE-52D17F13C601}"/>
     <pc:docChg chg="undo redo custSel addSld delSld modSld">
-      <pc:chgData name="Chris G" userId="ec6dd0bf820af39d" providerId="LiveId" clId="{A6C1FA34-9980-42BD-90CE-52D17F13C601}" dt="2018-01-21T19:40:09.843" v="1833"/>
+      <pc:chgData name="Chris G" userId="ec6dd0bf820af39d" providerId="LiveId" clId="{A6C1FA34-9980-42BD-90CE-52D17F13C601}" dt="2018-01-22T20:00:40.600" v="1880"/>
       <pc:docMkLst>
         <pc:docMk/>
       </pc:docMkLst>
@@ -195,13 +289,13 @@
         </pc:sldMkLst>
       </pc:sldChg>
       <pc:sldChg chg="modSp">
-        <pc:chgData name="Chris G" userId="ec6dd0bf820af39d" providerId="LiveId" clId="{A6C1FA34-9980-42BD-90CE-52D17F13C601}" dt="2018-01-21T18:51:32.939" v="891"/>
+        <pc:chgData name="Chris G" userId="ec6dd0bf820af39d" providerId="LiveId" clId="{A6C1FA34-9980-42BD-90CE-52D17F13C601}" dt="2018-01-22T18:54:03.176" v="1835" actId="20577"/>
         <pc:sldMkLst>
           <pc:docMk/>
           <pc:sldMk cId="1175140175" sldId="1735"/>
         </pc:sldMkLst>
         <pc:spChg chg="mod">
-          <ac:chgData name="Chris G" userId="ec6dd0bf820af39d" providerId="LiveId" clId="{A6C1FA34-9980-42BD-90CE-52D17F13C601}" dt="2018-01-21T18:51:32.939" v="891"/>
+          <ac:chgData name="Chris G" userId="ec6dd0bf820af39d" providerId="LiveId" clId="{A6C1FA34-9980-42BD-90CE-52D17F13C601}" dt="2018-01-22T18:54:03.176" v="1835" actId="20577"/>
           <ac:spMkLst>
             <pc:docMk/>
             <pc:sldMk cId="1175140175" sldId="1735"/>
@@ -238,7 +332,7 @@
         </pc:sldMkLst>
       </pc:sldChg>
       <pc:sldChg chg="addSp delSp modSp modAnim modNotesTx">
-        <pc:chgData name="Chris G" userId="ec6dd0bf820af39d" providerId="LiveId" clId="{A6C1FA34-9980-42BD-90CE-52D17F13C601}" dt="2018-01-21T19:39:59.500" v="1830"/>
+        <pc:chgData name="Chris G" userId="ec6dd0bf820af39d" providerId="LiveId" clId="{A6C1FA34-9980-42BD-90CE-52D17F13C601}" dt="2018-01-22T19:52:14.090" v="1874" actId="20577"/>
         <pc:sldMkLst>
           <pc:docMk/>
           <pc:sldMk cId="2335807216" sldId="1740"/>
@@ -252,7 +346,7 @@
           </ac:spMkLst>
         </pc:spChg>
         <pc:spChg chg="mod">
-          <ac:chgData name="Chris G" userId="ec6dd0bf820af39d" providerId="LiveId" clId="{A6C1FA34-9980-42BD-90CE-52D17F13C601}" dt="2018-01-21T19:39:59.500" v="1830"/>
+          <ac:chgData name="Chris G" userId="ec6dd0bf820af39d" providerId="LiveId" clId="{A6C1FA34-9980-42BD-90CE-52D17F13C601}" dt="2018-01-22T19:52:14.090" v="1874" actId="20577"/>
           <ac:spMkLst>
             <pc:docMk/>
             <pc:sldMk cId="2335807216" sldId="1740"/>
@@ -300,7 +394,7 @@
           </ac:spMkLst>
         </pc:spChg>
         <pc:spChg chg="add mod">
-          <ac:chgData name="Chris G" userId="ec6dd0bf820af39d" providerId="LiveId" clId="{A6C1FA34-9980-42BD-90CE-52D17F13C601}" dt="2018-01-21T19:20:15.416" v="1204" actId="1076"/>
+          <ac:chgData name="Chris G" userId="ec6dd0bf820af39d" providerId="LiveId" clId="{A6C1FA34-9980-42BD-90CE-52D17F13C601}" dt="2018-01-22T19:20:07.853" v="1857" actId="20577"/>
           <ac:spMkLst>
             <pc:docMk/>
             <pc:sldMk cId="2335807216" sldId="1740"/>
@@ -308,7 +402,7 @@
           </ac:spMkLst>
         </pc:spChg>
         <pc:spChg chg="add mod">
-          <ac:chgData name="Chris G" userId="ec6dd0bf820af39d" providerId="LiveId" clId="{A6C1FA34-9980-42BD-90CE-52D17F13C601}" dt="2018-01-21T19:20:20.260" v="1205" actId="1076"/>
+          <ac:chgData name="Chris G" userId="ec6dd0bf820af39d" providerId="LiveId" clId="{A6C1FA34-9980-42BD-90CE-52D17F13C601}" dt="2018-01-22T19:23:20.421" v="1869" actId="20577"/>
           <ac:spMkLst>
             <pc:docMk/>
             <pc:sldMk cId="2335807216" sldId="1740"/>
@@ -324,7 +418,7 @@
           </ac:spMkLst>
         </pc:spChg>
         <pc:spChg chg="add mod">
-          <ac:chgData name="Chris G" userId="ec6dd0bf820af39d" providerId="LiveId" clId="{A6C1FA34-9980-42BD-90CE-52D17F13C601}" dt="2018-01-21T19:20:23.724" v="1206" actId="1076"/>
+          <ac:chgData name="Chris G" userId="ec6dd0bf820af39d" providerId="LiveId" clId="{A6C1FA34-9980-42BD-90CE-52D17F13C601}" dt="2018-01-22T19:26:11.085" v="1870" actId="20577"/>
           <ac:spMkLst>
             <pc:docMk/>
             <pc:sldMk cId="2335807216" sldId="1740"/>
@@ -381,7 +475,7 @@
         </pc:cxnChg>
       </pc:sldChg>
       <pc:sldChg chg="addSp delSp modSp add modAnim modNotesTx">
-        <pc:chgData name="Chris G" userId="ec6dd0bf820af39d" providerId="LiveId" clId="{A6C1FA34-9980-42BD-90CE-52D17F13C601}" dt="2018-01-21T19:40:03.061" v="1831"/>
+        <pc:chgData name="Chris G" userId="ec6dd0bf820af39d" providerId="LiveId" clId="{A6C1FA34-9980-42BD-90CE-52D17F13C601}" dt="2018-01-22T19:52:11.792" v="1873" actId="20577"/>
         <pc:sldMkLst>
           <pc:docMk/>
           <pc:sldMk cId="3866618705" sldId="1741"/>
@@ -395,7 +489,7 @@
           </ac:spMkLst>
         </pc:spChg>
         <pc:spChg chg="mod">
-          <ac:chgData name="Chris G" userId="ec6dd0bf820af39d" providerId="LiveId" clId="{A6C1FA34-9980-42BD-90CE-52D17F13C601}" dt="2018-01-21T19:40:03.061" v="1831"/>
+          <ac:chgData name="Chris G" userId="ec6dd0bf820af39d" providerId="LiveId" clId="{A6C1FA34-9980-42BD-90CE-52D17F13C601}" dt="2018-01-22T19:52:11.792" v="1873" actId="20577"/>
           <ac:spMkLst>
             <pc:docMk/>
             <pc:sldMk cId="3866618705" sldId="1741"/>
@@ -660,13 +754,13 @@
         </pc:cxnChg>
       </pc:sldChg>
       <pc:sldChg chg="addSp delSp modSp add modAnim">
-        <pc:chgData name="Chris G" userId="ec6dd0bf820af39d" providerId="LiveId" clId="{A6C1FA34-9980-42BD-90CE-52D17F13C601}" dt="2018-01-21T19:40:05.584" v="1832"/>
+        <pc:chgData name="Chris G" userId="ec6dd0bf820af39d" providerId="LiveId" clId="{A6C1FA34-9980-42BD-90CE-52D17F13C601}" dt="2018-01-22T19:52:28.280" v="1878" actId="20577"/>
         <pc:sldMkLst>
           <pc:docMk/>
           <pc:sldMk cId="3319509260" sldId="1742"/>
         </pc:sldMkLst>
         <pc:spChg chg="mod">
-          <ac:chgData name="Chris G" userId="ec6dd0bf820af39d" providerId="LiveId" clId="{A6C1FA34-9980-42BD-90CE-52D17F13C601}" dt="2018-01-21T19:37:43.641" v="1789" actId="20577"/>
+          <ac:chgData name="Chris G" userId="ec6dd0bf820af39d" providerId="LiveId" clId="{A6C1FA34-9980-42BD-90CE-52D17F13C601}" dt="2018-01-22T19:52:28.280" v="1878" actId="20577"/>
           <ac:spMkLst>
             <pc:docMk/>
             <pc:sldMk cId="3319509260" sldId="1742"/>
@@ -674,11 +768,19 @@
           </ac:spMkLst>
         </pc:spChg>
         <pc:spChg chg="mod">
-          <ac:chgData name="Chris G" userId="ec6dd0bf820af39d" providerId="LiveId" clId="{A6C1FA34-9980-42BD-90CE-52D17F13C601}" dt="2018-01-21T19:40:05.584" v="1832"/>
+          <ac:chgData name="Chris G" userId="ec6dd0bf820af39d" providerId="LiveId" clId="{A6C1FA34-9980-42BD-90CE-52D17F13C601}" dt="2018-01-22T19:52:09.087" v="1872" actId="20577"/>
           <ac:spMkLst>
             <pc:docMk/>
             <pc:sldMk cId="3319509260" sldId="1742"/>
             <ac:spMk id="3" creationId="{EEB99570-74B8-496E-9BF0-78D33340D20E}"/>
+          </ac:spMkLst>
+        </pc:spChg>
+        <pc:spChg chg="mod">
+          <ac:chgData name="Chris G" userId="ec6dd0bf820af39d" providerId="LiveId" clId="{A6C1FA34-9980-42BD-90CE-52D17F13C601}" dt="2018-01-22T18:54:24.159" v="1837" actId="1076"/>
+          <ac:spMkLst>
+            <pc:docMk/>
+            <pc:sldMk cId="3319509260" sldId="1742"/>
+            <ac:spMk id="5" creationId="{18141F45-EC25-4DB8-AC7F-15667D547142}"/>
           </ac:spMkLst>
         </pc:spChg>
         <pc:spChg chg="del">
@@ -698,7 +800,7 @@
           </ac:spMkLst>
         </pc:spChg>
         <pc:spChg chg="add mod">
-          <ac:chgData name="Chris G" userId="ec6dd0bf820af39d" providerId="LiveId" clId="{A6C1FA34-9980-42BD-90CE-52D17F13C601}" dt="2018-01-21T19:25:50.137" v="1304" actId="1076"/>
+          <ac:chgData name="Chris G" userId="ec6dd0bf820af39d" providerId="LiveId" clId="{A6C1FA34-9980-42BD-90CE-52D17F13C601}" dt="2018-01-22T18:54:52.440" v="1845"/>
           <ac:spMkLst>
             <pc:docMk/>
             <pc:sldMk cId="3319509260" sldId="1742"/>
@@ -851,11 +953,19 @@
         </pc:cxnChg>
       </pc:sldChg>
       <pc:sldChg chg="modSp add">
-        <pc:chgData name="Chris G" userId="ec6dd0bf820af39d" providerId="LiveId" clId="{A6C1FA34-9980-42BD-90CE-52D17F13C601}" dt="2018-01-21T19:39:08.486" v="1820"/>
+        <pc:chgData name="Chris G" userId="ec6dd0bf820af39d" providerId="LiveId" clId="{A6C1FA34-9980-42BD-90CE-52D17F13C601}" dt="2018-01-22T18:54:35.462" v="1844" actId="20577"/>
         <pc:sldMkLst>
           <pc:docMk/>
           <pc:sldMk cId="2739111897" sldId="1743"/>
         </pc:sldMkLst>
+        <pc:spChg chg="mod">
+          <ac:chgData name="Chris G" userId="ec6dd0bf820af39d" providerId="LiveId" clId="{A6C1FA34-9980-42BD-90CE-52D17F13C601}" dt="2018-01-22T18:54:35.462" v="1844" actId="20577"/>
+          <ac:spMkLst>
+            <pc:docMk/>
+            <pc:sldMk cId="2739111897" sldId="1743"/>
+            <ac:spMk id="2" creationId="{A0090D94-8488-4D9C-80B3-EF6C6566BF25}"/>
+          </ac:spMkLst>
+        </pc:spChg>
         <pc:spChg chg="mod">
           <ac:chgData name="Chris G" userId="ec6dd0bf820af39d" providerId="LiveId" clId="{A6C1FA34-9980-42BD-90CE-52D17F13C601}" dt="2018-01-21T19:39:08.486" v="1820"/>
           <ac:spMkLst>
@@ -897,7 +1007,7 @@
         </pc:spChg>
       </pc:sldChg>
       <pc:sldChg chg="addSp delSp modSp add">
-        <pc:chgData name="Chris G" userId="ec6dd0bf820af39d" providerId="LiveId" clId="{A6C1FA34-9980-42BD-90CE-52D17F13C601}" dt="2018-01-21T19:39:46.551" v="1826"/>
+        <pc:chgData name="Chris G" userId="ec6dd0bf820af39d" providerId="LiveId" clId="{A6C1FA34-9980-42BD-90CE-52D17F13C601}" dt="2018-01-22T18:55:23.765" v="1850" actId="14100"/>
         <pc:sldMkLst>
           <pc:docMk/>
           <pc:sldMk cId="3589922886" sldId="1745"/>
@@ -916,6 +1026,14 @@
             <pc:docMk/>
             <pc:sldMk cId="3589922886" sldId="1745"/>
             <ac:spMk id="3" creationId="{B918CDB5-839F-4765-81B8-5D9AB3526412}"/>
+          </ac:spMkLst>
+        </pc:spChg>
+        <pc:spChg chg="mod">
+          <ac:chgData name="Chris G" userId="ec6dd0bf820af39d" providerId="LiveId" clId="{A6C1FA34-9980-42BD-90CE-52D17F13C601}" dt="2018-01-22T18:55:23.765" v="1850" actId="14100"/>
+          <ac:spMkLst>
+            <pc:docMk/>
+            <pc:sldMk cId="3589922886" sldId="1745"/>
+            <ac:spMk id="8" creationId="{8E794ECD-7DC9-4AED-BF12-C6623322CAC4}"/>
           </ac:spMkLst>
         </pc:spChg>
         <pc:spChg chg="add del">
@@ -988,7 +1106,7 @@
         </pc:sldMkLst>
       </pc:sldChg>
       <pc:sldChg chg="addSp delSp modSp add delAnim modAnim">
-        <pc:chgData name="Chris G" userId="ec6dd0bf820af39d" providerId="LiveId" clId="{A6C1FA34-9980-42BD-90CE-52D17F13C601}" dt="2018-01-21T19:40:09.843" v="1833"/>
+        <pc:chgData name="Chris G" userId="ec6dd0bf820af39d" providerId="LiveId" clId="{A6C1FA34-9980-42BD-90CE-52D17F13C601}" dt="2018-01-22T20:00:40.600" v="1880"/>
         <pc:sldMkLst>
           <pc:docMk/>
           <pc:sldMk cId="3662040572" sldId="1749"/>
@@ -1002,7 +1120,7 @@
           </ac:spMkLst>
         </pc:spChg>
         <pc:spChg chg="mod">
-          <ac:chgData name="Chris G" userId="ec6dd0bf820af39d" providerId="LiveId" clId="{A6C1FA34-9980-42BD-90CE-52D17F13C601}" dt="2018-01-21T19:40:09.843" v="1833"/>
+          <ac:chgData name="Chris G" userId="ec6dd0bf820af39d" providerId="LiveId" clId="{A6C1FA34-9980-42BD-90CE-52D17F13C601}" dt="2018-01-22T19:52:16.745" v="1875" actId="20577"/>
           <ac:spMkLst>
             <pc:docMk/>
             <pc:sldMk cId="3662040572" sldId="1749"/>
@@ -1034,7 +1152,7 @@
           </ac:spMkLst>
         </pc:spChg>
         <pc:spChg chg="add mod">
-          <ac:chgData name="Chris G" userId="ec6dd0bf820af39d" providerId="LiveId" clId="{A6C1FA34-9980-42BD-90CE-52D17F13C601}" dt="2018-01-21T19:35:24.742" v="1759" actId="1076"/>
+          <ac:chgData name="Chris G" userId="ec6dd0bf820af39d" providerId="LiveId" clId="{A6C1FA34-9980-42BD-90CE-52D17F13C601}" dt="2018-01-22T19:00:38.434" v="1851" actId="20577"/>
           <ac:spMkLst>
             <pc:docMk/>
             <pc:sldMk cId="3662040572" sldId="1749"/>
@@ -1074,7 +1192,7 @@
           </ac:spMkLst>
         </pc:spChg>
         <pc:graphicFrameChg chg="add mod modGraphic">
-          <ac:chgData name="Chris G" userId="ec6dd0bf820af39d" providerId="LiveId" clId="{A6C1FA34-9980-42BD-90CE-52D17F13C601}" dt="2018-01-21T19:34:25.478" v="1717" actId="20577"/>
+          <ac:chgData name="Chris G" userId="ec6dd0bf820af39d" providerId="LiveId" clId="{A6C1FA34-9980-42BD-90CE-52D17F13C601}" dt="2018-01-22T19:52:19.139" v="1876" actId="20577"/>
           <ac:graphicFrameMkLst>
             <pc:docMk/>
             <pc:sldMk cId="3662040572" sldId="1749"/>
@@ -1097,6 +1215,14 @@
             <ac:picMk id="11" creationId="{1DA4BE89-9A65-4AB2-9A2C-FAA2953DDBBD}"/>
           </ac:picMkLst>
         </pc:picChg>
+        <pc:picChg chg="add del">
+          <ac:chgData name="Chris G" userId="ec6dd0bf820af39d" providerId="LiveId" clId="{A6C1FA34-9980-42BD-90CE-52D17F13C601}" dt="2018-01-22T20:00:40.600" v="1880"/>
+          <ac:picMkLst>
+            <pc:docMk/>
+            <pc:sldMk cId="3662040572" sldId="1749"/>
+            <ac:picMk id="15" creationId="{C3665CB4-6180-45B5-B745-1AA0B4064910}"/>
+          </ac:picMkLst>
+        </pc:picChg>
         <pc:picChg chg="add mod">
           <ac:chgData name="Chris G" userId="ec6dd0bf820af39d" providerId="LiveId" clId="{A6C1FA34-9980-42BD-90CE-52D17F13C601}" dt="2018-01-21T19:36:39.199" v="1768" actId="1076"/>
           <ac:picMkLst>
@@ -1106,104 +1232,6 @@
           </ac:picMkLst>
         </pc:picChg>
       </pc:sldChg>
-    </pc:docChg>
-  </pc:docChgLst>
-  <pc:docChgLst>
-    <pc:chgData name="Chris G" userId="ec6dd0bf820af39d" providerId="LiveId" clId="{77B084DB-34BD-4714-AFF6-B98C98F6D19D}"/>
-    <pc:docChg chg="custSel addSld delSld modSld modMainMaster">
-      <pc:chgData name="Chris G" userId="ec6dd0bf820af39d" providerId="LiveId" clId="{77B084DB-34BD-4714-AFF6-B98C98F6D19D}" dt="2018-01-19T18:41:39.476" v="445" actId="20577"/>
-      <pc:docMkLst>
-        <pc:docMk/>
-      </pc:docMkLst>
-      <pc:sldChg chg="modSp">
-        <pc:chgData name="Chris G" userId="ec6dd0bf820af39d" providerId="LiveId" clId="{77B084DB-34BD-4714-AFF6-B98C98F6D19D}" dt="2018-01-19T18:41:39.476" v="445" actId="20577"/>
-        <pc:sldMkLst>
-          <pc:docMk/>
-          <pc:sldMk cId="1175140175" sldId="1735"/>
-        </pc:sldMkLst>
-        <pc:spChg chg="mod">
-          <ac:chgData name="Chris G" userId="ec6dd0bf820af39d" providerId="LiveId" clId="{77B084DB-34BD-4714-AFF6-B98C98F6D19D}" dt="2018-01-19T18:41:39.476" v="445" actId="20577"/>
-          <ac:spMkLst>
-            <pc:docMk/>
-            <pc:sldMk cId="1175140175" sldId="1735"/>
-            <ac:spMk id="2" creationId="{00000000-0000-0000-0000-000000000000}"/>
-          </ac:spMkLst>
-        </pc:spChg>
-      </pc:sldChg>
-      <pc:sldChg chg="modSp add">
-        <pc:chgData name="Chris G" userId="ec6dd0bf820af39d" providerId="LiveId" clId="{77B084DB-34BD-4714-AFF6-B98C98F6D19D}" dt="2018-01-19T18:41:02.716" v="422" actId="27636"/>
-        <pc:sldMkLst>
-          <pc:docMk/>
-          <pc:sldMk cId="2335807216" sldId="1740"/>
-        </pc:sldMkLst>
-        <pc:spChg chg="mod">
-          <ac:chgData name="Chris G" userId="ec6dd0bf820af39d" providerId="LiveId" clId="{77B084DB-34BD-4714-AFF6-B98C98F6D19D}" dt="2018-01-19T18:41:02.716" v="422" actId="27636"/>
-          <ac:spMkLst>
-            <pc:docMk/>
-            <pc:sldMk cId="2335807216" sldId="1740"/>
-            <ac:spMk id="3" creationId="{EEB99570-74B8-496E-9BF0-78D33340D20E}"/>
-          </ac:spMkLst>
-        </pc:spChg>
-      </pc:sldChg>
-      <pc:sldMasterChg chg="modSldLayout">
-        <pc:chgData name="Chris G" userId="ec6dd0bf820af39d" providerId="LiveId" clId="{77B084DB-34BD-4714-AFF6-B98C98F6D19D}" dt="2018-01-19T18:39:27.761" v="397" actId="20577"/>
-        <pc:sldMasterMkLst>
-          <pc:docMk/>
-          <pc:sldMasterMk cId="1056324580" sldId="2147483648"/>
-        </pc:sldMasterMkLst>
-        <pc:sldLayoutChg chg="modSp">
-          <pc:chgData name="Chris G" userId="ec6dd0bf820af39d" providerId="LiveId" clId="{77B084DB-34BD-4714-AFF6-B98C98F6D19D}" dt="2018-01-19T18:39:27.761" v="397" actId="20577"/>
-          <pc:sldLayoutMkLst>
-            <pc:docMk/>
-            <pc:sldMasterMk cId="1056324580" sldId="2147483648"/>
-            <pc:sldLayoutMk cId="2118820008" sldId="2147483650"/>
-          </pc:sldLayoutMkLst>
-          <pc:spChg chg="mod">
-            <ac:chgData name="Chris G" userId="ec6dd0bf820af39d" providerId="LiveId" clId="{77B084DB-34BD-4714-AFF6-B98C98F6D19D}" dt="2018-01-19T18:19:44.033" v="85" actId="20577"/>
-            <ac:spMkLst>
-              <pc:docMk/>
-              <pc:sldMasterMk cId="1056324580" sldId="2147483648"/>
-              <pc:sldLayoutMk cId="2118820008" sldId="2147483650"/>
-              <ac:spMk id="3" creationId="{00000000-0000-0000-0000-000000000000}"/>
-            </ac:spMkLst>
-          </pc:spChg>
-          <pc:spChg chg="mod">
-            <ac:chgData name="Chris G" userId="ec6dd0bf820af39d" providerId="LiveId" clId="{77B084DB-34BD-4714-AFF6-B98C98F6D19D}" dt="2018-01-19T18:39:27.761" v="397" actId="20577"/>
-            <ac:spMkLst>
-              <pc:docMk/>
-              <pc:sldMasterMk cId="1056324580" sldId="2147483648"/>
-              <pc:sldLayoutMk cId="2118820008" sldId="2147483650"/>
-              <ac:spMk id="9" creationId="{00000000-0000-0000-0000-000000000000}"/>
-            </ac:spMkLst>
-          </pc:spChg>
-        </pc:sldLayoutChg>
-        <pc:sldLayoutChg chg="modSp">
-          <pc:chgData name="Chris G" userId="ec6dd0bf820af39d" providerId="LiveId" clId="{77B084DB-34BD-4714-AFF6-B98C98F6D19D}" dt="2018-01-19T18:20:06.082" v="100" actId="20577"/>
-          <pc:sldLayoutMkLst>
-            <pc:docMk/>
-            <pc:sldMasterMk cId="1056324580" sldId="2147483648"/>
-            <pc:sldLayoutMk cId="2665502471" sldId="2147483653"/>
-          </pc:sldLayoutMkLst>
-          <pc:spChg chg="mod">
-            <ac:chgData name="Chris G" userId="ec6dd0bf820af39d" providerId="LiveId" clId="{77B084DB-34BD-4714-AFF6-B98C98F6D19D}" dt="2018-01-19T18:20:04.658" v="99" actId="20577"/>
-            <ac:spMkLst>
-              <pc:docMk/>
-              <pc:sldMasterMk cId="1056324580" sldId="2147483648"/>
-              <pc:sldLayoutMk cId="2665502471" sldId="2147483653"/>
-              <ac:spMk id="4" creationId="{00000000-0000-0000-0000-000000000000}"/>
-            </ac:spMkLst>
-          </pc:spChg>
-          <pc:spChg chg="mod">
-            <ac:chgData name="Chris G" userId="ec6dd0bf820af39d" providerId="LiveId" clId="{77B084DB-34BD-4714-AFF6-B98C98F6D19D}" dt="2018-01-19T18:20:06.082" v="100" actId="20577"/>
-            <ac:spMkLst>
-              <pc:docMk/>
-              <pc:sldMasterMk cId="1056324580" sldId="2147483648"/>
-              <pc:sldLayoutMk cId="2665502471" sldId="2147483653"/>
-              <ac:spMk id="6" creationId="{00000000-0000-0000-0000-000000000000}"/>
-            </ac:spMkLst>
-          </pc:spChg>
-        </pc:sldLayoutChg>
-      </pc:sldMasterChg>
     </pc:docChg>
   </pc:docChgLst>
 </pc:chgInfo>
@@ -5651,7 +5679,7 @@
                   <a:schemeClr val="bg1"/>
                 </a:solidFill>
               </a:rPr>
-              <a:t>Traditional vs. Agil Methods</a:t>
+              <a:t>Traditional vs. Agile Methods</a:t>
             </a:r>
           </a:p>
         </p:txBody>
@@ -6951,7 +6979,7 @@
             </a:pPr>
             <a:r>
               <a:rPr lang="de-DE" dirty="0"/>
-              <a:t>Agil </a:t>
+              <a:t>Agile </a:t>
             </a:r>
             <a:r>
               <a:rPr lang="de-DE" dirty="0" err="1"/>
@@ -6976,11 +7004,11 @@
             </a:pPr>
             <a:r>
               <a:rPr lang="de-DE" dirty="0"/>
-              <a:t>	Agil </a:t>
+              <a:t>	Agile </a:t>
             </a:r>
             <a:r>
               <a:rPr lang="de-DE" dirty="0" err="1"/>
-              <a:t>developement</a:t>
+              <a:t>development</a:t>
             </a:r>
             <a:r>
               <a:rPr lang="de-DE" dirty="0"/>
@@ -7048,7 +7076,7 @@
                   <a:schemeClr val="bg1"/>
                 </a:solidFill>
               </a:rPr>
-              <a:t>Traditional vs. Agil Methods</a:t>
+              <a:t>Traditional vs. Agile Methods</a:t>
             </a:r>
           </a:p>
         </p:txBody>
@@ -7098,7 +7126,12 @@
             <p:ph type="ftr" sz="quarter" idx="11"/>
           </p:nvPr>
         </p:nvSpPr>
-        <p:spPr/>
+        <p:spPr>
+          <a:xfrm>
+            <a:off x="1712640" y="6356365"/>
+            <a:ext cx="4808810" cy="365125"/>
+          </a:xfrm>
+        </p:spPr>
         <p:txBody>
           <a:bodyPr/>
           <a:lstStyle/>
@@ -7716,17 +7749,7 @@
           <a:p>
             <a:r>
               <a:rPr lang="de-DE" sz="1000" dirty="0"/>
-              <a:t>Source:</a:t>
-            </a:r>
-            <a:r>
-              <a:rPr lang="de-DE" sz="1000" dirty="0">
-                <a:solidFill>
-                  <a:schemeClr val="bg1">
-                    <a:lumMod val="75000"/>
-                  </a:schemeClr>
-                </a:solidFill>
-              </a:rPr>
-              <a:t> https://www.visualstudio.com/de/learn/what-is-scrum/?rr=https%3A%2F%2Fwww.google.de%2F</a:t>
+              <a:t>Source: https://www.visualstudio.com/de/learn/what-is-scrum/?rr=https%3A%2F%2Fwww.google.de%2F</a:t>
             </a:r>
           </a:p>
         </p:txBody>
@@ -8068,7 +8091,7 @@
                   <a:schemeClr val="bg1"/>
                 </a:solidFill>
               </a:rPr>
-              <a:t>Traditional vs. Agil Methods</a:t>
+              <a:t>Traditional vs. Agile Methods</a:t>
             </a:r>
           </a:p>
         </p:txBody>
@@ -8175,7 +8198,7 @@
           <p:nvPr>
             <p:extLst>
               <p:ext uri="{D42A27DB-BD31-4B8C-83A1-F6EECF244321}">
-                <p14:modId xmlns:p14="http://schemas.microsoft.com/office/powerpoint/2010/main" val="817332842"/>
+                <p14:modId xmlns:p14="http://schemas.microsoft.com/office/powerpoint/2010/main" val="2388482745"/>
               </p:ext>
             </p:extLst>
           </p:nvPr>
@@ -8228,10 +8251,9 @@
                     <a:p>
                       <a:pPr algn="ctr"/>
                       <a:r>
-                        <a:rPr lang="en-GB" noProof="0" dirty="0" err="1"/>
-                        <a:t>Agil</a:t>
+                        <a:rPr lang="en-GB" noProof="0" dirty="0"/>
+                        <a:t>Agile</a:t>
                       </a:r>
-                      <a:endParaRPr lang="en-GB" noProof="0" dirty="0"/>
                     </a:p>
                   </a:txBody>
                   <a:tcPr anchor="ctr"/>
@@ -8508,10 +8530,9 @@
           <a:lstStyle/>
           <a:p>
             <a:r>
-              <a:rPr lang="de-DE" dirty="0" err="1"/>
-              <a:t>Developement</a:t>
-            </a:r>
-            <a:endParaRPr lang="de-DE" dirty="0"/>
+              <a:rPr lang="de-DE" dirty="0"/>
+              <a:t>Development</a:t>
+            </a:r>
           </a:p>
         </p:txBody>
       </p:sp>
@@ -8876,14 +8897,7 @@
             <a:pPr marL="0" indent="0">
               <a:buNone/>
             </a:pPr>
-            <a:r>
-              <a:rPr lang="de-AT" dirty="0">
-                <a:solidFill>
-                  <a:srgbClr val="FF0000"/>
-                </a:solidFill>
-              </a:rPr>
-              <a:t>HANDOUT NICHT VERGESSEN</a:t>
-            </a:r>
+            <a:endParaRPr lang="de-AT" dirty="0"/>
           </a:p>
           <a:p>
             <a:pPr marL="0" indent="0">
@@ -9309,10 +9323,9 @@
           <a:lstStyle/>
           <a:p>
             <a:r>
-              <a:rPr lang="de-AT"/>
+              <a:rPr lang="de-AT" dirty="0"/>
               <a:t>Project Management Methods - "Mars Expedition"</a:t>
             </a:r>
-            <a:endParaRPr lang="de-AT" dirty="0"/>
           </a:p>
         </p:txBody>
       </p:sp>
@@ -9456,8 +9469,8 @@
         </p:nvSpPr>
         <p:spPr>
           <a:xfrm>
-            <a:off x="1928664" y="6021288"/>
-            <a:ext cx="7103203" cy="307777"/>
+            <a:off x="3872880" y="6011005"/>
+            <a:ext cx="5158987" cy="246221"/>
           </a:xfrm>
           <a:prstGeom prst="rect">
             <a:avLst/>
@@ -9471,7 +9484,7 @@
           <a:lstStyle/>
           <a:p>
             <a:r>
-              <a:rPr lang="de-AT" sz="1400" dirty="0"/>
+              <a:rPr lang="de-AT" sz="1000" dirty="0"/>
               <a:t>Quelle: http://www.flensburger-budo-club.de/attachments/Image/team.jpg?template=generic</a:t>
             </a:r>
           </a:p>
@@ -9924,17 +9937,23 @@
           <a:prstGeom prst="rect">
             <a:avLst/>
           </a:prstGeom>
-          <a:noFill/>
         </p:spPr>
         <p:txBody>
-          <a:bodyPr wrap="square" rtlCol="0">
+          <a:bodyPr wrap="square">
             <a:spAutoFit/>
           </a:bodyPr>
-          <a:lstStyle/>
-          <a:p>
-            <a:r>
-              <a:rPr lang="de-AT" sz="1400" dirty="0"/>
-              <a:t>Quelle: http://www.mpmm.com/images/pmbok-processes.jpg</a:t>
+          <a:lstStyle>
+            <a:defPPr>
+              <a:defRPr lang="de-DE"/>
+            </a:defPPr>
+            <a:lvl1pPr>
+              <a:defRPr sz="1000"/>
+            </a:lvl1pPr>
+          </a:lstStyle>
+          <a:p>
+            <a:r>
+              <a:rPr lang="de-AT" dirty="0"/>
+              <a:t>Source: http://www.mpmm.com/images/pmbok-processes.jpg</a:t>
             </a:r>
           </a:p>
         </p:txBody>
@@ -11603,7 +11622,7 @@
                   <a:schemeClr val="bg1"/>
                 </a:solidFill>
               </a:rPr>
-              <a:t>Traditional vs. Agil Methods</a:t>
+              <a:t>Traditional vs. Agile Methods</a:t>
             </a:r>
           </a:p>
         </p:txBody>
@@ -12250,7 +12269,23 @@
                   <a:schemeClr val="tx1"/>
                 </a:solidFill>
               </a:rPr>
-              <a:t>Specificationlist</a:t>
+              <a:t>Specification</a:t>
+            </a:r>
+            <a:r>
+              <a:rPr lang="de-DE" sz="1600" dirty="0">
+                <a:solidFill>
+                  <a:schemeClr val="tx1"/>
+                </a:solidFill>
+              </a:rPr>
+              <a:t> </a:t>
+            </a:r>
+            <a:r>
+              <a:rPr lang="de-DE" sz="1600" dirty="0" err="1">
+                <a:solidFill>
+                  <a:schemeClr val="tx1"/>
+                </a:solidFill>
+              </a:rPr>
+              <a:t>list</a:t>
             </a:r>
             <a:endParaRPr lang="de-DE" sz="1600" dirty="0">
               <a:solidFill>
@@ -12264,12 +12299,20 @@
               <a:buChar char="•"/>
             </a:pPr>
             <a:r>
+              <a:rPr lang="de-DE" sz="1600" dirty="0">
+                <a:solidFill>
+                  <a:schemeClr val="tx1"/>
+                </a:solidFill>
+              </a:rPr>
+              <a:t>Risk </a:t>
+            </a:r>
+            <a:r>
               <a:rPr lang="de-DE" sz="1600" dirty="0" err="1">
                 <a:solidFill>
                   <a:schemeClr val="tx1"/>
                 </a:solidFill>
               </a:rPr>
-              <a:t>Riskanalyses</a:t>
+              <a:t>analysis</a:t>
             </a:r>
             <a:endParaRPr lang="de-DE" sz="1600" dirty="0">
               <a:solidFill>
@@ -12373,31 +12416,26 @@
               <a:buChar char="•"/>
             </a:pPr>
             <a:r>
+              <a:rPr lang="de-DE" sz="1600" dirty="0">
+                <a:solidFill>
+                  <a:schemeClr val="tx1"/>
+                </a:solidFill>
+              </a:rPr>
+              <a:t>Milestone plan</a:t>
+            </a:r>
+          </a:p>
+          <a:p>
+            <a:pPr marL="285750" indent="-285750">
+              <a:buFont typeface="Arial" panose="020B0604020202020204" pitchFamily="34" charset="0"/>
+              <a:buChar char="•"/>
+            </a:pPr>
+            <a:r>
               <a:rPr lang="de-DE" sz="1600" dirty="0" err="1">
                 <a:solidFill>
                   <a:schemeClr val="tx1"/>
                 </a:solidFill>
               </a:rPr>
-              <a:t>Milestoneplan</a:t>
-            </a:r>
-            <a:endParaRPr lang="de-DE" sz="1600" dirty="0">
-              <a:solidFill>
-                <a:schemeClr val="tx1"/>
-              </a:solidFill>
-            </a:endParaRPr>
-          </a:p>
-          <a:p>
-            <a:pPr marL="285750" indent="-285750">
-              <a:buFont typeface="Arial" panose="020B0604020202020204" pitchFamily="34" charset="0"/>
-              <a:buChar char="•"/>
-            </a:pPr>
-            <a:r>
-              <a:rPr lang="de-DE" sz="1600" dirty="0" err="1">
-                <a:solidFill>
-                  <a:schemeClr val="tx1"/>
-                </a:solidFill>
-              </a:rPr>
-              <a:t>Determining</a:t>
+              <a:t>Determine</a:t>
             </a:r>
             <a:r>
               <a:rPr lang="de-DE" sz="1600" dirty="0">
@@ -12448,7 +12486,23 @@
                   <a:schemeClr val="tx1"/>
                 </a:solidFill>
               </a:rPr>
-              <a:t>Workpackages</a:t>
+              <a:t>work</a:t>
+            </a:r>
+            <a:r>
+              <a:rPr lang="de-DE" sz="1600" dirty="0">
+                <a:solidFill>
+                  <a:schemeClr val="tx1"/>
+                </a:solidFill>
+              </a:rPr>
+              <a:t> </a:t>
+            </a:r>
+            <a:r>
+              <a:rPr lang="de-DE" sz="1600" dirty="0" err="1">
+                <a:solidFill>
+                  <a:schemeClr val="tx1"/>
+                </a:solidFill>
+              </a:rPr>
+              <a:t>packages</a:t>
             </a:r>
             <a:endParaRPr lang="de-DE" sz="1600" dirty="0">
               <a:solidFill>
@@ -12732,7 +12786,23 @@
                   <a:schemeClr val="tx1"/>
                 </a:solidFill>
               </a:rPr>
-              <a:t>projectplanning</a:t>
+              <a:t>project</a:t>
+            </a:r>
+            <a:r>
+              <a:rPr lang="de-DE" sz="1600" dirty="0">
+                <a:solidFill>
+                  <a:schemeClr val="tx1"/>
+                </a:solidFill>
+              </a:rPr>
+              <a:t> </a:t>
+            </a:r>
+            <a:r>
+              <a:rPr lang="de-DE" sz="1600" dirty="0" err="1">
+                <a:solidFill>
+                  <a:schemeClr val="tx1"/>
+                </a:solidFill>
+              </a:rPr>
+              <a:t>planning</a:t>
             </a:r>
             <a:endParaRPr lang="de-DE" sz="1600" dirty="0">
               <a:solidFill>
